--- a/Temp/39期ビジネスアイディア.pptx
+++ b/Temp/39期ビジネスアイディア.pptx
@@ -17,8 +17,7 @@
     <p:sldId id="270" r:id="rId11"/>
     <p:sldId id="278" r:id="rId12"/>
     <p:sldId id="277" r:id="rId13"/>
-    <p:sldId id="266" r:id="rId14"/>
-    <p:sldId id="267" r:id="rId15"/>
+    <p:sldId id="267" r:id="rId14"/>
   </p:sldIdLst>
   <p:sldSz cx="12192000" cy="6858000"/>
   <p:notesSz cx="6858000" cy="9144000"/>
@@ -341,7 +340,7 @@
           <a:noFill/>
           <a:extLst>
             <a:ext uri="{909E8E84-426E-40dd-AFC4-6F175D3DCCD1}">
-              <a14:hiddenFill xmlns:a14="http://schemas.microsoft.com/office/drawing/2010/main" xmlns="">
+              <a14:hiddenFill xmlns="" xmlns:a14="http://schemas.microsoft.com/office/drawing/2010/main">
                 <a:solidFill>
                   <a:srgbClr val="FFFFFF"/>
                 </a:solidFill>
@@ -401,7 +400,7 @@
             </a:ln>
             <a:extLst>
               <a:ext uri="{91240B29-F687-4f45-9708-019B960494DF}">
-                <a14:hiddenLine xmlns:a14="http://schemas.microsoft.com/office/drawing/2010/main" xmlns="" w="9525">
+                <a14:hiddenLine xmlns="" xmlns:a14="http://schemas.microsoft.com/office/drawing/2010/main" w="9525">
                   <a:solidFill>
                     <a:srgbClr val="000000"/>
                   </a:solidFill>
@@ -491,7 +490,7 @@
             </a:ln>
             <a:extLst>
               <a:ext uri="{91240B29-F687-4f45-9708-019B960494DF}">
-                <a14:hiddenLine xmlns:a14="http://schemas.microsoft.com/office/drawing/2010/main" xmlns="" w="9525">
+                <a14:hiddenLine xmlns="" xmlns:a14="http://schemas.microsoft.com/office/drawing/2010/main" w="9525">
                   <a:solidFill>
                     <a:srgbClr val="000000"/>
                   </a:solidFill>
@@ -581,7 +580,7 @@
             </a:ln>
             <a:extLst>
               <a:ext uri="{91240B29-F687-4f45-9708-019B960494DF}">
-                <a14:hiddenLine xmlns:a14="http://schemas.microsoft.com/office/drawing/2010/main" xmlns="" w="9525">
+                <a14:hiddenLine xmlns="" xmlns:a14="http://schemas.microsoft.com/office/drawing/2010/main" w="9525">
                   <a:solidFill>
                     <a:srgbClr val="000000"/>
                   </a:solidFill>
@@ -615,7 +614,7 @@
             </a:ln>
             <a:extLst>
               <a:ext uri="{91240B29-F687-4f45-9708-019B960494DF}">
-                <a14:hiddenLine xmlns:a14="http://schemas.microsoft.com/office/drawing/2010/main" xmlns="" w="9525">
+                <a14:hiddenLine xmlns="" xmlns:a14="http://schemas.microsoft.com/office/drawing/2010/main" w="9525">
                   <a:solidFill>
                     <a:srgbClr val="000000"/>
                   </a:solidFill>
@@ -705,7 +704,7 @@
             </a:ln>
             <a:extLst>
               <a:ext uri="{91240B29-F687-4f45-9708-019B960494DF}">
-                <a14:hiddenLine xmlns:a14="http://schemas.microsoft.com/office/drawing/2010/main" xmlns="" w="9525">
+                <a14:hiddenLine xmlns="" xmlns:a14="http://schemas.microsoft.com/office/drawing/2010/main" w="9525">
                   <a:solidFill>
                     <a:srgbClr val="000000"/>
                   </a:solidFill>
@@ -767,7 +766,7 @@
             </a:ln>
             <a:extLst>
               <a:ext uri="{91240B29-F687-4f45-9708-019B960494DF}">
-                <a14:hiddenLine xmlns:a14="http://schemas.microsoft.com/office/drawing/2010/main" xmlns="" w="9525">
+                <a14:hiddenLine xmlns="" xmlns:a14="http://schemas.microsoft.com/office/drawing/2010/main" w="9525">
                   <a:solidFill>
                     <a:srgbClr val="000000"/>
                   </a:solidFill>
@@ -829,7 +828,7 @@
             </a:ln>
             <a:extLst>
               <a:ext uri="{91240B29-F687-4f45-9708-019B960494DF}">
-                <a14:hiddenLine xmlns:a14="http://schemas.microsoft.com/office/drawing/2010/main" xmlns="" w="9525">
+                <a14:hiddenLine xmlns="" xmlns:a14="http://schemas.microsoft.com/office/drawing/2010/main" w="9525">
                   <a:solidFill>
                     <a:srgbClr val="000000"/>
                   </a:solidFill>
@@ -919,7 +918,7 @@
             </a:ln>
             <a:extLst>
               <a:ext uri="{91240B29-F687-4f45-9708-019B960494DF}">
-                <a14:hiddenLine xmlns:a14="http://schemas.microsoft.com/office/drawing/2010/main" xmlns="" w="9525">
+                <a14:hiddenLine xmlns="" xmlns:a14="http://schemas.microsoft.com/office/drawing/2010/main" w="9525">
                   <a:solidFill>
                     <a:srgbClr val="000000"/>
                   </a:solidFill>
@@ -981,7 +980,7 @@
             </a:ln>
             <a:extLst>
               <a:ext uri="{91240B29-F687-4f45-9708-019B960494DF}">
-                <a14:hiddenLine xmlns:a14="http://schemas.microsoft.com/office/drawing/2010/main" xmlns="" w="9525">
+                <a14:hiddenLine xmlns="" xmlns:a14="http://schemas.microsoft.com/office/drawing/2010/main" w="9525">
                   <a:solidFill>
                     <a:srgbClr val="000000"/>
                   </a:solidFill>
@@ -1043,7 +1042,7 @@
             </a:ln>
             <a:extLst>
               <a:ext uri="{91240B29-F687-4f45-9708-019B960494DF}">
-                <a14:hiddenLine xmlns:a14="http://schemas.microsoft.com/office/drawing/2010/main" xmlns="" w="9525">
+                <a14:hiddenLine xmlns="" xmlns:a14="http://schemas.microsoft.com/office/drawing/2010/main" w="9525">
                   <a:solidFill>
                     <a:srgbClr val="000000"/>
                   </a:solidFill>
@@ -1133,7 +1132,7 @@
             </a:ln>
             <a:extLst>
               <a:ext uri="{91240B29-F687-4f45-9708-019B960494DF}">
-                <a14:hiddenLine xmlns:a14="http://schemas.microsoft.com/office/drawing/2010/main" xmlns="" w="9525">
+                <a14:hiddenLine xmlns="" xmlns:a14="http://schemas.microsoft.com/office/drawing/2010/main" w="9525">
                   <a:solidFill>
                     <a:srgbClr val="000000"/>
                   </a:solidFill>
@@ -1223,7 +1222,7 @@
             </a:ln>
             <a:extLst>
               <a:ext uri="{91240B29-F687-4f45-9708-019B960494DF}">
-                <a14:hiddenLine xmlns:a14="http://schemas.microsoft.com/office/drawing/2010/main" xmlns="" w="9525">
+                <a14:hiddenLine xmlns="" xmlns:a14="http://schemas.microsoft.com/office/drawing/2010/main" w="9525">
                   <a:solidFill>
                     <a:srgbClr val="000000"/>
                   </a:solidFill>
@@ -1285,7 +1284,7 @@
             </a:ln>
             <a:extLst>
               <a:ext uri="{91240B29-F687-4f45-9708-019B960494DF}">
-                <a14:hiddenLine xmlns:a14="http://schemas.microsoft.com/office/drawing/2010/main" xmlns="" w="9525">
+                <a14:hiddenLine xmlns="" xmlns:a14="http://schemas.microsoft.com/office/drawing/2010/main" w="9525">
                   <a:solidFill>
                     <a:srgbClr val="000000"/>
                   </a:solidFill>
@@ -1395,7 +1394,7 @@
             </a:ln>
             <a:extLst>
               <a:ext uri="{91240B29-F687-4f45-9708-019B960494DF}">
-                <a14:hiddenLine xmlns:a14="http://schemas.microsoft.com/office/drawing/2010/main" xmlns="" w="9525">
+                <a14:hiddenLine xmlns="" xmlns:a14="http://schemas.microsoft.com/office/drawing/2010/main" w="9525">
                   <a:solidFill>
                     <a:srgbClr val="000000"/>
                   </a:solidFill>
@@ -1457,7 +1456,7 @@
             </a:ln>
             <a:extLst>
               <a:ext uri="{91240B29-F687-4f45-9708-019B960494DF}">
-                <a14:hiddenLine xmlns:a14="http://schemas.microsoft.com/office/drawing/2010/main" xmlns="" w="9525">
+                <a14:hiddenLine xmlns="" xmlns:a14="http://schemas.microsoft.com/office/drawing/2010/main" w="9525">
                   <a:solidFill>
                     <a:srgbClr val="000000"/>
                   </a:solidFill>
@@ -1547,7 +1546,7 @@
             </a:ln>
             <a:extLst>
               <a:ext uri="{91240B29-F687-4f45-9708-019B960494DF}">
-                <a14:hiddenLine xmlns:a14="http://schemas.microsoft.com/office/drawing/2010/main" xmlns="" w="9525">
+                <a14:hiddenLine xmlns="" xmlns:a14="http://schemas.microsoft.com/office/drawing/2010/main" w="9525">
                   <a:solidFill>
                     <a:srgbClr val="000000"/>
                   </a:solidFill>
@@ -1637,7 +1636,7 @@
             </a:ln>
             <a:extLst>
               <a:ext uri="{91240B29-F687-4f45-9708-019B960494DF}">
-                <a14:hiddenLine xmlns:a14="http://schemas.microsoft.com/office/drawing/2010/main" xmlns="" w="9525">
+                <a14:hiddenLine xmlns="" xmlns:a14="http://schemas.microsoft.com/office/drawing/2010/main" w="9525">
                   <a:solidFill>
                     <a:srgbClr val="000000"/>
                   </a:solidFill>
@@ -1699,7 +1698,7 @@
             </a:ln>
             <a:extLst>
               <a:ext uri="{91240B29-F687-4f45-9708-019B960494DF}">
-                <a14:hiddenLine xmlns:a14="http://schemas.microsoft.com/office/drawing/2010/main" xmlns="" w="9525">
+                <a14:hiddenLine xmlns="" xmlns:a14="http://schemas.microsoft.com/office/drawing/2010/main" w="9525">
                   <a:solidFill>
                     <a:srgbClr val="000000"/>
                   </a:solidFill>
@@ -1789,7 +1788,7 @@
             </a:ln>
             <a:extLst>
               <a:ext uri="{91240B29-F687-4f45-9708-019B960494DF}">
-                <a14:hiddenLine xmlns:a14="http://schemas.microsoft.com/office/drawing/2010/main" xmlns="" w="9525">
+                <a14:hiddenLine xmlns="" xmlns:a14="http://schemas.microsoft.com/office/drawing/2010/main" w="9525">
                   <a:solidFill>
                     <a:srgbClr val="000000"/>
                   </a:solidFill>
@@ -1879,7 +1878,7 @@
             </a:ln>
             <a:extLst>
               <a:ext uri="{91240B29-F687-4f45-9708-019B960494DF}">
-                <a14:hiddenLine xmlns:a14="http://schemas.microsoft.com/office/drawing/2010/main" xmlns="" w="9525">
+                <a14:hiddenLine xmlns="" xmlns:a14="http://schemas.microsoft.com/office/drawing/2010/main" w="9525">
                   <a:solidFill>
                     <a:srgbClr val="000000"/>
                   </a:solidFill>
@@ -1935,7 +1934,7 @@
             </a:ln>
             <a:extLst>
               <a:ext uri="{91240B29-F687-4f45-9708-019B960494DF}">
-                <a14:hiddenLine xmlns:a14="http://schemas.microsoft.com/office/drawing/2010/main" xmlns="" w="9525">
+                <a14:hiddenLine xmlns="" xmlns:a14="http://schemas.microsoft.com/office/drawing/2010/main" w="9525">
                   <a:solidFill>
                     <a:srgbClr val="000000"/>
                   </a:solidFill>
@@ -2025,7 +2024,7 @@
             </a:ln>
             <a:extLst>
               <a:ext uri="{91240B29-F687-4f45-9708-019B960494DF}">
-                <a14:hiddenLine xmlns:a14="http://schemas.microsoft.com/office/drawing/2010/main" xmlns="" w="9525">
+                <a14:hiddenLine xmlns="" xmlns:a14="http://schemas.microsoft.com/office/drawing/2010/main" w="9525">
                   <a:solidFill>
                     <a:srgbClr val="000000"/>
                   </a:solidFill>
@@ -2081,7 +2080,7 @@
             </a:ln>
             <a:extLst>
               <a:ext uri="{91240B29-F687-4f45-9708-019B960494DF}">
-                <a14:hiddenLine xmlns:a14="http://schemas.microsoft.com/office/drawing/2010/main" xmlns="" w="9525">
+                <a14:hiddenLine xmlns="" xmlns:a14="http://schemas.microsoft.com/office/drawing/2010/main" w="9525">
                   <a:solidFill>
                     <a:srgbClr val="000000"/>
                   </a:solidFill>
@@ -2171,7 +2170,7 @@
             </a:ln>
             <a:extLst>
               <a:ext uri="{91240B29-F687-4f45-9708-019B960494DF}">
-                <a14:hiddenLine xmlns:a14="http://schemas.microsoft.com/office/drawing/2010/main" xmlns="" w="9525">
+                <a14:hiddenLine xmlns="" xmlns:a14="http://schemas.microsoft.com/office/drawing/2010/main" w="9525">
                   <a:solidFill>
                     <a:srgbClr val="000000"/>
                   </a:solidFill>
@@ -2239,7 +2238,7 @@
             </a:ln>
             <a:extLst>
               <a:ext uri="{91240B29-F687-4f45-9708-019B960494DF}">
-                <a14:hiddenLine xmlns:a14="http://schemas.microsoft.com/office/drawing/2010/main" xmlns="" w="9525">
+                <a14:hiddenLine xmlns="" xmlns:a14="http://schemas.microsoft.com/office/drawing/2010/main" w="9525">
                   <a:solidFill>
                     <a:srgbClr val="000000"/>
                   </a:solidFill>
@@ -2329,7 +2328,7 @@
             </a:ln>
             <a:extLst>
               <a:ext uri="{91240B29-F687-4f45-9708-019B960494DF}">
-                <a14:hiddenLine xmlns:a14="http://schemas.microsoft.com/office/drawing/2010/main" xmlns="" w="9525">
+                <a14:hiddenLine xmlns="" xmlns:a14="http://schemas.microsoft.com/office/drawing/2010/main" w="9525">
                   <a:solidFill>
                     <a:srgbClr val="000000"/>
                   </a:solidFill>
@@ -2397,7 +2396,7 @@
             </a:ln>
             <a:extLst>
               <a:ext uri="{91240B29-F687-4f45-9708-019B960494DF}">
-                <a14:hiddenLine xmlns:a14="http://schemas.microsoft.com/office/drawing/2010/main" xmlns="" w="9525">
+                <a14:hiddenLine xmlns="" xmlns:a14="http://schemas.microsoft.com/office/drawing/2010/main" w="9525">
                   <a:solidFill>
                     <a:srgbClr val="000000"/>
                   </a:solidFill>
@@ -2487,7 +2486,7 @@
             </a:ln>
             <a:extLst>
               <a:ext uri="{91240B29-F687-4f45-9708-019B960494DF}">
-                <a14:hiddenLine xmlns:a14="http://schemas.microsoft.com/office/drawing/2010/main" xmlns="" w="9525">
+                <a14:hiddenLine xmlns="" xmlns:a14="http://schemas.microsoft.com/office/drawing/2010/main" w="9525">
                   <a:solidFill>
                     <a:srgbClr val="000000"/>
                   </a:solidFill>
@@ -2521,7 +2520,7 @@
             </a:ln>
             <a:extLst>
               <a:ext uri="{91240B29-F687-4f45-9708-019B960494DF}">
-                <a14:hiddenLine xmlns:a14="http://schemas.microsoft.com/office/drawing/2010/main" xmlns="" w="9525">
+                <a14:hiddenLine xmlns="" xmlns:a14="http://schemas.microsoft.com/office/drawing/2010/main" w="9525">
                   <a:solidFill>
                     <a:srgbClr val="000000"/>
                   </a:solidFill>
@@ -2611,7 +2610,7 @@
             </a:ln>
             <a:extLst>
               <a:ext uri="{91240B29-F687-4f45-9708-019B960494DF}">
-                <a14:hiddenLine xmlns:a14="http://schemas.microsoft.com/office/drawing/2010/main" xmlns="" w="9525">
+                <a14:hiddenLine xmlns="" xmlns:a14="http://schemas.microsoft.com/office/drawing/2010/main" w="9525">
                   <a:solidFill>
                     <a:srgbClr val="000000"/>
                   </a:solidFill>
@@ -2673,7 +2672,7 @@
             </a:ln>
             <a:extLst>
               <a:ext uri="{91240B29-F687-4f45-9708-019B960494DF}">
-                <a14:hiddenLine xmlns:a14="http://schemas.microsoft.com/office/drawing/2010/main" xmlns="" w="9525">
+                <a14:hiddenLine xmlns="" xmlns:a14="http://schemas.microsoft.com/office/drawing/2010/main" w="9525">
                   <a:solidFill>
                     <a:srgbClr val="000000"/>
                   </a:solidFill>
@@ -2735,7 +2734,7 @@
             </a:ln>
             <a:extLst>
               <a:ext uri="{91240B29-F687-4f45-9708-019B960494DF}">
-                <a14:hiddenLine xmlns:a14="http://schemas.microsoft.com/office/drawing/2010/main" xmlns="" w="9525">
+                <a14:hiddenLine xmlns="" xmlns:a14="http://schemas.microsoft.com/office/drawing/2010/main" w="9525">
                   <a:solidFill>
                     <a:srgbClr val="000000"/>
                   </a:solidFill>
@@ -2825,7 +2824,7 @@
             </a:ln>
             <a:extLst>
               <a:ext uri="{91240B29-F687-4f45-9708-019B960494DF}">
-                <a14:hiddenLine xmlns:a14="http://schemas.microsoft.com/office/drawing/2010/main" xmlns="" w="9525">
+                <a14:hiddenLine xmlns="" xmlns:a14="http://schemas.microsoft.com/office/drawing/2010/main" w="9525">
                   <a:solidFill>
                     <a:srgbClr val="000000"/>
                   </a:solidFill>
@@ -2893,7 +2892,7 @@
             </a:ln>
             <a:extLst>
               <a:ext uri="{91240B29-F687-4f45-9708-019B960494DF}">
-                <a14:hiddenLine xmlns:a14="http://schemas.microsoft.com/office/drawing/2010/main" xmlns="" w="9525">
+                <a14:hiddenLine xmlns="" xmlns:a14="http://schemas.microsoft.com/office/drawing/2010/main" w="9525">
                   <a:solidFill>
                     <a:srgbClr val="000000"/>
                   </a:solidFill>
@@ -2955,7 +2954,7 @@
             </a:ln>
             <a:extLst>
               <a:ext uri="{91240B29-F687-4f45-9708-019B960494DF}">
-                <a14:hiddenLine xmlns:a14="http://schemas.microsoft.com/office/drawing/2010/main" xmlns="" w="9525">
+                <a14:hiddenLine xmlns="" xmlns:a14="http://schemas.microsoft.com/office/drawing/2010/main" w="9525">
                   <a:solidFill>
                     <a:srgbClr val="000000"/>
                   </a:solidFill>
@@ -3045,7 +3044,7 @@
             </a:ln>
             <a:extLst>
               <a:ext uri="{91240B29-F687-4f45-9708-019B960494DF}">
-                <a14:hiddenLine xmlns:a14="http://schemas.microsoft.com/office/drawing/2010/main" xmlns="" w="9525">
+                <a14:hiddenLine xmlns="" xmlns:a14="http://schemas.microsoft.com/office/drawing/2010/main" w="9525">
                   <a:solidFill>
                     <a:srgbClr val="000000"/>
                   </a:solidFill>
@@ -3107,7 +3106,7 @@
             </a:ln>
             <a:extLst>
               <a:ext uri="{91240B29-F687-4f45-9708-019B960494DF}">
-                <a14:hiddenLine xmlns:a14="http://schemas.microsoft.com/office/drawing/2010/main" xmlns="" w="9525">
+                <a14:hiddenLine xmlns="" xmlns:a14="http://schemas.microsoft.com/office/drawing/2010/main" w="9525">
                   <a:solidFill>
                     <a:srgbClr val="000000"/>
                   </a:solidFill>
@@ -3197,7 +3196,7 @@
             </a:ln>
             <a:extLst>
               <a:ext uri="{91240B29-F687-4f45-9708-019B960494DF}">
-                <a14:hiddenLine xmlns:a14="http://schemas.microsoft.com/office/drawing/2010/main" xmlns="" w="9525">
+                <a14:hiddenLine xmlns="" xmlns:a14="http://schemas.microsoft.com/office/drawing/2010/main" w="9525">
                   <a:solidFill>
                     <a:srgbClr val="000000"/>
                   </a:solidFill>
@@ -3259,7 +3258,7 @@
             </a:ln>
             <a:extLst>
               <a:ext uri="{91240B29-F687-4f45-9708-019B960494DF}">
-                <a14:hiddenLine xmlns:a14="http://schemas.microsoft.com/office/drawing/2010/main" xmlns="" w="9525">
+                <a14:hiddenLine xmlns="" xmlns:a14="http://schemas.microsoft.com/office/drawing/2010/main" w="9525">
                   <a:solidFill>
                     <a:srgbClr val="000000"/>
                   </a:solidFill>
@@ -3349,7 +3348,7 @@
             </a:ln>
             <a:extLst>
               <a:ext uri="{91240B29-F687-4f45-9708-019B960494DF}">
-                <a14:hiddenLine xmlns:a14="http://schemas.microsoft.com/office/drawing/2010/main" xmlns="" w="9525">
+                <a14:hiddenLine xmlns="" xmlns:a14="http://schemas.microsoft.com/office/drawing/2010/main" w="9525">
                   <a:solidFill>
                     <a:srgbClr val="000000"/>
                   </a:solidFill>
@@ -3383,7 +3382,7 @@
             </a:ln>
             <a:extLst>
               <a:ext uri="{91240B29-F687-4f45-9708-019B960494DF}">
-                <a14:hiddenLine xmlns:a14="http://schemas.microsoft.com/office/drawing/2010/main" xmlns="" w="9525">
+                <a14:hiddenLine xmlns="" xmlns:a14="http://schemas.microsoft.com/office/drawing/2010/main" w="9525">
                   <a:solidFill>
                     <a:srgbClr val="000000"/>
                   </a:solidFill>
@@ -3448,7 +3447,7 @@
             </a:ln>
             <a:extLst>
               <a:ext uri="{91240B29-F687-4f45-9708-019B960494DF}">
-                <a14:hiddenLine xmlns:a14="http://schemas.microsoft.com/office/drawing/2010/main" xmlns="" w="9525">
+                <a14:hiddenLine xmlns="" xmlns:a14="http://schemas.microsoft.com/office/drawing/2010/main" w="9525">
                   <a:solidFill>
                     <a:srgbClr val="000000"/>
                   </a:solidFill>
@@ -3538,7 +3537,7 @@
             </a:ln>
             <a:extLst>
               <a:ext uri="{91240B29-F687-4f45-9708-019B960494DF}">
-                <a14:hiddenLine xmlns:a14="http://schemas.microsoft.com/office/drawing/2010/main" xmlns="" w="9525">
+                <a14:hiddenLine xmlns="" xmlns:a14="http://schemas.microsoft.com/office/drawing/2010/main" w="9525">
                   <a:solidFill>
                     <a:srgbClr val="000000"/>
                   </a:solidFill>
@@ -3600,7 +3599,7 @@
             </a:ln>
             <a:extLst>
               <a:ext uri="{91240B29-F687-4f45-9708-019B960494DF}">
-                <a14:hiddenLine xmlns:a14="http://schemas.microsoft.com/office/drawing/2010/main" xmlns="" w="9525">
+                <a14:hiddenLine xmlns="" xmlns:a14="http://schemas.microsoft.com/office/drawing/2010/main" w="9525">
                   <a:solidFill>
                     <a:srgbClr val="000000"/>
                   </a:solidFill>
@@ -3690,7 +3689,7 @@
             </a:ln>
             <a:extLst>
               <a:ext uri="{91240B29-F687-4f45-9708-019B960494DF}">
-                <a14:hiddenLine xmlns:a14="http://schemas.microsoft.com/office/drawing/2010/main" xmlns="" w="9525">
+                <a14:hiddenLine xmlns="" xmlns:a14="http://schemas.microsoft.com/office/drawing/2010/main" w="9525">
                   <a:solidFill>
                     <a:srgbClr val="000000"/>
                   </a:solidFill>
@@ -3780,7 +3779,7 @@
             </a:ln>
             <a:extLst>
               <a:ext uri="{91240B29-F687-4f45-9708-019B960494DF}">
-                <a14:hiddenLine xmlns:a14="http://schemas.microsoft.com/office/drawing/2010/main" xmlns="" w="9525">
+                <a14:hiddenLine xmlns="" xmlns:a14="http://schemas.microsoft.com/office/drawing/2010/main" w="9525">
                   <a:solidFill>
                     <a:srgbClr val="000000"/>
                   </a:solidFill>
@@ -3845,7 +3844,7 @@
             </a:ln>
             <a:extLst>
               <a:ext uri="{91240B29-F687-4f45-9708-019B960494DF}">
-                <a14:hiddenLine xmlns:a14="http://schemas.microsoft.com/office/drawing/2010/main" xmlns="" w="9525">
+                <a14:hiddenLine xmlns="" xmlns:a14="http://schemas.microsoft.com/office/drawing/2010/main" w="9525">
                   <a:solidFill>
                     <a:srgbClr val="000000"/>
                   </a:solidFill>
@@ -3907,7 +3906,7 @@
             </a:ln>
             <a:extLst>
               <a:ext uri="{91240B29-F687-4f45-9708-019B960494DF}">
-                <a14:hiddenLine xmlns:a14="http://schemas.microsoft.com/office/drawing/2010/main" xmlns="" w="9525">
+                <a14:hiddenLine xmlns="" xmlns:a14="http://schemas.microsoft.com/office/drawing/2010/main" w="9525">
                   <a:solidFill>
                     <a:srgbClr val="000000"/>
                   </a:solidFill>
@@ -3997,7 +3996,7 @@
             </a:ln>
             <a:extLst>
               <a:ext uri="{91240B29-F687-4f45-9708-019B960494DF}">
-                <a14:hiddenLine xmlns:a14="http://schemas.microsoft.com/office/drawing/2010/main" xmlns="" w="9525">
+                <a14:hiddenLine xmlns="" xmlns:a14="http://schemas.microsoft.com/office/drawing/2010/main" w="9525">
                   <a:solidFill>
                     <a:srgbClr val="000000"/>
                   </a:solidFill>
@@ -4087,7 +4086,7 @@
             </a:ln>
             <a:extLst>
               <a:ext uri="{91240B29-F687-4f45-9708-019B960494DF}">
-                <a14:hiddenLine xmlns:a14="http://schemas.microsoft.com/office/drawing/2010/main" xmlns="" w="9525">
+                <a14:hiddenLine xmlns="" xmlns:a14="http://schemas.microsoft.com/office/drawing/2010/main" w="9525">
                   <a:solidFill>
                     <a:srgbClr val="000000"/>
                   </a:solidFill>
@@ -4149,7 +4148,7 @@
             </a:ln>
             <a:extLst>
               <a:ext uri="{91240B29-F687-4f45-9708-019B960494DF}">
-                <a14:hiddenLine xmlns:a14="http://schemas.microsoft.com/office/drawing/2010/main" xmlns="" w="9525">
+                <a14:hiddenLine xmlns="" xmlns:a14="http://schemas.microsoft.com/office/drawing/2010/main" w="9525">
                   <a:solidFill>
                     <a:srgbClr val="000000"/>
                   </a:solidFill>
@@ -4269,7 +4268,7 @@
             </a:ln>
             <a:extLst>
               <a:ext uri="{91240B29-F687-4f45-9708-019B960494DF}">
-                <a14:hiddenLine xmlns:a14="http://schemas.microsoft.com/office/drawing/2010/main" xmlns="" w="9525">
+                <a14:hiddenLine xmlns="" xmlns:a14="http://schemas.microsoft.com/office/drawing/2010/main" w="9525">
                   <a:solidFill>
                     <a:srgbClr val="000000"/>
                   </a:solidFill>
@@ -4337,7 +4336,7 @@
             </a:ln>
             <a:extLst>
               <a:ext uri="{91240B29-F687-4f45-9708-019B960494DF}">
-                <a14:hiddenLine xmlns:a14="http://schemas.microsoft.com/office/drawing/2010/main" xmlns="" w="9525">
+                <a14:hiddenLine xmlns="" xmlns:a14="http://schemas.microsoft.com/office/drawing/2010/main" w="9525">
                   <a:solidFill>
                     <a:srgbClr val="000000"/>
                   </a:solidFill>
@@ -4427,7 +4426,7 @@
             </a:ln>
             <a:extLst>
               <a:ext uri="{91240B29-F687-4f45-9708-019B960494DF}">
-                <a14:hiddenLine xmlns:a14="http://schemas.microsoft.com/office/drawing/2010/main" xmlns="" w="9525">
+                <a14:hiddenLine xmlns="" xmlns:a14="http://schemas.microsoft.com/office/drawing/2010/main" w="9525">
                   <a:solidFill>
                     <a:srgbClr val="000000"/>
                   </a:solidFill>
@@ -4567,7 +4566,7 @@
           <a:p>
             <a:fld id="{48A87A34-81AB-432B-8DAE-1953F412C126}" type="datetimeFigureOut">
               <a:rPr lang="en-US" dirty="0"/>
-              <a:t>11/21/2023</a:t>
+              <a:t>11/29/2023</a:t>
             </a:fld>
             <a:endParaRPr lang="en-US" dirty="0"/>
           </a:p>
@@ -4829,7 +4828,7 @@
           <a:p>
             <a:fld id="{48A87A34-81AB-432B-8DAE-1953F412C126}" type="datetimeFigureOut">
               <a:rPr lang="en-US" dirty="0"/>
-              <a:t>11/21/2023</a:t>
+              <a:t>11/29/2023</a:t>
             </a:fld>
             <a:endParaRPr lang="en-US" dirty="0"/>
           </a:p>
@@ -5020,7 +5019,7 @@
           <a:p>
             <a:fld id="{48A87A34-81AB-432B-8DAE-1953F412C126}" type="datetimeFigureOut">
               <a:rPr lang="en-US" dirty="0"/>
-              <a:t>11/21/2023</a:t>
+              <a:t>11/29/2023</a:t>
             </a:fld>
             <a:endParaRPr lang="en-US" dirty="0"/>
           </a:p>
@@ -5278,7 +5277,7 @@
           <a:p>
             <a:fld id="{48A87A34-81AB-432B-8DAE-1953F412C126}" type="datetimeFigureOut">
               <a:rPr lang="en-US" dirty="0"/>
-              <a:t>11/21/2023</a:t>
+              <a:t>11/29/2023</a:t>
             </a:fld>
             <a:endParaRPr lang="en-US" dirty="0"/>
           </a:p>
@@ -5707,7 +5706,7 @@
           <a:p>
             <a:fld id="{48A87A34-81AB-432B-8DAE-1953F412C126}" type="datetimeFigureOut">
               <a:rPr lang="en-US" dirty="0"/>
-              <a:t>11/21/2023</a:t>
+              <a:t>11/29/2023</a:t>
             </a:fld>
             <a:endParaRPr lang="en-US" dirty="0"/>
           </a:p>
@@ -6248,7 +6247,7 @@
           <a:p>
             <a:fld id="{48A87A34-81AB-432B-8DAE-1953F412C126}" type="datetimeFigureOut">
               <a:rPr lang="en-US" dirty="0"/>
-              <a:t>11/21/2023</a:t>
+              <a:t>11/29/2023</a:t>
             </a:fld>
             <a:endParaRPr lang="en-US" dirty="0"/>
           </a:p>
@@ -6963,7 +6962,7 @@
           <a:p>
             <a:fld id="{48A87A34-81AB-432B-8DAE-1953F412C126}" type="datetimeFigureOut">
               <a:rPr lang="en-US" dirty="0"/>
-              <a:t>11/21/2023</a:t>
+              <a:t>11/29/2023</a:t>
             </a:fld>
             <a:endParaRPr lang="en-US" dirty="0"/>
           </a:p>
@@ -7160,7 +7159,7 @@
           <a:p>
             <a:fld id="{48A87A34-81AB-432B-8DAE-1953F412C126}" type="datetimeFigureOut">
               <a:rPr lang="en-US" dirty="0"/>
-              <a:t>11/21/2023</a:t>
+              <a:t>11/29/2023</a:t>
             </a:fld>
             <a:endParaRPr lang="en-US" dirty="0"/>
           </a:p>
@@ -7367,7 +7366,7 @@
           <a:p>
             <a:fld id="{48A87A34-81AB-432B-8DAE-1953F412C126}" type="datetimeFigureOut">
               <a:rPr lang="en-US" dirty="0"/>
-              <a:t>11/21/2023</a:t>
+              <a:t>11/29/2023</a:t>
             </a:fld>
             <a:endParaRPr lang="en-US" dirty="0"/>
           </a:p>
@@ -7564,7 +7563,7 @@
           <a:p>
             <a:fld id="{48A87A34-81AB-432B-8DAE-1953F412C126}" type="datetimeFigureOut">
               <a:rPr lang="en-US" dirty="0"/>
-              <a:t>11/21/2023</a:t>
+              <a:t>11/29/2023</a:t>
             </a:fld>
             <a:endParaRPr lang="en-US" dirty="0"/>
           </a:p>
@@ -7809,7 +7808,7 @@
           <a:p>
             <a:fld id="{48A87A34-81AB-432B-8DAE-1953F412C126}" type="datetimeFigureOut">
               <a:rPr lang="en-US" dirty="0"/>
-              <a:t>11/21/2023</a:t>
+              <a:t>11/29/2023</a:t>
             </a:fld>
             <a:endParaRPr lang="en-US" dirty="0"/>
           </a:p>
@@ -8100,7 +8099,7 @@
           <a:p>
             <a:fld id="{48A87A34-81AB-432B-8DAE-1953F412C126}" type="datetimeFigureOut">
               <a:rPr lang="en-US" dirty="0"/>
-              <a:t>11/21/2023</a:t>
+              <a:t>11/29/2023</a:t>
             </a:fld>
             <a:endParaRPr lang="en-US" dirty="0"/>
           </a:p>
@@ -8540,7 +8539,7 @@
           <a:p>
             <a:fld id="{48A87A34-81AB-432B-8DAE-1953F412C126}" type="datetimeFigureOut">
               <a:rPr lang="en-US" dirty="0"/>
-              <a:t>11/21/2023</a:t>
+              <a:t>11/29/2023</a:t>
             </a:fld>
             <a:endParaRPr lang="en-US" dirty="0"/>
           </a:p>
@@ -8653,7 +8652,7 @@
           <a:p>
             <a:fld id="{48A87A34-81AB-432B-8DAE-1953F412C126}" type="datetimeFigureOut">
               <a:rPr lang="en-US" dirty="0"/>
-              <a:t>11/21/2023</a:t>
+              <a:t>11/29/2023</a:t>
             </a:fld>
             <a:endParaRPr lang="en-US" dirty="0"/>
           </a:p>
@@ -8743,7 +8742,7 @@
           <a:p>
             <a:fld id="{48A87A34-81AB-432B-8DAE-1953F412C126}" type="datetimeFigureOut">
               <a:rPr lang="en-US" dirty="0"/>
-              <a:t>11/21/2023</a:t>
+              <a:t>11/29/2023</a:t>
             </a:fld>
             <a:endParaRPr lang="en-US" dirty="0"/>
           </a:p>
@@ -9019,7 +9018,7 @@
           <a:p>
             <a:fld id="{48A87A34-81AB-432B-8DAE-1953F412C126}" type="datetimeFigureOut">
               <a:rPr lang="en-US" dirty="0"/>
-              <a:t>11/21/2023</a:t>
+              <a:t>11/29/2023</a:t>
             </a:fld>
             <a:endParaRPr lang="en-US" dirty="0"/>
           </a:p>
@@ -9294,7 +9293,7 @@
           <a:p>
             <a:fld id="{48A87A34-81AB-432B-8DAE-1953F412C126}" type="datetimeFigureOut">
               <a:rPr lang="en-US" dirty="0"/>
-              <a:t>11/21/2023</a:t>
+              <a:t>11/29/2023</a:t>
             </a:fld>
             <a:endParaRPr lang="en-US" dirty="0"/>
           </a:p>
@@ -9405,7 +9404,7 @@
           <a:noFill/>
           <a:extLst>
             <a:ext uri="{909E8E84-426E-40dd-AFC4-6F175D3DCCD1}">
-              <a14:hiddenFill xmlns:a14="http://schemas.microsoft.com/office/drawing/2010/main" xmlns="">
+              <a14:hiddenFill xmlns="" xmlns:a14="http://schemas.microsoft.com/office/drawing/2010/main">
                 <a:solidFill>
                   <a:srgbClr val="FFFFFF"/>
                 </a:solidFill>
@@ -9479,7 +9478,7 @@
               </a:ln>
               <a:extLst>
                 <a:ext uri="{91240B29-F687-4f45-9708-019B960494DF}">
-                  <a14:hiddenLine xmlns:a14="http://schemas.microsoft.com/office/drawing/2010/main" xmlns="" w="9525">
+                  <a14:hiddenLine xmlns="" xmlns:a14="http://schemas.microsoft.com/office/drawing/2010/main" w="9525">
                     <a:solidFill>
                       <a:srgbClr val="000000"/>
                     </a:solidFill>
@@ -9569,7 +9568,7 @@
               </a:ln>
               <a:extLst>
                 <a:ext uri="{91240B29-F687-4f45-9708-019B960494DF}">
-                  <a14:hiddenLine xmlns:a14="http://schemas.microsoft.com/office/drawing/2010/main" xmlns="" w="9525">
+                  <a14:hiddenLine xmlns="" xmlns:a14="http://schemas.microsoft.com/office/drawing/2010/main" w="9525">
                     <a:solidFill>
                       <a:srgbClr val="000000"/>
                     </a:solidFill>
@@ -9659,7 +9658,7 @@
               </a:ln>
               <a:extLst>
                 <a:ext uri="{91240B29-F687-4f45-9708-019B960494DF}">
-                  <a14:hiddenLine xmlns:a14="http://schemas.microsoft.com/office/drawing/2010/main" xmlns="" w="9525">
+                  <a14:hiddenLine xmlns="" xmlns:a14="http://schemas.microsoft.com/office/drawing/2010/main" w="9525">
                     <a:solidFill>
                       <a:srgbClr val="000000"/>
                     </a:solidFill>
@@ -9721,7 +9720,7 @@
               </a:ln>
               <a:extLst>
                 <a:ext uri="{91240B29-F687-4f45-9708-019B960494DF}">
-                  <a14:hiddenLine xmlns:a14="http://schemas.microsoft.com/office/drawing/2010/main" xmlns="" w="9525">
+                  <a14:hiddenLine xmlns="" xmlns:a14="http://schemas.microsoft.com/office/drawing/2010/main" w="9525">
                     <a:solidFill>
                       <a:srgbClr val="000000"/>
                     </a:solidFill>
@@ -9811,7 +9810,7 @@
               </a:ln>
               <a:extLst>
                 <a:ext uri="{91240B29-F687-4f45-9708-019B960494DF}">
-                  <a14:hiddenLine xmlns:a14="http://schemas.microsoft.com/office/drawing/2010/main" xmlns="" w="9525">
+                  <a14:hiddenLine xmlns="" xmlns:a14="http://schemas.microsoft.com/office/drawing/2010/main" w="9525">
                     <a:solidFill>
                       <a:srgbClr val="000000"/>
                     </a:solidFill>
@@ -9873,7 +9872,7 @@
               </a:ln>
               <a:extLst>
                 <a:ext uri="{91240B29-F687-4f45-9708-019B960494DF}">
-                  <a14:hiddenLine xmlns:a14="http://schemas.microsoft.com/office/drawing/2010/main" xmlns="" w="9525">
+                  <a14:hiddenLine xmlns="" xmlns:a14="http://schemas.microsoft.com/office/drawing/2010/main" w="9525">
                     <a:solidFill>
                       <a:srgbClr val="000000"/>
                     </a:solidFill>
@@ -9935,7 +9934,7 @@
               </a:ln>
               <a:extLst>
                 <a:ext uri="{91240B29-F687-4f45-9708-019B960494DF}">
-                  <a14:hiddenLine xmlns:a14="http://schemas.microsoft.com/office/drawing/2010/main" xmlns="" w="9525">
+                  <a14:hiddenLine xmlns="" xmlns:a14="http://schemas.microsoft.com/office/drawing/2010/main" w="9525">
                     <a:solidFill>
                       <a:srgbClr val="000000"/>
                     </a:solidFill>
@@ -10025,7 +10024,7 @@
               </a:ln>
               <a:extLst>
                 <a:ext uri="{91240B29-F687-4f45-9708-019B960494DF}">
-                  <a14:hiddenLine xmlns:a14="http://schemas.microsoft.com/office/drawing/2010/main" xmlns="" w="9525">
+                  <a14:hiddenLine xmlns="" xmlns:a14="http://schemas.microsoft.com/office/drawing/2010/main" w="9525">
                     <a:solidFill>
                       <a:srgbClr val="000000"/>
                     </a:solidFill>
@@ -10115,7 +10114,7 @@
               </a:ln>
               <a:extLst>
                 <a:ext uri="{91240B29-F687-4f45-9708-019B960494DF}">
-                  <a14:hiddenLine xmlns:a14="http://schemas.microsoft.com/office/drawing/2010/main" xmlns="" w="9525">
+                  <a14:hiddenLine xmlns="" xmlns:a14="http://schemas.microsoft.com/office/drawing/2010/main" w="9525">
                     <a:solidFill>
                       <a:srgbClr val="000000"/>
                     </a:solidFill>
@@ -10177,7 +10176,7 @@
               </a:ln>
               <a:extLst>
                 <a:ext uri="{91240B29-F687-4f45-9708-019B960494DF}">
-                  <a14:hiddenLine xmlns:a14="http://schemas.microsoft.com/office/drawing/2010/main" xmlns="" w="9525">
+                  <a14:hiddenLine xmlns="" xmlns:a14="http://schemas.microsoft.com/office/drawing/2010/main" w="9525">
                     <a:solidFill>
                       <a:srgbClr val="000000"/>
                     </a:solidFill>
@@ -10287,7 +10286,7 @@
               </a:ln>
               <a:extLst>
                 <a:ext uri="{91240B29-F687-4f45-9708-019B960494DF}">
-                  <a14:hiddenLine xmlns:a14="http://schemas.microsoft.com/office/drawing/2010/main" xmlns="" w="9525">
+                  <a14:hiddenLine xmlns="" xmlns:a14="http://schemas.microsoft.com/office/drawing/2010/main" w="9525">
                     <a:solidFill>
                       <a:srgbClr val="000000"/>
                     </a:solidFill>
@@ -10371,7 +10370,7 @@
               </a:ln>
               <a:extLst>
                 <a:ext uri="{91240B29-F687-4f45-9708-019B960494DF}">
-                  <a14:hiddenLine xmlns:a14="http://schemas.microsoft.com/office/drawing/2010/main" xmlns="" w="9525">
+                  <a14:hiddenLine xmlns="" xmlns:a14="http://schemas.microsoft.com/office/drawing/2010/main" w="9525">
                     <a:solidFill>
                       <a:srgbClr val="000000"/>
                     </a:solidFill>
@@ -10433,7 +10432,7 @@
               </a:ln>
               <a:extLst>
                 <a:ext uri="{91240B29-F687-4f45-9708-019B960494DF}">
-                  <a14:hiddenLine xmlns:a14="http://schemas.microsoft.com/office/drawing/2010/main" xmlns="" w="9525">
+                  <a14:hiddenLine xmlns="" xmlns:a14="http://schemas.microsoft.com/office/drawing/2010/main" w="9525">
                     <a:solidFill>
                       <a:srgbClr val="000000"/>
                     </a:solidFill>
@@ -10495,7 +10494,7 @@
               </a:ln>
               <a:extLst>
                 <a:ext uri="{91240B29-F687-4f45-9708-019B960494DF}">
-                  <a14:hiddenLine xmlns:a14="http://schemas.microsoft.com/office/drawing/2010/main" xmlns="" w="9525">
+                  <a14:hiddenLine xmlns="" xmlns:a14="http://schemas.microsoft.com/office/drawing/2010/main" w="9525">
                     <a:solidFill>
                       <a:srgbClr val="000000"/>
                     </a:solidFill>
@@ -10585,7 +10584,7 @@
               </a:ln>
               <a:extLst>
                 <a:ext uri="{91240B29-F687-4f45-9708-019B960494DF}">
-                  <a14:hiddenLine xmlns:a14="http://schemas.microsoft.com/office/drawing/2010/main" xmlns="" w="9525">
+                  <a14:hiddenLine xmlns="" xmlns:a14="http://schemas.microsoft.com/office/drawing/2010/main" w="9525">
                     <a:solidFill>
                       <a:srgbClr val="000000"/>
                     </a:solidFill>
@@ -10619,7 +10618,7 @@
               </a:ln>
               <a:extLst>
                 <a:ext uri="{91240B29-F687-4f45-9708-019B960494DF}">
-                  <a14:hiddenLine xmlns:a14="http://schemas.microsoft.com/office/drawing/2010/main" xmlns="" w="9525">
+                  <a14:hiddenLine xmlns="" xmlns:a14="http://schemas.microsoft.com/office/drawing/2010/main" w="9525">
                     <a:solidFill>
                       <a:srgbClr val="000000"/>
                     </a:solidFill>
@@ -10684,7 +10683,7 @@
               </a:ln>
               <a:extLst>
                 <a:ext uri="{91240B29-F687-4f45-9708-019B960494DF}">
-                  <a14:hiddenLine xmlns:a14="http://schemas.microsoft.com/office/drawing/2010/main" xmlns="" w="9525">
+                  <a14:hiddenLine xmlns="" xmlns:a14="http://schemas.microsoft.com/office/drawing/2010/main" w="9525">
                     <a:solidFill>
                       <a:srgbClr val="000000"/>
                     </a:solidFill>
@@ -10774,7 +10773,7 @@
               </a:ln>
               <a:extLst>
                 <a:ext uri="{91240B29-F687-4f45-9708-019B960494DF}">
-                  <a14:hiddenLine xmlns:a14="http://schemas.microsoft.com/office/drawing/2010/main" xmlns="" w="9525">
+                  <a14:hiddenLine xmlns="" xmlns:a14="http://schemas.microsoft.com/office/drawing/2010/main" w="9525">
                     <a:solidFill>
                       <a:srgbClr val="000000"/>
                     </a:solidFill>
@@ -10836,7 +10835,7 @@
               </a:ln>
               <a:extLst>
                 <a:ext uri="{91240B29-F687-4f45-9708-019B960494DF}">
-                  <a14:hiddenLine xmlns:a14="http://schemas.microsoft.com/office/drawing/2010/main" xmlns="" w="9525">
+                  <a14:hiddenLine xmlns="" xmlns:a14="http://schemas.microsoft.com/office/drawing/2010/main" w="9525">
                     <a:solidFill>
                       <a:srgbClr val="000000"/>
                     </a:solidFill>
@@ -10926,7 +10925,7 @@
               </a:ln>
               <a:extLst>
                 <a:ext uri="{91240B29-F687-4f45-9708-019B960494DF}">
-                  <a14:hiddenLine xmlns:a14="http://schemas.microsoft.com/office/drawing/2010/main" xmlns="" w="9525">
+                  <a14:hiddenLine xmlns="" xmlns:a14="http://schemas.microsoft.com/office/drawing/2010/main" w="9525">
                     <a:solidFill>
                       <a:srgbClr val="000000"/>
                     </a:solidFill>
@@ -10991,7 +10990,7 @@
               </a:ln>
               <a:extLst>
                 <a:ext uri="{91240B29-F687-4f45-9708-019B960494DF}">
-                  <a14:hiddenLine xmlns:a14="http://schemas.microsoft.com/office/drawing/2010/main" xmlns="" w="9525">
+                  <a14:hiddenLine xmlns="" xmlns:a14="http://schemas.microsoft.com/office/drawing/2010/main" w="9525">
                     <a:solidFill>
                       <a:srgbClr val="000000"/>
                     </a:solidFill>
@@ -11053,7 +11052,7 @@
               </a:ln>
               <a:extLst>
                 <a:ext uri="{91240B29-F687-4f45-9708-019B960494DF}">
-                  <a14:hiddenLine xmlns:a14="http://schemas.microsoft.com/office/drawing/2010/main" xmlns="" w="9525">
+                  <a14:hiddenLine xmlns="" xmlns:a14="http://schemas.microsoft.com/office/drawing/2010/main" w="9525">
                     <a:solidFill>
                       <a:srgbClr val="000000"/>
                     </a:solidFill>
@@ -11143,7 +11142,7 @@
               </a:ln>
               <a:extLst>
                 <a:ext uri="{91240B29-F687-4f45-9708-019B960494DF}">
-                  <a14:hiddenLine xmlns:a14="http://schemas.microsoft.com/office/drawing/2010/main" xmlns="" w="9525">
+                  <a14:hiddenLine xmlns="" xmlns:a14="http://schemas.microsoft.com/office/drawing/2010/main" w="9525">
                     <a:solidFill>
                       <a:srgbClr val="000000"/>
                     </a:solidFill>
@@ -11233,7 +11232,7 @@
               </a:ln>
               <a:extLst>
                 <a:ext uri="{91240B29-F687-4f45-9708-019B960494DF}">
-                  <a14:hiddenLine xmlns:a14="http://schemas.microsoft.com/office/drawing/2010/main" xmlns="" w="9525">
+                  <a14:hiddenLine xmlns="" xmlns:a14="http://schemas.microsoft.com/office/drawing/2010/main" w="9525">
                     <a:solidFill>
                       <a:srgbClr val="000000"/>
                     </a:solidFill>
@@ -11298,7 +11297,7 @@
               </a:ln>
               <a:extLst>
                 <a:ext uri="{91240B29-F687-4f45-9708-019B960494DF}">
-                  <a14:hiddenLine xmlns:a14="http://schemas.microsoft.com/office/drawing/2010/main" xmlns="" w="9525">
+                  <a14:hiddenLine xmlns="" xmlns:a14="http://schemas.microsoft.com/office/drawing/2010/main" w="9525">
                     <a:solidFill>
                       <a:srgbClr val="000000"/>
                     </a:solidFill>
@@ -11418,7 +11417,7 @@
               </a:ln>
               <a:extLst>
                 <a:ext uri="{91240B29-F687-4f45-9708-019B960494DF}">
-                  <a14:hiddenLine xmlns:a14="http://schemas.microsoft.com/office/drawing/2010/main" xmlns="" w="9525">
+                  <a14:hiddenLine xmlns="" xmlns:a14="http://schemas.microsoft.com/office/drawing/2010/main" w="9525">
                     <a:solidFill>
                       <a:srgbClr val="000000"/>
                     </a:solidFill>
@@ -11516,7 +11515,7 @@
               </a:ln>
               <a:extLst>
                 <a:ext uri="{91240B29-F687-4f45-9708-019B960494DF}">
-                  <a14:hiddenLine xmlns:a14="http://schemas.microsoft.com/office/drawing/2010/main" xmlns="" w="9525">
+                  <a14:hiddenLine xmlns="" xmlns:a14="http://schemas.microsoft.com/office/drawing/2010/main" w="9525">
                     <a:solidFill>
                       <a:srgbClr val="000000"/>
                     </a:solidFill>
@@ -11631,7 +11630,7 @@
               </a:ln>
               <a:extLst>
                 <a:ext uri="{91240B29-F687-4f45-9708-019B960494DF}">
-                  <a14:hiddenLine xmlns:a14="http://schemas.microsoft.com/office/drawing/2010/main" xmlns="" w="9525">
+                  <a14:hiddenLine xmlns="" xmlns:a14="http://schemas.microsoft.com/office/drawing/2010/main" w="9525">
                     <a:solidFill>
                       <a:srgbClr val="000000"/>
                     </a:solidFill>
@@ -11721,7 +11720,7 @@
               </a:ln>
               <a:extLst>
                 <a:ext uri="{91240B29-F687-4f45-9708-019B960494DF}">
-                  <a14:hiddenLine xmlns:a14="http://schemas.microsoft.com/office/drawing/2010/main" xmlns="" w="9525">
+                  <a14:hiddenLine xmlns="" xmlns:a14="http://schemas.microsoft.com/office/drawing/2010/main" w="9525">
                     <a:solidFill>
                       <a:srgbClr val="000000"/>
                     </a:solidFill>
@@ -11786,7 +11785,7 @@
               </a:ln>
               <a:extLst>
                 <a:ext uri="{91240B29-F687-4f45-9708-019B960494DF}">
-                  <a14:hiddenLine xmlns:a14="http://schemas.microsoft.com/office/drawing/2010/main" xmlns="" w="9525">
+                  <a14:hiddenLine xmlns="" xmlns:a14="http://schemas.microsoft.com/office/drawing/2010/main" w="9525">
                     <a:solidFill>
                       <a:srgbClr val="000000"/>
                     </a:solidFill>
@@ -11876,7 +11875,7 @@
               </a:ln>
               <a:extLst>
                 <a:ext uri="{91240B29-F687-4f45-9708-019B960494DF}">
-                  <a14:hiddenLine xmlns:a14="http://schemas.microsoft.com/office/drawing/2010/main" xmlns="" w="9525">
+                  <a14:hiddenLine xmlns="" xmlns:a14="http://schemas.microsoft.com/office/drawing/2010/main" w="9525">
                     <a:solidFill>
                       <a:srgbClr val="000000"/>
                     </a:solidFill>
@@ -11944,7 +11943,7 @@
               </a:ln>
               <a:extLst>
                 <a:ext uri="{91240B29-F687-4f45-9708-019B960494DF}">
-                  <a14:hiddenLine xmlns:a14="http://schemas.microsoft.com/office/drawing/2010/main" xmlns="" w="9525">
+                  <a14:hiddenLine xmlns="" xmlns:a14="http://schemas.microsoft.com/office/drawing/2010/main" w="9525">
                     <a:solidFill>
                       <a:srgbClr val="000000"/>
                     </a:solidFill>
@@ -12034,7 +12033,7 @@
               </a:ln>
               <a:extLst>
                 <a:ext uri="{91240B29-F687-4f45-9708-019B960494DF}">
-                  <a14:hiddenLine xmlns:a14="http://schemas.microsoft.com/office/drawing/2010/main" xmlns="" w="9525">
+                  <a14:hiddenLine xmlns="" xmlns:a14="http://schemas.microsoft.com/office/drawing/2010/main" w="9525">
                     <a:solidFill>
                       <a:srgbClr val="000000"/>
                     </a:solidFill>
@@ -12102,7 +12101,7 @@
               </a:ln>
               <a:extLst>
                 <a:ext uri="{91240B29-F687-4f45-9708-019B960494DF}">
-                  <a14:hiddenLine xmlns:a14="http://schemas.microsoft.com/office/drawing/2010/main" xmlns="" w="9525">
+                  <a14:hiddenLine xmlns="" xmlns:a14="http://schemas.microsoft.com/office/drawing/2010/main" w="9525">
                     <a:solidFill>
                       <a:srgbClr val="000000"/>
                     </a:solidFill>
@@ -12192,7 +12191,7 @@
               </a:ln>
               <a:extLst>
                 <a:ext uri="{91240B29-F687-4f45-9708-019B960494DF}">
-                  <a14:hiddenLine xmlns:a14="http://schemas.microsoft.com/office/drawing/2010/main" xmlns="" w="9525">
+                  <a14:hiddenLine xmlns="" xmlns:a14="http://schemas.microsoft.com/office/drawing/2010/main" w="9525">
                     <a:solidFill>
                       <a:srgbClr val="000000"/>
                     </a:solidFill>
@@ -12226,7 +12225,7 @@
               </a:ln>
               <a:extLst>
                 <a:ext uri="{91240B29-F687-4f45-9708-019B960494DF}">
-                  <a14:hiddenLine xmlns:a14="http://schemas.microsoft.com/office/drawing/2010/main" xmlns="" w="9525">
+                  <a14:hiddenLine xmlns="" xmlns:a14="http://schemas.microsoft.com/office/drawing/2010/main" w="9525">
                     <a:solidFill>
                       <a:srgbClr val="000000"/>
                     </a:solidFill>
@@ -12399,7 +12398,7 @@
             <a:fld id="{48A87A34-81AB-432B-8DAE-1953F412C126}" type="datetimeFigureOut">
               <a:rPr lang="en-US" dirty="0"/>
               <a:pPr/>
-              <a:t>11/21/2023</a:t>
+              <a:t>11/29/2023</a:t>
             </a:fld>
             <a:endParaRPr lang="en-US" dirty="0"/>
           </a:p>
@@ -12870,7 +12869,7 @@
           <a:p>
             <a:r>
               <a:rPr kumimoji="1" lang="ja-JP" altLang="en-US" dirty="0"/>
-              <a:t>ソフト開発環境（</a:t>
+              <a:t>クラウドソフト開発環境（</a:t>
             </a:r>
             <a:r>
               <a:rPr lang="en-US" altLang="ja-JP" dirty="0"/>
@@ -12942,7 +12941,7 @@
           <a:p>
             <a:r>
               <a:rPr kumimoji="1" lang="ja-JP" altLang="en-US" dirty="0"/>
-              <a:t>■効果</a:t>
+              <a:t>■効果（顧客側のメリット）</a:t>
             </a:r>
             <a:br>
               <a:rPr kumimoji="1" lang="en-US" altLang="ja-JP" dirty="0"/>
@@ -12982,7 +12981,7 @@
         <p:spPr/>
         <p:txBody>
           <a:bodyPr>
-            <a:normAutofit fontScale="55000" lnSpcReduction="20000"/>
+            <a:normAutofit fontScale="62500" lnSpcReduction="20000"/>
           </a:bodyPr>
           <a:lstStyle/>
           <a:p>
@@ -12997,23 +12996,60 @@
             <a:endParaRPr kumimoji="1" lang="en-US" altLang="ja-JP" dirty="0"/>
           </a:p>
           <a:p>
+            <a:pPr marL="0" indent="0">
+              <a:buNone/>
+            </a:pPr>
             <a:r>
               <a:rPr lang="ja-JP" altLang="en-US" dirty="0"/>
-              <a:t>自社での研修を外部委託することで本来の業務にリソースを割くことが可能</a:t>
+              <a:t>⇒自社研修を外部委託化し開発業務へリソースを集中させることが可能</a:t>
             </a:r>
             <a:endParaRPr lang="en-US" altLang="ja-JP" dirty="0"/>
           </a:p>
           <a:p>
+            <a:endParaRPr lang="en-US" altLang="ja-JP" dirty="0"/>
+          </a:p>
+          <a:p>
             <a:r>
               <a:rPr lang="ja-JP" altLang="en-US" dirty="0"/>
-              <a:t>いつでもどこでも誰でもタイムリーな受講が可能</a:t>
+              <a:t>学習時間を選ばずに受講可能なクラウドプラットフォーム</a:t>
             </a:r>
             <a:endParaRPr lang="en-US" altLang="ja-JP" dirty="0"/>
           </a:p>
           <a:p>
+            <a:pPr marL="0" indent="0">
+              <a:buNone/>
+            </a:pPr>
             <a:r>
               <a:rPr lang="ja-JP" altLang="en-US" dirty="0"/>
-              <a:t>開発現場では当たり前となった</a:t>
+              <a:t>⇒インターネット環境さえあれば時間</a:t>
+            </a:r>
+            <a:r>
+              <a:rPr lang="en-US" altLang="ja-JP" dirty="0"/>
+              <a:t>/</a:t>
+            </a:r>
+            <a:r>
+              <a:rPr lang="ja-JP" altLang="en-US" dirty="0"/>
+              <a:t>場所を選ばずタイムリーに受講が可能</a:t>
+            </a:r>
+            <a:endParaRPr lang="en-US" altLang="ja-JP" dirty="0"/>
+          </a:p>
+          <a:p>
+            <a:endParaRPr lang="en-US" altLang="ja-JP" dirty="0"/>
+          </a:p>
+          <a:p>
+            <a:r>
+              <a:rPr lang="ja-JP" altLang="en-US" dirty="0"/>
+              <a:t>実際のソフト開発境を模擬した実践的な開発環境</a:t>
+            </a:r>
+            <a:endParaRPr lang="en-US" altLang="ja-JP" dirty="0"/>
+          </a:p>
+          <a:p>
+            <a:pPr marL="0" indent="0">
+              <a:buNone/>
+            </a:pPr>
+            <a:r>
+              <a:rPr lang="ja-JP" altLang="en-US" dirty="0"/>
+              <a:t>⇒ソフト開発では標準となりつつある</a:t>
             </a:r>
             <a:r>
               <a:rPr lang="en-US" altLang="ja-JP" dirty="0"/>
@@ -13021,69 +13057,67 @@
             </a:r>
             <a:r>
               <a:rPr lang="ja-JP" altLang="en-US" dirty="0"/>
-              <a:t>環境も体験可能</a:t>
+              <a:t>環境での開発体験が可能</a:t>
             </a:r>
             <a:endParaRPr lang="en-US" altLang="ja-JP" dirty="0"/>
           </a:p>
           <a:p>
+            <a:pPr marL="0" indent="0">
+              <a:buNone/>
+            </a:pPr>
+            <a:r>
+              <a:rPr lang="ja-JP" altLang="en-US" b="0" dirty="0">
+                <a:effectLst/>
+                <a:latin typeface="Consolas" panose="020B0609020204030204" pitchFamily="49" charset="0"/>
+              </a:rPr>
+              <a:t>　 </a:t>
+            </a:r>
+            <a:r>
+              <a:rPr lang="en-US" altLang="ja-JP" b="0" dirty="0">
+                <a:effectLst/>
+                <a:latin typeface="Consolas" panose="020B0609020204030204" pitchFamily="49" charset="0"/>
+              </a:rPr>
+              <a:t>NSCS</a:t>
+            </a:r>
+            <a:r>
+              <a:rPr lang="ja-JP" altLang="en-US" b="0" dirty="0">
+                <a:effectLst/>
+                <a:latin typeface="Consolas" panose="020B0609020204030204" pitchFamily="49" charset="0"/>
+              </a:rPr>
+              <a:t>の強み（ノウハウ）を含む実務に即したレベルのスキルを習得可能</a:t>
+            </a:r>
+          </a:p>
+          <a:p>
+            <a:pPr marL="0" indent="0">
+              <a:buNone/>
+            </a:pPr>
+            <a:r>
+              <a:rPr lang="ja-JP" altLang="en-US" dirty="0">
+                <a:latin typeface="Consolas" panose="020B0609020204030204" pitchFamily="49" charset="0"/>
+              </a:rPr>
+              <a:t> 　</a:t>
+            </a:r>
+            <a:r>
+              <a:rPr lang="ja-JP" altLang="en-US" b="0" dirty="0">
+                <a:effectLst/>
+                <a:latin typeface="Consolas" panose="020B0609020204030204" pitchFamily="49" charset="0"/>
+              </a:rPr>
+              <a:t>車載ソフト開発向けに実際の現場で用いられる資料やツールも併せて利用可能</a:t>
+            </a:r>
+          </a:p>
+          <a:p>
+            <a:pPr marL="0" indent="0">
+              <a:buNone/>
+            </a:pPr>
+            <a:endParaRPr lang="en-US" altLang="ja-JP" dirty="0"/>
+          </a:p>
+          <a:p>
             <a:endParaRPr kumimoji="1" lang="en-US" altLang="ja-JP" dirty="0"/>
           </a:p>
           <a:p>
-            <a:r>
-              <a:rPr kumimoji="1" lang="ja-JP" altLang="en-US" dirty="0"/>
-              <a:t>収益の安定化</a:t>
-            </a:r>
-            <a:endParaRPr kumimoji="1" lang="en-US" altLang="ja-JP" dirty="0"/>
-          </a:p>
-          <a:p>
-            <a:r>
-              <a:rPr kumimoji="1" lang="en-US" altLang="ja-JP" dirty="0"/>
-              <a:t>IT</a:t>
-            </a:r>
-            <a:r>
-              <a:rPr kumimoji="1" lang="ja-JP" altLang="en-US" dirty="0"/>
-              <a:t>技術を扱う高等教育機関や企業がターゲットのため１度導入すれば継続して安定した収益を見込める（サブスク形式など）</a:t>
-            </a:r>
-            <a:endParaRPr kumimoji="1" lang="en-US" altLang="ja-JP" dirty="0"/>
-          </a:p>
-          <a:p>
-            <a:r>
-              <a:rPr kumimoji="1" lang="ja-JP" altLang="en-US" dirty="0"/>
-              <a:t>クラウド環境のため国内全域の顧客がターゲットになり販路を広げることが可能</a:t>
-            </a:r>
-            <a:endParaRPr kumimoji="1" lang="en-US" altLang="ja-JP" dirty="0"/>
-          </a:p>
-          <a:p>
             <a:endParaRPr lang="en-US" altLang="ja-JP" dirty="0"/>
           </a:p>
           <a:p>
-            <a:r>
-              <a:rPr kumimoji="1" lang="ja-JP" altLang="en-US" dirty="0"/>
-              <a:t>コンテンツバリエーション（プログラミング言語</a:t>
-            </a:r>
-            <a:r>
-              <a:rPr kumimoji="1" lang="en-US" altLang="ja-JP" dirty="0"/>
-              <a:t>/</a:t>
-            </a:r>
-            <a:r>
-              <a:rPr kumimoji="1" lang="ja-JP" altLang="en-US" dirty="0"/>
-              <a:t>開発対象）の拡張性</a:t>
-            </a:r>
-            <a:endParaRPr kumimoji="1" lang="en-US" altLang="ja-JP" dirty="0"/>
-          </a:p>
-          <a:p>
-            <a:r>
-              <a:rPr lang="ja-JP" altLang="en-US" dirty="0"/>
-              <a:t>共通プラットフォームを</a:t>
-            </a:r>
-            <a:r>
-              <a:rPr lang="en-US" altLang="ja-JP" dirty="0"/>
-              <a:t>1</a:t>
-            </a:r>
-            <a:r>
-              <a:rPr lang="ja-JP" altLang="en-US" dirty="0"/>
-              <a:t>度構築すれば新規領域のコンテンツを増やすのみで容易に拡張可能</a:t>
-            </a:r>
             <a:endParaRPr kumimoji="1" lang="en-US" altLang="ja-JP" dirty="0"/>
           </a:p>
           <a:p>
@@ -13146,7 +13180,7 @@
           <a:p>
             <a:r>
               <a:rPr kumimoji="1" lang="ja-JP" altLang="en-US" dirty="0"/>
-              <a:t>■効果</a:t>
+              <a:t>■効果（顧客側のメリット）</a:t>
             </a:r>
             <a:br>
               <a:rPr kumimoji="1" lang="en-US" altLang="ja-JP" dirty="0"/>
@@ -13192,13 +13226,119 @@
         <p:spPr/>
         <p:txBody>
           <a:bodyPr>
-            <a:normAutofit fontScale="47500" lnSpcReduction="20000"/>
+            <a:normAutofit fontScale="85000" lnSpcReduction="20000"/>
           </a:bodyPr>
           <a:lstStyle/>
           <a:p>
             <a:r>
               <a:rPr kumimoji="1" lang="ja-JP" altLang="en-US" dirty="0"/>
-              <a:t>新規事業創出の活性化（社内</a:t>
+              <a:t>新規</a:t>
+            </a:r>
+            <a:r>
+              <a:rPr kumimoji="1" lang="en-US" altLang="ja-JP" dirty="0"/>
+              <a:t>IT</a:t>
+            </a:r>
+            <a:r>
+              <a:rPr kumimoji="1" lang="ja-JP" altLang="en-US" dirty="0"/>
+              <a:t>サービス創出の活性化</a:t>
+            </a:r>
+            <a:endParaRPr kumimoji="1" lang="en-US" altLang="ja-JP" dirty="0"/>
+          </a:p>
+          <a:p>
+            <a:pPr marL="0" indent="0">
+              <a:buNone/>
+            </a:pPr>
+            <a:r>
+              <a:rPr kumimoji="1" lang="ja-JP" altLang="en-US" dirty="0"/>
+              <a:t>⇒開発環境が整っているため新規</a:t>
+            </a:r>
+            <a:r>
+              <a:rPr kumimoji="1" lang="en-US" altLang="ja-JP" dirty="0"/>
+              <a:t>IT</a:t>
+            </a:r>
+            <a:r>
+              <a:rPr kumimoji="1" lang="ja-JP" altLang="en-US" dirty="0"/>
+              <a:t>サービスのトライアル開発が容易になる</a:t>
+            </a:r>
+            <a:endParaRPr kumimoji="1" lang="en-US" altLang="ja-JP" dirty="0"/>
+          </a:p>
+          <a:p>
+            <a:endParaRPr kumimoji="1" lang="ja-JP" altLang="en-US" dirty="0"/>
+          </a:p>
+          <a:p>
+            <a:r>
+              <a:rPr kumimoji="1" lang="en-US" altLang="ja-JP" dirty="0"/>
+              <a:t>CI/CD</a:t>
+            </a:r>
+            <a:r>
+              <a:rPr kumimoji="1" lang="ja-JP" altLang="en-US" dirty="0"/>
+              <a:t>環境による</a:t>
+            </a:r>
+            <a:r>
+              <a:rPr lang="ja-JP" altLang="en-US" dirty="0"/>
+              <a:t>ソフト開発効率化</a:t>
+            </a:r>
+            <a:endParaRPr lang="en-US" altLang="ja-JP" dirty="0"/>
+          </a:p>
+          <a:p>
+            <a:pPr marL="0" indent="0">
+              <a:buNone/>
+            </a:pPr>
+            <a:r>
+              <a:rPr kumimoji="1" lang="ja-JP" altLang="en-US" dirty="0"/>
+              <a:t>⇒多数</a:t>
+            </a:r>
+            <a:r>
+              <a:rPr lang="ja-JP" altLang="en-US" dirty="0"/>
+              <a:t>の</a:t>
+            </a:r>
+            <a:r>
+              <a:rPr kumimoji="1" lang="ja-JP" altLang="en-US" dirty="0"/>
+              <a:t>プログラミング言語</a:t>
+            </a:r>
+            <a:r>
+              <a:rPr kumimoji="1" lang="en-US" altLang="ja-JP" dirty="0"/>
+              <a:t>+CI/CD</a:t>
+            </a:r>
+            <a:r>
+              <a:rPr kumimoji="1" lang="ja-JP" altLang="en-US" dirty="0"/>
+              <a:t>ツールに対応し開発サイクルのスピードアップが可能</a:t>
+            </a:r>
+            <a:endParaRPr kumimoji="1" lang="en-US" altLang="ja-JP" dirty="0"/>
+          </a:p>
+          <a:p>
+            <a:endParaRPr kumimoji="1" lang="en-US" altLang="ja-JP" dirty="0"/>
+          </a:p>
+          <a:p>
+            <a:r>
+              <a:rPr kumimoji="1" lang="ja-JP" altLang="en-US" dirty="0"/>
+              <a:t>組み込みソフト開発向けとして各種マイコンに対応した</a:t>
+            </a:r>
+            <a:r>
+              <a:rPr kumimoji="1" lang="en-US" altLang="ja-JP" dirty="0"/>
+              <a:t>HW</a:t>
+            </a:r>
+            <a:r>
+              <a:rPr kumimoji="1" lang="ja-JP" altLang="en-US" dirty="0"/>
+              <a:t>デバッグの支援</a:t>
+            </a:r>
+            <a:endParaRPr kumimoji="1" lang="en-US" altLang="ja-JP" dirty="0"/>
+          </a:p>
+          <a:p>
+            <a:pPr marL="0" indent="0">
+              <a:buNone/>
+            </a:pPr>
+            <a:r>
+              <a:rPr kumimoji="1" lang="ja-JP" altLang="en-US" dirty="0"/>
+              <a:t>⇒実機</a:t>
+            </a:r>
+            <a:r>
+              <a:rPr kumimoji="1" lang="en-US" altLang="ja-JP" dirty="0"/>
+              <a:t>+</a:t>
+            </a:r>
+            <a:r>
+              <a:rPr kumimoji="1" lang="ja-JP" altLang="en-US" dirty="0"/>
+              <a:t>専用機材での評価をリモート</a:t>
             </a:r>
             <a:r>
               <a:rPr kumimoji="1" lang="en-US" altLang="ja-JP" dirty="0"/>
@@ -13206,98 +13346,11 @@
             </a:r>
             <a:r>
               <a:rPr kumimoji="1" lang="ja-JP" altLang="en-US" dirty="0"/>
-              <a:t>社外問わず）</a:t>
+              <a:t>シミュレータ化し遠隔評価に対応</a:t>
             </a:r>
             <a:endParaRPr kumimoji="1" lang="en-US" altLang="ja-JP" dirty="0"/>
           </a:p>
           <a:p>
-            <a:r>
-              <a:rPr kumimoji="1" lang="ja-JP" altLang="en-US" dirty="0"/>
-              <a:t>開発環境が整っているため新規事業のトライアル開発が容易になる</a:t>
-            </a:r>
-            <a:endParaRPr kumimoji="1" lang="en-US" altLang="ja-JP" dirty="0"/>
-          </a:p>
-          <a:p>
-            <a:r>
-              <a:rPr kumimoji="1" lang="ja-JP" altLang="en-US" dirty="0"/>
-              <a:t>お手軽に思いついた新規サービスのサンプルを構築できる</a:t>
-            </a:r>
-            <a:endParaRPr kumimoji="1" lang="en-US" altLang="ja-JP" dirty="0"/>
-          </a:p>
-          <a:p>
-            <a:endParaRPr kumimoji="1" lang="ja-JP" altLang="en-US" dirty="0"/>
-          </a:p>
-          <a:p>
-            <a:r>
-              <a:rPr lang="ja-JP" altLang="en-US" dirty="0"/>
-              <a:t>ソフト開発効率化</a:t>
-            </a:r>
-            <a:endParaRPr lang="en-US" altLang="ja-JP" dirty="0"/>
-          </a:p>
-          <a:p>
-            <a:r>
-              <a:rPr kumimoji="1" lang="en-US" altLang="ja-JP" dirty="0"/>
-              <a:t>CI/CD</a:t>
-            </a:r>
-            <a:r>
-              <a:rPr kumimoji="1" lang="ja-JP" altLang="en-US" dirty="0"/>
-              <a:t>による開発サイクルのスピードアップ（原価低減）</a:t>
-            </a:r>
-            <a:endParaRPr kumimoji="1" lang="en-US" altLang="ja-JP" dirty="0"/>
-          </a:p>
-          <a:p>
-            <a:r>
-              <a:rPr kumimoji="1" lang="ja-JP" altLang="en-US" dirty="0"/>
-              <a:t>組み込みソフト開発向けとして多種多用のマイコンに対応した</a:t>
-            </a:r>
-            <a:r>
-              <a:rPr kumimoji="1" lang="en-US" altLang="ja-JP" dirty="0"/>
-              <a:t>HW</a:t>
-            </a:r>
-            <a:r>
-              <a:rPr kumimoji="1" lang="ja-JP" altLang="en-US" dirty="0"/>
-              <a:t>デバッグの支援（リモート</a:t>
-            </a:r>
-            <a:r>
-              <a:rPr kumimoji="1" lang="en-US" altLang="ja-JP" dirty="0"/>
-              <a:t>/</a:t>
-            </a:r>
-            <a:r>
-              <a:rPr kumimoji="1" lang="ja-JP" altLang="en-US" dirty="0"/>
-              <a:t>シミュレータ）</a:t>
-            </a:r>
-            <a:endParaRPr kumimoji="1" lang="en-US" altLang="ja-JP" dirty="0"/>
-          </a:p>
-          <a:p>
-            <a:endParaRPr lang="en-US" altLang="ja-JP" dirty="0"/>
-          </a:p>
-          <a:p>
-            <a:r>
-              <a:rPr lang="ja-JP" altLang="en-US" dirty="0"/>
-              <a:t>人材獲得</a:t>
-            </a:r>
-            <a:r>
-              <a:rPr lang="en-US" altLang="ja-JP" dirty="0"/>
-              <a:t>/</a:t>
-            </a:r>
-            <a:r>
-              <a:rPr lang="ja-JP" altLang="en-US" dirty="0"/>
-              <a:t>キャリア形成</a:t>
-            </a:r>
-            <a:endParaRPr lang="en-US" altLang="ja-JP" dirty="0"/>
-          </a:p>
-          <a:p>
-            <a:r>
-              <a:rPr lang="ja-JP" altLang="en-US" dirty="0"/>
-              <a:t>若手人材の獲得に向けたブランド力向上（魅力ある新規ビジネスの考案から参画可能）</a:t>
-            </a:r>
-            <a:endParaRPr lang="en-US" altLang="ja-JP" dirty="0"/>
-          </a:p>
-          <a:p>
-            <a:r>
-              <a:rPr lang="ja-JP" altLang="en-US" dirty="0"/>
-              <a:t>様々な業務に横断的に関わることで柔軟なキャリア形成が可能（既存事業に縛られずタスクフォースのようなスキルを加味した流動的な人材配置）</a:t>
-            </a:r>
             <a:endParaRPr lang="en-US" altLang="ja-JP" dirty="0"/>
           </a:p>
         </p:txBody>
@@ -13355,7 +13408,15 @@
           <a:p>
             <a:r>
               <a:rPr kumimoji="1" lang="ja-JP" altLang="en-US" dirty="0"/>
-              <a:t>■付加価値</a:t>
+              <a:t>■効果（</a:t>
+            </a:r>
+            <a:r>
+              <a:rPr kumimoji="1" lang="en-US" altLang="ja-JP" dirty="0"/>
+              <a:t>NSCS</a:t>
+            </a:r>
+            <a:r>
+              <a:rPr kumimoji="1" lang="ja-JP" altLang="en-US" dirty="0"/>
+              <a:t>側のメリット）</a:t>
             </a:r>
           </a:p>
         </p:txBody>
@@ -13379,79 +13440,69 @@
         <p:spPr/>
         <p:txBody>
           <a:bodyPr>
-            <a:normAutofit fontScale="85000" lnSpcReduction="10000"/>
+            <a:normAutofit fontScale="85000" lnSpcReduction="20000"/>
           </a:bodyPr>
           <a:lstStyle/>
           <a:p>
             <a:r>
-              <a:rPr kumimoji="1" lang="en-US" altLang="ja-JP" dirty="0"/>
-              <a:t>NSCS</a:t>
-            </a:r>
-            <a:r>
               <a:rPr kumimoji="1" lang="ja-JP" altLang="en-US" dirty="0"/>
-              <a:t>の強み（ノウハウ）を含めた実務に即したレベルのスキルを習得可能</a:t>
+              <a:t>新たな収益源の確保</a:t>
+            </a:r>
+          </a:p>
+          <a:p>
+            <a:pPr marL="0" indent="0">
+              <a:buNone/>
+            </a:pPr>
+            <a:r>
+              <a:rPr kumimoji="1" lang="ja-JP" altLang="en-US" dirty="0"/>
+              <a:t>⇒新規ビジネス創出により既存事業への依存度を下げ経営リスクの分散が可能</a:t>
+            </a:r>
+          </a:p>
+          <a:p>
+            <a:pPr marL="0" indent="0">
+              <a:buNone/>
+            </a:pPr>
+            <a:r>
+              <a:rPr kumimoji="1" lang="ja-JP" altLang="en-US" dirty="0"/>
+              <a:t>　 教育サービスは長期的に継続かつ安定した収益を見込める</a:t>
+            </a:r>
+          </a:p>
+          <a:p>
+            <a:pPr marL="0" indent="0">
+              <a:buNone/>
+            </a:pPr>
+            <a:r>
+              <a:rPr kumimoji="1" lang="ja-JP" altLang="en-US" dirty="0"/>
+              <a:t> 　クラウド環境を活かし地元エリアに限らず国内全域を市場として販路拡大可能</a:t>
+            </a:r>
+          </a:p>
+          <a:p>
+            <a:endParaRPr kumimoji="1" lang="ja-JP" altLang="en-US" dirty="0"/>
+          </a:p>
+          <a:p>
+            <a:r>
+              <a:rPr kumimoji="1" lang="ja-JP" altLang="en-US" dirty="0"/>
+              <a:t>幅広いキャリア形成およびモチベーションの向上</a:t>
+            </a:r>
+          </a:p>
+          <a:p>
+            <a:pPr marL="0" indent="0">
+              <a:buNone/>
+            </a:pPr>
+            <a:r>
+              <a:rPr kumimoji="1" lang="ja-JP" altLang="en-US" dirty="0"/>
+              <a:t>⇒新たな人材のニーズが発生しリスキリングやジョブローテーションが活発化</a:t>
             </a:r>
             <a:endParaRPr kumimoji="1" lang="en-US" altLang="ja-JP" dirty="0"/>
           </a:p>
           <a:p>
-            <a:r>
-              <a:rPr lang="ja-JP" altLang="en-US" dirty="0"/>
-              <a:t>組み込みソフト開発向けの例</a:t>
-            </a:r>
-            <a:endParaRPr lang="en-US" altLang="ja-JP" dirty="0"/>
-          </a:p>
-          <a:p>
-            <a:r>
-              <a:rPr lang="ja-JP" altLang="en-US" dirty="0"/>
-              <a:t>⇒車載ソフト開発向けに</a:t>
-            </a:r>
-            <a:r>
-              <a:rPr lang="ja-JP" altLang="en-US" dirty="0">
-                <a:effectLst/>
-              </a:rPr>
-              <a:t>実際の現場で用いられる資料やツールも併せて利用可能</a:t>
-            </a:r>
-            <a:endParaRPr lang="en-US" altLang="ja-JP" dirty="0"/>
-          </a:p>
-          <a:p>
-            <a:r>
-              <a:rPr kumimoji="1" lang="en-US" altLang="ja-JP" dirty="0"/>
-              <a:t>※</a:t>
-            </a:r>
+            <a:pPr marL="0" indent="0">
+              <a:buNone/>
+            </a:pPr>
             <a:r>
               <a:rPr kumimoji="1" lang="ja-JP" altLang="en-US" dirty="0"/>
-              <a:t>定期的なコンテンツのアップデートで上記以外の新領域</a:t>
-            </a:r>
-            <a:r>
-              <a:rPr lang="ja-JP" altLang="en-US" dirty="0"/>
-              <a:t>に対しても</a:t>
-            </a:r>
-            <a:r>
-              <a:rPr kumimoji="1" lang="ja-JP" altLang="en-US" dirty="0"/>
-              <a:t>拡大可能</a:t>
-            </a:r>
-            <a:endParaRPr kumimoji="1" lang="en-US" altLang="ja-JP" dirty="0"/>
-          </a:p>
-          <a:p>
-            <a:endParaRPr lang="en-US" altLang="ja-JP" dirty="0">
-              <a:effectLst/>
-            </a:endParaRPr>
-          </a:p>
-          <a:p>
-            <a:r>
-              <a:rPr kumimoji="1" lang="ja-JP" altLang="en-US" dirty="0"/>
-              <a:t>学習～開発まで一気通貫で同一環境を利用可能（学習資料の閲覧は学習時のみ可）</a:t>
-            </a:r>
-            <a:endParaRPr kumimoji="1" lang="en-US" altLang="ja-JP" dirty="0"/>
-          </a:p>
-          <a:p>
-            <a:r>
-              <a:rPr kumimoji="1" lang="ja-JP" altLang="en-US" dirty="0"/>
-              <a:t>（教育時と実務での環境差異に戸惑わない）</a:t>
-            </a:r>
-          </a:p>
-          <a:p>
-            <a:endParaRPr kumimoji="1" lang="ja-JP" altLang="en-US" dirty="0"/>
+              <a:t>　 キャリアの選択肢増加や若手人材の積極的な活躍につながる</a:t>
+            </a:r>
           </a:p>
         </p:txBody>
       </p:sp>
@@ -13490,132 +13541,6 @@
           <p:cNvPr id="2" name="タイトル 1">
             <a:extLst>
               <a:ext uri="{FF2B5EF4-FFF2-40B4-BE49-F238E27FC236}">
-                <a16:creationId xmlns:a16="http://schemas.microsoft.com/office/drawing/2014/main" id="{7CEBB851-05CF-A769-AC39-F8F403AD4039}"/>
-              </a:ext>
-            </a:extLst>
-          </p:cNvPr>
-          <p:cNvSpPr>
-            <a:spLocks noGrp="1"/>
-          </p:cNvSpPr>
-          <p:nvPr>
-            <p:ph type="title"/>
-          </p:nvPr>
-        </p:nvSpPr>
-        <p:spPr/>
-        <p:txBody>
-          <a:bodyPr/>
-          <a:lstStyle/>
-          <a:p>
-            <a:r>
-              <a:rPr kumimoji="1" lang="ja-JP" altLang="en-US" dirty="0"/>
-              <a:t>■付加価値</a:t>
-            </a:r>
-          </a:p>
-        </p:txBody>
-      </p:sp>
-      <p:sp>
-        <p:nvSpPr>
-          <p:cNvPr id="3" name="コンテンツ プレースホルダー 2">
-            <a:extLst>
-              <a:ext uri="{FF2B5EF4-FFF2-40B4-BE49-F238E27FC236}">
-                <a16:creationId xmlns:a16="http://schemas.microsoft.com/office/drawing/2014/main" id="{B02A8849-B3C3-6169-C43B-B07DE267CD18}"/>
-              </a:ext>
-            </a:extLst>
-          </p:cNvPr>
-          <p:cNvSpPr>
-            <a:spLocks noGrp="1"/>
-          </p:cNvSpPr>
-          <p:nvPr>
-            <p:ph idx="1"/>
-          </p:nvPr>
-        </p:nvSpPr>
-        <p:spPr/>
-        <p:txBody>
-          <a:bodyPr/>
-          <a:lstStyle/>
-          <a:p>
-            <a:r>
-              <a:rPr kumimoji="1" lang="ja-JP" altLang="en-US" dirty="0"/>
-              <a:t>ビルドだけでなくコーディングや機材を用いた検査までブラウザ上で対応</a:t>
-            </a:r>
-            <a:endParaRPr kumimoji="1" lang="en-US" altLang="ja-JP" dirty="0"/>
-          </a:p>
-          <a:p>
-            <a:r>
-              <a:rPr lang="ja-JP" altLang="en-US" dirty="0"/>
-              <a:t>様々なマイコンや専用ツールに対応（段階的に対応機種を増やす？）</a:t>
-            </a:r>
-            <a:endParaRPr kumimoji="1" lang="ja-JP" altLang="en-US" dirty="0"/>
-          </a:p>
-          <a:p>
-            <a:r>
-              <a:rPr kumimoji="1" lang="ja-JP" altLang="en-US" dirty="0"/>
-              <a:t>開発者ごとに</a:t>
-            </a:r>
-            <a:r>
-              <a:rPr kumimoji="1" lang="en-US" altLang="ja-JP" dirty="0"/>
-              <a:t>PC</a:t>
-            </a:r>
-            <a:r>
-              <a:rPr kumimoji="1" lang="ja-JP" altLang="en-US" dirty="0"/>
-              <a:t>やツールを設定する手間を省ける</a:t>
-            </a:r>
-            <a:endParaRPr kumimoji="1" lang="en-US" altLang="ja-JP" dirty="0"/>
-          </a:p>
-          <a:p>
-            <a:r>
-              <a:rPr lang="ja-JP" altLang="en-US" dirty="0"/>
-              <a:t>誰でもいつでもどこでもアクセス可能</a:t>
-            </a:r>
-            <a:endParaRPr lang="en-US" altLang="ja-JP" dirty="0"/>
-          </a:p>
-          <a:p>
-            <a:r>
-              <a:rPr lang="ja-JP" altLang="en-US" dirty="0"/>
-              <a:t>クラウド環境外とデータはやり取りできないよう</a:t>
-            </a:r>
-            <a:r>
-              <a:rPr kumimoji="1" lang="ja-JP" altLang="en-US" dirty="0"/>
-              <a:t>セキュリティを確保</a:t>
-            </a:r>
-          </a:p>
-        </p:txBody>
-      </p:sp>
-    </p:spTree>
-    <p:extLst>
-      <p:ext uri="{BB962C8B-B14F-4D97-AF65-F5344CB8AC3E}">
-        <p14:creationId xmlns:p14="http://schemas.microsoft.com/office/powerpoint/2010/main" val="1140084917"/>
-      </p:ext>
-    </p:extLst>
-  </p:cSld>
-  <p:clrMapOvr>
-    <a:masterClrMapping/>
-  </p:clrMapOvr>
-</p:sld>
-</file>
-
-<file path=ppt/slides/slide14.xml><?xml version="1.0" encoding="utf-8"?>
-<p:sld xmlns:a="http://schemas.openxmlformats.org/drawingml/2006/main" xmlns:r="http://schemas.openxmlformats.org/officeDocument/2006/relationships" xmlns:p="http://schemas.openxmlformats.org/presentationml/2006/main">
-  <p:cSld>
-    <p:spTree>
-      <p:nvGrpSpPr>
-        <p:cNvPr id="1" name=""/>
-        <p:cNvGrpSpPr/>
-        <p:nvPr/>
-      </p:nvGrpSpPr>
-      <p:grpSpPr>
-        <a:xfrm>
-          <a:off x="0" y="0"/>
-          <a:ext cx="0" cy="0"/>
-          <a:chOff x="0" y="0"/>
-          <a:chExt cx="0" cy="0"/>
-        </a:xfrm>
-      </p:grpSpPr>
-      <p:sp>
-        <p:nvSpPr>
-          <p:cNvPr id="2" name="タイトル 1">
-            <a:extLst>
-              <a:ext uri="{FF2B5EF4-FFF2-40B4-BE49-F238E27FC236}">
                 <a16:creationId xmlns:a16="http://schemas.microsoft.com/office/drawing/2014/main" id="{E3258730-8FC1-291B-3EDC-DA21B58CEBA7}"/>
               </a:ext>
             </a:extLst>
@@ -13634,7 +13559,23 @@
           <a:p>
             <a:r>
               <a:rPr kumimoji="1" lang="ja-JP" altLang="en-US" dirty="0"/>
-              <a:t>■競合サービス</a:t>
+              <a:t>■</a:t>
+            </a:r>
+            <a:r>
+              <a:rPr kumimoji="1" lang="en-US" altLang="ja-JP" dirty="0"/>
+              <a:t>【</a:t>
+            </a:r>
+            <a:r>
+              <a:rPr kumimoji="1" lang="ja-JP" altLang="en-US" dirty="0"/>
+              <a:t>参考</a:t>
+            </a:r>
+            <a:r>
+              <a:rPr kumimoji="1" lang="en-US" altLang="ja-JP" dirty="0"/>
+              <a:t>】</a:t>
+            </a:r>
+            <a:r>
+              <a:rPr kumimoji="1" lang="ja-JP" altLang="en-US" dirty="0"/>
+              <a:t>他社競合サービス</a:t>
             </a:r>
           </a:p>
         </p:txBody>
@@ -13658,7 +13599,7 @@
         <p:spPr/>
         <p:txBody>
           <a:bodyPr>
-            <a:normAutofit lnSpcReduction="10000"/>
+            <a:normAutofit fontScale="55000" lnSpcReduction="20000"/>
           </a:bodyPr>
           <a:lstStyle/>
           <a:p>
@@ -13668,71 +13609,177 @@
             </a:r>
             <a:r>
               <a:rPr kumimoji="1" lang="ja-JP" altLang="en-US" dirty="0"/>
-              <a:t>のクイックコネクトスタジオ</a:t>
+              <a:t>製「クイックコネクトスタジオ」</a:t>
             </a:r>
             <a:r>
               <a:rPr kumimoji="1" lang="en-US" altLang="ja-JP" dirty="0"/>
-              <a:t>/RENESAS LAB ON THE CLOUD</a:t>
+              <a:t>/</a:t>
             </a:r>
             <a:r>
               <a:rPr kumimoji="1" lang="ja-JP" altLang="en-US" dirty="0"/>
-              <a:t>なども活用</a:t>
+              <a:t>「</a:t>
+            </a:r>
+            <a:r>
+              <a:rPr kumimoji="1" lang="en-US" altLang="ja-JP" dirty="0"/>
+              <a:t>LAB ON THE CLOUD</a:t>
+            </a:r>
+            <a:r>
+              <a:rPr kumimoji="1" lang="ja-JP" altLang="en-US" dirty="0"/>
+              <a:t>」</a:t>
             </a:r>
             <a:endParaRPr kumimoji="1" lang="en-US" altLang="ja-JP" dirty="0"/>
           </a:p>
           <a:p>
             <a:r>
+              <a:rPr lang="ja-JP" altLang="en-US" dirty="0">
+                <a:hlinkClick r:id="rId2"/>
+              </a:rPr>
+              <a:t>クイックコネクトスタジオ </a:t>
+            </a:r>
+            <a:r>
+              <a:rPr lang="en-US" altLang="ja-JP" dirty="0">
+                <a:hlinkClick r:id="rId2"/>
+              </a:rPr>
+              <a:t>| Renesas</a:t>
+            </a:r>
+            <a:endParaRPr lang="en-US" altLang="ja-JP" dirty="0"/>
+          </a:p>
+          <a:p>
+            <a:r>
+              <a:rPr lang="en-US" altLang="ja-JP" dirty="0">
+                <a:hlinkClick r:id="rId3"/>
+              </a:rPr>
+              <a:t>Renesas Lab on the Cloud | Renesas</a:t>
+            </a:r>
+            <a:endParaRPr lang="en-US" altLang="ja-JP" dirty="0"/>
+          </a:p>
+          <a:p>
+            <a:endParaRPr kumimoji="1" lang="en-US" altLang="ja-JP" dirty="0"/>
+          </a:p>
+          <a:p>
+            <a:r>
+              <a:rPr lang="en-US" altLang="ja-JP" dirty="0"/>
+              <a:t>ARM</a:t>
+            </a:r>
+            <a:r>
               <a:rPr lang="ja-JP" altLang="en-US" dirty="0"/>
-              <a:t>⇒マイコンメーカーだけあって手ごわい先行されてる感あり</a:t>
-            </a:r>
-            <a:endParaRPr kumimoji="1" lang="ja-JP" altLang="en-US" dirty="0"/>
-          </a:p>
-          <a:p>
+              <a:t>製「</a:t>
+            </a:r>
+            <a:r>
+              <a:rPr lang="en-US" altLang="ja-JP" dirty="0"/>
+              <a:t>Arm Virtual Hardware</a:t>
+            </a:r>
+            <a:r>
+              <a:rPr lang="ja-JP" altLang="en-US" dirty="0"/>
+              <a:t>」「</a:t>
+            </a:r>
+            <a:r>
+              <a:rPr lang="en-US" altLang="ja-JP" dirty="0"/>
+              <a:t>Fixed Virtual Platform</a:t>
+            </a:r>
+            <a:r>
+              <a:rPr lang="ja-JP" altLang="en-US" dirty="0"/>
+              <a:t>」「</a:t>
+            </a:r>
+            <a:r>
+              <a:rPr lang="en-US" altLang="ja-JP" dirty="0"/>
+              <a:t>Fast Models</a:t>
+            </a:r>
+            <a:r>
+              <a:rPr lang="ja-JP" altLang="en-US" dirty="0"/>
+              <a:t>」</a:t>
+            </a:r>
+            <a:endParaRPr lang="en-US" altLang="ja-JP" dirty="0"/>
+          </a:p>
+          <a:p>
+            <a:r>
+              <a:rPr lang="en-US" altLang="ja-JP" dirty="0">
+                <a:hlinkClick r:id="rId4"/>
+              </a:rPr>
+              <a:t>Virtual Hardware – </a:t>
+            </a:r>
+            <a:r>
+              <a:rPr lang="ja-JP" altLang="en-US" dirty="0">
+                <a:hlinkClick r:id="rId4"/>
+              </a:rPr>
+              <a:t>ハードウェアなしのソフトウェア開発 </a:t>
+            </a:r>
+            <a:r>
+              <a:rPr lang="en-US" altLang="ja-JP" dirty="0">
+                <a:hlinkClick r:id="rId4"/>
+              </a:rPr>
+              <a:t>– Arm®</a:t>
+            </a:r>
+            <a:endParaRPr lang="en-US" altLang="ja-JP" dirty="0"/>
+          </a:p>
+          <a:p>
+            <a:r>
+              <a:rPr lang="ja-JP" altLang="en-US" dirty="0">
+                <a:hlinkClick r:id="rId5"/>
+              </a:rPr>
+              <a:t>固定仮想プラットフォーム </a:t>
+            </a:r>
+            <a:r>
+              <a:rPr lang="en-US" altLang="ja-JP" dirty="0">
+                <a:hlinkClick r:id="rId5"/>
+              </a:rPr>
+              <a:t>– Arm®</a:t>
+            </a:r>
+            <a:endParaRPr lang="en-US" altLang="ja-JP" dirty="0"/>
+          </a:p>
+          <a:p>
+            <a:r>
+              <a:rPr lang="en-US" altLang="ja-JP" dirty="0">
+                <a:hlinkClick r:id="rId6"/>
+              </a:rPr>
+              <a:t>Fast Models – Arm®</a:t>
+            </a:r>
+            <a:endParaRPr lang="en-US" altLang="ja-JP" dirty="0"/>
+          </a:p>
+          <a:p>
+            <a:endParaRPr kumimoji="1" lang="en-US" altLang="ja-JP" dirty="0"/>
+          </a:p>
+          <a:p>
+            <a:r>
+              <a:rPr kumimoji="1" lang="en-US" altLang="ja-JP" dirty="0"/>
+              <a:t>Microsoft</a:t>
+            </a:r>
             <a:r>
               <a:rPr kumimoji="1" lang="ja-JP" altLang="en-US" dirty="0"/>
-              <a:t>初心者向けのなんちゃって研修（</a:t>
+              <a:t>製「</a:t>
             </a:r>
             <a:r>
               <a:rPr kumimoji="1" lang="en-US" altLang="ja-JP" dirty="0"/>
-              <a:t>C</a:t>
+              <a:t>Microsoft Dev Box</a:t>
             </a:r>
             <a:r>
               <a:rPr kumimoji="1" lang="ja-JP" altLang="en-US" dirty="0"/>
-              <a:t>言語入門を数日間</a:t>
-            </a:r>
-            <a:r>
-              <a:rPr kumimoji="1" lang="en-US" altLang="ja-JP" dirty="0"/>
-              <a:t>/L</a:t>
-            </a:r>
-            <a:r>
-              <a:rPr lang="ja-JP" altLang="en-US" dirty="0"/>
-              <a:t>チカ</a:t>
-            </a:r>
-            <a:r>
-              <a:rPr kumimoji="1" lang="ja-JP" altLang="en-US" dirty="0"/>
-              <a:t>レベル）</a:t>
+              <a:t>」</a:t>
             </a:r>
             <a:endParaRPr kumimoji="1" lang="en-US" altLang="ja-JP" dirty="0"/>
           </a:p>
           <a:p>
             <a:r>
-              <a:rPr lang="ja-JP" altLang="en-US" dirty="0"/>
-              <a:t>⇒敵じゃない</a:t>
+              <a:rPr lang="en-US" altLang="ja-JP" dirty="0">
+                <a:hlinkClick r:id="rId7"/>
+              </a:rPr>
+              <a:t>Microsoft Dev Box – </a:t>
+            </a:r>
+            <a:r>
+              <a:rPr lang="ja-JP" altLang="en-US" dirty="0">
+                <a:hlinkClick r:id="rId7"/>
+              </a:rPr>
+              <a:t>クラウド内の開発ワークステーション </a:t>
+            </a:r>
+            <a:r>
+              <a:rPr lang="en-US" altLang="ja-JP" dirty="0">
+                <a:hlinkClick r:id="rId7"/>
+              </a:rPr>
+              <a:t>| Microsoft Azure</a:t>
             </a:r>
             <a:endParaRPr lang="en-US" altLang="ja-JP" dirty="0"/>
           </a:p>
           <a:p>
-            <a:r>
-              <a:rPr kumimoji="1" lang="ja-JP" altLang="en-US" dirty="0"/>
-              <a:t>マイコン学習キット</a:t>
-            </a:r>
-            <a:endParaRPr kumimoji="1" lang="en-US" altLang="ja-JP" dirty="0"/>
-          </a:p>
-          <a:p>
-            <a:r>
-              <a:rPr lang="ja-JP" altLang="en-US" dirty="0"/>
-              <a:t>⇒業務レベルと乖離（なにもやらないよりはましレベル）</a:t>
-            </a:r>
             <a:endParaRPr kumimoji="1" lang="ja-JP" altLang="en-US" dirty="0"/>
           </a:p>
         </p:txBody>
@@ -13813,7 +13860,9 @@
         </p:nvSpPr>
         <p:spPr/>
         <p:txBody>
-          <a:bodyPr/>
+          <a:bodyPr>
+            <a:normAutofit/>
+          </a:bodyPr>
           <a:lstStyle/>
           <a:p>
             <a:r>
@@ -13825,7 +13874,7 @@
           <a:p>
             <a:r>
               <a:rPr kumimoji="1" lang="ja-JP" altLang="en-US" dirty="0"/>
-              <a:t>ビジネスアイディアに紐づく</a:t>
+              <a:t>ソフトウェア開発と関連する社会的</a:t>
             </a:r>
             <a:r>
               <a:rPr kumimoji="1" lang="en-US" altLang="ja-JP" dirty="0"/>
@@ -13851,12 +13900,28 @@
               <a:rPr lang="ja-JP" altLang="en-US" dirty="0"/>
               <a:t>効果</a:t>
             </a:r>
+            <a:r>
+              <a:rPr kumimoji="1" lang="ja-JP" altLang="en-US" dirty="0"/>
+              <a:t>（顧客側のメリット）</a:t>
+            </a:r>
             <a:endParaRPr lang="en-US" altLang="ja-JP" dirty="0"/>
           </a:p>
           <a:p>
             <a:r>
+              <a:rPr kumimoji="1" lang="en-US" altLang="ja-JP" dirty="0"/>
+              <a:t>【</a:t>
+            </a:r>
+            <a:r>
               <a:rPr kumimoji="1" lang="ja-JP" altLang="en-US" dirty="0"/>
-              <a:t>競合サービスの調査</a:t>
+              <a:t>参考</a:t>
+            </a:r>
+            <a:r>
+              <a:rPr kumimoji="1" lang="en-US" altLang="ja-JP" dirty="0"/>
+              <a:t>】</a:t>
+            </a:r>
+            <a:r>
+              <a:rPr kumimoji="1" lang="ja-JP" altLang="en-US" dirty="0"/>
+              <a:t>他社競合サービス</a:t>
             </a:r>
           </a:p>
         </p:txBody>
@@ -13990,6 +14055,13 @@
             <a:endParaRPr kumimoji="1" lang="en-US" altLang="ja-JP" dirty="0"/>
           </a:p>
           <a:p>
+            <a:pPr marL="0" indent="0">
+              <a:buNone/>
+            </a:pPr>
+            <a:r>
+              <a:rPr lang="ja-JP" altLang="en-US" dirty="0"/>
+              <a:t>⇒</a:t>
+            </a:r>
             <a:r>
               <a:rPr lang="en-US" altLang="ja-JP" dirty="0"/>
               <a:t>NSCS</a:t>
@@ -14009,11 +14081,26 @@
             <a:endParaRPr lang="en-US" altLang="ja-JP" dirty="0"/>
           </a:p>
           <a:p>
+            <a:pPr marL="0" indent="0">
+              <a:buNone/>
+            </a:pPr>
             <a:r>
               <a:rPr lang="ja-JP" altLang="en-US" dirty="0"/>
+              <a:t>　 </a:t>
+            </a:r>
+            <a:r>
+              <a:rPr lang="ja-JP" altLang="en-US" dirty="0">
+                <a:solidFill>
+                  <a:srgbClr val="FF0000"/>
+                </a:solidFill>
+              </a:rPr>
               <a:t>市場価値の高いビジネスチャンス領域</a:t>
             </a:r>
-            <a:endParaRPr lang="en-US" altLang="ja-JP" dirty="0"/>
+            <a:endParaRPr lang="en-US" altLang="ja-JP" dirty="0">
+              <a:solidFill>
+                <a:srgbClr val="FF0000"/>
+              </a:solidFill>
+            </a:endParaRPr>
           </a:p>
         </p:txBody>
       </p:sp>
@@ -14123,7 +14210,15 @@
             </a:r>
             <a:r>
               <a:rPr kumimoji="1" lang="ja-JP" altLang="en-US" dirty="0"/>
-              <a:t>技能の体系化が課題</a:t>
+              <a:t>技能の体系化</a:t>
+            </a:r>
+            <a:r>
+              <a:rPr kumimoji="1" lang="en-US" altLang="ja-JP" dirty="0"/>
+              <a:t>/</a:t>
+            </a:r>
+            <a:r>
+              <a:rPr kumimoji="1" lang="ja-JP" altLang="en-US" dirty="0"/>
+              <a:t>継承が課題</a:t>
             </a:r>
             <a:endParaRPr kumimoji="1" lang="en-US" altLang="ja-JP" dirty="0"/>
           </a:p>
@@ -14293,11 +14388,18 @@
           <a:p>
             <a:r>
               <a:rPr lang="ja-JP" altLang="en-US" dirty="0"/>
-              <a:t>開発前の準備や開発後のリリース作業の省力化</a:t>
+              <a:t>開発前の環境構築準備やリリース作業の自動化</a:t>
             </a:r>
             <a:endParaRPr lang="en-US" altLang="ja-JP" dirty="0"/>
           </a:p>
           <a:p>
+            <a:pPr marL="0" indent="0">
+              <a:buNone/>
+            </a:pPr>
+            <a:r>
+              <a:rPr kumimoji="1" lang="ja-JP" altLang="en-US" dirty="0"/>
+              <a:t>⇒</a:t>
+            </a:r>
             <a:r>
               <a:rPr kumimoji="1" lang="en-US" altLang="ja-JP" dirty="0"/>
               <a:t>CI/CD</a:t>
@@ -14457,7 +14559,7 @@
           <a:p>
             <a:r>
               <a:rPr lang="ja-JP" altLang="en-US" dirty="0"/>
-              <a:t>指示型業務のためモチベーションが低く離職傾向が高まる</a:t>
+              <a:t>指示型定型業務が多くなりモチベーションが下がり離職傾向が高まる</a:t>
             </a:r>
             <a:endParaRPr kumimoji="1" lang="ja-JP" altLang="en-US" dirty="0"/>
           </a:p>
@@ -14516,7 +14618,7 @@
           <a:p>
             <a:r>
               <a:rPr kumimoji="1" lang="ja-JP" altLang="en-US" dirty="0"/>
-              <a:t>■ビジネスアイディアに紐づく</a:t>
+              <a:t>■ソフトウェア開発と関連する社会的</a:t>
             </a:r>
             <a:r>
               <a:rPr kumimoji="1" lang="en-US" altLang="ja-JP" dirty="0"/>
@@ -14580,26 +14682,77 @@
           </a:p>
           <a:p>
             <a:r>
-              <a:rPr kumimoji="1" lang="en-US" altLang="ja-JP" dirty="0"/>
+              <a:rPr kumimoji="1" lang="en-US" altLang="ja-JP" b="1" dirty="0">
+                <a:solidFill>
+                  <a:srgbClr val="FF0000"/>
+                </a:solidFill>
+              </a:rPr>
               <a:t>IT</a:t>
             </a:r>
             <a:r>
-              <a:rPr kumimoji="1" lang="ja-JP" altLang="en-US" dirty="0"/>
+              <a:rPr kumimoji="1" lang="ja-JP" altLang="en-US" b="1" dirty="0">
+                <a:solidFill>
+                  <a:srgbClr val="FF0000"/>
+                </a:solidFill>
+              </a:rPr>
               <a:t>業界全体の課題解決（社会貢献）による企業価値の向上</a:t>
             </a:r>
-            <a:endParaRPr kumimoji="1" lang="en-US" altLang="ja-JP" dirty="0"/>
-          </a:p>
-          <a:p>
-            <a:r>
-              <a:rPr lang="ja-JP" altLang="en-US" dirty="0"/>
-              <a:t>新規ビジネス創出により既存事業への依存を脱却し経営リスクを分散</a:t>
-            </a:r>
-            <a:endParaRPr lang="en-US" altLang="ja-JP" dirty="0"/>
-          </a:p>
-          <a:p>
-            <a:r>
-              <a:rPr kumimoji="1" lang="ja-JP" altLang="en-US" dirty="0"/>
-              <a:t>従業員のキャリア形成およびモチベーション向上</a:t>
+          </a:p>
+          <a:p>
+            <a:r>
+              <a:rPr lang="en-US" altLang="ja-JP" b="1" dirty="0">
+                <a:solidFill>
+                  <a:srgbClr val="FF0000"/>
+                </a:solidFill>
+              </a:rPr>
+              <a:t>SDGs</a:t>
+            </a:r>
+            <a:r>
+              <a:rPr lang="ja-JP" altLang="en-US" b="1" dirty="0">
+                <a:solidFill>
+                  <a:srgbClr val="FF0000"/>
+                </a:solidFill>
+              </a:rPr>
+              <a:t>関連の新規ビジネスチャンス（優先的投資）</a:t>
+            </a:r>
+            <a:endParaRPr lang="en-US" altLang="ja-JP" b="1" dirty="0">
+              <a:solidFill>
+                <a:srgbClr val="FF0000"/>
+              </a:solidFill>
+            </a:endParaRPr>
+          </a:p>
+          <a:p>
+            <a:r>
+              <a:rPr lang="ja-JP" altLang="en-US" b="1" dirty="0">
+                <a:solidFill>
+                  <a:srgbClr val="FF0000"/>
+                </a:solidFill>
+              </a:rPr>
+              <a:t>新規ビジネスに伴う</a:t>
+            </a:r>
+            <a:r>
+              <a:rPr kumimoji="1" lang="ja-JP" altLang="en-US" b="1" dirty="0">
+                <a:solidFill>
+                  <a:srgbClr val="FF0000"/>
+                </a:solidFill>
+              </a:rPr>
+              <a:t>幅広いキャリア形成</a:t>
+            </a:r>
+            <a:r>
+              <a:rPr kumimoji="1" lang="en-US" altLang="ja-JP" b="1" dirty="0">
+                <a:solidFill>
+                  <a:srgbClr val="FF0000"/>
+                </a:solidFill>
+              </a:rPr>
+              <a:t>/</a:t>
+            </a:r>
+            <a:r>
+              <a:rPr kumimoji="1" lang="ja-JP" altLang="en-US" b="1" dirty="0">
+                <a:solidFill>
+                  <a:srgbClr val="FF0000"/>
+                </a:solidFill>
+              </a:rPr>
+              <a:t>社会貢献によるモチベーションの向上</a:t>
             </a:r>
           </a:p>
         </p:txBody>
@@ -14652,7 +14805,9 @@
         </p:nvSpPr>
         <p:spPr/>
         <p:txBody>
-          <a:bodyPr/>
+          <a:bodyPr>
+            <a:normAutofit/>
+          </a:bodyPr>
           <a:lstStyle/>
           <a:p>
             <a:r>
@@ -14662,6 +14817,25 @@
             <a:r>
               <a:rPr kumimoji="1" lang="ja-JP" altLang="en-US" dirty="0"/>
               <a:t>の概要</a:t>
+            </a:r>
+            <a:br>
+              <a:rPr kumimoji="1" lang="en-US" altLang="ja-JP" dirty="0"/>
+            </a:br>
+            <a:r>
+              <a:rPr kumimoji="1" lang="ja-JP" altLang="en-US" dirty="0"/>
+              <a:t>　 クラウドソフト開発環境（</a:t>
+            </a:r>
+            <a:r>
+              <a:rPr lang="en-US" altLang="ja-JP" dirty="0"/>
+              <a:t>Dev</a:t>
+            </a:r>
+            <a:r>
+              <a:rPr kumimoji="1" lang="en-US" altLang="ja-JP" dirty="0"/>
+              <a:t> Lab</a:t>
+            </a:r>
+            <a:r>
+              <a:rPr kumimoji="1" lang="ja-JP" altLang="en-US" dirty="0"/>
+              <a:t>）提供サービス</a:t>
             </a:r>
           </a:p>
         </p:txBody>
@@ -14691,7 +14865,7 @@
           <a:p>
             <a:r>
               <a:rPr lang="ja-JP" altLang="en-US" dirty="0"/>
-              <a:t>クラウド上にソフト開発環境を構築し、学習や開発のインフラ基盤として提供するサービス。</a:t>
+              <a:t>クラウド上にソフト開発環境を構築し学習や開発のインフラ基盤として提供するサービス</a:t>
             </a:r>
             <a:endParaRPr lang="en-US" altLang="ja-JP" dirty="0"/>
           </a:p>
@@ -14752,16 +14926,14 @@
               <a:t>②</a:t>
             </a:r>
             <a:r>
-              <a:rPr lang="en-US" altLang="ja-JP" dirty="0">
-                <a:effectLst/>
-              </a:rPr>
-              <a:t>IT</a:t>
+              <a:rPr lang="ja-JP" altLang="en-US" dirty="0"/>
+              <a:t>ソフトウェア</a:t>
             </a:r>
             <a:r>
               <a:rPr lang="ja-JP" altLang="en-US" dirty="0">
                 <a:effectLst/>
               </a:rPr>
-              <a:t>サービス開発基盤提供サービス</a:t>
+              <a:t>開発基盤提供サービス</a:t>
             </a:r>
             <a:endParaRPr lang="en-US" altLang="ja-JP" dirty="0">
               <a:effectLst/>
@@ -15043,6 +15215,10 @@
               <a:buAutoNum type="arabicPeriod"/>
             </a:pPr>
             <a:r>
+              <a:rPr lang="ja-JP" altLang="en-US" dirty="0"/>
+              <a:t>社内活用（</a:t>
+            </a:r>
+            <a:r>
               <a:rPr lang="en-US" altLang="ja-JP" dirty="0"/>
               <a:t>NSCS</a:t>
             </a:r>
@@ -15050,7 +15226,7 @@
               <a:rPr lang="ja-JP" altLang="en-US" dirty="0">
                 <a:effectLst/>
               </a:rPr>
-              <a:t>内の新人</a:t>
+              <a:t>内の教育</a:t>
             </a:r>
             <a:r>
               <a:rPr lang="en-US" altLang="ja-JP" dirty="0">
@@ -15062,19 +15238,7 @@
               <a:rPr lang="ja-JP" altLang="en-US" dirty="0">
                 <a:effectLst/>
               </a:rPr>
-              <a:t>転職者</a:t>
-            </a:r>
-            <a:r>
-              <a:rPr lang="en-US" altLang="ja-JP" dirty="0">
-                <a:effectLst/>
-              </a:rPr>
-              <a:t>/</a:t>
-            </a:r>
-            <a:r>
-              <a:rPr lang="ja-JP" altLang="en-US" dirty="0">
-                <a:effectLst/>
-              </a:rPr>
-              <a:t>リスキリング対象者</a:t>
+              <a:t>新規事業の試作ソフト開発）</a:t>
             </a:r>
           </a:p>
           <a:p>

--- a/Temp/39期ビジネスアイディア.pptx
+++ b/Temp/39期ビジネスアイディア.pptx
@@ -7,17 +7,30 @@
   <p:sldIdLst>
     <p:sldId id="256" r:id="rId2"/>
     <p:sldId id="280" r:id="rId3"/>
-    <p:sldId id="272" r:id="rId4"/>
-    <p:sldId id="274" r:id="rId5"/>
-    <p:sldId id="275" r:id="rId6"/>
-    <p:sldId id="276" r:id="rId7"/>
-    <p:sldId id="273" r:id="rId8"/>
-    <p:sldId id="269" r:id="rId9"/>
-    <p:sldId id="264" r:id="rId10"/>
-    <p:sldId id="270" r:id="rId11"/>
-    <p:sldId id="278" r:id="rId12"/>
-    <p:sldId id="277" r:id="rId13"/>
-    <p:sldId id="267" r:id="rId14"/>
+    <p:sldId id="281" r:id="rId4"/>
+    <p:sldId id="272" r:id="rId5"/>
+    <p:sldId id="274" r:id="rId6"/>
+    <p:sldId id="275" r:id="rId7"/>
+    <p:sldId id="276" r:id="rId8"/>
+    <p:sldId id="282" r:id="rId9"/>
+    <p:sldId id="273" r:id="rId10"/>
+    <p:sldId id="283" r:id="rId11"/>
+    <p:sldId id="269" r:id="rId12"/>
+    <p:sldId id="284" r:id="rId13"/>
+    <p:sldId id="264" r:id="rId14"/>
+    <p:sldId id="285" r:id="rId15"/>
+    <p:sldId id="270" r:id="rId16"/>
+    <p:sldId id="278" r:id="rId17"/>
+    <p:sldId id="286" r:id="rId18"/>
+    <p:sldId id="277" r:id="rId19"/>
+    <p:sldId id="287" r:id="rId20"/>
+    <p:sldId id="267" r:id="rId21"/>
+    <p:sldId id="288" r:id="rId22"/>
+    <p:sldId id="289" r:id="rId23"/>
+    <p:sldId id="290" r:id="rId24"/>
+    <p:sldId id="291" r:id="rId25"/>
+    <p:sldId id="292" r:id="rId26"/>
+    <p:sldId id="293" r:id="rId27"/>
   </p:sldIdLst>
   <p:sldSz cx="12192000" cy="6858000"/>
   <p:notesSz cx="6858000" cy="9144000"/>
@@ -340,7 +353,7 @@
           <a:noFill/>
           <a:extLst>
             <a:ext uri="{909E8E84-426E-40dd-AFC4-6F175D3DCCD1}">
-              <a14:hiddenFill xmlns="" xmlns:a14="http://schemas.microsoft.com/office/drawing/2010/main">
+              <a14:hiddenFill xmlns:a14="http://schemas.microsoft.com/office/drawing/2010/main" xmlns="">
                 <a:solidFill>
                   <a:srgbClr val="FFFFFF"/>
                 </a:solidFill>
@@ -400,7 +413,7 @@
             </a:ln>
             <a:extLst>
               <a:ext uri="{91240B29-F687-4f45-9708-019B960494DF}">
-                <a14:hiddenLine xmlns="" xmlns:a14="http://schemas.microsoft.com/office/drawing/2010/main" w="9525">
+                <a14:hiddenLine xmlns:a14="http://schemas.microsoft.com/office/drawing/2010/main" xmlns="" w="9525">
                   <a:solidFill>
                     <a:srgbClr val="000000"/>
                   </a:solidFill>
@@ -490,7 +503,7 @@
             </a:ln>
             <a:extLst>
               <a:ext uri="{91240B29-F687-4f45-9708-019B960494DF}">
-                <a14:hiddenLine xmlns="" xmlns:a14="http://schemas.microsoft.com/office/drawing/2010/main" w="9525">
+                <a14:hiddenLine xmlns:a14="http://schemas.microsoft.com/office/drawing/2010/main" xmlns="" w="9525">
                   <a:solidFill>
                     <a:srgbClr val="000000"/>
                   </a:solidFill>
@@ -580,7 +593,7 @@
             </a:ln>
             <a:extLst>
               <a:ext uri="{91240B29-F687-4f45-9708-019B960494DF}">
-                <a14:hiddenLine xmlns="" xmlns:a14="http://schemas.microsoft.com/office/drawing/2010/main" w="9525">
+                <a14:hiddenLine xmlns:a14="http://schemas.microsoft.com/office/drawing/2010/main" xmlns="" w="9525">
                   <a:solidFill>
                     <a:srgbClr val="000000"/>
                   </a:solidFill>
@@ -614,7 +627,7 @@
             </a:ln>
             <a:extLst>
               <a:ext uri="{91240B29-F687-4f45-9708-019B960494DF}">
-                <a14:hiddenLine xmlns="" xmlns:a14="http://schemas.microsoft.com/office/drawing/2010/main" w="9525">
+                <a14:hiddenLine xmlns:a14="http://schemas.microsoft.com/office/drawing/2010/main" xmlns="" w="9525">
                   <a:solidFill>
                     <a:srgbClr val="000000"/>
                   </a:solidFill>
@@ -704,7 +717,7 @@
             </a:ln>
             <a:extLst>
               <a:ext uri="{91240B29-F687-4f45-9708-019B960494DF}">
-                <a14:hiddenLine xmlns="" xmlns:a14="http://schemas.microsoft.com/office/drawing/2010/main" w="9525">
+                <a14:hiddenLine xmlns:a14="http://schemas.microsoft.com/office/drawing/2010/main" xmlns="" w="9525">
                   <a:solidFill>
                     <a:srgbClr val="000000"/>
                   </a:solidFill>
@@ -766,7 +779,7 @@
             </a:ln>
             <a:extLst>
               <a:ext uri="{91240B29-F687-4f45-9708-019B960494DF}">
-                <a14:hiddenLine xmlns="" xmlns:a14="http://schemas.microsoft.com/office/drawing/2010/main" w="9525">
+                <a14:hiddenLine xmlns:a14="http://schemas.microsoft.com/office/drawing/2010/main" xmlns="" w="9525">
                   <a:solidFill>
                     <a:srgbClr val="000000"/>
                   </a:solidFill>
@@ -828,7 +841,7 @@
             </a:ln>
             <a:extLst>
               <a:ext uri="{91240B29-F687-4f45-9708-019B960494DF}">
-                <a14:hiddenLine xmlns="" xmlns:a14="http://schemas.microsoft.com/office/drawing/2010/main" w="9525">
+                <a14:hiddenLine xmlns:a14="http://schemas.microsoft.com/office/drawing/2010/main" xmlns="" w="9525">
                   <a:solidFill>
                     <a:srgbClr val="000000"/>
                   </a:solidFill>
@@ -918,7 +931,7 @@
             </a:ln>
             <a:extLst>
               <a:ext uri="{91240B29-F687-4f45-9708-019B960494DF}">
-                <a14:hiddenLine xmlns="" xmlns:a14="http://schemas.microsoft.com/office/drawing/2010/main" w="9525">
+                <a14:hiddenLine xmlns:a14="http://schemas.microsoft.com/office/drawing/2010/main" xmlns="" w="9525">
                   <a:solidFill>
                     <a:srgbClr val="000000"/>
                   </a:solidFill>
@@ -980,7 +993,7 @@
             </a:ln>
             <a:extLst>
               <a:ext uri="{91240B29-F687-4f45-9708-019B960494DF}">
-                <a14:hiddenLine xmlns="" xmlns:a14="http://schemas.microsoft.com/office/drawing/2010/main" w="9525">
+                <a14:hiddenLine xmlns:a14="http://schemas.microsoft.com/office/drawing/2010/main" xmlns="" w="9525">
                   <a:solidFill>
                     <a:srgbClr val="000000"/>
                   </a:solidFill>
@@ -1042,7 +1055,7 @@
             </a:ln>
             <a:extLst>
               <a:ext uri="{91240B29-F687-4f45-9708-019B960494DF}">
-                <a14:hiddenLine xmlns="" xmlns:a14="http://schemas.microsoft.com/office/drawing/2010/main" w="9525">
+                <a14:hiddenLine xmlns:a14="http://schemas.microsoft.com/office/drawing/2010/main" xmlns="" w="9525">
                   <a:solidFill>
                     <a:srgbClr val="000000"/>
                   </a:solidFill>
@@ -1132,7 +1145,7 @@
             </a:ln>
             <a:extLst>
               <a:ext uri="{91240B29-F687-4f45-9708-019B960494DF}">
-                <a14:hiddenLine xmlns="" xmlns:a14="http://schemas.microsoft.com/office/drawing/2010/main" w="9525">
+                <a14:hiddenLine xmlns:a14="http://schemas.microsoft.com/office/drawing/2010/main" xmlns="" w="9525">
                   <a:solidFill>
                     <a:srgbClr val="000000"/>
                   </a:solidFill>
@@ -1222,7 +1235,7 @@
             </a:ln>
             <a:extLst>
               <a:ext uri="{91240B29-F687-4f45-9708-019B960494DF}">
-                <a14:hiddenLine xmlns="" xmlns:a14="http://schemas.microsoft.com/office/drawing/2010/main" w="9525">
+                <a14:hiddenLine xmlns:a14="http://schemas.microsoft.com/office/drawing/2010/main" xmlns="" w="9525">
                   <a:solidFill>
                     <a:srgbClr val="000000"/>
                   </a:solidFill>
@@ -1284,7 +1297,7 @@
             </a:ln>
             <a:extLst>
               <a:ext uri="{91240B29-F687-4f45-9708-019B960494DF}">
-                <a14:hiddenLine xmlns="" xmlns:a14="http://schemas.microsoft.com/office/drawing/2010/main" w="9525">
+                <a14:hiddenLine xmlns:a14="http://schemas.microsoft.com/office/drawing/2010/main" xmlns="" w="9525">
                   <a:solidFill>
                     <a:srgbClr val="000000"/>
                   </a:solidFill>
@@ -1394,7 +1407,7 @@
             </a:ln>
             <a:extLst>
               <a:ext uri="{91240B29-F687-4f45-9708-019B960494DF}">
-                <a14:hiddenLine xmlns="" xmlns:a14="http://schemas.microsoft.com/office/drawing/2010/main" w="9525">
+                <a14:hiddenLine xmlns:a14="http://schemas.microsoft.com/office/drawing/2010/main" xmlns="" w="9525">
                   <a:solidFill>
                     <a:srgbClr val="000000"/>
                   </a:solidFill>
@@ -1456,7 +1469,7 @@
             </a:ln>
             <a:extLst>
               <a:ext uri="{91240B29-F687-4f45-9708-019B960494DF}">
-                <a14:hiddenLine xmlns="" xmlns:a14="http://schemas.microsoft.com/office/drawing/2010/main" w="9525">
+                <a14:hiddenLine xmlns:a14="http://schemas.microsoft.com/office/drawing/2010/main" xmlns="" w="9525">
                   <a:solidFill>
                     <a:srgbClr val="000000"/>
                   </a:solidFill>
@@ -1546,7 +1559,7 @@
             </a:ln>
             <a:extLst>
               <a:ext uri="{91240B29-F687-4f45-9708-019B960494DF}">
-                <a14:hiddenLine xmlns="" xmlns:a14="http://schemas.microsoft.com/office/drawing/2010/main" w="9525">
+                <a14:hiddenLine xmlns:a14="http://schemas.microsoft.com/office/drawing/2010/main" xmlns="" w="9525">
                   <a:solidFill>
                     <a:srgbClr val="000000"/>
                   </a:solidFill>
@@ -1636,7 +1649,7 @@
             </a:ln>
             <a:extLst>
               <a:ext uri="{91240B29-F687-4f45-9708-019B960494DF}">
-                <a14:hiddenLine xmlns="" xmlns:a14="http://schemas.microsoft.com/office/drawing/2010/main" w="9525">
+                <a14:hiddenLine xmlns:a14="http://schemas.microsoft.com/office/drawing/2010/main" xmlns="" w="9525">
                   <a:solidFill>
                     <a:srgbClr val="000000"/>
                   </a:solidFill>
@@ -1698,7 +1711,7 @@
             </a:ln>
             <a:extLst>
               <a:ext uri="{91240B29-F687-4f45-9708-019B960494DF}">
-                <a14:hiddenLine xmlns="" xmlns:a14="http://schemas.microsoft.com/office/drawing/2010/main" w="9525">
+                <a14:hiddenLine xmlns:a14="http://schemas.microsoft.com/office/drawing/2010/main" xmlns="" w="9525">
                   <a:solidFill>
                     <a:srgbClr val="000000"/>
                   </a:solidFill>
@@ -1788,7 +1801,7 @@
             </a:ln>
             <a:extLst>
               <a:ext uri="{91240B29-F687-4f45-9708-019B960494DF}">
-                <a14:hiddenLine xmlns="" xmlns:a14="http://schemas.microsoft.com/office/drawing/2010/main" w="9525">
+                <a14:hiddenLine xmlns:a14="http://schemas.microsoft.com/office/drawing/2010/main" xmlns="" w="9525">
                   <a:solidFill>
                     <a:srgbClr val="000000"/>
                   </a:solidFill>
@@ -1878,7 +1891,7 @@
             </a:ln>
             <a:extLst>
               <a:ext uri="{91240B29-F687-4f45-9708-019B960494DF}">
-                <a14:hiddenLine xmlns="" xmlns:a14="http://schemas.microsoft.com/office/drawing/2010/main" w="9525">
+                <a14:hiddenLine xmlns:a14="http://schemas.microsoft.com/office/drawing/2010/main" xmlns="" w="9525">
                   <a:solidFill>
                     <a:srgbClr val="000000"/>
                   </a:solidFill>
@@ -1934,7 +1947,7 @@
             </a:ln>
             <a:extLst>
               <a:ext uri="{91240B29-F687-4f45-9708-019B960494DF}">
-                <a14:hiddenLine xmlns="" xmlns:a14="http://schemas.microsoft.com/office/drawing/2010/main" w="9525">
+                <a14:hiddenLine xmlns:a14="http://schemas.microsoft.com/office/drawing/2010/main" xmlns="" w="9525">
                   <a:solidFill>
                     <a:srgbClr val="000000"/>
                   </a:solidFill>
@@ -2024,7 +2037,7 @@
             </a:ln>
             <a:extLst>
               <a:ext uri="{91240B29-F687-4f45-9708-019B960494DF}">
-                <a14:hiddenLine xmlns="" xmlns:a14="http://schemas.microsoft.com/office/drawing/2010/main" w="9525">
+                <a14:hiddenLine xmlns:a14="http://schemas.microsoft.com/office/drawing/2010/main" xmlns="" w="9525">
                   <a:solidFill>
                     <a:srgbClr val="000000"/>
                   </a:solidFill>
@@ -2080,7 +2093,7 @@
             </a:ln>
             <a:extLst>
               <a:ext uri="{91240B29-F687-4f45-9708-019B960494DF}">
-                <a14:hiddenLine xmlns="" xmlns:a14="http://schemas.microsoft.com/office/drawing/2010/main" w="9525">
+                <a14:hiddenLine xmlns:a14="http://schemas.microsoft.com/office/drawing/2010/main" xmlns="" w="9525">
                   <a:solidFill>
                     <a:srgbClr val="000000"/>
                   </a:solidFill>
@@ -2170,7 +2183,7 @@
             </a:ln>
             <a:extLst>
               <a:ext uri="{91240B29-F687-4f45-9708-019B960494DF}">
-                <a14:hiddenLine xmlns="" xmlns:a14="http://schemas.microsoft.com/office/drawing/2010/main" w="9525">
+                <a14:hiddenLine xmlns:a14="http://schemas.microsoft.com/office/drawing/2010/main" xmlns="" w="9525">
                   <a:solidFill>
                     <a:srgbClr val="000000"/>
                   </a:solidFill>
@@ -2238,7 +2251,7 @@
             </a:ln>
             <a:extLst>
               <a:ext uri="{91240B29-F687-4f45-9708-019B960494DF}">
-                <a14:hiddenLine xmlns="" xmlns:a14="http://schemas.microsoft.com/office/drawing/2010/main" w="9525">
+                <a14:hiddenLine xmlns:a14="http://schemas.microsoft.com/office/drawing/2010/main" xmlns="" w="9525">
                   <a:solidFill>
                     <a:srgbClr val="000000"/>
                   </a:solidFill>
@@ -2328,7 +2341,7 @@
             </a:ln>
             <a:extLst>
               <a:ext uri="{91240B29-F687-4f45-9708-019B960494DF}">
-                <a14:hiddenLine xmlns="" xmlns:a14="http://schemas.microsoft.com/office/drawing/2010/main" w="9525">
+                <a14:hiddenLine xmlns:a14="http://schemas.microsoft.com/office/drawing/2010/main" xmlns="" w="9525">
                   <a:solidFill>
                     <a:srgbClr val="000000"/>
                   </a:solidFill>
@@ -2396,7 +2409,7 @@
             </a:ln>
             <a:extLst>
               <a:ext uri="{91240B29-F687-4f45-9708-019B960494DF}">
-                <a14:hiddenLine xmlns="" xmlns:a14="http://schemas.microsoft.com/office/drawing/2010/main" w="9525">
+                <a14:hiddenLine xmlns:a14="http://schemas.microsoft.com/office/drawing/2010/main" xmlns="" w="9525">
                   <a:solidFill>
                     <a:srgbClr val="000000"/>
                   </a:solidFill>
@@ -2486,7 +2499,7 @@
             </a:ln>
             <a:extLst>
               <a:ext uri="{91240B29-F687-4f45-9708-019B960494DF}">
-                <a14:hiddenLine xmlns="" xmlns:a14="http://schemas.microsoft.com/office/drawing/2010/main" w="9525">
+                <a14:hiddenLine xmlns:a14="http://schemas.microsoft.com/office/drawing/2010/main" xmlns="" w="9525">
                   <a:solidFill>
                     <a:srgbClr val="000000"/>
                   </a:solidFill>
@@ -2520,7 +2533,7 @@
             </a:ln>
             <a:extLst>
               <a:ext uri="{91240B29-F687-4f45-9708-019B960494DF}">
-                <a14:hiddenLine xmlns="" xmlns:a14="http://schemas.microsoft.com/office/drawing/2010/main" w="9525">
+                <a14:hiddenLine xmlns:a14="http://schemas.microsoft.com/office/drawing/2010/main" xmlns="" w="9525">
                   <a:solidFill>
                     <a:srgbClr val="000000"/>
                   </a:solidFill>
@@ -2610,7 +2623,7 @@
             </a:ln>
             <a:extLst>
               <a:ext uri="{91240B29-F687-4f45-9708-019B960494DF}">
-                <a14:hiddenLine xmlns="" xmlns:a14="http://schemas.microsoft.com/office/drawing/2010/main" w="9525">
+                <a14:hiddenLine xmlns:a14="http://schemas.microsoft.com/office/drawing/2010/main" xmlns="" w="9525">
                   <a:solidFill>
                     <a:srgbClr val="000000"/>
                   </a:solidFill>
@@ -2672,7 +2685,7 @@
             </a:ln>
             <a:extLst>
               <a:ext uri="{91240B29-F687-4f45-9708-019B960494DF}">
-                <a14:hiddenLine xmlns="" xmlns:a14="http://schemas.microsoft.com/office/drawing/2010/main" w="9525">
+                <a14:hiddenLine xmlns:a14="http://schemas.microsoft.com/office/drawing/2010/main" xmlns="" w="9525">
                   <a:solidFill>
                     <a:srgbClr val="000000"/>
                   </a:solidFill>
@@ -2734,7 +2747,7 @@
             </a:ln>
             <a:extLst>
               <a:ext uri="{91240B29-F687-4f45-9708-019B960494DF}">
-                <a14:hiddenLine xmlns="" xmlns:a14="http://schemas.microsoft.com/office/drawing/2010/main" w="9525">
+                <a14:hiddenLine xmlns:a14="http://schemas.microsoft.com/office/drawing/2010/main" xmlns="" w="9525">
                   <a:solidFill>
                     <a:srgbClr val="000000"/>
                   </a:solidFill>
@@ -2824,7 +2837,7 @@
             </a:ln>
             <a:extLst>
               <a:ext uri="{91240B29-F687-4f45-9708-019B960494DF}">
-                <a14:hiddenLine xmlns="" xmlns:a14="http://schemas.microsoft.com/office/drawing/2010/main" w="9525">
+                <a14:hiddenLine xmlns:a14="http://schemas.microsoft.com/office/drawing/2010/main" xmlns="" w="9525">
                   <a:solidFill>
                     <a:srgbClr val="000000"/>
                   </a:solidFill>
@@ -2892,7 +2905,7 @@
             </a:ln>
             <a:extLst>
               <a:ext uri="{91240B29-F687-4f45-9708-019B960494DF}">
-                <a14:hiddenLine xmlns="" xmlns:a14="http://schemas.microsoft.com/office/drawing/2010/main" w="9525">
+                <a14:hiddenLine xmlns:a14="http://schemas.microsoft.com/office/drawing/2010/main" xmlns="" w="9525">
                   <a:solidFill>
                     <a:srgbClr val="000000"/>
                   </a:solidFill>
@@ -2954,7 +2967,7 @@
             </a:ln>
             <a:extLst>
               <a:ext uri="{91240B29-F687-4f45-9708-019B960494DF}">
-                <a14:hiddenLine xmlns="" xmlns:a14="http://schemas.microsoft.com/office/drawing/2010/main" w="9525">
+                <a14:hiddenLine xmlns:a14="http://schemas.microsoft.com/office/drawing/2010/main" xmlns="" w="9525">
                   <a:solidFill>
                     <a:srgbClr val="000000"/>
                   </a:solidFill>
@@ -3044,7 +3057,7 @@
             </a:ln>
             <a:extLst>
               <a:ext uri="{91240B29-F687-4f45-9708-019B960494DF}">
-                <a14:hiddenLine xmlns="" xmlns:a14="http://schemas.microsoft.com/office/drawing/2010/main" w="9525">
+                <a14:hiddenLine xmlns:a14="http://schemas.microsoft.com/office/drawing/2010/main" xmlns="" w="9525">
                   <a:solidFill>
                     <a:srgbClr val="000000"/>
                   </a:solidFill>
@@ -3106,7 +3119,7 @@
             </a:ln>
             <a:extLst>
               <a:ext uri="{91240B29-F687-4f45-9708-019B960494DF}">
-                <a14:hiddenLine xmlns="" xmlns:a14="http://schemas.microsoft.com/office/drawing/2010/main" w="9525">
+                <a14:hiddenLine xmlns:a14="http://schemas.microsoft.com/office/drawing/2010/main" xmlns="" w="9525">
                   <a:solidFill>
                     <a:srgbClr val="000000"/>
                   </a:solidFill>
@@ -3196,7 +3209,7 @@
             </a:ln>
             <a:extLst>
               <a:ext uri="{91240B29-F687-4f45-9708-019B960494DF}">
-                <a14:hiddenLine xmlns="" xmlns:a14="http://schemas.microsoft.com/office/drawing/2010/main" w="9525">
+                <a14:hiddenLine xmlns:a14="http://schemas.microsoft.com/office/drawing/2010/main" xmlns="" w="9525">
                   <a:solidFill>
                     <a:srgbClr val="000000"/>
                   </a:solidFill>
@@ -3258,7 +3271,7 @@
             </a:ln>
             <a:extLst>
               <a:ext uri="{91240B29-F687-4f45-9708-019B960494DF}">
-                <a14:hiddenLine xmlns="" xmlns:a14="http://schemas.microsoft.com/office/drawing/2010/main" w="9525">
+                <a14:hiddenLine xmlns:a14="http://schemas.microsoft.com/office/drawing/2010/main" xmlns="" w="9525">
                   <a:solidFill>
                     <a:srgbClr val="000000"/>
                   </a:solidFill>
@@ -3348,7 +3361,7 @@
             </a:ln>
             <a:extLst>
               <a:ext uri="{91240B29-F687-4f45-9708-019B960494DF}">
-                <a14:hiddenLine xmlns="" xmlns:a14="http://schemas.microsoft.com/office/drawing/2010/main" w="9525">
+                <a14:hiddenLine xmlns:a14="http://schemas.microsoft.com/office/drawing/2010/main" xmlns="" w="9525">
                   <a:solidFill>
                     <a:srgbClr val="000000"/>
                   </a:solidFill>
@@ -3382,7 +3395,7 @@
             </a:ln>
             <a:extLst>
               <a:ext uri="{91240B29-F687-4f45-9708-019B960494DF}">
-                <a14:hiddenLine xmlns="" xmlns:a14="http://schemas.microsoft.com/office/drawing/2010/main" w="9525">
+                <a14:hiddenLine xmlns:a14="http://schemas.microsoft.com/office/drawing/2010/main" xmlns="" w="9525">
                   <a:solidFill>
                     <a:srgbClr val="000000"/>
                   </a:solidFill>
@@ -3447,7 +3460,7 @@
             </a:ln>
             <a:extLst>
               <a:ext uri="{91240B29-F687-4f45-9708-019B960494DF}">
-                <a14:hiddenLine xmlns="" xmlns:a14="http://schemas.microsoft.com/office/drawing/2010/main" w="9525">
+                <a14:hiddenLine xmlns:a14="http://schemas.microsoft.com/office/drawing/2010/main" xmlns="" w="9525">
                   <a:solidFill>
                     <a:srgbClr val="000000"/>
                   </a:solidFill>
@@ -3537,7 +3550,7 @@
             </a:ln>
             <a:extLst>
               <a:ext uri="{91240B29-F687-4f45-9708-019B960494DF}">
-                <a14:hiddenLine xmlns="" xmlns:a14="http://schemas.microsoft.com/office/drawing/2010/main" w="9525">
+                <a14:hiddenLine xmlns:a14="http://schemas.microsoft.com/office/drawing/2010/main" xmlns="" w="9525">
                   <a:solidFill>
                     <a:srgbClr val="000000"/>
                   </a:solidFill>
@@ -3599,7 +3612,7 @@
             </a:ln>
             <a:extLst>
               <a:ext uri="{91240B29-F687-4f45-9708-019B960494DF}">
-                <a14:hiddenLine xmlns="" xmlns:a14="http://schemas.microsoft.com/office/drawing/2010/main" w="9525">
+                <a14:hiddenLine xmlns:a14="http://schemas.microsoft.com/office/drawing/2010/main" xmlns="" w="9525">
                   <a:solidFill>
                     <a:srgbClr val="000000"/>
                   </a:solidFill>
@@ -3689,7 +3702,7 @@
             </a:ln>
             <a:extLst>
               <a:ext uri="{91240B29-F687-4f45-9708-019B960494DF}">
-                <a14:hiddenLine xmlns="" xmlns:a14="http://schemas.microsoft.com/office/drawing/2010/main" w="9525">
+                <a14:hiddenLine xmlns:a14="http://schemas.microsoft.com/office/drawing/2010/main" xmlns="" w="9525">
                   <a:solidFill>
                     <a:srgbClr val="000000"/>
                   </a:solidFill>
@@ -3779,7 +3792,7 @@
             </a:ln>
             <a:extLst>
               <a:ext uri="{91240B29-F687-4f45-9708-019B960494DF}">
-                <a14:hiddenLine xmlns="" xmlns:a14="http://schemas.microsoft.com/office/drawing/2010/main" w="9525">
+                <a14:hiddenLine xmlns:a14="http://schemas.microsoft.com/office/drawing/2010/main" xmlns="" w="9525">
                   <a:solidFill>
                     <a:srgbClr val="000000"/>
                   </a:solidFill>
@@ -3844,7 +3857,7 @@
             </a:ln>
             <a:extLst>
               <a:ext uri="{91240B29-F687-4f45-9708-019B960494DF}">
-                <a14:hiddenLine xmlns="" xmlns:a14="http://schemas.microsoft.com/office/drawing/2010/main" w="9525">
+                <a14:hiddenLine xmlns:a14="http://schemas.microsoft.com/office/drawing/2010/main" xmlns="" w="9525">
                   <a:solidFill>
                     <a:srgbClr val="000000"/>
                   </a:solidFill>
@@ -3906,7 +3919,7 @@
             </a:ln>
             <a:extLst>
               <a:ext uri="{91240B29-F687-4f45-9708-019B960494DF}">
-                <a14:hiddenLine xmlns="" xmlns:a14="http://schemas.microsoft.com/office/drawing/2010/main" w="9525">
+                <a14:hiddenLine xmlns:a14="http://schemas.microsoft.com/office/drawing/2010/main" xmlns="" w="9525">
                   <a:solidFill>
                     <a:srgbClr val="000000"/>
                   </a:solidFill>
@@ -3996,7 +4009,7 @@
             </a:ln>
             <a:extLst>
               <a:ext uri="{91240B29-F687-4f45-9708-019B960494DF}">
-                <a14:hiddenLine xmlns="" xmlns:a14="http://schemas.microsoft.com/office/drawing/2010/main" w="9525">
+                <a14:hiddenLine xmlns:a14="http://schemas.microsoft.com/office/drawing/2010/main" xmlns="" w="9525">
                   <a:solidFill>
                     <a:srgbClr val="000000"/>
                   </a:solidFill>
@@ -4086,7 +4099,7 @@
             </a:ln>
             <a:extLst>
               <a:ext uri="{91240B29-F687-4f45-9708-019B960494DF}">
-                <a14:hiddenLine xmlns="" xmlns:a14="http://schemas.microsoft.com/office/drawing/2010/main" w="9525">
+                <a14:hiddenLine xmlns:a14="http://schemas.microsoft.com/office/drawing/2010/main" xmlns="" w="9525">
                   <a:solidFill>
                     <a:srgbClr val="000000"/>
                   </a:solidFill>
@@ -4148,7 +4161,7 @@
             </a:ln>
             <a:extLst>
               <a:ext uri="{91240B29-F687-4f45-9708-019B960494DF}">
-                <a14:hiddenLine xmlns="" xmlns:a14="http://schemas.microsoft.com/office/drawing/2010/main" w="9525">
+                <a14:hiddenLine xmlns:a14="http://schemas.microsoft.com/office/drawing/2010/main" xmlns="" w="9525">
                   <a:solidFill>
                     <a:srgbClr val="000000"/>
                   </a:solidFill>
@@ -4268,7 +4281,7 @@
             </a:ln>
             <a:extLst>
               <a:ext uri="{91240B29-F687-4f45-9708-019B960494DF}">
-                <a14:hiddenLine xmlns="" xmlns:a14="http://schemas.microsoft.com/office/drawing/2010/main" w="9525">
+                <a14:hiddenLine xmlns:a14="http://schemas.microsoft.com/office/drawing/2010/main" xmlns="" w="9525">
                   <a:solidFill>
                     <a:srgbClr val="000000"/>
                   </a:solidFill>
@@ -4336,7 +4349,7 @@
             </a:ln>
             <a:extLst>
               <a:ext uri="{91240B29-F687-4f45-9708-019B960494DF}">
-                <a14:hiddenLine xmlns="" xmlns:a14="http://schemas.microsoft.com/office/drawing/2010/main" w="9525">
+                <a14:hiddenLine xmlns:a14="http://schemas.microsoft.com/office/drawing/2010/main" xmlns="" w="9525">
                   <a:solidFill>
                     <a:srgbClr val="000000"/>
                   </a:solidFill>
@@ -4426,7 +4439,7 @@
             </a:ln>
             <a:extLst>
               <a:ext uri="{91240B29-F687-4f45-9708-019B960494DF}">
-                <a14:hiddenLine xmlns="" xmlns:a14="http://schemas.microsoft.com/office/drawing/2010/main" w="9525">
+                <a14:hiddenLine xmlns:a14="http://schemas.microsoft.com/office/drawing/2010/main" xmlns="" w="9525">
                   <a:solidFill>
                     <a:srgbClr val="000000"/>
                   </a:solidFill>
@@ -4566,7 +4579,7 @@
           <a:p>
             <a:fld id="{48A87A34-81AB-432B-8DAE-1953F412C126}" type="datetimeFigureOut">
               <a:rPr lang="en-US" dirty="0"/>
-              <a:t>11/29/2023</a:t>
+              <a:t>11/30/2023</a:t>
             </a:fld>
             <a:endParaRPr lang="en-US" dirty="0"/>
           </a:p>
@@ -4828,7 +4841,7 @@
           <a:p>
             <a:fld id="{48A87A34-81AB-432B-8DAE-1953F412C126}" type="datetimeFigureOut">
               <a:rPr lang="en-US" dirty="0"/>
-              <a:t>11/29/2023</a:t>
+              <a:t>11/30/2023</a:t>
             </a:fld>
             <a:endParaRPr lang="en-US" dirty="0"/>
           </a:p>
@@ -5019,7 +5032,7 @@
           <a:p>
             <a:fld id="{48A87A34-81AB-432B-8DAE-1953F412C126}" type="datetimeFigureOut">
               <a:rPr lang="en-US" dirty="0"/>
-              <a:t>11/29/2023</a:t>
+              <a:t>11/30/2023</a:t>
             </a:fld>
             <a:endParaRPr lang="en-US" dirty="0"/>
           </a:p>
@@ -5277,7 +5290,7 @@
           <a:p>
             <a:fld id="{48A87A34-81AB-432B-8DAE-1953F412C126}" type="datetimeFigureOut">
               <a:rPr lang="en-US" dirty="0"/>
-              <a:t>11/29/2023</a:t>
+              <a:t>11/30/2023</a:t>
             </a:fld>
             <a:endParaRPr lang="en-US" dirty="0"/>
           </a:p>
@@ -5706,7 +5719,7 @@
           <a:p>
             <a:fld id="{48A87A34-81AB-432B-8DAE-1953F412C126}" type="datetimeFigureOut">
               <a:rPr lang="en-US" dirty="0"/>
-              <a:t>11/29/2023</a:t>
+              <a:t>11/30/2023</a:t>
             </a:fld>
             <a:endParaRPr lang="en-US" dirty="0"/>
           </a:p>
@@ -6247,7 +6260,7 @@
           <a:p>
             <a:fld id="{48A87A34-81AB-432B-8DAE-1953F412C126}" type="datetimeFigureOut">
               <a:rPr lang="en-US" dirty="0"/>
-              <a:t>11/29/2023</a:t>
+              <a:t>11/30/2023</a:t>
             </a:fld>
             <a:endParaRPr lang="en-US" dirty="0"/>
           </a:p>
@@ -6962,7 +6975,7 @@
           <a:p>
             <a:fld id="{48A87A34-81AB-432B-8DAE-1953F412C126}" type="datetimeFigureOut">
               <a:rPr lang="en-US" dirty="0"/>
-              <a:t>11/29/2023</a:t>
+              <a:t>11/30/2023</a:t>
             </a:fld>
             <a:endParaRPr lang="en-US" dirty="0"/>
           </a:p>
@@ -7159,7 +7172,7 @@
           <a:p>
             <a:fld id="{48A87A34-81AB-432B-8DAE-1953F412C126}" type="datetimeFigureOut">
               <a:rPr lang="en-US" dirty="0"/>
-              <a:t>11/29/2023</a:t>
+              <a:t>11/30/2023</a:t>
             </a:fld>
             <a:endParaRPr lang="en-US" dirty="0"/>
           </a:p>
@@ -7366,7 +7379,7 @@
           <a:p>
             <a:fld id="{48A87A34-81AB-432B-8DAE-1953F412C126}" type="datetimeFigureOut">
               <a:rPr lang="en-US" dirty="0"/>
-              <a:t>11/29/2023</a:t>
+              <a:t>11/30/2023</a:t>
             </a:fld>
             <a:endParaRPr lang="en-US" dirty="0"/>
           </a:p>
@@ -7563,7 +7576,7 @@
           <a:p>
             <a:fld id="{48A87A34-81AB-432B-8DAE-1953F412C126}" type="datetimeFigureOut">
               <a:rPr lang="en-US" dirty="0"/>
-              <a:t>11/29/2023</a:t>
+              <a:t>11/30/2023</a:t>
             </a:fld>
             <a:endParaRPr lang="en-US" dirty="0"/>
           </a:p>
@@ -7808,7 +7821,7 @@
           <a:p>
             <a:fld id="{48A87A34-81AB-432B-8DAE-1953F412C126}" type="datetimeFigureOut">
               <a:rPr lang="en-US" dirty="0"/>
-              <a:t>11/29/2023</a:t>
+              <a:t>11/30/2023</a:t>
             </a:fld>
             <a:endParaRPr lang="en-US" dirty="0"/>
           </a:p>
@@ -8099,7 +8112,7 @@
           <a:p>
             <a:fld id="{48A87A34-81AB-432B-8DAE-1953F412C126}" type="datetimeFigureOut">
               <a:rPr lang="en-US" dirty="0"/>
-              <a:t>11/29/2023</a:t>
+              <a:t>11/30/2023</a:t>
             </a:fld>
             <a:endParaRPr lang="en-US" dirty="0"/>
           </a:p>
@@ -8539,7 +8552,7 @@
           <a:p>
             <a:fld id="{48A87A34-81AB-432B-8DAE-1953F412C126}" type="datetimeFigureOut">
               <a:rPr lang="en-US" dirty="0"/>
-              <a:t>11/29/2023</a:t>
+              <a:t>11/30/2023</a:t>
             </a:fld>
             <a:endParaRPr lang="en-US" dirty="0"/>
           </a:p>
@@ -8652,7 +8665,7 @@
           <a:p>
             <a:fld id="{48A87A34-81AB-432B-8DAE-1953F412C126}" type="datetimeFigureOut">
               <a:rPr lang="en-US" dirty="0"/>
-              <a:t>11/29/2023</a:t>
+              <a:t>11/30/2023</a:t>
             </a:fld>
             <a:endParaRPr lang="en-US" dirty="0"/>
           </a:p>
@@ -8742,7 +8755,7 @@
           <a:p>
             <a:fld id="{48A87A34-81AB-432B-8DAE-1953F412C126}" type="datetimeFigureOut">
               <a:rPr lang="en-US" dirty="0"/>
-              <a:t>11/29/2023</a:t>
+              <a:t>11/30/2023</a:t>
             </a:fld>
             <a:endParaRPr lang="en-US" dirty="0"/>
           </a:p>
@@ -9018,7 +9031,7 @@
           <a:p>
             <a:fld id="{48A87A34-81AB-432B-8DAE-1953F412C126}" type="datetimeFigureOut">
               <a:rPr lang="en-US" dirty="0"/>
-              <a:t>11/29/2023</a:t>
+              <a:t>11/30/2023</a:t>
             </a:fld>
             <a:endParaRPr lang="en-US" dirty="0"/>
           </a:p>
@@ -9293,7 +9306,7 @@
           <a:p>
             <a:fld id="{48A87A34-81AB-432B-8DAE-1953F412C126}" type="datetimeFigureOut">
               <a:rPr lang="en-US" dirty="0"/>
-              <a:t>11/29/2023</a:t>
+              <a:t>11/30/2023</a:t>
             </a:fld>
             <a:endParaRPr lang="en-US" dirty="0"/>
           </a:p>
@@ -9404,7 +9417,7 @@
           <a:noFill/>
           <a:extLst>
             <a:ext uri="{909E8E84-426E-40dd-AFC4-6F175D3DCCD1}">
-              <a14:hiddenFill xmlns="" xmlns:a14="http://schemas.microsoft.com/office/drawing/2010/main">
+              <a14:hiddenFill xmlns:a14="http://schemas.microsoft.com/office/drawing/2010/main" xmlns="">
                 <a:solidFill>
                   <a:srgbClr val="FFFFFF"/>
                 </a:solidFill>
@@ -9478,7 +9491,7 @@
               </a:ln>
               <a:extLst>
                 <a:ext uri="{91240B29-F687-4f45-9708-019B960494DF}">
-                  <a14:hiddenLine xmlns="" xmlns:a14="http://schemas.microsoft.com/office/drawing/2010/main" w="9525">
+                  <a14:hiddenLine xmlns:a14="http://schemas.microsoft.com/office/drawing/2010/main" xmlns="" w="9525">
                     <a:solidFill>
                       <a:srgbClr val="000000"/>
                     </a:solidFill>
@@ -9568,7 +9581,7 @@
               </a:ln>
               <a:extLst>
                 <a:ext uri="{91240B29-F687-4f45-9708-019B960494DF}">
-                  <a14:hiddenLine xmlns="" xmlns:a14="http://schemas.microsoft.com/office/drawing/2010/main" w="9525">
+                  <a14:hiddenLine xmlns:a14="http://schemas.microsoft.com/office/drawing/2010/main" xmlns="" w="9525">
                     <a:solidFill>
                       <a:srgbClr val="000000"/>
                     </a:solidFill>
@@ -9658,7 +9671,7 @@
               </a:ln>
               <a:extLst>
                 <a:ext uri="{91240B29-F687-4f45-9708-019B960494DF}">
-                  <a14:hiddenLine xmlns="" xmlns:a14="http://schemas.microsoft.com/office/drawing/2010/main" w="9525">
+                  <a14:hiddenLine xmlns:a14="http://schemas.microsoft.com/office/drawing/2010/main" xmlns="" w="9525">
                     <a:solidFill>
                       <a:srgbClr val="000000"/>
                     </a:solidFill>
@@ -9720,7 +9733,7 @@
               </a:ln>
               <a:extLst>
                 <a:ext uri="{91240B29-F687-4f45-9708-019B960494DF}">
-                  <a14:hiddenLine xmlns="" xmlns:a14="http://schemas.microsoft.com/office/drawing/2010/main" w="9525">
+                  <a14:hiddenLine xmlns:a14="http://schemas.microsoft.com/office/drawing/2010/main" xmlns="" w="9525">
                     <a:solidFill>
                       <a:srgbClr val="000000"/>
                     </a:solidFill>
@@ -9810,7 +9823,7 @@
               </a:ln>
               <a:extLst>
                 <a:ext uri="{91240B29-F687-4f45-9708-019B960494DF}">
-                  <a14:hiddenLine xmlns="" xmlns:a14="http://schemas.microsoft.com/office/drawing/2010/main" w="9525">
+                  <a14:hiddenLine xmlns:a14="http://schemas.microsoft.com/office/drawing/2010/main" xmlns="" w="9525">
                     <a:solidFill>
                       <a:srgbClr val="000000"/>
                     </a:solidFill>
@@ -9872,7 +9885,7 @@
               </a:ln>
               <a:extLst>
                 <a:ext uri="{91240B29-F687-4f45-9708-019B960494DF}">
-                  <a14:hiddenLine xmlns="" xmlns:a14="http://schemas.microsoft.com/office/drawing/2010/main" w="9525">
+                  <a14:hiddenLine xmlns:a14="http://schemas.microsoft.com/office/drawing/2010/main" xmlns="" w="9525">
                     <a:solidFill>
                       <a:srgbClr val="000000"/>
                     </a:solidFill>
@@ -9934,7 +9947,7 @@
               </a:ln>
               <a:extLst>
                 <a:ext uri="{91240B29-F687-4f45-9708-019B960494DF}">
-                  <a14:hiddenLine xmlns="" xmlns:a14="http://schemas.microsoft.com/office/drawing/2010/main" w="9525">
+                  <a14:hiddenLine xmlns:a14="http://schemas.microsoft.com/office/drawing/2010/main" xmlns="" w="9525">
                     <a:solidFill>
                       <a:srgbClr val="000000"/>
                     </a:solidFill>
@@ -10024,7 +10037,7 @@
               </a:ln>
               <a:extLst>
                 <a:ext uri="{91240B29-F687-4f45-9708-019B960494DF}">
-                  <a14:hiddenLine xmlns="" xmlns:a14="http://schemas.microsoft.com/office/drawing/2010/main" w="9525">
+                  <a14:hiddenLine xmlns:a14="http://schemas.microsoft.com/office/drawing/2010/main" xmlns="" w="9525">
                     <a:solidFill>
                       <a:srgbClr val="000000"/>
                     </a:solidFill>
@@ -10114,7 +10127,7 @@
               </a:ln>
               <a:extLst>
                 <a:ext uri="{91240B29-F687-4f45-9708-019B960494DF}">
-                  <a14:hiddenLine xmlns="" xmlns:a14="http://schemas.microsoft.com/office/drawing/2010/main" w="9525">
+                  <a14:hiddenLine xmlns:a14="http://schemas.microsoft.com/office/drawing/2010/main" xmlns="" w="9525">
                     <a:solidFill>
                       <a:srgbClr val="000000"/>
                     </a:solidFill>
@@ -10176,7 +10189,7 @@
               </a:ln>
               <a:extLst>
                 <a:ext uri="{91240B29-F687-4f45-9708-019B960494DF}">
-                  <a14:hiddenLine xmlns="" xmlns:a14="http://schemas.microsoft.com/office/drawing/2010/main" w="9525">
+                  <a14:hiddenLine xmlns:a14="http://schemas.microsoft.com/office/drawing/2010/main" xmlns="" w="9525">
                     <a:solidFill>
                       <a:srgbClr val="000000"/>
                     </a:solidFill>
@@ -10286,7 +10299,7 @@
               </a:ln>
               <a:extLst>
                 <a:ext uri="{91240B29-F687-4f45-9708-019B960494DF}">
-                  <a14:hiddenLine xmlns="" xmlns:a14="http://schemas.microsoft.com/office/drawing/2010/main" w="9525">
+                  <a14:hiddenLine xmlns:a14="http://schemas.microsoft.com/office/drawing/2010/main" xmlns="" w="9525">
                     <a:solidFill>
                       <a:srgbClr val="000000"/>
                     </a:solidFill>
@@ -10370,7 +10383,7 @@
               </a:ln>
               <a:extLst>
                 <a:ext uri="{91240B29-F687-4f45-9708-019B960494DF}">
-                  <a14:hiddenLine xmlns="" xmlns:a14="http://schemas.microsoft.com/office/drawing/2010/main" w="9525">
+                  <a14:hiddenLine xmlns:a14="http://schemas.microsoft.com/office/drawing/2010/main" xmlns="" w="9525">
                     <a:solidFill>
                       <a:srgbClr val="000000"/>
                     </a:solidFill>
@@ -10432,7 +10445,7 @@
               </a:ln>
               <a:extLst>
                 <a:ext uri="{91240B29-F687-4f45-9708-019B960494DF}">
-                  <a14:hiddenLine xmlns="" xmlns:a14="http://schemas.microsoft.com/office/drawing/2010/main" w="9525">
+                  <a14:hiddenLine xmlns:a14="http://schemas.microsoft.com/office/drawing/2010/main" xmlns="" w="9525">
                     <a:solidFill>
                       <a:srgbClr val="000000"/>
                     </a:solidFill>
@@ -10494,7 +10507,7 @@
               </a:ln>
               <a:extLst>
                 <a:ext uri="{91240B29-F687-4f45-9708-019B960494DF}">
-                  <a14:hiddenLine xmlns="" xmlns:a14="http://schemas.microsoft.com/office/drawing/2010/main" w="9525">
+                  <a14:hiddenLine xmlns:a14="http://schemas.microsoft.com/office/drawing/2010/main" xmlns="" w="9525">
                     <a:solidFill>
                       <a:srgbClr val="000000"/>
                     </a:solidFill>
@@ -10584,7 +10597,7 @@
               </a:ln>
               <a:extLst>
                 <a:ext uri="{91240B29-F687-4f45-9708-019B960494DF}">
-                  <a14:hiddenLine xmlns="" xmlns:a14="http://schemas.microsoft.com/office/drawing/2010/main" w="9525">
+                  <a14:hiddenLine xmlns:a14="http://schemas.microsoft.com/office/drawing/2010/main" xmlns="" w="9525">
                     <a:solidFill>
                       <a:srgbClr val="000000"/>
                     </a:solidFill>
@@ -10618,7 +10631,7 @@
               </a:ln>
               <a:extLst>
                 <a:ext uri="{91240B29-F687-4f45-9708-019B960494DF}">
-                  <a14:hiddenLine xmlns="" xmlns:a14="http://schemas.microsoft.com/office/drawing/2010/main" w="9525">
+                  <a14:hiddenLine xmlns:a14="http://schemas.microsoft.com/office/drawing/2010/main" xmlns="" w="9525">
                     <a:solidFill>
                       <a:srgbClr val="000000"/>
                     </a:solidFill>
@@ -10683,7 +10696,7 @@
               </a:ln>
               <a:extLst>
                 <a:ext uri="{91240B29-F687-4f45-9708-019B960494DF}">
-                  <a14:hiddenLine xmlns="" xmlns:a14="http://schemas.microsoft.com/office/drawing/2010/main" w="9525">
+                  <a14:hiddenLine xmlns:a14="http://schemas.microsoft.com/office/drawing/2010/main" xmlns="" w="9525">
                     <a:solidFill>
                       <a:srgbClr val="000000"/>
                     </a:solidFill>
@@ -10773,7 +10786,7 @@
               </a:ln>
               <a:extLst>
                 <a:ext uri="{91240B29-F687-4f45-9708-019B960494DF}">
-                  <a14:hiddenLine xmlns="" xmlns:a14="http://schemas.microsoft.com/office/drawing/2010/main" w="9525">
+                  <a14:hiddenLine xmlns:a14="http://schemas.microsoft.com/office/drawing/2010/main" xmlns="" w="9525">
                     <a:solidFill>
                       <a:srgbClr val="000000"/>
                     </a:solidFill>
@@ -10835,7 +10848,7 @@
               </a:ln>
               <a:extLst>
                 <a:ext uri="{91240B29-F687-4f45-9708-019B960494DF}">
-                  <a14:hiddenLine xmlns="" xmlns:a14="http://schemas.microsoft.com/office/drawing/2010/main" w="9525">
+                  <a14:hiddenLine xmlns:a14="http://schemas.microsoft.com/office/drawing/2010/main" xmlns="" w="9525">
                     <a:solidFill>
                       <a:srgbClr val="000000"/>
                     </a:solidFill>
@@ -10925,7 +10938,7 @@
               </a:ln>
               <a:extLst>
                 <a:ext uri="{91240B29-F687-4f45-9708-019B960494DF}">
-                  <a14:hiddenLine xmlns="" xmlns:a14="http://schemas.microsoft.com/office/drawing/2010/main" w="9525">
+                  <a14:hiddenLine xmlns:a14="http://schemas.microsoft.com/office/drawing/2010/main" xmlns="" w="9525">
                     <a:solidFill>
                       <a:srgbClr val="000000"/>
                     </a:solidFill>
@@ -10990,7 +11003,7 @@
               </a:ln>
               <a:extLst>
                 <a:ext uri="{91240B29-F687-4f45-9708-019B960494DF}">
-                  <a14:hiddenLine xmlns="" xmlns:a14="http://schemas.microsoft.com/office/drawing/2010/main" w="9525">
+                  <a14:hiddenLine xmlns:a14="http://schemas.microsoft.com/office/drawing/2010/main" xmlns="" w="9525">
                     <a:solidFill>
                       <a:srgbClr val="000000"/>
                     </a:solidFill>
@@ -11052,7 +11065,7 @@
               </a:ln>
               <a:extLst>
                 <a:ext uri="{91240B29-F687-4f45-9708-019B960494DF}">
-                  <a14:hiddenLine xmlns="" xmlns:a14="http://schemas.microsoft.com/office/drawing/2010/main" w="9525">
+                  <a14:hiddenLine xmlns:a14="http://schemas.microsoft.com/office/drawing/2010/main" xmlns="" w="9525">
                     <a:solidFill>
                       <a:srgbClr val="000000"/>
                     </a:solidFill>
@@ -11142,7 +11155,7 @@
               </a:ln>
               <a:extLst>
                 <a:ext uri="{91240B29-F687-4f45-9708-019B960494DF}">
-                  <a14:hiddenLine xmlns="" xmlns:a14="http://schemas.microsoft.com/office/drawing/2010/main" w="9525">
+                  <a14:hiddenLine xmlns:a14="http://schemas.microsoft.com/office/drawing/2010/main" xmlns="" w="9525">
                     <a:solidFill>
                       <a:srgbClr val="000000"/>
                     </a:solidFill>
@@ -11232,7 +11245,7 @@
               </a:ln>
               <a:extLst>
                 <a:ext uri="{91240B29-F687-4f45-9708-019B960494DF}">
-                  <a14:hiddenLine xmlns="" xmlns:a14="http://schemas.microsoft.com/office/drawing/2010/main" w="9525">
+                  <a14:hiddenLine xmlns:a14="http://schemas.microsoft.com/office/drawing/2010/main" xmlns="" w="9525">
                     <a:solidFill>
                       <a:srgbClr val="000000"/>
                     </a:solidFill>
@@ -11297,7 +11310,7 @@
               </a:ln>
               <a:extLst>
                 <a:ext uri="{91240B29-F687-4f45-9708-019B960494DF}">
-                  <a14:hiddenLine xmlns="" xmlns:a14="http://schemas.microsoft.com/office/drawing/2010/main" w="9525">
+                  <a14:hiddenLine xmlns:a14="http://schemas.microsoft.com/office/drawing/2010/main" xmlns="" w="9525">
                     <a:solidFill>
                       <a:srgbClr val="000000"/>
                     </a:solidFill>
@@ -11417,7 +11430,7 @@
               </a:ln>
               <a:extLst>
                 <a:ext uri="{91240B29-F687-4f45-9708-019B960494DF}">
-                  <a14:hiddenLine xmlns="" xmlns:a14="http://schemas.microsoft.com/office/drawing/2010/main" w="9525">
+                  <a14:hiddenLine xmlns:a14="http://schemas.microsoft.com/office/drawing/2010/main" xmlns="" w="9525">
                     <a:solidFill>
                       <a:srgbClr val="000000"/>
                     </a:solidFill>
@@ -11515,7 +11528,7 @@
               </a:ln>
               <a:extLst>
                 <a:ext uri="{91240B29-F687-4f45-9708-019B960494DF}">
-                  <a14:hiddenLine xmlns="" xmlns:a14="http://schemas.microsoft.com/office/drawing/2010/main" w="9525">
+                  <a14:hiddenLine xmlns:a14="http://schemas.microsoft.com/office/drawing/2010/main" xmlns="" w="9525">
                     <a:solidFill>
                       <a:srgbClr val="000000"/>
                     </a:solidFill>
@@ -11630,7 +11643,7 @@
               </a:ln>
               <a:extLst>
                 <a:ext uri="{91240B29-F687-4f45-9708-019B960494DF}">
-                  <a14:hiddenLine xmlns="" xmlns:a14="http://schemas.microsoft.com/office/drawing/2010/main" w="9525">
+                  <a14:hiddenLine xmlns:a14="http://schemas.microsoft.com/office/drawing/2010/main" xmlns="" w="9525">
                     <a:solidFill>
                       <a:srgbClr val="000000"/>
                     </a:solidFill>
@@ -11720,7 +11733,7 @@
               </a:ln>
               <a:extLst>
                 <a:ext uri="{91240B29-F687-4f45-9708-019B960494DF}">
-                  <a14:hiddenLine xmlns="" xmlns:a14="http://schemas.microsoft.com/office/drawing/2010/main" w="9525">
+                  <a14:hiddenLine xmlns:a14="http://schemas.microsoft.com/office/drawing/2010/main" xmlns="" w="9525">
                     <a:solidFill>
                       <a:srgbClr val="000000"/>
                     </a:solidFill>
@@ -11785,7 +11798,7 @@
               </a:ln>
               <a:extLst>
                 <a:ext uri="{91240B29-F687-4f45-9708-019B960494DF}">
-                  <a14:hiddenLine xmlns="" xmlns:a14="http://schemas.microsoft.com/office/drawing/2010/main" w="9525">
+                  <a14:hiddenLine xmlns:a14="http://schemas.microsoft.com/office/drawing/2010/main" xmlns="" w="9525">
                     <a:solidFill>
                       <a:srgbClr val="000000"/>
                     </a:solidFill>
@@ -11875,7 +11888,7 @@
               </a:ln>
               <a:extLst>
                 <a:ext uri="{91240B29-F687-4f45-9708-019B960494DF}">
-                  <a14:hiddenLine xmlns="" xmlns:a14="http://schemas.microsoft.com/office/drawing/2010/main" w="9525">
+                  <a14:hiddenLine xmlns:a14="http://schemas.microsoft.com/office/drawing/2010/main" xmlns="" w="9525">
                     <a:solidFill>
                       <a:srgbClr val="000000"/>
                     </a:solidFill>
@@ -11943,7 +11956,7 @@
               </a:ln>
               <a:extLst>
                 <a:ext uri="{91240B29-F687-4f45-9708-019B960494DF}">
-                  <a14:hiddenLine xmlns="" xmlns:a14="http://schemas.microsoft.com/office/drawing/2010/main" w="9525">
+                  <a14:hiddenLine xmlns:a14="http://schemas.microsoft.com/office/drawing/2010/main" xmlns="" w="9525">
                     <a:solidFill>
                       <a:srgbClr val="000000"/>
                     </a:solidFill>
@@ -12033,7 +12046,7 @@
               </a:ln>
               <a:extLst>
                 <a:ext uri="{91240B29-F687-4f45-9708-019B960494DF}">
-                  <a14:hiddenLine xmlns="" xmlns:a14="http://schemas.microsoft.com/office/drawing/2010/main" w="9525">
+                  <a14:hiddenLine xmlns:a14="http://schemas.microsoft.com/office/drawing/2010/main" xmlns="" w="9525">
                     <a:solidFill>
                       <a:srgbClr val="000000"/>
                     </a:solidFill>
@@ -12101,7 +12114,7 @@
               </a:ln>
               <a:extLst>
                 <a:ext uri="{91240B29-F687-4f45-9708-019B960494DF}">
-                  <a14:hiddenLine xmlns="" xmlns:a14="http://schemas.microsoft.com/office/drawing/2010/main" w="9525">
+                  <a14:hiddenLine xmlns:a14="http://schemas.microsoft.com/office/drawing/2010/main" xmlns="" w="9525">
                     <a:solidFill>
                       <a:srgbClr val="000000"/>
                     </a:solidFill>
@@ -12191,7 +12204,7 @@
               </a:ln>
               <a:extLst>
                 <a:ext uri="{91240B29-F687-4f45-9708-019B960494DF}">
-                  <a14:hiddenLine xmlns="" xmlns:a14="http://schemas.microsoft.com/office/drawing/2010/main" w="9525">
+                  <a14:hiddenLine xmlns:a14="http://schemas.microsoft.com/office/drawing/2010/main" xmlns="" w="9525">
                     <a:solidFill>
                       <a:srgbClr val="000000"/>
                     </a:solidFill>
@@ -12225,7 +12238,7 @@
               </a:ln>
               <a:extLst>
                 <a:ext uri="{91240B29-F687-4f45-9708-019B960494DF}">
-                  <a14:hiddenLine xmlns="" xmlns:a14="http://schemas.microsoft.com/office/drawing/2010/main" w="9525">
+                  <a14:hiddenLine xmlns:a14="http://schemas.microsoft.com/office/drawing/2010/main" xmlns="" w="9525">
                     <a:solidFill>
                       <a:srgbClr val="000000"/>
                     </a:solidFill>
@@ -12398,7 +12411,7 @@
             <a:fld id="{48A87A34-81AB-432B-8DAE-1953F412C126}" type="datetimeFigureOut">
               <a:rPr lang="en-US" dirty="0"/>
               <a:pPr/>
-              <a:t>11/29/2023</a:t>
+              <a:t>11/30/2023</a:t>
             </a:fld>
             <a:endParaRPr lang="en-US" dirty="0"/>
           </a:p>
@@ -12921,7 +12934,176 @@
           <p:cNvPr id="2" name="タイトル 1">
             <a:extLst>
               <a:ext uri="{FF2B5EF4-FFF2-40B4-BE49-F238E27FC236}">
-                <a16:creationId xmlns:a16="http://schemas.microsoft.com/office/drawing/2014/main" id="{3770514E-73CF-0201-40C0-3E453C5B8E48}"/>
+                <a16:creationId xmlns:a16="http://schemas.microsoft.com/office/drawing/2014/main" id="{17DACBDD-ABE1-2B5C-CC8D-34204093AF99}"/>
+              </a:ext>
+            </a:extLst>
+          </p:cNvPr>
+          <p:cNvSpPr>
+            <a:spLocks noGrp="1"/>
+          </p:cNvSpPr>
+          <p:nvPr>
+            <p:ph type="title"/>
+          </p:nvPr>
+        </p:nvSpPr>
+        <p:spPr/>
+        <p:txBody>
+          <a:bodyPr/>
+          <a:lstStyle/>
+          <a:p>
+            <a:r>
+              <a:rPr kumimoji="1" lang="ja-JP" altLang="en-US" dirty="0"/>
+              <a:t>目次</a:t>
+            </a:r>
+          </a:p>
+        </p:txBody>
+      </p:sp>
+      <p:sp>
+        <p:nvSpPr>
+          <p:cNvPr id="3" name="コンテンツ プレースホルダー 2">
+            <a:extLst>
+              <a:ext uri="{FF2B5EF4-FFF2-40B4-BE49-F238E27FC236}">
+                <a16:creationId xmlns:a16="http://schemas.microsoft.com/office/drawing/2014/main" id="{A91867B7-9CBF-908B-84EE-E9B4515F1C17}"/>
+              </a:ext>
+            </a:extLst>
+          </p:cNvPr>
+          <p:cNvSpPr>
+            <a:spLocks noGrp="1"/>
+          </p:cNvSpPr>
+          <p:nvPr>
+            <p:ph idx="1"/>
+          </p:nvPr>
+        </p:nvSpPr>
+        <p:spPr/>
+        <p:txBody>
+          <a:bodyPr>
+            <a:normAutofit fontScale="92500" lnSpcReduction="10000"/>
+          </a:bodyPr>
+          <a:lstStyle/>
+          <a:p>
+            <a:r>
+              <a:rPr kumimoji="1" lang="ja-JP" altLang="en-US" dirty="0"/>
+              <a:t>ビジネスアイディア考案の背景</a:t>
+            </a:r>
+            <a:endParaRPr kumimoji="1" lang="en-US" altLang="ja-JP" dirty="0"/>
+          </a:p>
+          <a:p>
+            <a:r>
+              <a:rPr kumimoji="1" lang="ja-JP" altLang="en-US" dirty="0"/>
+              <a:t>ソフトウェア開発と関連する社会的</a:t>
+            </a:r>
+            <a:r>
+              <a:rPr kumimoji="1" lang="en-US" altLang="ja-JP" dirty="0"/>
+              <a:t>MISSION</a:t>
+            </a:r>
+          </a:p>
+          <a:p>
+            <a:r>
+              <a:rPr lang="ja-JP" altLang="en-US" dirty="0">
+                <a:solidFill>
+                  <a:srgbClr val="FF0000"/>
+                </a:solidFill>
+              </a:rPr>
+              <a:t>ビジネスアイディアの概要</a:t>
+            </a:r>
+            <a:endParaRPr lang="en-US" altLang="ja-JP" dirty="0">
+              <a:solidFill>
+                <a:srgbClr val="FF0000"/>
+              </a:solidFill>
+            </a:endParaRPr>
+          </a:p>
+          <a:p>
+            <a:r>
+              <a:rPr kumimoji="1" lang="ja-JP" altLang="en-US" dirty="0"/>
+              <a:t>ターゲット市場</a:t>
+            </a:r>
+            <a:endParaRPr kumimoji="1" lang="en-US" altLang="ja-JP" dirty="0"/>
+          </a:p>
+          <a:p>
+            <a:r>
+              <a:rPr lang="ja-JP" altLang="en-US" dirty="0"/>
+              <a:t>効果</a:t>
+            </a:r>
+            <a:r>
+              <a:rPr kumimoji="1" lang="ja-JP" altLang="en-US" dirty="0"/>
+              <a:t>（顧客側のメリット）</a:t>
+            </a:r>
+            <a:endParaRPr kumimoji="1" lang="en-US" altLang="ja-JP" dirty="0"/>
+          </a:p>
+          <a:p>
+            <a:r>
+              <a:rPr lang="ja-JP" altLang="en-US" dirty="0"/>
+              <a:t>効果</a:t>
+            </a:r>
+            <a:r>
+              <a:rPr kumimoji="1" lang="ja-JP" altLang="en-US" dirty="0"/>
+              <a:t>（</a:t>
+            </a:r>
+            <a:r>
+              <a:rPr kumimoji="1" lang="en-US" altLang="ja-JP" dirty="0"/>
+              <a:t>NSCS</a:t>
+            </a:r>
+            <a:r>
+              <a:rPr kumimoji="1" lang="ja-JP" altLang="en-US" dirty="0"/>
+              <a:t>側のメリット）</a:t>
+            </a:r>
+            <a:endParaRPr lang="en-US" altLang="ja-JP" dirty="0"/>
+          </a:p>
+          <a:p>
+            <a:r>
+              <a:rPr kumimoji="1" lang="en-US" altLang="ja-JP" dirty="0"/>
+              <a:t>【</a:t>
+            </a:r>
+            <a:r>
+              <a:rPr kumimoji="1" lang="ja-JP" altLang="en-US" dirty="0"/>
+              <a:t>参考</a:t>
+            </a:r>
+            <a:r>
+              <a:rPr kumimoji="1" lang="en-US" altLang="ja-JP" dirty="0"/>
+              <a:t>】</a:t>
+            </a:r>
+            <a:r>
+              <a:rPr kumimoji="1" lang="ja-JP" altLang="en-US" dirty="0"/>
+              <a:t>他社競合サービス</a:t>
+            </a:r>
+          </a:p>
+        </p:txBody>
+      </p:sp>
+    </p:spTree>
+    <p:extLst>
+      <p:ext uri="{BB962C8B-B14F-4D97-AF65-F5344CB8AC3E}">
+        <p14:creationId xmlns:p14="http://schemas.microsoft.com/office/powerpoint/2010/main" val="1088260725"/>
+      </p:ext>
+    </p:extLst>
+  </p:cSld>
+  <p:clrMapOvr>
+    <a:masterClrMapping/>
+  </p:clrMapOvr>
+</p:sld>
+</file>
+
+<file path=ppt/slides/slide11.xml><?xml version="1.0" encoding="utf-8"?>
+<p:sld xmlns:a="http://schemas.openxmlformats.org/drawingml/2006/main" xmlns:r="http://schemas.openxmlformats.org/officeDocument/2006/relationships" xmlns:p="http://schemas.openxmlformats.org/presentationml/2006/main">
+  <p:cSld>
+    <p:spTree>
+      <p:nvGrpSpPr>
+        <p:cNvPr id="1" name=""/>
+        <p:cNvGrpSpPr/>
+        <p:nvPr/>
+      </p:nvGrpSpPr>
+      <p:grpSpPr>
+        <a:xfrm>
+          <a:off x="0" y="0"/>
+          <a:ext cx="0" cy="0"/>
+          <a:chOff x="0" y="0"/>
+          <a:chExt cx="0" cy="0"/>
+        </a:xfrm>
+      </p:grpSpPr>
+      <p:sp>
+        <p:nvSpPr>
+          <p:cNvPr id="2" name="タイトル 1">
+            <a:extLst>
+              <a:ext uri="{FF2B5EF4-FFF2-40B4-BE49-F238E27FC236}">
+                <a16:creationId xmlns:a16="http://schemas.microsoft.com/office/drawing/2014/main" id="{E99C1F35-758B-08DB-8461-0A3C64FDDA57}"/>
               </a:ext>
             </a:extLst>
           </p:cNvPr>
@@ -12940,25 +13122,32 @@
           <a:lstStyle/>
           <a:p>
             <a:r>
+              <a:rPr lang="ja-JP" altLang="en-US" dirty="0"/>
+              <a:t>■ビジネスアイディア</a:t>
+            </a:r>
+            <a:r>
               <a:rPr kumimoji="1" lang="ja-JP" altLang="en-US" dirty="0"/>
-              <a:t>■効果（顧客側のメリット）</a:t>
+              <a:t>の概要</a:t>
             </a:r>
             <a:br>
               <a:rPr kumimoji="1" lang="en-US" altLang="ja-JP" dirty="0"/>
             </a:br>
             <a:r>
-              <a:rPr lang="ja-JP" altLang="en-US" dirty="0"/>
-              <a:t>①</a:t>
+              <a:rPr kumimoji="1" lang="ja-JP" altLang="en-US" dirty="0"/>
+              <a:t>　 クラウドソフト開発環境（</a:t>
             </a:r>
             <a:r>
               <a:rPr lang="en-US" altLang="ja-JP" dirty="0"/>
-              <a:t>IT</a:t>
-            </a:r>
-            <a:r>
-              <a:rPr lang="ja-JP" altLang="en-US" dirty="0"/>
-              <a:t>エンジニア教育サービス</a:t>
-            </a:r>
-            <a:endParaRPr kumimoji="1" lang="ja-JP" altLang="en-US" dirty="0"/>
+              <a:t>Dev</a:t>
+            </a:r>
+            <a:r>
+              <a:rPr kumimoji="1" lang="en-US" altLang="ja-JP" dirty="0"/>
+              <a:t> Lab</a:t>
+            </a:r>
+            <a:r>
+              <a:rPr kumimoji="1" lang="ja-JP" altLang="en-US" dirty="0"/>
+              <a:t>）提供サービス</a:t>
+            </a:r>
           </a:p>
         </p:txBody>
       </p:sp>
@@ -12967,7 +13156,7 @@
           <p:cNvPr id="3" name="コンテンツ プレースホルダー 2">
             <a:extLst>
               <a:ext uri="{FF2B5EF4-FFF2-40B4-BE49-F238E27FC236}">
-                <a16:creationId xmlns:a16="http://schemas.microsoft.com/office/drawing/2014/main" id="{3D4A484F-740B-A152-0E2A-72CB4B6B32D1}"/>
+                <a16:creationId xmlns:a16="http://schemas.microsoft.com/office/drawing/2014/main" id="{9DB3AB62-7CFC-46AF-6E63-1AAED0C7B74B}"/>
               </a:ext>
             </a:extLst>
           </p:cNvPr>
@@ -12986,22 +13175,16 @@
           <a:lstStyle/>
           <a:p>
             <a:r>
-              <a:rPr kumimoji="1" lang="en-US" altLang="ja-JP" dirty="0"/>
+              <a:rPr lang="ja-JP" altLang="en-US" dirty="0"/>
+              <a:t>クラウド上にソフト開発環境を構築し</a:t>
+            </a:r>
+            <a:r>
+              <a:rPr lang="en-US" altLang="ja-JP" dirty="0"/>
               <a:t>IT</a:t>
             </a:r>
             <a:r>
-              <a:rPr kumimoji="1" lang="ja-JP" altLang="en-US" dirty="0"/>
-              <a:t>人材の教育・育成コストの削減</a:t>
-            </a:r>
-            <a:endParaRPr kumimoji="1" lang="en-US" altLang="ja-JP" dirty="0"/>
-          </a:p>
-          <a:p>
-            <a:pPr marL="0" indent="0">
-              <a:buNone/>
-            </a:pPr>
-            <a:r>
               <a:rPr lang="ja-JP" altLang="en-US" dirty="0"/>
-              <a:t>⇒自社研修を外部委託化し開発業務へリソースを集中させることが可能</a:t>
+              <a:t>人材の教育や開発のインフラ基盤として提供するサービス</a:t>
             </a:r>
             <a:endParaRPr lang="en-US" altLang="ja-JP" dirty="0"/>
           </a:p>
@@ -13011,17 +13194,105 @@
           <a:p>
             <a:r>
               <a:rPr lang="ja-JP" altLang="en-US" dirty="0"/>
-              <a:t>学習時間を選ばずに受講可能なクラウドプラットフォーム</a:t>
+              <a:t>①</a:t>
+            </a:r>
+            <a:r>
+              <a:rPr lang="en-US" altLang="ja-JP" dirty="0"/>
+              <a:t>IT</a:t>
+            </a:r>
+            <a:r>
+              <a:rPr lang="ja-JP" altLang="en-US" dirty="0"/>
+              <a:t>エンジニア教育サービス</a:t>
             </a:r>
             <a:endParaRPr lang="en-US" altLang="ja-JP" dirty="0"/>
           </a:p>
           <a:p>
-            <a:pPr marL="0" indent="0">
-              <a:buNone/>
-            </a:pPr>
             <a:r>
               <a:rPr lang="ja-JP" altLang="en-US" dirty="0"/>
-              <a:t>⇒インターネット環境さえあれば時間</a:t>
+              <a:t>⇒クラウド上の学習プラットフォーム及び</a:t>
+            </a:r>
+            <a:r>
+              <a:rPr lang="en-US" altLang="ja-JP" dirty="0"/>
+              <a:t>NSCS</a:t>
+            </a:r>
+            <a:r>
+              <a:rPr lang="ja-JP" altLang="en-US" dirty="0"/>
+              <a:t>の実務に関するノウハウが詰まったコンテンツの提供</a:t>
+            </a:r>
+            <a:endParaRPr lang="en-US" altLang="ja-JP" dirty="0"/>
+          </a:p>
+          <a:p>
+            <a:r>
+              <a:rPr lang="ja-JP" altLang="en-US" dirty="0">
+                <a:effectLst/>
+              </a:rPr>
+              <a:t>　 学生向けの初心者レベルや企業研修等の実業務レベルなど受講者に合わせた幅広いカリキュラムを想定</a:t>
+            </a:r>
+            <a:endParaRPr lang="en-US" altLang="ja-JP" dirty="0">
+              <a:effectLst/>
+            </a:endParaRPr>
+          </a:p>
+          <a:p>
+            <a:endParaRPr lang="en-US" altLang="ja-JP" dirty="0">
+              <a:effectLst/>
+            </a:endParaRPr>
+          </a:p>
+          <a:p>
+            <a:r>
+              <a:rPr lang="ja-JP" altLang="en-US" dirty="0">
+                <a:effectLst/>
+              </a:rPr>
+              <a:t>②</a:t>
+            </a:r>
+            <a:r>
+              <a:rPr lang="ja-JP" altLang="en-US" dirty="0"/>
+              <a:t>ソフトウェア</a:t>
+            </a:r>
+            <a:r>
+              <a:rPr lang="ja-JP" altLang="en-US" dirty="0">
+                <a:effectLst/>
+              </a:rPr>
+              <a:t>開発基盤提供サービス</a:t>
+            </a:r>
+            <a:endParaRPr lang="en-US" altLang="ja-JP" dirty="0">
+              <a:effectLst/>
+            </a:endParaRPr>
+          </a:p>
+          <a:p>
+            <a:r>
+              <a:rPr lang="ja-JP" altLang="en-US" dirty="0">
+                <a:effectLst/>
+              </a:rPr>
+              <a:t>⇒</a:t>
+            </a:r>
+            <a:r>
+              <a:rPr lang="en-US" altLang="ja-JP" dirty="0">
+                <a:effectLst/>
+              </a:rPr>
+              <a:t>CI/CD</a:t>
+            </a:r>
+            <a:r>
+              <a:rPr lang="ja-JP" altLang="en-US" dirty="0">
+                <a:effectLst/>
+              </a:rPr>
+              <a:t>を活用したソフトウェアファーストな開発環境の提供</a:t>
+            </a:r>
+            <a:endParaRPr lang="en-US" altLang="ja-JP" dirty="0">
+              <a:effectLst/>
+            </a:endParaRPr>
+          </a:p>
+          <a:p>
+            <a:r>
+              <a:rPr lang="ja-JP" altLang="en-US" dirty="0"/>
+              <a:t>　 </a:t>
+            </a:r>
+            <a:r>
+              <a:rPr lang="en-US" altLang="ja-JP" dirty="0"/>
+              <a:t>Web</a:t>
+            </a:r>
+            <a:r>
+              <a:rPr lang="ja-JP" altLang="en-US" dirty="0"/>
+              <a:t>アプリケーション</a:t>
             </a:r>
             <a:r>
               <a:rPr lang="en-US" altLang="ja-JP" dirty="0"/>
@@ -13029,106 +13300,61 @@
             </a:r>
             <a:r>
               <a:rPr lang="ja-JP" altLang="en-US" dirty="0"/>
-              <a:t>場所を選ばずタイムリーに受講が可能</a:t>
-            </a:r>
-            <a:endParaRPr lang="en-US" altLang="ja-JP" dirty="0"/>
-          </a:p>
-          <a:p>
-            <a:endParaRPr lang="en-US" altLang="ja-JP" dirty="0"/>
-          </a:p>
-          <a:p>
+              <a:t>組み込みソフトなど様々な製品</a:t>
+            </a:r>
+            <a:r>
+              <a:rPr lang="en-US" altLang="ja-JP" dirty="0"/>
+              <a:t>/</a:t>
+            </a:r>
             <a:r>
               <a:rPr lang="ja-JP" altLang="en-US" dirty="0"/>
-              <a:t>実際のソフト開発境を模擬した実践的な開発環境</a:t>
-            </a:r>
-            <a:endParaRPr lang="en-US" altLang="ja-JP" dirty="0"/>
-          </a:p>
-          <a:p>
-            <a:pPr marL="0" indent="0">
-              <a:buNone/>
-            </a:pPr>
-            <a:r>
-              <a:rPr lang="ja-JP" altLang="en-US" dirty="0"/>
-              <a:t>⇒ソフト開発では標準となりつつある</a:t>
-            </a:r>
-            <a:r>
-              <a:rPr lang="en-US" altLang="ja-JP" dirty="0"/>
-              <a:t>CI/CD</a:t>
-            </a:r>
-            <a:r>
-              <a:rPr lang="ja-JP" altLang="en-US" dirty="0"/>
-              <a:t>環境での開発体験が可能</a:t>
-            </a:r>
-            <a:endParaRPr lang="en-US" altLang="ja-JP" dirty="0"/>
-          </a:p>
-          <a:p>
-            <a:pPr marL="0" indent="0">
-              <a:buNone/>
-            </a:pPr>
-            <a:r>
-              <a:rPr lang="ja-JP" altLang="en-US" b="0" dirty="0">
+              <a:t>サービス開発が可能な環境を想定</a:t>
+            </a:r>
+            <a:endParaRPr lang="en-US" altLang="ja-JP" dirty="0">
+              <a:effectLst/>
+            </a:endParaRPr>
+          </a:p>
+          <a:p>
+            <a:r>
+              <a:rPr lang="ja-JP" altLang="en-US" dirty="0">
                 <a:effectLst/>
-                <a:latin typeface="Consolas" panose="020B0609020204030204" pitchFamily="49" charset="0"/>
               </a:rPr>
               <a:t>　 </a:t>
             </a:r>
             <a:r>
-              <a:rPr lang="en-US" altLang="ja-JP" b="0" dirty="0">
+              <a:rPr lang="en-US" altLang="ja-JP" dirty="0">
                 <a:effectLst/>
-                <a:latin typeface="Consolas" panose="020B0609020204030204" pitchFamily="49" charset="0"/>
               </a:rPr>
-              <a:t>NSCS</a:t>
-            </a:r>
-            <a:r>
-              <a:rPr lang="ja-JP" altLang="en-US" b="0" dirty="0">
+              <a:t>※</a:t>
+            </a:r>
+            <a:r>
+              <a:rPr lang="ja-JP" altLang="en-US" dirty="0">
                 <a:effectLst/>
-                <a:latin typeface="Consolas" panose="020B0609020204030204" pitchFamily="49" charset="0"/>
               </a:rPr>
-              <a:t>の強み（ノウハウ）を含む実務に即したレベルのスキルを習得可能</a:t>
-            </a:r>
-          </a:p>
-          <a:p>
-            <a:pPr marL="0" indent="0">
-              <a:buNone/>
-            </a:pPr>
-            <a:r>
-              <a:rPr lang="ja-JP" altLang="en-US" dirty="0">
-                <a:latin typeface="Consolas" panose="020B0609020204030204" pitchFamily="49" charset="0"/>
-              </a:rPr>
-              <a:t> 　</a:t>
-            </a:r>
-            <a:r>
-              <a:rPr lang="ja-JP" altLang="en-US" b="0" dirty="0">
-                <a:effectLst/>
-                <a:latin typeface="Consolas" panose="020B0609020204030204" pitchFamily="49" charset="0"/>
-              </a:rPr>
-              <a:t>車載ソフト開発向けに実際の現場で用いられる資料やツールも併せて利用可能</a:t>
-            </a:r>
-          </a:p>
-          <a:p>
-            <a:pPr marL="0" indent="0">
-              <a:buNone/>
-            </a:pPr>
-            <a:endParaRPr lang="en-US" altLang="ja-JP" dirty="0"/>
-          </a:p>
-          <a:p>
-            <a:endParaRPr kumimoji="1" lang="en-US" altLang="ja-JP" dirty="0"/>
-          </a:p>
-          <a:p>
-            <a:endParaRPr lang="en-US" altLang="ja-JP" dirty="0"/>
-          </a:p>
-          <a:p>
-            <a:endParaRPr kumimoji="1" lang="en-US" altLang="ja-JP" dirty="0"/>
-          </a:p>
-          <a:p>
-            <a:endParaRPr kumimoji="1" lang="ja-JP" altLang="en-US" dirty="0"/>
+              <a:t>組み込みソフト開発特有の機材</a:t>
+            </a:r>
+            <a:r>
+              <a:rPr lang="ja-JP" altLang="en-US" dirty="0"/>
+              <a:t>等のリモート使用</a:t>
+            </a:r>
+            <a:r>
+              <a:rPr lang="en-US" altLang="ja-JP" dirty="0"/>
+              <a:t>/</a:t>
+            </a:r>
+            <a:r>
+              <a:rPr lang="ja-JP" altLang="en-US" dirty="0"/>
+              <a:t>シミュレーション環境も併せて構築</a:t>
+            </a:r>
+            <a:endParaRPr lang="en-US" altLang="ja-JP" dirty="0">
+              <a:effectLst/>
+            </a:endParaRPr>
           </a:p>
         </p:txBody>
       </p:sp>
     </p:spTree>
     <p:extLst>
       <p:ext uri="{BB962C8B-B14F-4D97-AF65-F5344CB8AC3E}">
-        <p14:creationId xmlns:p14="http://schemas.microsoft.com/office/powerpoint/2010/main" val="3261743886"/>
+        <p14:creationId xmlns:p14="http://schemas.microsoft.com/office/powerpoint/2010/main" val="4181783743"/>
       </p:ext>
     </p:extLst>
   </p:cSld>
@@ -13138,7 +13364,563 @@
 </p:sld>
 </file>
 
-<file path=ppt/slides/slide11.xml><?xml version="1.0" encoding="utf-8"?>
+<file path=ppt/slides/slide12.xml><?xml version="1.0" encoding="utf-8"?>
+<p:sld xmlns:a="http://schemas.openxmlformats.org/drawingml/2006/main" xmlns:r="http://schemas.openxmlformats.org/officeDocument/2006/relationships" xmlns:p="http://schemas.openxmlformats.org/presentationml/2006/main">
+  <p:cSld>
+    <p:spTree>
+      <p:nvGrpSpPr>
+        <p:cNvPr id="1" name=""/>
+        <p:cNvGrpSpPr/>
+        <p:nvPr/>
+      </p:nvGrpSpPr>
+      <p:grpSpPr>
+        <a:xfrm>
+          <a:off x="0" y="0"/>
+          <a:ext cx="0" cy="0"/>
+          <a:chOff x="0" y="0"/>
+          <a:chExt cx="0" cy="0"/>
+        </a:xfrm>
+      </p:grpSpPr>
+      <p:sp>
+        <p:nvSpPr>
+          <p:cNvPr id="2" name="タイトル 1">
+            <a:extLst>
+              <a:ext uri="{FF2B5EF4-FFF2-40B4-BE49-F238E27FC236}">
+                <a16:creationId xmlns:a16="http://schemas.microsoft.com/office/drawing/2014/main" id="{17DACBDD-ABE1-2B5C-CC8D-34204093AF99}"/>
+              </a:ext>
+            </a:extLst>
+          </p:cNvPr>
+          <p:cNvSpPr>
+            <a:spLocks noGrp="1"/>
+          </p:cNvSpPr>
+          <p:nvPr>
+            <p:ph type="title"/>
+          </p:nvPr>
+        </p:nvSpPr>
+        <p:spPr/>
+        <p:txBody>
+          <a:bodyPr/>
+          <a:lstStyle/>
+          <a:p>
+            <a:r>
+              <a:rPr kumimoji="1" lang="ja-JP" altLang="en-US" dirty="0"/>
+              <a:t>目次</a:t>
+            </a:r>
+          </a:p>
+        </p:txBody>
+      </p:sp>
+      <p:sp>
+        <p:nvSpPr>
+          <p:cNvPr id="3" name="コンテンツ プレースホルダー 2">
+            <a:extLst>
+              <a:ext uri="{FF2B5EF4-FFF2-40B4-BE49-F238E27FC236}">
+                <a16:creationId xmlns:a16="http://schemas.microsoft.com/office/drawing/2014/main" id="{A91867B7-9CBF-908B-84EE-E9B4515F1C17}"/>
+              </a:ext>
+            </a:extLst>
+          </p:cNvPr>
+          <p:cNvSpPr>
+            <a:spLocks noGrp="1"/>
+          </p:cNvSpPr>
+          <p:nvPr>
+            <p:ph idx="1"/>
+          </p:nvPr>
+        </p:nvSpPr>
+        <p:spPr/>
+        <p:txBody>
+          <a:bodyPr>
+            <a:normAutofit fontScale="92500" lnSpcReduction="10000"/>
+          </a:bodyPr>
+          <a:lstStyle/>
+          <a:p>
+            <a:r>
+              <a:rPr kumimoji="1" lang="ja-JP" altLang="en-US" dirty="0"/>
+              <a:t>ビジネスアイディア考案の背景</a:t>
+            </a:r>
+            <a:endParaRPr kumimoji="1" lang="en-US" altLang="ja-JP" dirty="0"/>
+          </a:p>
+          <a:p>
+            <a:r>
+              <a:rPr kumimoji="1" lang="ja-JP" altLang="en-US" dirty="0"/>
+              <a:t>ソフトウェア開発と関連する社会的</a:t>
+            </a:r>
+            <a:r>
+              <a:rPr kumimoji="1" lang="en-US" altLang="ja-JP" dirty="0"/>
+              <a:t>MISSION</a:t>
+            </a:r>
+          </a:p>
+          <a:p>
+            <a:r>
+              <a:rPr lang="ja-JP" altLang="en-US" dirty="0"/>
+              <a:t>ビジネスアイディアの概要</a:t>
+            </a:r>
+            <a:endParaRPr lang="en-US" altLang="ja-JP" dirty="0"/>
+          </a:p>
+          <a:p>
+            <a:r>
+              <a:rPr kumimoji="1" lang="ja-JP" altLang="en-US" dirty="0">
+                <a:solidFill>
+                  <a:srgbClr val="FF0000"/>
+                </a:solidFill>
+              </a:rPr>
+              <a:t>ターゲット市場</a:t>
+            </a:r>
+            <a:endParaRPr kumimoji="1" lang="en-US" altLang="ja-JP" dirty="0">
+              <a:solidFill>
+                <a:srgbClr val="FF0000"/>
+              </a:solidFill>
+            </a:endParaRPr>
+          </a:p>
+          <a:p>
+            <a:r>
+              <a:rPr lang="ja-JP" altLang="en-US" dirty="0"/>
+              <a:t>効果</a:t>
+            </a:r>
+            <a:r>
+              <a:rPr kumimoji="1" lang="ja-JP" altLang="en-US" dirty="0"/>
+              <a:t>（顧客側のメリット）</a:t>
+            </a:r>
+            <a:endParaRPr kumimoji="1" lang="en-US" altLang="ja-JP" dirty="0"/>
+          </a:p>
+          <a:p>
+            <a:r>
+              <a:rPr lang="ja-JP" altLang="en-US" dirty="0"/>
+              <a:t>効果</a:t>
+            </a:r>
+            <a:r>
+              <a:rPr kumimoji="1" lang="ja-JP" altLang="en-US" dirty="0"/>
+              <a:t>（</a:t>
+            </a:r>
+            <a:r>
+              <a:rPr kumimoji="1" lang="en-US" altLang="ja-JP" dirty="0"/>
+              <a:t>NSCS</a:t>
+            </a:r>
+            <a:r>
+              <a:rPr kumimoji="1" lang="ja-JP" altLang="en-US" dirty="0"/>
+              <a:t>側のメリット）</a:t>
+            </a:r>
+            <a:endParaRPr lang="en-US" altLang="ja-JP" dirty="0"/>
+          </a:p>
+          <a:p>
+            <a:r>
+              <a:rPr kumimoji="1" lang="en-US" altLang="ja-JP" dirty="0"/>
+              <a:t>【</a:t>
+            </a:r>
+            <a:r>
+              <a:rPr kumimoji="1" lang="ja-JP" altLang="en-US" dirty="0"/>
+              <a:t>参考</a:t>
+            </a:r>
+            <a:r>
+              <a:rPr kumimoji="1" lang="en-US" altLang="ja-JP" dirty="0"/>
+              <a:t>】</a:t>
+            </a:r>
+            <a:r>
+              <a:rPr kumimoji="1" lang="ja-JP" altLang="en-US" dirty="0"/>
+              <a:t>他社競合サービス</a:t>
+            </a:r>
+          </a:p>
+        </p:txBody>
+      </p:sp>
+    </p:spTree>
+    <p:extLst>
+      <p:ext uri="{BB962C8B-B14F-4D97-AF65-F5344CB8AC3E}">
+        <p14:creationId xmlns:p14="http://schemas.microsoft.com/office/powerpoint/2010/main" val="358934411"/>
+      </p:ext>
+    </p:extLst>
+  </p:cSld>
+  <p:clrMapOvr>
+    <a:masterClrMapping/>
+  </p:clrMapOvr>
+</p:sld>
+</file>
+
+<file path=ppt/slides/slide13.xml><?xml version="1.0" encoding="utf-8"?>
+<p:sld xmlns:a="http://schemas.openxmlformats.org/drawingml/2006/main" xmlns:r="http://schemas.openxmlformats.org/officeDocument/2006/relationships" xmlns:p="http://schemas.openxmlformats.org/presentationml/2006/main">
+  <p:cSld>
+    <p:spTree>
+      <p:nvGrpSpPr>
+        <p:cNvPr id="1" name=""/>
+        <p:cNvGrpSpPr/>
+        <p:nvPr/>
+      </p:nvGrpSpPr>
+      <p:grpSpPr>
+        <a:xfrm>
+          <a:off x="0" y="0"/>
+          <a:ext cx="0" cy="0"/>
+          <a:chOff x="0" y="0"/>
+          <a:chExt cx="0" cy="0"/>
+        </a:xfrm>
+      </p:grpSpPr>
+      <p:sp>
+        <p:nvSpPr>
+          <p:cNvPr id="2" name="タイトル 1">
+            <a:extLst>
+              <a:ext uri="{FF2B5EF4-FFF2-40B4-BE49-F238E27FC236}">
+                <a16:creationId xmlns:a16="http://schemas.microsoft.com/office/drawing/2014/main" id="{A39B1CD9-C685-7DAA-9CCA-A6F4536113B8}"/>
+              </a:ext>
+            </a:extLst>
+          </p:cNvPr>
+          <p:cNvSpPr>
+            <a:spLocks noGrp="1"/>
+          </p:cNvSpPr>
+          <p:nvPr>
+            <p:ph type="title"/>
+          </p:nvPr>
+        </p:nvSpPr>
+        <p:spPr/>
+        <p:txBody>
+          <a:bodyPr/>
+          <a:lstStyle/>
+          <a:p>
+            <a:r>
+              <a:rPr lang="ja-JP" altLang="en-US" b="1" dirty="0"/>
+              <a:t>■ターゲット市場</a:t>
+            </a:r>
+            <a:endParaRPr kumimoji="1" lang="ja-JP" altLang="en-US" dirty="0"/>
+          </a:p>
+        </p:txBody>
+      </p:sp>
+      <p:sp>
+        <p:nvSpPr>
+          <p:cNvPr id="3" name="コンテンツ プレースホルダー 2">
+            <a:extLst>
+              <a:ext uri="{FF2B5EF4-FFF2-40B4-BE49-F238E27FC236}">
+                <a16:creationId xmlns:a16="http://schemas.microsoft.com/office/drawing/2014/main" id="{FAEC0AF5-A651-E2DF-4451-B40879EB2AFB}"/>
+              </a:ext>
+            </a:extLst>
+          </p:cNvPr>
+          <p:cNvSpPr>
+            <a:spLocks noGrp="1"/>
+          </p:cNvSpPr>
+          <p:nvPr>
+            <p:ph idx="1"/>
+          </p:nvPr>
+        </p:nvSpPr>
+        <p:spPr/>
+        <p:txBody>
+          <a:bodyPr/>
+          <a:lstStyle/>
+          <a:p>
+            <a:r>
+              <a:rPr lang="ja-JP" altLang="en-US" dirty="0">
+                <a:effectLst/>
+              </a:rPr>
+              <a:t>対象範囲</a:t>
+            </a:r>
+          </a:p>
+          <a:p>
+            <a:pPr>
+              <a:buFont typeface="+mj-lt"/>
+              <a:buAutoNum type="arabicPeriod"/>
+            </a:pPr>
+            <a:r>
+              <a:rPr lang="ja-JP" altLang="en-US" dirty="0">
+                <a:effectLst/>
+              </a:rPr>
+              <a:t>高等教育機関（高専</a:t>
+            </a:r>
+            <a:r>
+              <a:rPr lang="en-US" altLang="ja-JP" dirty="0">
+                <a:effectLst/>
+              </a:rPr>
+              <a:t>/</a:t>
+            </a:r>
+            <a:r>
+              <a:rPr lang="ja-JP" altLang="en-US" dirty="0">
+                <a:effectLst/>
+              </a:rPr>
+              <a:t>大学）</a:t>
+            </a:r>
+          </a:p>
+          <a:p>
+            <a:pPr>
+              <a:buFont typeface="+mj-lt"/>
+              <a:buAutoNum type="arabicPeriod"/>
+            </a:pPr>
+            <a:r>
+              <a:rPr lang="ja-JP" altLang="en-US" dirty="0">
+                <a:effectLst/>
+              </a:rPr>
+              <a:t>機械</a:t>
+            </a:r>
+            <a:r>
+              <a:rPr lang="en-US" altLang="ja-JP" dirty="0">
+                <a:effectLst/>
+              </a:rPr>
+              <a:t>/</a:t>
+            </a:r>
+            <a:r>
+              <a:rPr lang="ja-JP" altLang="en-US" dirty="0">
+                <a:effectLst/>
+              </a:rPr>
+              <a:t>電気</a:t>
+            </a:r>
+            <a:r>
+              <a:rPr lang="en-US" altLang="ja-JP" dirty="0">
+                <a:effectLst/>
+              </a:rPr>
+              <a:t>/</a:t>
+            </a:r>
+            <a:r>
+              <a:rPr lang="ja-JP" altLang="en-US" dirty="0">
+                <a:effectLst/>
+              </a:rPr>
+              <a:t>電子</a:t>
+            </a:r>
+            <a:r>
+              <a:rPr lang="en-US" altLang="ja-JP" dirty="0">
+                <a:effectLst/>
+              </a:rPr>
+              <a:t>/IT</a:t>
+            </a:r>
+            <a:r>
+              <a:rPr lang="ja-JP" altLang="en-US" dirty="0">
+                <a:effectLst/>
+              </a:rPr>
+              <a:t>分野の製品・サービス開発企業</a:t>
+            </a:r>
+          </a:p>
+          <a:p>
+            <a:pPr>
+              <a:buFont typeface="+mj-lt"/>
+              <a:buAutoNum type="arabicPeriod"/>
+            </a:pPr>
+            <a:r>
+              <a:rPr lang="en-US" altLang="ja-JP" dirty="0">
+                <a:effectLst/>
+              </a:rPr>
+              <a:t>IT</a:t>
+            </a:r>
+            <a:r>
+              <a:rPr lang="ja-JP" altLang="en-US" dirty="0">
+                <a:effectLst/>
+              </a:rPr>
+              <a:t>人材派遣サービス業の企業</a:t>
+            </a:r>
+          </a:p>
+          <a:p>
+            <a:pPr>
+              <a:buFont typeface="+mj-lt"/>
+              <a:buAutoNum type="arabicPeriod"/>
+            </a:pPr>
+            <a:r>
+              <a:rPr lang="ja-JP" altLang="en-US" dirty="0"/>
+              <a:t>社内活用（</a:t>
+            </a:r>
+            <a:r>
+              <a:rPr lang="en-US" altLang="ja-JP" dirty="0"/>
+              <a:t>NSCS</a:t>
+            </a:r>
+            <a:r>
+              <a:rPr lang="ja-JP" altLang="en-US" dirty="0">
+                <a:effectLst/>
+              </a:rPr>
+              <a:t>内の教育</a:t>
+            </a:r>
+            <a:r>
+              <a:rPr lang="en-US" altLang="ja-JP" dirty="0">
+                <a:effectLst/>
+              </a:rPr>
+              <a:t>/</a:t>
+            </a:r>
+            <a:r>
+              <a:rPr lang="ja-JP" altLang="en-US" dirty="0">
+                <a:effectLst/>
+              </a:rPr>
+              <a:t>新規事業の試作ソフト開発）</a:t>
+            </a:r>
+          </a:p>
+          <a:p>
+            <a:endParaRPr kumimoji="1" lang="ja-JP" altLang="en-US" dirty="0"/>
+          </a:p>
+        </p:txBody>
+      </p:sp>
+    </p:spTree>
+    <p:extLst>
+      <p:ext uri="{BB962C8B-B14F-4D97-AF65-F5344CB8AC3E}">
+        <p14:creationId xmlns:p14="http://schemas.microsoft.com/office/powerpoint/2010/main" val="827651240"/>
+      </p:ext>
+    </p:extLst>
+  </p:cSld>
+  <p:clrMapOvr>
+    <a:masterClrMapping/>
+  </p:clrMapOvr>
+</p:sld>
+</file>
+
+<file path=ppt/slides/slide14.xml><?xml version="1.0" encoding="utf-8"?>
+<p:sld xmlns:a="http://schemas.openxmlformats.org/drawingml/2006/main" xmlns:r="http://schemas.openxmlformats.org/officeDocument/2006/relationships" xmlns:p="http://schemas.openxmlformats.org/presentationml/2006/main">
+  <p:cSld>
+    <p:spTree>
+      <p:nvGrpSpPr>
+        <p:cNvPr id="1" name=""/>
+        <p:cNvGrpSpPr/>
+        <p:nvPr/>
+      </p:nvGrpSpPr>
+      <p:grpSpPr>
+        <a:xfrm>
+          <a:off x="0" y="0"/>
+          <a:ext cx="0" cy="0"/>
+          <a:chOff x="0" y="0"/>
+          <a:chExt cx="0" cy="0"/>
+        </a:xfrm>
+      </p:grpSpPr>
+      <p:sp>
+        <p:nvSpPr>
+          <p:cNvPr id="2" name="タイトル 1">
+            <a:extLst>
+              <a:ext uri="{FF2B5EF4-FFF2-40B4-BE49-F238E27FC236}">
+                <a16:creationId xmlns:a16="http://schemas.microsoft.com/office/drawing/2014/main" id="{17DACBDD-ABE1-2B5C-CC8D-34204093AF99}"/>
+              </a:ext>
+            </a:extLst>
+          </p:cNvPr>
+          <p:cNvSpPr>
+            <a:spLocks noGrp="1"/>
+          </p:cNvSpPr>
+          <p:nvPr>
+            <p:ph type="title"/>
+          </p:nvPr>
+        </p:nvSpPr>
+        <p:spPr/>
+        <p:txBody>
+          <a:bodyPr/>
+          <a:lstStyle/>
+          <a:p>
+            <a:r>
+              <a:rPr kumimoji="1" lang="ja-JP" altLang="en-US" dirty="0"/>
+              <a:t>目次</a:t>
+            </a:r>
+          </a:p>
+        </p:txBody>
+      </p:sp>
+      <p:sp>
+        <p:nvSpPr>
+          <p:cNvPr id="3" name="コンテンツ プレースホルダー 2">
+            <a:extLst>
+              <a:ext uri="{FF2B5EF4-FFF2-40B4-BE49-F238E27FC236}">
+                <a16:creationId xmlns:a16="http://schemas.microsoft.com/office/drawing/2014/main" id="{A91867B7-9CBF-908B-84EE-E9B4515F1C17}"/>
+              </a:ext>
+            </a:extLst>
+          </p:cNvPr>
+          <p:cNvSpPr>
+            <a:spLocks noGrp="1"/>
+          </p:cNvSpPr>
+          <p:nvPr>
+            <p:ph idx="1"/>
+          </p:nvPr>
+        </p:nvSpPr>
+        <p:spPr/>
+        <p:txBody>
+          <a:bodyPr>
+            <a:normAutofit fontScale="92500" lnSpcReduction="10000"/>
+          </a:bodyPr>
+          <a:lstStyle/>
+          <a:p>
+            <a:r>
+              <a:rPr kumimoji="1" lang="ja-JP" altLang="en-US" dirty="0"/>
+              <a:t>ビジネスアイディア考案の背景</a:t>
+            </a:r>
+            <a:endParaRPr kumimoji="1" lang="en-US" altLang="ja-JP" dirty="0"/>
+          </a:p>
+          <a:p>
+            <a:r>
+              <a:rPr kumimoji="1" lang="ja-JP" altLang="en-US" dirty="0"/>
+              <a:t>ソフトウェア開発と関連する社会的</a:t>
+            </a:r>
+            <a:r>
+              <a:rPr kumimoji="1" lang="en-US" altLang="ja-JP" dirty="0"/>
+              <a:t>MISSION</a:t>
+            </a:r>
+          </a:p>
+          <a:p>
+            <a:r>
+              <a:rPr lang="ja-JP" altLang="en-US" dirty="0"/>
+              <a:t>ビジネスアイディアの概要</a:t>
+            </a:r>
+            <a:endParaRPr lang="en-US" altLang="ja-JP" dirty="0"/>
+          </a:p>
+          <a:p>
+            <a:r>
+              <a:rPr kumimoji="1" lang="ja-JP" altLang="en-US" dirty="0"/>
+              <a:t>ターゲット市場</a:t>
+            </a:r>
+            <a:endParaRPr kumimoji="1" lang="en-US" altLang="ja-JP" dirty="0"/>
+          </a:p>
+          <a:p>
+            <a:r>
+              <a:rPr lang="ja-JP" altLang="en-US" dirty="0">
+                <a:solidFill>
+                  <a:srgbClr val="FF0000"/>
+                </a:solidFill>
+              </a:rPr>
+              <a:t>効果</a:t>
+            </a:r>
+            <a:r>
+              <a:rPr kumimoji="1" lang="ja-JP" altLang="en-US" dirty="0">
+                <a:solidFill>
+                  <a:srgbClr val="FF0000"/>
+                </a:solidFill>
+              </a:rPr>
+              <a:t>（顧客側のメリット）</a:t>
+            </a:r>
+            <a:endParaRPr lang="en-US" altLang="ja-JP" dirty="0">
+              <a:solidFill>
+                <a:srgbClr val="FF0000"/>
+              </a:solidFill>
+            </a:endParaRPr>
+          </a:p>
+          <a:p>
+            <a:r>
+              <a:rPr lang="ja-JP" altLang="en-US" dirty="0"/>
+              <a:t>効果</a:t>
+            </a:r>
+            <a:r>
+              <a:rPr kumimoji="1" lang="ja-JP" altLang="en-US" dirty="0"/>
+              <a:t>（</a:t>
+            </a:r>
+            <a:r>
+              <a:rPr kumimoji="1" lang="en-US" altLang="ja-JP" dirty="0"/>
+              <a:t>NSCS</a:t>
+            </a:r>
+            <a:r>
+              <a:rPr kumimoji="1" lang="ja-JP" altLang="en-US" dirty="0"/>
+              <a:t>側のメリット）</a:t>
+            </a:r>
+            <a:endParaRPr kumimoji="1" lang="en-US" altLang="ja-JP" dirty="0"/>
+          </a:p>
+          <a:p>
+            <a:r>
+              <a:rPr kumimoji="1" lang="en-US" altLang="ja-JP" dirty="0"/>
+              <a:t>【</a:t>
+            </a:r>
+            <a:r>
+              <a:rPr kumimoji="1" lang="ja-JP" altLang="en-US" dirty="0"/>
+              <a:t>参考</a:t>
+            </a:r>
+            <a:r>
+              <a:rPr kumimoji="1" lang="en-US" altLang="ja-JP" dirty="0"/>
+              <a:t>】</a:t>
+            </a:r>
+            <a:r>
+              <a:rPr kumimoji="1" lang="ja-JP" altLang="en-US" dirty="0"/>
+              <a:t>他社競合サービス</a:t>
+            </a:r>
+          </a:p>
+        </p:txBody>
+      </p:sp>
+    </p:spTree>
+    <p:extLst>
+      <p:ext uri="{BB962C8B-B14F-4D97-AF65-F5344CB8AC3E}">
+        <p14:creationId xmlns:p14="http://schemas.microsoft.com/office/powerpoint/2010/main" val="2287290185"/>
+      </p:ext>
+    </p:extLst>
+  </p:cSld>
+  <p:clrMapOvr>
+    <a:masterClrMapping/>
+  </p:clrMapOvr>
+</p:sld>
+</file>
+
+<file path=ppt/slides/slide15.xml><?xml version="1.0" encoding="utf-8"?>
 <p:sld xmlns:a="http://schemas.openxmlformats.org/drawingml/2006/main" xmlns:r="http://schemas.openxmlformats.org/officeDocument/2006/relationships" xmlns:p="http://schemas.openxmlformats.org/presentationml/2006/main">
   <p:cSld>
     <p:spTree>
@@ -13186,6 +13968,245 @@
               <a:rPr kumimoji="1" lang="en-US" altLang="ja-JP" dirty="0"/>
             </a:br>
             <a:r>
+              <a:rPr lang="ja-JP" altLang="en-US" dirty="0"/>
+              <a:t>①</a:t>
+            </a:r>
+            <a:r>
+              <a:rPr lang="en-US" altLang="ja-JP" dirty="0"/>
+              <a:t>IT</a:t>
+            </a:r>
+            <a:r>
+              <a:rPr lang="ja-JP" altLang="en-US" dirty="0"/>
+              <a:t>エンジニア教育サービス</a:t>
+            </a:r>
+            <a:endParaRPr kumimoji="1" lang="ja-JP" altLang="en-US" dirty="0"/>
+          </a:p>
+        </p:txBody>
+      </p:sp>
+      <p:sp>
+        <p:nvSpPr>
+          <p:cNvPr id="3" name="コンテンツ プレースホルダー 2">
+            <a:extLst>
+              <a:ext uri="{FF2B5EF4-FFF2-40B4-BE49-F238E27FC236}">
+                <a16:creationId xmlns:a16="http://schemas.microsoft.com/office/drawing/2014/main" id="{3D4A484F-740B-A152-0E2A-72CB4B6B32D1}"/>
+              </a:ext>
+            </a:extLst>
+          </p:cNvPr>
+          <p:cNvSpPr>
+            <a:spLocks noGrp="1"/>
+          </p:cNvSpPr>
+          <p:nvPr>
+            <p:ph idx="1"/>
+          </p:nvPr>
+        </p:nvSpPr>
+        <p:spPr/>
+        <p:txBody>
+          <a:bodyPr>
+            <a:normAutofit fontScale="62500" lnSpcReduction="20000"/>
+          </a:bodyPr>
+          <a:lstStyle/>
+          <a:p>
+            <a:r>
+              <a:rPr kumimoji="1" lang="en-US" altLang="ja-JP" dirty="0"/>
+              <a:t>IT</a:t>
+            </a:r>
+            <a:r>
+              <a:rPr kumimoji="1" lang="ja-JP" altLang="en-US" dirty="0"/>
+              <a:t>人材の教育・育成コストの削減</a:t>
+            </a:r>
+            <a:endParaRPr kumimoji="1" lang="en-US" altLang="ja-JP" dirty="0"/>
+          </a:p>
+          <a:p>
+            <a:pPr marL="0" indent="0">
+              <a:buNone/>
+            </a:pPr>
+            <a:r>
+              <a:rPr lang="ja-JP" altLang="en-US" dirty="0"/>
+              <a:t>⇒自社研修を外部委託化し開発業務へリソースを集中させることが可能</a:t>
+            </a:r>
+            <a:endParaRPr lang="en-US" altLang="ja-JP" dirty="0"/>
+          </a:p>
+          <a:p>
+            <a:endParaRPr lang="en-US" altLang="ja-JP" dirty="0"/>
+          </a:p>
+          <a:p>
+            <a:r>
+              <a:rPr lang="ja-JP" altLang="en-US" dirty="0"/>
+              <a:t>学習時間を選ばずに受講可能なクラウドプラットフォーム</a:t>
+            </a:r>
+            <a:endParaRPr lang="en-US" altLang="ja-JP" dirty="0"/>
+          </a:p>
+          <a:p>
+            <a:pPr marL="0" indent="0">
+              <a:buNone/>
+            </a:pPr>
+            <a:r>
+              <a:rPr lang="ja-JP" altLang="en-US" dirty="0"/>
+              <a:t>⇒インターネット環境さえあれば時間</a:t>
+            </a:r>
+            <a:r>
+              <a:rPr lang="en-US" altLang="ja-JP" dirty="0"/>
+              <a:t>/</a:t>
+            </a:r>
+            <a:r>
+              <a:rPr lang="ja-JP" altLang="en-US" dirty="0"/>
+              <a:t>場所を選ばずタイムリーに受講が可能</a:t>
+            </a:r>
+            <a:endParaRPr lang="en-US" altLang="ja-JP" dirty="0"/>
+          </a:p>
+          <a:p>
+            <a:endParaRPr lang="en-US" altLang="ja-JP" dirty="0"/>
+          </a:p>
+          <a:p>
+            <a:r>
+              <a:rPr lang="ja-JP" altLang="en-US" dirty="0"/>
+              <a:t>実際のソフト開発境を模擬した実践的な開発環境</a:t>
+            </a:r>
+            <a:endParaRPr lang="en-US" altLang="ja-JP" dirty="0"/>
+          </a:p>
+          <a:p>
+            <a:pPr marL="0" indent="0">
+              <a:buNone/>
+            </a:pPr>
+            <a:r>
+              <a:rPr lang="ja-JP" altLang="en-US" dirty="0"/>
+              <a:t>⇒ソフト開発では標準となりつつある</a:t>
+            </a:r>
+            <a:r>
+              <a:rPr lang="en-US" altLang="ja-JP" dirty="0"/>
+              <a:t>CI/CD</a:t>
+            </a:r>
+            <a:r>
+              <a:rPr lang="ja-JP" altLang="en-US" dirty="0"/>
+              <a:t>環境での開発体験が可能</a:t>
+            </a:r>
+            <a:endParaRPr lang="en-US" altLang="ja-JP" dirty="0"/>
+          </a:p>
+          <a:p>
+            <a:pPr marL="0" indent="0">
+              <a:buNone/>
+            </a:pPr>
+            <a:r>
+              <a:rPr lang="ja-JP" altLang="en-US" b="0" dirty="0">
+                <a:effectLst/>
+                <a:latin typeface="Consolas" panose="020B0609020204030204" pitchFamily="49" charset="0"/>
+              </a:rPr>
+              <a:t>　 </a:t>
+            </a:r>
+            <a:r>
+              <a:rPr lang="en-US" altLang="ja-JP" b="0" dirty="0">
+                <a:effectLst/>
+                <a:latin typeface="Consolas" panose="020B0609020204030204" pitchFamily="49" charset="0"/>
+              </a:rPr>
+              <a:t>NSCS</a:t>
+            </a:r>
+            <a:r>
+              <a:rPr lang="ja-JP" altLang="en-US" b="0" dirty="0">
+                <a:effectLst/>
+                <a:latin typeface="Consolas" panose="020B0609020204030204" pitchFamily="49" charset="0"/>
+              </a:rPr>
+              <a:t>の強み（ノウハウ）を含む実務に即したレベルのスキルを習得可能</a:t>
+            </a:r>
+          </a:p>
+          <a:p>
+            <a:pPr marL="0" indent="0">
+              <a:buNone/>
+            </a:pPr>
+            <a:r>
+              <a:rPr lang="ja-JP" altLang="en-US" dirty="0">
+                <a:latin typeface="Consolas" panose="020B0609020204030204" pitchFamily="49" charset="0"/>
+              </a:rPr>
+              <a:t> 　</a:t>
+            </a:r>
+            <a:r>
+              <a:rPr lang="ja-JP" altLang="en-US" b="0" dirty="0">
+                <a:effectLst/>
+                <a:latin typeface="Consolas" panose="020B0609020204030204" pitchFamily="49" charset="0"/>
+              </a:rPr>
+              <a:t>車載ソフト開発向けに実際の現場で用いられる資料やツールも併せて利用可能</a:t>
+            </a:r>
+          </a:p>
+          <a:p>
+            <a:pPr marL="0" indent="0">
+              <a:buNone/>
+            </a:pPr>
+            <a:endParaRPr lang="en-US" altLang="ja-JP" dirty="0"/>
+          </a:p>
+          <a:p>
+            <a:endParaRPr kumimoji="1" lang="en-US" altLang="ja-JP" dirty="0"/>
+          </a:p>
+          <a:p>
+            <a:endParaRPr lang="en-US" altLang="ja-JP" dirty="0"/>
+          </a:p>
+          <a:p>
+            <a:endParaRPr kumimoji="1" lang="en-US" altLang="ja-JP" dirty="0"/>
+          </a:p>
+          <a:p>
+            <a:endParaRPr kumimoji="1" lang="ja-JP" altLang="en-US" dirty="0"/>
+          </a:p>
+        </p:txBody>
+      </p:sp>
+    </p:spTree>
+    <p:extLst>
+      <p:ext uri="{BB962C8B-B14F-4D97-AF65-F5344CB8AC3E}">
+        <p14:creationId xmlns:p14="http://schemas.microsoft.com/office/powerpoint/2010/main" val="3261743886"/>
+      </p:ext>
+    </p:extLst>
+  </p:cSld>
+  <p:clrMapOvr>
+    <a:masterClrMapping/>
+  </p:clrMapOvr>
+</p:sld>
+</file>
+
+<file path=ppt/slides/slide16.xml><?xml version="1.0" encoding="utf-8"?>
+<p:sld xmlns:a="http://schemas.openxmlformats.org/drawingml/2006/main" xmlns:r="http://schemas.openxmlformats.org/officeDocument/2006/relationships" xmlns:p="http://schemas.openxmlformats.org/presentationml/2006/main">
+  <p:cSld>
+    <p:spTree>
+      <p:nvGrpSpPr>
+        <p:cNvPr id="1" name=""/>
+        <p:cNvGrpSpPr/>
+        <p:nvPr/>
+      </p:nvGrpSpPr>
+      <p:grpSpPr>
+        <a:xfrm>
+          <a:off x="0" y="0"/>
+          <a:ext cx="0" cy="0"/>
+          <a:chOff x="0" y="0"/>
+          <a:chExt cx="0" cy="0"/>
+        </a:xfrm>
+      </p:grpSpPr>
+      <p:sp>
+        <p:nvSpPr>
+          <p:cNvPr id="2" name="タイトル 1">
+            <a:extLst>
+              <a:ext uri="{FF2B5EF4-FFF2-40B4-BE49-F238E27FC236}">
+                <a16:creationId xmlns:a16="http://schemas.microsoft.com/office/drawing/2014/main" id="{3770514E-73CF-0201-40C0-3E453C5B8E48}"/>
+              </a:ext>
+            </a:extLst>
+          </p:cNvPr>
+          <p:cNvSpPr>
+            <a:spLocks noGrp="1"/>
+          </p:cNvSpPr>
+          <p:nvPr>
+            <p:ph type="title"/>
+          </p:nvPr>
+        </p:nvSpPr>
+        <p:spPr/>
+        <p:txBody>
+          <a:bodyPr>
+            <a:normAutofit/>
+          </a:bodyPr>
+          <a:lstStyle/>
+          <a:p>
+            <a:r>
+              <a:rPr kumimoji="1" lang="ja-JP" altLang="en-US" dirty="0"/>
+              <a:t>■効果（顧客側のメリット）</a:t>
+            </a:r>
+            <a:br>
+              <a:rPr kumimoji="1" lang="en-US" altLang="ja-JP" dirty="0"/>
+            </a:br>
+            <a:r>
               <a:rPr lang="ja-JP" altLang="en-US" dirty="0">
                 <a:effectLst/>
               </a:rPr>
@@ -13368,7 +14389,188 @@
 </p:sld>
 </file>
 
-<file path=ppt/slides/slide12.xml><?xml version="1.0" encoding="utf-8"?>
+<file path=ppt/slides/slide17.xml><?xml version="1.0" encoding="utf-8"?>
+<p:sld xmlns:a="http://schemas.openxmlformats.org/drawingml/2006/main" xmlns:r="http://schemas.openxmlformats.org/officeDocument/2006/relationships" xmlns:p="http://schemas.openxmlformats.org/presentationml/2006/main">
+  <p:cSld>
+    <p:spTree>
+      <p:nvGrpSpPr>
+        <p:cNvPr id="1" name=""/>
+        <p:cNvGrpSpPr/>
+        <p:nvPr/>
+      </p:nvGrpSpPr>
+      <p:grpSpPr>
+        <a:xfrm>
+          <a:off x="0" y="0"/>
+          <a:ext cx="0" cy="0"/>
+          <a:chOff x="0" y="0"/>
+          <a:chExt cx="0" cy="0"/>
+        </a:xfrm>
+      </p:grpSpPr>
+      <p:sp>
+        <p:nvSpPr>
+          <p:cNvPr id="2" name="タイトル 1">
+            <a:extLst>
+              <a:ext uri="{FF2B5EF4-FFF2-40B4-BE49-F238E27FC236}">
+                <a16:creationId xmlns:a16="http://schemas.microsoft.com/office/drawing/2014/main" id="{17DACBDD-ABE1-2B5C-CC8D-34204093AF99}"/>
+              </a:ext>
+            </a:extLst>
+          </p:cNvPr>
+          <p:cNvSpPr>
+            <a:spLocks noGrp="1"/>
+          </p:cNvSpPr>
+          <p:nvPr>
+            <p:ph type="title"/>
+          </p:nvPr>
+        </p:nvSpPr>
+        <p:spPr/>
+        <p:txBody>
+          <a:bodyPr/>
+          <a:lstStyle/>
+          <a:p>
+            <a:r>
+              <a:rPr kumimoji="1" lang="ja-JP" altLang="en-US" dirty="0"/>
+              <a:t>目次</a:t>
+            </a:r>
+          </a:p>
+        </p:txBody>
+      </p:sp>
+      <p:sp>
+        <p:nvSpPr>
+          <p:cNvPr id="3" name="コンテンツ プレースホルダー 2">
+            <a:extLst>
+              <a:ext uri="{FF2B5EF4-FFF2-40B4-BE49-F238E27FC236}">
+                <a16:creationId xmlns:a16="http://schemas.microsoft.com/office/drawing/2014/main" id="{A91867B7-9CBF-908B-84EE-E9B4515F1C17}"/>
+              </a:ext>
+            </a:extLst>
+          </p:cNvPr>
+          <p:cNvSpPr>
+            <a:spLocks noGrp="1"/>
+          </p:cNvSpPr>
+          <p:nvPr>
+            <p:ph idx="1"/>
+          </p:nvPr>
+        </p:nvSpPr>
+        <p:spPr/>
+        <p:txBody>
+          <a:bodyPr>
+            <a:normAutofit fontScale="92500" lnSpcReduction="10000"/>
+          </a:bodyPr>
+          <a:lstStyle/>
+          <a:p>
+            <a:r>
+              <a:rPr kumimoji="1" lang="ja-JP" altLang="en-US" dirty="0"/>
+              <a:t>ビジネスアイディア考案の背景</a:t>
+            </a:r>
+            <a:endParaRPr kumimoji="1" lang="en-US" altLang="ja-JP" dirty="0"/>
+          </a:p>
+          <a:p>
+            <a:r>
+              <a:rPr kumimoji="1" lang="ja-JP" altLang="en-US" dirty="0"/>
+              <a:t>ソフトウェア開発と関連する社会的</a:t>
+            </a:r>
+            <a:r>
+              <a:rPr kumimoji="1" lang="en-US" altLang="ja-JP" dirty="0"/>
+              <a:t>MISSION</a:t>
+            </a:r>
+          </a:p>
+          <a:p>
+            <a:r>
+              <a:rPr lang="ja-JP" altLang="en-US" dirty="0"/>
+              <a:t>ビジネスアイディアの概要</a:t>
+            </a:r>
+            <a:endParaRPr lang="en-US" altLang="ja-JP" dirty="0"/>
+          </a:p>
+          <a:p>
+            <a:r>
+              <a:rPr kumimoji="1" lang="ja-JP" altLang="en-US" dirty="0"/>
+              <a:t>ターゲット市場</a:t>
+            </a:r>
+            <a:endParaRPr kumimoji="1" lang="en-US" altLang="ja-JP" dirty="0"/>
+          </a:p>
+          <a:p>
+            <a:r>
+              <a:rPr lang="ja-JP" altLang="en-US" dirty="0"/>
+              <a:t>効果</a:t>
+            </a:r>
+            <a:r>
+              <a:rPr kumimoji="1" lang="ja-JP" altLang="en-US" dirty="0"/>
+              <a:t>（顧客側のメリット）</a:t>
+            </a:r>
+            <a:endParaRPr kumimoji="1" lang="en-US" altLang="ja-JP" dirty="0"/>
+          </a:p>
+          <a:p>
+            <a:r>
+              <a:rPr lang="ja-JP" altLang="en-US" dirty="0">
+                <a:solidFill>
+                  <a:srgbClr val="FF0000"/>
+                </a:solidFill>
+              </a:rPr>
+              <a:t>効果</a:t>
+            </a:r>
+            <a:r>
+              <a:rPr kumimoji="1" lang="ja-JP" altLang="en-US" dirty="0">
+                <a:solidFill>
+                  <a:srgbClr val="FF0000"/>
+                </a:solidFill>
+              </a:rPr>
+              <a:t>（</a:t>
+            </a:r>
+            <a:r>
+              <a:rPr kumimoji="1" lang="en-US" altLang="ja-JP" dirty="0">
+                <a:solidFill>
+                  <a:srgbClr val="FF0000"/>
+                </a:solidFill>
+              </a:rPr>
+              <a:t>NSCS</a:t>
+            </a:r>
+            <a:r>
+              <a:rPr kumimoji="1" lang="ja-JP" altLang="en-US" dirty="0">
+                <a:solidFill>
+                  <a:srgbClr val="FF0000"/>
+                </a:solidFill>
+              </a:rPr>
+              <a:t>側のメリット）</a:t>
+            </a:r>
+            <a:endParaRPr lang="en-US" altLang="ja-JP" dirty="0">
+              <a:solidFill>
+                <a:srgbClr val="FF0000"/>
+              </a:solidFill>
+            </a:endParaRPr>
+          </a:p>
+          <a:p>
+            <a:r>
+              <a:rPr kumimoji="1" lang="en-US" altLang="ja-JP" dirty="0"/>
+              <a:t>【</a:t>
+            </a:r>
+            <a:r>
+              <a:rPr kumimoji="1" lang="ja-JP" altLang="en-US" dirty="0"/>
+              <a:t>参考</a:t>
+            </a:r>
+            <a:r>
+              <a:rPr kumimoji="1" lang="en-US" altLang="ja-JP" dirty="0"/>
+              <a:t>】</a:t>
+            </a:r>
+            <a:r>
+              <a:rPr kumimoji="1" lang="ja-JP" altLang="en-US" dirty="0"/>
+              <a:t>他社競合サービス</a:t>
+            </a:r>
+          </a:p>
+        </p:txBody>
+      </p:sp>
+    </p:spTree>
+    <p:extLst>
+      <p:ext uri="{BB962C8B-B14F-4D97-AF65-F5344CB8AC3E}">
+        <p14:creationId xmlns:p14="http://schemas.microsoft.com/office/powerpoint/2010/main" val="3316115759"/>
+      </p:ext>
+    </p:extLst>
+  </p:cSld>
+  <p:clrMapOvr>
+    <a:masterClrMapping/>
+  </p:clrMapOvr>
+</p:sld>
+</file>
+
+<file path=ppt/slides/slide18.xml><?xml version="1.0" encoding="utf-8"?>
 <p:sld xmlns:a="http://schemas.openxmlformats.org/drawingml/2006/main" xmlns:r="http://schemas.openxmlformats.org/officeDocument/2006/relationships" xmlns:p="http://schemas.openxmlformats.org/presentationml/2006/main">
   <p:cSld>
     <p:spTree>
@@ -13491,7 +14693,7 @@
             </a:pPr>
             <a:r>
               <a:rPr kumimoji="1" lang="ja-JP" altLang="en-US" dirty="0"/>
-              <a:t>⇒新たな人材のニーズが発生しリスキリングやジョブローテーションが活発化</a:t>
+              <a:t>⇒新たな人材のニーズが発生しリスキリングやジョブローテーションの活発化</a:t>
             </a:r>
             <a:endParaRPr kumimoji="1" lang="en-US" altLang="ja-JP" dirty="0"/>
           </a:p>
@@ -13519,7 +14721,7 @@
 </p:sld>
 </file>
 
-<file path=ppt/slides/slide13.xml><?xml version="1.0" encoding="utf-8"?>
+<file path=ppt/slides/slide19.xml><?xml version="1.0" encoding="utf-8"?>
 <p:sld xmlns:a="http://schemas.openxmlformats.org/drawingml/2006/main" xmlns:r="http://schemas.openxmlformats.org/officeDocument/2006/relationships" xmlns:p="http://schemas.openxmlformats.org/presentationml/2006/main">
   <p:cSld>
     <p:spTree>
@@ -13541,7 +14743,7 @@
           <p:cNvPr id="2" name="タイトル 1">
             <a:extLst>
               <a:ext uri="{FF2B5EF4-FFF2-40B4-BE49-F238E27FC236}">
-                <a16:creationId xmlns:a16="http://schemas.microsoft.com/office/drawing/2014/main" id="{E3258730-8FC1-291B-3EDC-DA21B58CEBA7}"/>
+                <a16:creationId xmlns:a16="http://schemas.microsoft.com/office/drawing/2014/main" id="{17DACBDD-ABE1-2B5C-CC8D-34204093AF99}"/>
               </a:ext>
             </a:extLst>
           </p:cNvPr>
@@ -13559,23 +14761,7 @@
           <a:p>
             <a:r>
               <a:rPr kumimoji="1" lang="ja-JP" altLang="en-US" dirty="0"/>
-              <a:t>■</a:t>
-            </a:r>
-            <a:r>
-              <a:rPr kumimoji="1" lang="en-US" altLang="ja-JP" dirty="0"/>
-              <a:t>【</a:t>
-            </a:r>
-            <a:r>
-              <a:rPr kumimoji="1" lang="ja-JP" altLang="en-US" dirty="0"/>
-              <a:t>参考</a:t>
-            </a:r>
-            <a:r>
-              <a:rPr kumimoji="1" lang="en-US" altLang="ja-JP" dirty="0"/>
-              <a:t>】</a:t>
-            </a:r>
-            <a:r>
-              <a:rPr kumimoji="1" lang="ja-JP" altLang="en-US" dirty="0"/>
-              <a:t>他社競合サービス</a:t>
+              <a:t>目次</a:t>
             </a:r>
           </a:p>
         </p:txBody>
@@ -13585,7 +14771,7 @@
           <p:cNvPr id="3" name="コンテンツ プレースホルダー 2">
             <a:extLst>
               <a:ext uri="{FF2B5EF4-FFF2-40B4-BE49-F238E27FC236}">
-                <a16:creationId xmlns:a16="http://schemas.microsoft.com/office/drawing/2014/main" id="{164322B9-7837-ABCF-B724-37CBD560DDB2}"/>
+                <a16:creationId xmlns:a16="http://schemas.microsoft.com/office/drawing/2014/main" id="{A91867B7-9CBF-908B-84EE-E9B4515F1C17}"/>
               </a:ext>
             </a:extLst>
           </p:cNvPr>
@@ -13599,195 +14785,110 @@
         <p:spPr/>
         <p:txBody>
           <a:bodyPr>
-            <a:normAutofit fontScale="55000" lnSpcReduction="20000"/>
+            <a:normAutofit fontScale="92500" lnSpcReduction="10000"/>
           </a:bodyPr>
           <a:lstStyle/>
           <a:p>
             <a:r>
+              <a:rPr kumimoji="1" lang="ja-JP" altLang="en-US" dirty="0"/>
+              <a:t>ビジネスアイディア考案の背景</a:t>
+            </a:r>
+            <a:endParaRPr kumimoji="1" lang="en-US" altLang="ja-JP" dirty="0"/>
+          </a:p>
+          <a:p>
+            <a:r>
+              <a:rPr kumimoji="1" lang="ja-JP" altLang="en-US" dirty="0"/>
+              <a:t>ソフトウェア開発と関連する社会的</a:t>
+            </a:r>
+            <a:r>
               <a:rPr kumimoji="1" lang="en-US" altLang="ja-JP" dirty="0"/>
-              <a:t>RENESAS</a:t>
-            </a:r>
+              <a:t>MISSION</a:t>
+            </a:r>
+          </a:p>
+          <a:p>
+            <a:r>
+              <a:rPr lang="ja-JP" altLang="en-US" dirty="0"/>
+              <a:t>ビジネスアイディアの概要</a:t>
+            </a:r>
+            <a:endParaRPr lang="en-US" altLang="ja-JP" dirty="0"/>
+          </a:p>
+          <a:p>
             <a:r>
               <a:rPr kumimoji="1" lang="ja-JP" altLang="en-US" dirty="0"/>
-              <a:t>製「クイックコネクトスタジオ」</a:t>
+              <a:t>ターゲット市場</a:t>
+            </a:r>
+            <a:endParaRPr kumimoji="1" lang="en-US" altLang="ja-JP" dirty="0"/>
+          </a:p>
+          <a:p>
+            <a:r>
+              <a:rPr lang="ja-JP" altLang="en-US" dirty="0"/>
+              <a:t>効果</a:t>
+            </a:r>
+            <a:r>
+              <a:rPr kumimoji="1" lang="ja-JP" altLang="en-US" dirty="0"/>
+              <a:t>（顧客側のメリット）</a:t>
+            </a:r>
+            <a:endParaRPr kumimoji="1" lang="en-US" altLang="ja-JP" dirty="0"/>
+          </a:p>
+          <a:p>
+            <a:r>
+              <a:rPr lang="ja-JP" altLang="en-US" dirty="0"/>
+              <a:t>効果</a:t>
+            </a:r>
+            <a:r>
+              <a:rPr kumimoji="1" lang="ja-JP" altLang="en-US" dirty="0"/>
+              <a:t>（</a:t>
             </a:r>
             <a:r>
               <a:rPr kumimoji="1" lang="en-US" altLang="ja-JP" dirty="0"/>
-              <a:t>/</a:t>
+              <a:t>NSCS</a:t>
             </a:r>
             <a:r>
               <a:rPr kumimoji="1" lang="ja-JP" altLang="en-US" dirty="0"/>
-              <a:t>「</a:t>
-            </a:r>
-            <a:r>
-              <a:rPr kumimoji="1" lang="en-US" altLang="ja-JP" dirty="0"/>
-              <a:t>LAB ON THE CLOUD</a:t>
-            </a:r>
-            <a:r>
-              <a:rPr kumimoji="1" lang="ja-JP" altLang="en-US" dirty="0"/>
-              <a:t>」</a:t>
-            </a:r>
-            <a:endParaRPr kumimoji="1" lang="en-US" altLang="ja-JP" dirty="0"/>
-          </a:p>
-          <a:p>
-            <a:r>
-              <a:rPr lang="ja-JP" altLang="en-US" dirty="0">
-                <a:hlinkClick r:id="rId2"/>
+              <a:t>側のメリット）</a:t>
+            </a:r>
+            <a:endParaRPr lang="en-US" altLang="ja-JP" dirty="0"/>
+          </a:p>
+          <a:p>
+            <a:r>
+              <a:rPr kumimoji="1" lang="en-US" altLang="ja-JP" dirty="0">
+                <a:solidFill>
+                  <a:srgbClr val="FF0000"/>
+                </a:solidFill>
               </a:rPr>
-              <a:t>クイックコネクトスタジオ </a:t>
-            </a:r>
-            <a:r>
-              <a:rPr lang="en-US" altLang="ja-JP" dirty="0">
-                <a:hlinkClick r:id="rId2"/>
+              <a:t>【</a:t>
+            </a:r>
+            <a:r>
+              <a:rPr kumimoji="1" lang="ja-JP" altLang="en-US" dirty="0">
+                <a:solidFill>
+                  <a:srgbClr val="FF0000"/>
+                </a:solidFill>
               </a:rPr>
-              <a:t>| Renesas</a:t>
-            </a:r>
-            <a:endParaRPr lang="en-US" altLang="ja-JP" dirty="0"/>
-          </a:p>
-          <a:p>
-            <a:r>
-              <a:rPr lang="en-US" altLang="ja-JP" dirty="0">
-                <a:hlinkClick r:id="rId3"/>
+              <a:t>参考</a:t>
+            </a:r>
+            <a:r>
+              <a:rPr kumimoji="1" lang="en-US" altLang="ja-JP" dirty="0">
+                <a:solidFill>
+                  <a:srgbClr val="FF0000"/>
+                </a:solidFill>
               </a:rPr>
-              <a:t>Renesas Lab on the Cloud | Renesas</a:t>
-            </a:r>
-            <a:endParaRPr lang="en-US" altLang="ja-JP" dirty="0"/>
-          </a:p>
-          <a:p>
-            <a:endParaRPr kumimoji="1" lang="en-US" altLang="ja-JP" dirty="0"/>
-          </a:p>
-          <a:p>
-            <a:r>
-              <a:rPr lang="en-US" altLang="ja-JP" dirty="0"/>
-              <a:t>ARM</a:t>
-            </a:r>
-            <a:r>
-              <a:rPr lang="ja-JP" altLang="en-US" dirty="0"/>
-              <a:t>製「</a:t>
-            </a:r>
-            <a:r>
-              <a:rPr lang="en-US" altLang="ja-JP" dirty="0"/>
-              <a:t>Arm Virtual Hardware</a:t>
-            </a:r>
-            <a:r>
-              <a:rPr lang="ja-JP" altLang="en-US" dirty="0"/>
-              <a:t>」「</a:t>
-            </a:r>
-            <a:r>
-              <a:rPr lang="en-US" altLang="ja-JP" dirty="0"/>
-              <a:t>Fixed Virtual Platform</a:t>
-            </a:r>
-            <a:r>
-              <a:rPr lang="ja-JP" altLang="en-US" dirty="0"/>
-              <a:t>」「</a:t>
-            </a:r>
-            <a:r>
-              <a:rPr lang="en-US" altLang="ja-JP" dirty="0"/>
-              <a:t>Fast Models</a:t>
-            </a:r>
-            <a:r>
-              <a:rPr lang="ja-JP" altLang="en-US" dirty="0"/>
-              <a:t>」</a:t>
-            </a:r>
-            <a:endParaRPr lang="en-US" altLang="ja-JP" dirty="0"/>
-          </a:p>
-          <a:p>
-            <a:r>
-              <a:rPr lang="en-US" altLang="ja-JP" dirty="0">
-                <a:hlinkClick r:id="rId4"/>
+              <a:t>】</a:t>
+            </a:r>
+            <a:r>
+              <a:rPr kumimoji="1" lang="ja-JP" altLang="en-US" dirty="0">
+                <a:solidFill>
+                  <a:srgbClr val="FF0000"/>
+                </a:solidFill>
               </a:rPr>
-              <a:t>Virtual Hardware – </a:t>
-            </a:r>
-            <a:r>
-              <a:rPr lang="ja-JP" altLang="en-US" dirty="0">
-                <a:hlinkClick r:id="rId4"/>
-              </a:rPr>
-              <a:t>ハードウェアなしのソフトウェア開発 </a:t>
-            </a:r>
-            <a:r>
-              <a:rPr lang="en-US" altLang="ja-JP" dirty="0">
-                <a:hlinkClick r:id="rId4"/>
-              </a:rPr>
-              <a:t>– Arm®</a:t>
-            </a:r>
-            <a:endParaRPr lang="en-US" altLang="ja-JP" dirty="0"/>
-          </a:p>
-          <a:p>
-            <a:r>
-              <a:rPr lang="ja-JP" altLang="en-US" dirty="0">
-                <a:hlinkClick r:id="rId5"/>
-              </a:rPr>
-              <a:t>固定仮想プラットフォーム </a:t>
-            </a:r>
-            <a:r>
-              <a:rPr lang="en-US" altLang="ja-JP" dirty="0">
-                <a:hlinkClick r:id="rId5"/>
-              </a:rPr>
-              <a:t>– Arm®</a:t>
-            </a:r>
-            <a:endParaRPr lang="en-US" altLang="ja-JP" dirty="0"/>
-          </a:p>
-          <a:p>
-            <a:r>
-              <a:rPr lang="en-US" altLang="ja-JP" dirty="0">
-                <a:hlinkClick r:id="rId6"/>
-              </a:rPr>
-              <a:t>Fast Models – Arm®</a:t>
-            </a:r>
-            <a:endParaRPr lang="en-US" altLang="ja-JP" dirty="0"/>
-          </a:p>
-          <a:p>
-            <a:endParaRPr kumimoji="1" lang="en-US" altLang="ja-JP" dirty="0"/>
-          </a:p>
-          <a:p>
-            <a:r>
-              <a:rPr kumimoji="1" lang="en-US" altLang="ja-JP" dirty="0"/>
-              <a:t>Microsoft</a:t>
-            </a:r>
-            <a:r>
-              <a:rPr kumimoji="1" lang="ja-JP" altLang="en-US" dirty="0"/>
-              <a:t>製「</a:t>
-            </a:r>
-            <a:r>
-              <a:rPr kumimoji="1" lang="en-US" altLang="ja-JP" dirty="0"/>
-              <a:t>Microsoft Dev Box</a:t>
-            </a:r>
-            <a:r>
-              <a:rPr kumimoji="1" lang="ja-JP" altLang="en-US" dirty="0"/>
-              <a:t>」</a:t>
-            </a:r>
-            <a:endParaRPr kumimoji="1" lang="en-US" altLang="ja-JP" dirty="0"/>
-          </a:p>
-          <a:p>
-            <a:r>
-              <a:rPr lang="en-US" altLang="ja-JP" dirty="0">
-                <a:hlinkClick r:id="rId7"/>
-              </a:rPr>
-              <a:t>Microsoft Dev Box – </a:t>
-            </a:r>
-            <a:r>
-              <a:rPr lang="ja-JP" altLang="en-US" dirty="0">
-                <a:hlinkClick r:id="rId7"/>
-              </a:rPr>
-              <a:t>クラウド内の開発ワークステーション </a:t>
-            </a:r>
-            <a:r>
-              <a:rPr lang="en-US" altLang="ja-JP" dirty="0">
-                <a:hlinkClick r:id="rId7"/>
-              </a:rPr>
-              <a:t>| Microsoft Azure</a:t>
-            </a:r>
-            <a:endParaRPr lang="en-US" altLang="ja-JP" dirty="0"/>
-          </a:p>
-          <a:p>
-            <a:endParaRPr kumimoji="1" lang="ja-JP" altLang="en-US" dirty="0"/>
+              <a:t>他社競合サービス</a:t>
+            </a:r>
           </a:p>
         </p:txBody>
       </p:sp>
     </p:spTree>
     <p:extLst>
       <p:ext uri="{BB962C8B-B14F-4D97-AF65-F5344CB8AC3E}">
-        <p14:creationId xmlns:p14="http://schemas.microsoft.com/office/powerpoint/2010/main" val="3584519087"/>
+        <p14:creationId xmlns:p14="http://schemas.microsoft.com/office/powerpoint/2010/main" val="3045991193"/>
       </p:ext>
     </p:extLst>
   </p:cSld>
@@ -13861,7 +14962,7 @@
         <p:spPr/>
         <p:txBody>
           <a:bodyPr>
-            <a:normAutofit/>
+            <a:normAutofit fontScale="92500" lnSpcReduction="10000"/>
           </a:bodyPr>
           <a:lstStyle/>
           <a:p>
@@ -13903,6 +15004,25 @@
             <a:r>
               <a:rPr kumimoji="1" lang="ja-JP" altLang="en-US" dirty="0"/>
               <a:t>（顧客側のメリット）</a:t>
+            </a:r>
+            <a:endParaRPr kumimoji="1" lang="en-US" altLang="ja-JP" dirty="0"/>
+          </a:p>
+          <a:p>
+            <a:r>
+              <a:rPr lang="ja-JP" altLang="en-US" dirty="0"/>
+              <a:t>効果</a:t>
+            </a:r>
+            <a:r>
+              <a:rPr kumimoji="1" lang="ja-JP" altLang="en-US" dirty="0"/>
+              <a:t>（</a:t>
+            </a:r>
+            <a:r>
+              <a:rPr kumimoji="1" lang="en-US" altLang="ja-JP" dirty="0"/>
+              <a:t>NSCS</a:t>
+            </a:r>
+            <a:r>
+              <a:rPr kumimoji="1" lang="ja-JP" altLang="en-US" dirty="0"/>
+              <a:t>側のメリット）</a:t>
             </a:r>
             <a:endParaRPr lang="en-US" altLang="ja-JP" dirty="0"/>
           </a:p>
@@ -13939,7 +15059,1551 @@
 </p:sld>
 </file>
 
+<file path=ppt/slides/slide20.xml><?xml version="1.0" encoding="utf-8"?>
+<p:sld xmlns:a="http://schemas.openxmlformats.org/drawingml/2006/main" xmlns:r="http://schemas.openxmlformats.org/officeDocument/2006/relationships" xmlns:p="http://schemas.openxmlformats.org/presentationml/2006/main">
+  <p:cSld>
+    <p:spTree>
+      <p:nvGrpSpPr>
+        <p:cNvPr id="1" name=""/>
+        <p:cNvGrpSpPr/>
+        <p:nvPr/>
+      </p:nvGrpSpPr>
+      <p:grpSpPr>
+        <a:xfrm>
+          <a:off x="0" y="0"/>
+          <a:ext cx="0" cy="0"/>
+          <a:chOff x="0" y="0"/>
+          <a:chExt cx="0" cy="0"/>
+        </a:xfrm>
+      </p:grpSpPr>
+      <p:sp>
+        <p:nvSpPr>
+          <p:cNvPr id="2" name="タイトル 1">
+            <a:extLst>
+              <a:ext uri="{FF2B5EF4-FFF2-40B4-BE49-F238E27FC236}">
+                <a16:creationId xmlns:a16="http://schemas.microsoft.com/office/drawing/2014/main" id="{E3258730-8FC1-291B-3EDC-DA21B58CEBA7}"/>
+              </a:ext>
+            </a:extLst>
+          </p:cNvPr>
+          <p:cNvSpPr>
+            <a:spLocks noGrp="1"/>
+          </p:cNvSpPr>
+          <p:nvPr>
+            <p:ph type="title"/>
+          </p:nvPr>
+        </p:nvSpPr>
+        <p:spPr/>
+        <p:txBody>
+          <a:bodyPr/>
+          <a:lstStyle/>
+          <a:p>
+            <a:r>
+              <a:rPr kumimoji="1" lang="ja-JP" altLang="en-US" dirty="0"/>
+              <a:t>■</a:t>
+            </a:r>
+            <a:r>
+              <a:rPr kumimoji="1" lang="en-US" altLang="ja-JP" dirty="0"/>
+              <a:t>【</a:t>
+            </a:r>
+            <a:r>
+              <a:rPr kumimoji="1" lang="ja-JP" altLang="en-US" dirty="0"/>
+              <a:t>参考</a:t>
+            </a:r>
+            <a:r>
+              <a:rPr kumimoji="1" lang="en-US" altLang="ja-JP" dirty="0"/>
+              <a:t>】</a:t>
+            </a:r>
+            <a:r>
+              <a:rPr kumimoji="1" lang="ja-JP" altLang="en-US" dirty="0"/>
+              <a:t>他社競合サービス</a:t>
+            </a:r>
+          </a:p>
+        </p:txBody>
+      </p:sp>
+      <p:sp>
+        <p:nvSpPr>
+          <p:cNvPr id="3" name="コンテンツ プレースホルダー 2">
+            <a:extLst>
+              <a:ext uri="{FF2B5EF4-FFF2-40B4-BE49-F238E27FC236}">
+                <a16:creationId xmlns:a16="http://schemas.microsoft.com/office/drawing/2014/main" id="{164322B9-7837-ABCF-B724-37CBD560DDB2}"/>
+              </a:ext>
+            </a:extLst>
+          </p:cNvPr>
+          <p:cNvSpPr>
+            <a:spLocks noGrp="1"/>
+          </p:cNvSpPr>
+          <p:nvPr>
+            <p:ph idx="1"/>
+          </p:nvPr>
+        </p:nvSpPr>
+        <p:spPr/>
+        <p:txBody>
+          <a:bodyPr>
+            <a:normAutofit fontScale="55000" lnSpcReduction="20000"/>
+          </a:bodyPr>
+          <a:lstStyle/>
+          <a:p>
+            <a:r>
+              <a:rPr kumimoji="1" lang="en-US" altLang="ja-JP" dirty="0"/>
+              <a:t>RENESAS</a:t>
+            </a:r>
+            <a:r>
+              <a:rPr kumimoji="1" lang="ja-JP" altLang="en-US" dirty="0"/>
+              <a:t>製「クイックコネクトスタジオ」</a:t>
+            </a:r>
+            <a:r>
+              <a:rPr kumimoji="1" lang="en-US" altLang="ja-JP" dirty="0"/>
+              <a:t>/</a:t>
+            </a:r>
+            <a:r>
+              <a:rPr kumimoji="1" lang="ja-JP" altLang="en-US" dirty="0"/>
+              <a:t>「</a:t>
+            </a:r>
+            <a:r>
+              <a:rPr kumimoji="1" lang="en-US" altLang="ja-JP" dirty="0"/>
+              <a:t>LAB ON THE CLOUD</a:t>
+            </a:r>
+            <a:r>
+              <a:rPr kumimoji="1" lang="ja-JP" altLang="en-US" dirty="0"/>
+              <a:t>」</a:t>
+            </a:r>
+            <a:endParaRPr kumimoji="1" lang="en-US" altLang="ja-JP" dirty="0"/>
+          </a:p>
+          <a:p>
+            <a:r>
+              <a:rPr lang="ja-JP" altLang="en-US" dirty="0">
+                <a:hlinkClick r:id="rId2"/>
+              </a:rPr>
+              <a:t>クイックコネクトスタジオ </a:t>
+            </a:r>
+            <a:r>
+              <a:rPr lang="en-US" altLang="ja-JP" dirty="0">
+                <a:hlinkClick r:id="rId2"/>
+              </a:rPr>
+              <a:t>| Renesas</a:t>
+            </a:r>
+            <a:endParaRPr lang="en-US" altLang="ja-JP" dirty="0"/>
+          </a:p>
+          <a:p>
+            <a:r>
+              <a:rPr lang="en-US" altLang="ja-JP" dirty="0">
+                <a:hlinkClick r:id="rId3"/>
+              </a:rPr>
+              <a:t>Renesas Lab on the Cloud | Renesas</a:t>
+            </a:r>
+            <a:endParaRPr lang="en-US" altLang="ja-JP" dirty="0"/>
+          </a:p>
+          <a:p>
+            <a:endParaRPr kumimoji="1" lang="en-US" altLang="ja-JP" dirty="0"/>
+          </a:p>
+          <a:p>
+            <a:r>
+              <a:rPr lang="en-US" altLang="ja-JP" dirty="0"/>
+              <a:t>ARM</a:t>
+            </a:r>
+            <a:r>
+              <a:rPr lang="ja-JP" altLang="en-US" dirty="0"/>
+              <a:t>製「</a:t>
+            </a:r>
+            <a:r>
+              <a:rPr lang="en-US" altLang="ja-JP" dirty="0"/>
+              <a:t>Arm Virtual Hardware</a:t>
+            </a:r>
+            <a:r>
+              <a:rPr lang="ja-JP" altLang="en-US" dirty="0"/>
+              <a:t>」「</a:t>
+            </a:r>
+            <a:r>
+              <a:rPr lang="en-US" altLang="ja-JP" dirty="0"/>
+              <a:t>Fixed Virtual Platform</a:t>
+            </a:r>
+            <a:r>
+              <a:rPr lang="ja-JP" altLang="en-US" dirty="0"/>
+              <a:t>」「</a:t>
+            </a:r>
+            <a:r>
+              <a:rPr lang="en-US" altLang="ja-JP" dirty="0"/>
+              <a:t>Fast Models</a:t>
+            </a:r>
+            <a:r>
+              <a:rPr lang="ja-JP" altLang="en-US" dirty="0"/>
+              <a:t>」</a:t>
+            </a:r>
+            <a:endParaRPr lang="en-US" altLang="ja-JP" dirty="0"/>
+          </a:p>
+          <a:p>
+            <a:r>
+              <a:rPr lang="en-US" altLang="ja-JP" dirty="0">
+                <a:hlinkClick r:id="rId4"/>
+              </a:rPr>
+              <a:t>Virtual Hardware – </a:t>
+            </a:r>
+            <a:r>
+              <a:rPr lang="ja-JP" altLang="en-US" dirty="0">
+                <a:hlinkClick r:id="rId4"/>
+              </a:rPr>
+              <a:t>ハードウェアなしのソフトウェア開発 </a:t>
+            </a:r>
+            <a:r>
+              <a:rPr lang="en-US" altLang="ja-JP" dirty="0">
+                <a:hlinkClick r:id="rId4"/>
+              </a:rPr>
+              <a:t>– Arm®</a:t>
+            </a:r>
+            <a:endParaRPr lang="en-US" altLang="ja-JP" dirty="0"/>
+          </a:p>
+          <a:p>
+            <a:r>
+              <a:rPr lang="ja-JP" altLang="en-US" dirty="0">
+                <a:hlinkClick r:id="rId5"/>
+              </a:rPr>
+              <a:t>固定仮想プラットフォーム </a:t>
+            </a:r>
+            <a:r>
+              <a:rPr lang="en-US" altLang="ja-JP" dirty="0">
+                <a:hlinkClick r:id="rId5"/>
+              </a:rPr>
+              <a:t>– Arm®</a:t>
+            </a:r>
+            <a:endParaRPr lang="en-US" altLang="ja-JP" dirty="0"/>
+          </a:p>
+          <a:p>
+            <a:r>
+              <a:rPr lang="en-US" altLang="ja-JP" dirty="0">
+                <a:hlinkClick r:id="rId6"/>
+              </a:rPr>
+              <a:t>Fast Models – Arm®</a:t>
+            </a:r>
+            <a:endParaRPr lang="en-US" altLang="ja-JP" dirty="0"/>
+          </a:p>
+          <a:p>
+            <a:endParaRPr kumimoji="1" lang="en-US" altLang="ja-JP" dirty="0"/>
+          </a:p>
+          <a:p>
+            <a:r>
+              <a:rPr kumimoji="1" lang="en-US" altLang="ja-JP" dirty="0"/>
+              <a:t>Microsoft</a:t>
+            </a:r>
+            <a:r>
+              <a:rPr kumimoji="1" lang="ja-JP" altLang="en-US" dirty="0"/>
+              <a:t>製「</a:t>
+            </a:r>
+            <a:r>
+              <a:rPr kumimoji="1" lang="en-US" altLang="ja-JP" dirty="0"/>
+              <a:t>Microsoft Dev Box</a:t>
+            </a:r>
+            <a:r>
+              <a:rPr kumimoji="1" lang="ja-JP" altLang="en-US" dirty="0"/>
+              <a:t>」</a:t>
+            </a:r>
+            <a:endParaRPr kumimoji="1" lang="en-US" altLang="ja-JP" dirty="0"/>
+          </a:p>
+          <a:p>
+            <a:r>
+              <a:rPr lang="en-US" altLang="ja-JP" dirty="0">
+                <a:hlinkClick r:id="rId7"/>
+              </a:rPr>
+              <a:t>Microsoft Dev Box – </a:t>
+            </a:r>
+            <a:r>
+              <a:rPr lang="ja-JP" altLang="en-US" dirty="0">
+                <a:hlinkClick r:id="rId7"/>
+              </a:rPr>
+              <a:t>クラウド内の開発ワークステーション </a:t>
+            </a:r>
+            <a:r>
+              <a:rPr lang="en-US" altLang="ja-JP" dirty="0">
+                <a:hlinkClick r:id="rId7"/>
+              </a:rPr>
+              <a:t>| Microsoft Azure</a:t>
+            </a:r>
+            <a:endParaRPr lang="en-US" altLang="ja-JP" dirty="0"/>
+          </a:p>
+          <a:p>
+            <a:endParaRPr kumimoji="1" lang="ja-JP" altLang="en-US" dirty="0"/>
+          </a:p>
+        </p:txBody>
+      </p:sp>
+    </p:spTree>
+    <p:extLst>
+      <p:ext uri="{BB962C8B-B14F-4D97-AF65-F5344CB8AC3E}">
+        <p14:creationId xmlns:p14="http://schemas.microsoft.com/office/powerpoint/2010/main" val="3584519087"/>
+      </p:ext>
+    </p:extLst>
+  </p:cSld>
+  <p:clrMapOvr>
+    <a:masterClrMapping/>
+  </p:clrMapOvr>
+</p:sld>
+</file>
+
+<file path=ppt/slides/slide21.xml><?xml version="1.0" encoding="utf-8"?>
+<p:sld xmlns:a="http://schemas.openxmlformats.org/drawingml/2006/main" xmlns:r="http://schemas.openxmlformats.org/officeDocument/2006/relationships" xmlns:p="http://schemas.openxmlformats.org/presentationml/2006/main">
+  <p:cSld>
+    <p:spTree>
+      <p:nvGrpSpPr>
+        <p:cNvPr id="1" name=""/>
+        <p:cNvGrpSpPr/>
+        <p:nvPr/>
+      </p:nvGrpSpPr>
+      <p:grpSpPr>
+        <a:xfrm>
+          <a:off x="0" y="0"/>
+          <a:ext cx="0" cy="0"/>
+          <a:chOff x="0" y="0"/>
+          <a:chExt cx="0" cy="0"/>
+        </a:xfrm>
+      </p:grpSpPr>
+      <p:sp>
+        <p:nvSpPr>
+          <p:cNvPr id="2" name="タイトル 1">
+            <a:extLst>
+              <a:ext uri="{FF2B5EF4-FFF2-40B4-BE49-F238E27FC236}">
+                <a16:creationId xmlns:a16="http://schemas.microsoft.com/office/drawing/2014/main" id="{FC5EC01A-F3C8-8874-2E46-B152FC32C821}"/>
+              </a:ext>
+            </a:extLst>
+          </p:cNvPr>
+          <p:cNvSpPr>
+            <a:spLocks noGrp="1"/>
+          </p:cNvSpPr>
+          <p:nvPr>
+            <p:ph type="title"/>
+          </p:nvPr>
+        </p:nvSpPr>
+        <p:spPr/>
+        <p:txBody>
+          <a:bodyPr/>
+          <a:lstStyle/>
+          <a:p>
+            <a:r>
+              <a:rPr lang="en-US" altLang="ja-JP" dirty="0"/>
+              <a:t>【</a:t>
+            </a:r>
+            <a:r>
+              <a:rPr lang="ja-JP" altLang="en-US" dirty="0"/>
+              <a:t>補足</a:t>
+            </a:r>
+            <a:r>
+              <a:rPr lang="en-US" altLang="ja-JP" dirty="0"/>
+              <a:t>】</a:t>
+            </a:r>
+            <a:r>
+              <a:rPr kumimoji="1" lang="ja-JP" altLang="en-US" dirty="0"/>
+              <a:t>検討中の課題</a:t>
+            </a:r>
+          </a:p>
+        </p:txBody>
+      </p:sp>
+      <p:sp>
+        <p:nvSpPr>
+          <p:cNvPr id="3" name="コンテンツ プレースホルダー 2">
+            <a:extLst>
+              <a:ext uri="{FF2B5EF4-FFF2-40B4-BE49-F238E27FC236}">
+                <a16:creationId xmlns:a16="http://schemas.microsoft.com/office/drawing/2014/main" id="{7CCC3BD3-6FC6-1C56-4A61-7248DA3D22E5}"/>
+              </a:ext>
+            </a:extLst>
+          </p:cNvPr>
+          <p:cNvSpPr>
+            <a:spLocks noGrp="1"/>
+          </p:cNvSpPr>
+          <p:nvPr>
+            <p:ph idx="1"/>
+          </p:nvPr>
+        </p:nvSpPr>
+        <p:spPr/>
+        <p:txBody>
+          <a:bodyPr/>
+          <a:lstStyle/>
+          <a:p>
+            <a:r>
+              <a:rPr kumimoji="1" lang="ja-JP" altLang="en-US" dirty="0"/>
+              <a:t>クラウドプラットフォーム構想</a:t>
+            </a:r>
+            <a:endParaRPr kumimoji="1" lang="en-US" altLang="ja-JP" dirty="0"/>
+          </a:p>
+          <a:p>
+            <a:r>
+              <a:rPr kumimoji="1" lang="en-US" altLang="ja-JP" dirty="0"/>
+              <a:t>CI/CD</a:t>
+            </a:r>
+            <a:r>
+              <a:rPr kumimoji="1" lang="ja-JP" altLang="en-US" dirty="0"/>
+              <a:t>ツール</a:t>
+            </a:r>
+            <a:endParaRPr kumimoji="1" lang="en-US" altLang="ja-JP" dirty="0"/>
+          </a:p>
+          <a:p>
+            <a:r>
+              <a:rPr lang="ja-JP" altLang="en-US" dirty="0"/>
+              <a:t>組み込みソフト向けの</a:t>
+            </a:r>
+            <a:r>
+              <a:rPr lang="en-US" altLang="ja-JP" dirty="0"/>
+              <a:t>HW</a:t>
+            </a:r>
+            <a:r>
+              <a:rPr lang="ja-JP" altLang="en-US" dirty="0"/>
+              <a:t>デバッグ支援</a:t>
+            </a:r>
+            <a:endParaRPr lang="en-US" altLang="ja-JP" dirty="0"/>
+          </a:p>
+          <a:p>
+            <a:r>
+              <a:rPr lang="ja-JP" altLang="en-US" dirty="0"/>
+              <a:t>求められる人材（スキル）</a:t>
+            </a:r>
+            <a:endParaRPr kumimoji="1" lang="ja-JP" altLang="en-US" dirty="0"/>
+          </a:p>
+        </p:txBody>
+      </p:sp>
+    </p:spTree>
+    <p:extLst>
+      <p:ext uri="{BB962C8B-B14F-4D97-AF65-F5344CB8AC3E}">
+        <p14:creationId xmlns:p14="http://schemas.microsoft.com/office/powerpoint/2010/main" val="914443687"/>
+      </p:ext>
+    </p:extLst>
+  </p:cSld>
+  <p:clrMapOvr>
+    <a:masterClrMapping/>
+  </p:clrMapOvr>
+</p:sld>
+</file>
+
+<file path=ppt/slides/slide22.xml><?xml version="1.0" encoding="utf-8"?>
+<p:sld xmlns:a="http://schemas.openxmlformats.org/drawingml/2006/main" xmlns:r="http://schemas.openxmlformats.org/officeDocument/2006/relationships" xmlns:p="http://schemas.openxmlformats.org/presentationml/2006/main">
+  <p:cSld>
+    <p:spTree>
+      <p:nvGrpSpPr>
+        <p:cNvPr id="1" name=""/>
+        <p:cNvGrpSpPr/>
+        <p:nvPr/>
+      </p:nvGrpSpPr>
+      <p:grpSpPr>
+        <a:xfrm>
+          <a:off x="0" y="0"/>
+          <a:ext cx="0" cy="0"/>
+          <a:chOff x="0" y="0"/>
+          <a:chExt cx="0" cy="0"/>
+        </a:xfrm>
+      </p:grpSpPr>
+      <p:sp>
+        <p:nvSpPr>
+          <p:cNvPr id="2" name="タイトル 1">
+            <a:extLst>
+              <a:ext uri="{FF2B5EF4-FFF2-40B4-BE49-F238E27FC236}">
+                <a16:creationId xmlns:a16="http://schemas.microsoft.com/office/drawing/2014/main" id="{2FBA4CEF-5BDD-7F2A-C3D4-F640FD17C430}"/>
+              </a:ext>
+            </a:extLst>
+          </p:cNvPr>
+          <p:cNvSpPr>
+            <a:spLocks noGrp="1"/>
+          </p:cNvSpPr>
+          <p:nvPr>
+            <p:ph type="title"/>
+          </p:nvPr>
+        </p:nvSpPr>
+        <p:spPr/>
+        <p:txBody>
+          <a:bodyPr>
+            <a:normAutofit/>
+          </a:bodyPr>
+          <a:lstStyle/>
+          <a:p>
+            <a:r>
+              <a:rPr lang="en-US" altLang="ja-JP" dirty="0"/>
+              <a:t>【</a:t>
+            </a:r>
+            <a:r>
+              <a:rPr lang="ja-JP" altLang="en-US" dirty="0"/>
+              <a:t>補足</a:t>
+            </a:r>
+            <a:r>
+              <a:rPr lang="en-US" altLang="ja-JP" dirty="0"/>
+              <a:t>】</a:t>
+            </a:r>
+            <a:r>
+              <a:rPr kumimoji="1" lang="ja-JP" altLang="en-US" dirty="0"/>
+              <a:t>検討中の課題</a:t>
+            </a:r>
+            <a:br>
+              <a:rPr kumimoji="1" lang="en-US" altLang="ja-JP" dirty="0"/>
+            </a:br>
+            <a:r>
+              <a:rPr kumimoji="1" lang="ja-JP" altLang="en-US" dirty="0"/>
+              <a:t>クラウドプラットフォーム構想</a:t>
+            </a:r>
+          </a:p>
+        </p:txBody>
+      </p:sp>
+      <p:sp>
+        <p:nvSpPr>
+          <p:cNvPr id="3" name="コンテンツ プレースホルダー 2">
+            <a:extLst>
+              <a:ext uri="{FF2B5EF4-FFF2-40B4-BE49-F238E27FC236}">
+                <a16:creationId xmlns:a16="http://schemas.microsoft.com/office/drawing/2014/main" id="{537415A1-151B-6881-89F5-640D3B597FA4}"/>
+              </a:ext>
+            </a:extLst>
+          </p:cNvPr>
+          <p:cNvSpPr>
+            <a:spLocks noGrp="1"/>
+          </p:cNvSpPr>
+          <p:nvPr>
+            <p:ph idx="1"/>
+          </p:nvPr>
+        </p:nvSpPr>
+        <p:spPr/>
+        <p:txBody>
+          <a:bodyPr>
+            <a:normAutofit fontScale="92500" lnSpcReduction="10000"/>
+          </a:bodyPr>
+          <a:lstStyle/>
+          <a:p>
+            <a:r>
+              <a:rPr kumimoji="1" lang="ja-JP" altLang="en-US" dirty="0"/>
+              <a:t>大手のクラウドプラットフォーム（</a:t>
+            </a:r>
+            <a:r>
+              <a:rPr kumimoji="1" lang="en-US" altLang="ja-JP" dirty="0"/>
+              <a:t>AWS/GCP/Azure</a:t>
+            </a:r>
+            <a:r>
+              <a:rPr kumimoji="1" lang="ja-JP" altLang="en-US" dirty="0"/>
+              <a:t>）をベースにするか？</a:t>
+            </a:r>
+            <a:endParaRPr kumimoji="1" lang="en-US" altLang="ja-JP" dirty="0"/>
+          </a:p>
+          <a:p>
+            <a:r>
+              <a:rPr lang="en-US" altLang="ja-JP" dirty="0"/>
+              <a:t>NSCS</a:t>
+            </a:r>
+            <a:r>
+              <a:rPr lang="ja-JP" altLang="en-US" dirty="0"/>
+              <a:t>データセンターに新規で構築するか？</a:t>
+            </a:r>
+            <a:endParaRPr lang="en-US" altLang="ja-JP" dirty="0"/>
+          </a:p>
+          <a:p>
+            <a:endParaRPr kumimoji="1" lang="en-US" altLang="ja-JP" dirty="0"/>
+          </a:p>
+          <a:p>
+            <a:r>
+              <a:rPr lang="ja-JP" altLang="en-US" dirty="0"/>
+              <a:t>構築・運用に伴うコスト比較が必要</a:t>
+            </a:r>
+            <a:endParaRPr lang="en-US" altLang="ja-JP" dirty="0"/>
+          </a:p>
+          <a:p>
+            <a:r>
+              <a:rPr kumimoji="1" lang="ja-JP" altLang="en-US" dirty="0"/>
+              <a:t>外部プラットフォーム利用の場合下記のリスクあり</a:t>
+            </a:r>
+            <a:endParaRPr kumimoji="1" lang="en-US" altLang="ja-JP" dirty="0"/>
+          </a:p>
+          <a:p>
+            <a:r>
+              <a:rPr kumimoji="1" lang="ja-JP" altLang="en-US" dirty="0"/>
+              <a:t>コスト変動</a:t>
+            </a:r>
+            <a:endParaRPr kumimoji="1" lang="en-US" altLang="ja-JP" dirty="0"/>
+          </a:p>
+          <a:p>
+            <a:r>
+              <a:rPr kumimoji="1" lang="ja-JP" altLang="en-US" dirty="0"/>
+              <a:t>ベンダーロックイン</a:t>
+            </a:r>
+            <a:endParaRPr kumimoji="1" lang="en-US" altLang="ja-JP" dirty="0"/>
+          </a:p>
+          <a:p>
+            <a:endParaRPr kumimoji="1" lang="ja-JP" altLang="en-US" dirty="0"/>
+          </a:p>
+        </p:txBody>
+      </p:sp>
+    </p:spTree>
+    <p:extLst>
+      <p:ext uri="{BB962C8B-B14F-4D97-AF65-F5344CB8AC3E}">
+        <p14:creationId xmlns:p14="http://schemas.microsoft.com/office/powerpoint/2010/main" val="3970417287"/>
+      </p:ext>
+    </p:extLst>
+  </p:cSld>
+  <p:clrMapOvr>
+    <a:masterClrMapping/>
+  </p:clrMapOvr>
+</p:sld>
+</file>
+
+<file path=ppt/slides/slide23.xml><?xml version="1.0" encoding="utf-8"?>
+<p:sld xmlns:a="http://schemas.openxmlformats.org/drawingml/2006/main" xmlns:r="http://schemas.openxmlformats.org/officeDocument/2006/relationships" xmlns:p="http://schemas.openxmlformats.org/presentationml/2006/main">
+  <p:cSld>
+    <p:spTree>
+      <p:nvGrpSpPr>
+        <p:cNvPr id="1" name=""/>
+        <p:cNvGrpSpPr/>
+        <p:nvPr/>
+      </p:nvGrpSpPr>
+      <p:grpSpPr>
+        <a:xfrm>
+          <a:off x="0" y="0"/>
+          <a:ext cx="0" cy="0"/>
+          <a:chOff x="0" y="0"/>
+          <a:chExt cx="0" cy="0"/>
+        </a:xfrm>
+      </p:grpSpPr>
+      <p:sp>
+        <p:nvSpPr>
+          <p:cNvPr id="2" name="タイトル 1">
+            <a:extLst>
+              <a:ext uri="{FF2B5EF4-FFF2-40B4-BE49-F238E27FC236}">
+                <a16:creationId xmlns:a16="http://schemas.microsoft.com/office/drawing/2014/main" id="{835F9F06-F497-195D-618B-B910B5781373}"/>
+              </a:ext>
+            </a:extLst>
+          </p:cNvPr>
+          <p:cNvSpPr>
+            <a:spLocks noGrp="1"/>
+          </p:cNvSpPr>
+          <p:nvPr>
+            <p:ph type="title"/>
+          </p:nvPr>
+        </p:nvSpPr>
+        <p:spPr/>
+        <p:txBody>
+          <a:bodyPr>
+            <a:normAutofit/>
+          </a:bodyPr>
+          <a:lstStyle/>
+          <a:p>
+            <a:r>
+              <a:rPr lang="en-US" altLang="ja-JP" dirty="0"/>
+              <a:t>【</a:t>
+            </a:r>
+            <a:r>
+              <a:rPr lang="ja-JP" altLang="en-US" dirty="0"/>
+              <a:t>補足</a:t>
+            </a:r>
+            <a:r>
+              <a:rPr lang="en-US" altLang="ja-JP" dirty="0"/>
+              <a:t>】</a:t>
+            </a:r>
+            <a:r>
+              <a:rPr kumimoji="1" lang="ja-JP" altLang="en-US" dirty="0"/>
+              <a:t>検討中の課題</a:t>
+            </a:r>
+            <a:br>
+              <a:rPr kumimoji="1" lang="en-US" altLang="ja-JP" dirty="0"/>
+            </a:br>
+            <a:r>
+              <a:rPr kumimoji="1" lang="en-US" altLang="ja-JP" dirty="0"/>
+              <a:t>CI/CD</a:t>
+            </a:r>
+            <a:r>
+              <a:rPr kumimoji="1" lang="ja-JP" altLang="en-US" dirty="0"/>
+              <a:t>ツール</a:t>
+            </a:r>
+          </a:p>
+        </p:txBody>
+      </p:sp>
+      <p:sp>
+        <p:nvSpPr>
+          <p:cNvPr id="3" name="コンテンツ プレースホルダー 2">
+            <a:extLst>
+              <a:ext uri="{FF2B5EF4-FFF2-40B4-BE49-F238E27FC236}">
+                <a16:creationId xmlns:a16="http://schemas.microsoft.com/office/drawing/2014/main" id="{280E3F11-1485-ABA9-683D-1181E388E9E8}"/>
+              </a:ext>
+            </a:extLst>
+          </p:cNvPr>
+          <p:cNvSpPr>
+            <a:spLocks noGrp="1"/>
+          </p:cNvSpPr>
+          <p:nvPr>
+            <p:ph idx="1"/>
+          </p:nvPr>
+        </p:nvSpPr>
+        <p:spPr/>
+        <p:txBody>
+          <a:bodyPr/>
+          <a:lstStyle/>
+          <a:p>
+            <a:r>
+              <a:rPr lang="en-US" altLang="ja-JP" dirty="0"/>
+              <a:t>CI/CD</a:t>
+            </a:r>
+            <a:r>
+              <a:rPr lang="ja-JP" altLang="en-US" dirty="0"/>
+              <a:t>ツール選定</a:t>
+            </a:r>
+            <a:r>
+              <a:rPr lang="en-US" altLang="ja-JP" dirty="0"/>
+              <a:t>+</a:t>
+            </a:r>
+            <a:r>
+              <a:rPr lang="ja-JP" altLang="en-US" dirty="0"/>
+              <a:t>組み合わせ</a:t>
+            </a:r>
+            <a:endParaRPr lang="en-US" altLang="ja-JP" dirty="0"/>
+          </a:p>
+          <a:p>
+            <a:r>
+              <a:rPr lang="en-US" altLang="ja-JP" dirty="0"/>
+              <a:t>SCM/</a:t>
+            </a:r>
+            <a:r>
+              <a:rPr lang="ja-JP" altLang="en-US" dirty="0"/>
+              <a:t>ビルド</a:t>
+            </a:r>
+            <a:r>
+              <a:rPr lang="en-US" altLang="ja-JP" dirty="0"/>
+              <a:t>/</a:t>
+            </a:r>
+            <a:r>
+              <a:rPr lang="ja-JP" altLang="en-US" dirty="0"/>
+              <a:t>静的解析</a:t>
+            </a:r>
+            <a:r>
+              <a:rPr lang="en-US" altLang="ja-JP" dirty="0"/>
+              <a:t>/</a:t>
+            </a:r>
+            <a:r>
+              <a:rPr lang="ja-JP" altLang="en-US" dirty="0"/>
+              <a:t>リリース</a:t>
+            </a:r>
+            <a:endParaRPr lang="en-US" altLang="ja-JP" dirty="0"/>
+          </a:p>
+          <a:p>
+            <a:r>
+              <a:rPr lang="en-US" altLang="ja-JP" dirty="0"/>
+              <a:t>G</a:t>
+            </a:r>
+            <a:r>
+              <a:rPr kumimoji="1" lang="en-US" altLang="ja-JP" dirty="0"/>
+              <a:t>it</a:t>
+            </a:r>
+            <a:r>
+              <a:rPr kumimoji="1" lang="ja-JP" altLang="en-US" dirty="0"/>
+              <a:t>ホスティングサービス（</a:t>
+            </a:r>
+            <a:r>
+              <a:rPr kumimoji="1" lang="en-US" altLang="ja-JP" dirty="0"/>
+              <a:t>GitHub/Bitbucket</a:t>
+            </a:r>
+            <a:r>
+              <a:rPr kumimoji="1" lang="ja-JP" altLang="en-US" dirty="0"/>
+              <a:t>）</a:t>
+            </a:r>
+            <a:endParaRPr kumimoji="1" lang="en-US" altLang="ja-JP" dirty="0"/>
+          </a:p>
+          <a:p>
+            <a:r>
+              <a:rPr kumimoji="1" lang="en-US" altLang="ja-JP" dirty="0"/>
+              <a:t>CI/CD</a:t>
+            </a:r>
+            <a:r>
+              <a:rPr kumimoji="1" lang="ja-JP" altLang="en-US" dirty="0"/>
+              <a:t>ツール（</a:t>
+            </a:r>
+            <a:r>
+              <a:rPr kumimoji="1" lang="en-US" altLang="ja-JP" dirty="0" err="1"/>
+              <a:t>CircleCI</a:t>
+            </a:r>
+            <a:r>
+              <a:rPr kumimoji="1" lang="en-US" altLang="ja-JP" dirty="0"/>
+              <a:t>/Jenkins</a:t>
+            </a:r>
+            <a:r>
+              <a:rPr kumimoji="1" lang="ja-JP" altLang="en-US" dirty="0"/>
+              <a:t>）</a:t>
+            </a:r>
+          </a:p>
+        </p:txBody>
+      </p:sp>
+    </p:spTree>
+    <p:extLst>
+      <p:ext uri="{BB962C8B-B14F-4D97-AF65-F5344CB8AC3E}">
+        <p14:creationId xmlns:p14="http://schemas.microsoft.com/office/powerpoint/2010/main" val="268986680"/>
+      </p:ext>
+    </p:extLst>
+  </p:cSld>
+  <p:clrMapOvr>
+    <a:masterClrMapping/>
+  </p:clrMapOvr>
+</p:sld>
+</file>
+
+<file path=ppt/slides/slide24.xml><?xml version="1.0" encoding="utf-8"?>
+<p:sld xmlns:a="http://schemas.openxmlformats.org/drawingml/2006/main" xmlns:r="http://schemas.openxmlformats.org/officeDocument/2006/relationships" xmlns:p="http://schemas.openxmlformats.org/presentationml/2006/main">
+  <p:cSld>
+    <p:spTree>
+      <p:nvGrpSpPr>
+        <p:cNvPr id="1" name=""/>
+        <p:cNvGrpSpPr/>
+        <p:nvPr/>
+      </p:nvGrpSpPr>
+      <p:grpSpPr>
+        <a:xfrm>
+          <a:off x="0" y="0"/>
+          <a:ext cx="0" cy="0"/>
+          <a:chOff x="0" y="0"/>
+          <a:chExt cx="0" cy="0"/>
+        </a:xfrm>
+      </p:grpSpPr>
+      <p:sp>
+        <p:nvSpPr>
+          <p:cNvPr id="2" name="タイトル 1">
+            <a:extLst>
+              <a:ext uri="{FF2B5EF4-FFF2-40B4-BE49-F238E27FC236}">
+                <a16:creationId xmlns:a16="http://schemas.microsoft.com/office/drawing/2014/main" id="{835F9F06-F497-195D-618B-B910B5781373}"/>
+              </a:ext>
+            </a:extLst>
+          </p:cNvPr>
+          <p:cNvSpPr>
+            <a:spLocks noGrp="1"/>
+          </p:cNvSpPr>
+          <p:nvPr>
+            <p:ph type="title"/>
+          </p:nvPr>
+        </p:nvSpPr>
+        <p:spPr/>
+        <p:txBody>
+          <a:bodyPr>
+            <a:normAutofit/>
+          </a:bodyPr>
+          <a:lstStyle/>
+          <a:p>
+            <a:r>
+              <a:rPr lang="en-US" altLang="ja-JP" dirty="0"/>
+              <a:t>【</a:t>
+            </a:r>
+            <a:r>
+              <a:rPr lang="ja-JP" altLang="en-US" dirty="0"/>
+              <a:t>補足</a:t>
+            </a:r>
+            <a:r>
+              <a:rPr lang="en-US" altLang="ja-JP" dirty="0"/>
+              <a:t>】</a:t>
+            </a:r>
+            <a:r>
+              <a:rPr kumimoji="1" lang="ja-JP" altLang="en-US" dirty="0"/>
+              <a:t>検討中の課題</a:t>
+            </a:r>
+            <a:br>
+              <a:rPr kumimoji="1" lang="en-US" altLang="ja-JP" dirty="0"/>
+            </a:br>
+            <a:r>
+              <a:rPr lang="ja-JP" altLang="en-US" dirty="0"/>
+              <a:t>組み込みソフト向けの</a:t>
+            </a:r>
+            <a:r>
+              <a:rPr lang="en-US" altLang="ja-JP" dirty="0"/>
+              <a:t>HW</a:t>
+            </a:r>
+            <a:r>
+              <a:rPr lang="ja-JP" altLang="en-US" dirty="0"/>
+              <a:t>デバッグ支援</a:t>
+            </a:r>
+            <a:endParaRPr kumimoji="1" lang="ja-JP" altLang="en-US" dirty="0"/>
+          </a:p>
+        </p:txBody>
+      </p:sp>
+      <p:sp>
+        <p:nvSpPr>
+          <p:cNvPr id="3" name="コンテンツ プレースホルダー 2">
+            <a:extLst>
+              <a:ext uri="{FF2B5EF4-FFF2-40B4-BE49-F238E27FC236}">
+                <a16:creationId xmlns:a16="http://schemas.microsoft.com/office/drawing/2014/main" id="{280E3F11-1485-ABA9-683D-1181E388E9E8}"/>
+              </a:ext>
+            </a:extLst>
+          </p:cNvPr>
+          <p:cNvSpPr>
+            <a:spLocks noGrp="1"/>
+          </p:cNvSpPr>
+          <p:nvPr>
+            <p:ph idx="1"/>
+          </p:nvPr>
+        </p:nvSpPr>
+        <p:spPr/>
+        <p:txBody>
+          <a:bodyPr/>
+          <a:lstStyle/>
+          <a:p>
+            <a:r>
+              <a:rPr kumimoji="1" lang="en-US" altLang="ja-JP" dirty="0"/>
+              <a:t>HW</a:t>
+            </a:r>
+            <a:r>
+              <a:rPr kumimoji="1" lang="ja-JP" altLang="en-US" dirty="0"/>
+              <a:t>デバッグツールのリモート操作</a:t>
+            </a:r>
+            <a:endParaRPr kumimoji="1" lang="en-US" altLang="ja-JP" dirty="0"/>
+          </a:p>
+          <a:p>
+            <a:r>
+              <a:rPr lang="ja-JP" altLang="en-US" dirty="0"/>
+              <a:t>安定化電源</a:t>
+            </a:r>
+            <a:endParaRPr kumimoji="1" lang="en-US" altLang="ja-JP" dirty="0"/>
+          </a:p>
+          <a:p>
+            <a:r>
+              <a:rPr lang="en-US" altLang="ja-JP" dirty="0"/>
+              <a:t>ROM</a:t>
+            </a:r>
+            <a:r>
+              <a:rPr lang="ja-JP" altLang="en-US" dirty="0"/>
+              <a:t>書き込みツール</a:t>
+            </a:r>
+            <a:endParaRPr kumimoji="1" lang="en-US" altLang="ja-JP" dirty="0"/>
+          </a:p>
+          <a:p>
+            <a:r>
+              <a:rPr kumimoji="1" lang="ja-JP" altLang="en-US" dirty="0"/>
+              <a:t>実機（デバッグボード）</a:t>
+            </a:r>
+            <a:endParaRPr kumimoji="1" lang="en-US" altLang="ja-JP" dirty="0"/>
+          </a:p>
+          <a:p>
+            <a:r>
+              <a:rPr kumimoji="1" lang="en-US" altLang="ja-JP" dirty="0"/>
+              <a:t>CANalyzer/</a:t>
+            </a:r>
+            <a:r>
+              <a:rPr kumimoji="1" lang="en-US" altLang="ja-JP" dirty="0" err="1"/>
+              <a:t>RAMScope</a:t>
+            </a:r>
+            <a:r>
+              <a:rPr kumimoji="1" lang="ja-JP" altLang="en-US" dirty="0"/>
+              <a:t>等の通信計測機材</a:t>
+            </a:r>
+            <a:endParaRPr kumimoji="1" lang="en-US" altLang="ja-JP" dirty="0"/>
+          </a:p>
+          <a:p>
+            <a:endParaRPr kumimoji="1" lang="ja-JP" altLang="en-US" dirty="0"/>
+          </a:p>
+        </p:txBody>
+      </p:sp>
+    </p:spTree>
+    <p:extLst>
+      <p:ext uri="{BB962C8B-B14F-4D97-AF65-F5344CB8AC3E}">
+        <p14:creationId xmlns:p14="http://schemas.microsoft.com/office/powerpoint/2010/main" val="3793182398"/>
+      </p:ext>
+    </p:extLst>
+  </p:cSld>
+  <p:clrMapOvr>
+    <a:masterClrMapping/>
+  </p:clrMapOvr>
+</p:sld>
+</file>
+
+<file path=ppt/slides/slide25.xml><?xml version="1.0" encoding="utf-8"?>
+<p:sld xmlns:a="http://schemas.openxmlformats.org/drawingml/2006/main" xmlns:r="http://schemas.openxmlformats.org/officeDocument/2006/relationships" xmlns:p="http://schemas.openxmlformats.org/presentationml/2006/main">
+  <p:cSld>
+    <p:spTree>
+      <p:nvGrpSpPr>
+        <p:cNvPr id="1" name=""/>
+        <p:cNvGrpSpPr/>
+        <p:nvPr/>
+      </p:nvGrpSpPr>
+      <p:grpSpPr>
+        <a:xfrm>
+          <a:off x="0" y="0"/>
+          <a:ext cx="0" cy="0"/>
+          <a:chOff x="0" y="0"/>
+          <a:chExt cx="0" cy="0"/>
+        </a:xfrm>
+      </p:grpSpPr>
+      <p:sp>
+        <p:nvSpPr>
+          <p:cNvPr id="2" name="タイトル 1">
+            <a:extLst>
+              <a:ext uri="{FF2B5EF4-FFF2-40B4-BE49-F238E27FC236}">
+                <a16:creationId xmlns:a16="http://schemas.microsoft.com/office/drawing/2014/main" id="{835F9F06-F497-195D-618B-B910B5781373}"/>
+              </a:ext>
+            </a:extLst>
+          </p:cNvPr>
+          <p:cNvSpPr>
+            <a:spLocks noGrp="1"/>
+          </p:cNvSpPr>
+          <p:nvPr>
+            <p:ph type="title"/>
+          </p:nvPr>
+        </p:nvSpPr>
+        <p:spPr/>
+        <p:txBody>
+          <a:bodyPr>
+            <a:normAutofit fontScale="90000"/>
+          </a:bodyPr>
+          <a:lstStyle/>
+          <a:p>
+            <a:r>
+              <a:rPr lang="en-US" altLang="ja-JP" dirty="0"/>
+              <a:t>【</a:t>
+            </a:r>
+            <a:r>
+              <a:rPr lang="ja-JP" altLang="en-US" dirty="0"/>
+              <a:t>補足</a:t>
+            </a:r>
+            <a:r>
+              <a:rPr lang="en-US" altLang="ja-JP" dirty="0"/>
+              <a:t>】</a:t>
+            </a:r>
+            <a:r>
+              <a:rPr kumimoji="1" lang="ja-JP" altLang="en-US" dirty="0"/>
+              <a:t>検討中の課題</a:t>
+            </a:r>
+            <a:br>
+              <a:rPr kumimoji="1" lang="en-US" altLang="ja-JP" dirty="0"/>
+            </a:br>
+            <a:r>
+              <a:rPr lang="ja-JP" altLang="en-US" dirty="0"/>
+              <a:t>求められる人材（スキル）</a:t>
+            </a:r>
+            <a:br>
+              <a:rPr lang="en-US" altLang="ja-JP" dirty="0"/>
+            </a:br>
+            <a:endParaRPr kumimoji="1" lang="ja-JP" altLang="en-US" dirty="0"/>
+          </a:p>
+        </p:txBody>
+      </p:sp>
+      <p:sp>
+        <p:nvSpPr>
+          <p:cNvPr id="3" name="コンテンツ プレースホルダー 2">
+            <a:extLst>
+              <a:ext uri="{FF2B5EF4-FFF2-40B4-BE49-F238E27FC236}">
+                <a16:creationId xmlns:a16="http://schemas.microsoft.com/office/drawing/2014/main" id="{280E3F11-1485-ABA9-683D-1181E388E9E8}"/>
+              </a:ext>
+            </a:extLst>
+          </p:cNvPr>
+          <p:cNvSpPr>
+            <a:spLocks noGrp="1"/>
+          </p:cNvSpPr>
+          <p:nvPr>
+            <p:ph idx="1"/>
+          </p:nvPr>
+        </p:nvSpPr>
+        <p:spPr/>
+        <p:txBody>
+          <a:bodyPr>
+            <a:normAutofit/>
+          </a:bodyPr>
+          <a:lstStyle/>
+          <a:p>
+            <a:r>
+              <a:rPr kumimoji="1" lang="en-US" altLang="ja-JP" dirty="0"/>
+              <a:t>Web</a:t>
+            </a:r>
+            <a:r>
+              <a:rPr kumimoji="1" lang="ja-JP" altLang="en-US" dirty="0"/>
+              <a:t>サーバ</a:t>
+            </a:r>
+            <a:endParaRPr lang="en-US" altLang="ja-JP" dirty="0"/>
+          </a:p>
+          <a:p>
+            <a:r>
+              <a:rPr kumimoji="1" lang="en-US" altLang="ja-JP" dirty="0"/>
+              <a:t>CI/CD</a:t>
+            </a:r>
+            <a:r>
+              <a:rPr kumimoji="1" lang="ja-JP" altLang="en-US" dirty="0"/>
+              <a:t>ツール</a:t>
+            </a:r>
+            <a:endParaRPr kumimoji="1" lang="en-US" altLang="ja-JP" dirty="0"/>
+          </a:p>
+          <a:p>
+            <a:r>
+              <a:rPr lang="ja-JP" altLang="en-US" dirty="0"/>
+              <a:t>マイコン</a:t>
+            </a:r>
+            <a:r>
+              <a:rPr lang="en-US" altLang="ja-JP" dirty="0"/>
+              <a:t>/</a:t>
+            </a:r>
+            <a:r>
+              <a:rPr kumimoji="1" lang="ja-JP" altLang="en-US" dirty="0"/>
+              <a:t>コンパイラ</a:t>
+            </a:r>
+            <a:r>
+              <a:rPr kumimoji="1" lang="en-US" altLang="ja-JP" dirty="0"/>
+              <a:t>/</a:t>
+            </a:r>
+            <a:r>
+              <a:rPr lang="en-US" altLang="ja-JP" dirty="0"/>
+              <a:t>HW</a:t>
+            </a:r>
+            <a:r>
+              <a:rPr lang="ja-JP" altLang="en-US" dirty="0"/>
+              <a:t>デバッグツール</a:t>
+            </a:r>
+            <a:endParaRPr kumimoji="1" lang="en-US" altLang="ja-JP" dirty="0"/>
+          </a:p>
+          <a:p>
+            <a:r>
+              <a:rPr lang="en-US" altLang="ja-JP" dirty="0"/>
+              <a:t>IDE</a:t>
+            </a:r>
+            <a:endParaRPr kumimoji="1" lang="en-US" altLang="ja-JP" dirty="0"/>
+          </a:p>
+          <a:p>
+            <a:r>
+              <a:rPr kumimoji="1" lang="en-US" altLang="ja-JP" dirty="0"/>
+              <a:t>Web</a:t>
+            </a:r>
+            <a:r>
+              <a:rPr kumimoji="1" lang="ja-JP" altLang="en-US" dirty="0"/>
+              <a:t>アプリ（リモート操作</a:t>
+            </a:r>
+            <a:r>
+              <a:rPr kumimoji="1" lang="en-US" altLang="ja-JP" dirty="0"/>
+              <a:t>/</a:t>
+            </a:r>
+            <a:r>
+              <a:rPr kumimoji="1" lang="ja-JP" altLang="en-US" dirty="0"/>
+              <a:t>シミュレータ）</a:t>
+            </a:r>
+          </a:p>
+        </p:txBody>
+      </p:sp>
+    </p:spTree>
+    <p:extLst>
+      <p:ext uri="{BB962C8B-B14F-4D97-AF65-F5344CB8AC3E}">
+        <p14:creationId xmlns:p14="http://schemas.microsoft.com/office/powerpoint/2010/main" val="2891226258"/>
+      </p:ext>
+    </p:extLst>
+  </p:cSld>
+  <p:clrMapOvr>
+    <a:masterClrMapping/>
+  </p:clrMapOvr>
+</p:sld>
+</file>
+
+<file path=ppt/slides/slide26.xml><?xml version="1.0" encoding="utf-8"?>
+<p:sld xmlns:a="http://schemas.openxmlformats.org/drawingml/2006/main" xmlns:r="http://schemas.openxmlformats.org/officeDocument/2006/relationships" xmlns:p="http://schemas.openxmlformats.org/presentationml/2006/main">
+  <p:cSld>
+    <p:spTree>
+      <p:nvGrpSpPr>
+        <p:cNvPr id="1" name=""/>
+        <p:cNvGrpSpPr/>
+        <p:nvPr/>
+      </p:nvGrpSpPr>
+      <p:grpSpPr>
+        <a:xfrm>
+          <a:off x="0" y="0"/>
+          <a:ext cx="0" cy="0"/>
+          <a:chOff x="0" y="0"/>
+          <a:chExt cx="0" cy="0"/>
+        </a:xfrm>
+      </p:grpSpPr>
+      <p:sp>
+        <p:nvSpPr>
+          <p:cNvPr id="2" name="タイトル 1">
+            <a:extLst>
+              <a:ext uri="{FF2B5EF4-FFF2-40B4-BE49-F238E27FC236}">
+                <a16:creationId xmlns:a16="http://schemas.microsoft.com/office/drawing/2014/main" id="{7E43A377-1997-E908-8E34-0FA889D9EA07}"/>
+              </a:ext>
+            </a:extLst>
+          </p:cNvPr>
+          <p:cNvSpPr>
+            <a:spLocks noGrp="1"/>
+          </p:cNvSpPr>
+          <p:nvPr>
+            <p:ph type="title"/>
+          </p:nvPr>
+        </p:nvSpPr>
+        <p:spPr/>
+        <p:txBody>
+          <a:bodyPr/>
+          <a:lstStyle/>
+          <a:p>
+            <a:r>
+              <a:rPr kumimoji="1" lang="ja-JP" altLang="en-US" dirty="0"/>
+              <a:t>イメージ</a:t>
+            </a:r>
+          </a:p>
+        </p:txBody>
+      </p:sp>
+      <p:pic>
+        <p:nvPicPr>
+          <p:cNvPr id="11" name="コンテンツ プレースホルダー 10">
+            <a:extLst>
+              <a:ext uri="{FF2B5EF4-FFF2-40B4-BE49-F238E27FC236}">
+                <a16:creationId xmlns:a16="http://schemas.microsoft.com/office/drawing/2014/main" id="{BCD7B1A1-9307-F6B6-6E74-22D2D2BE4F44}"/>
+              </a:ext>
+            </a:extLst>
+          </p:cNvPr>
+          <p:cNvPicPr>
+            <a:picLocks noGrp="1" noChangeAspect="1"/>
+          </p:cNvPicPr>
+          <p:nvPr>
+            <p:ph idx="1"/>
+          </p:nvPr>
+        </p:nvPicPr>
+        <p:blipFill>
+          <a:blip r:embed="rId2">
+            <a:extLst>
+              <a:ext uri="{96DAC541-7B7A-43D3-8B79-37D633B846F1}">
+                <asvg:svgBlip xmlns:asvg="http://schemas.microsoft.com/office/drawing/2016/SVG/main" r:embed="rId3"/>
+              </a:ext>
+            </a:extLst>
+          </a:blip>
+          <a:stretch>
+            <a:fillRect/>
+          </a:stretch>
+        </p:blipFill>
+        <p:spPr>
+          <a:xfrm>
+            <a:off x="2743200" y="2237906"/>
+            <a:ext cx="4754188" cy="678897"/>
+          </a:xfrm>
+        </p:spPr>
+      </p:pic>
+      <p:pic>
+        <p:nvPicPr>
+          <p:cNvPr id="15" name="図 14" descr="ロゴ&#10;&#10;自動的に生成された説明">
+            <a:extLst>
+              <a:ext uri="{FF2B5EF4-FFF2-40B4-BE49-F238E27FC236}">
+                <a16:creationId xmlns:a16="http://schemas.microsoft.com/office/drawing/2014/main" id="{38CDAFB7-8D10-82E7-5B39-040523AB6577}"/>
+              </a:ext>
+            </a:extLst>
+          </p:cNvPr>
+          <p:cNvPicPr>
+            <a:picLocks noChangeAspect="1"/>
+          </p:cNvPicPr>
+          <p:nvPr/>
+        </p:nvPicPr>
+        <p:blipFill>
+          <a:blip r:embed="rId4"/>
+          <a:stretch>
+            <a:fillRect/>
+          </a:stretch>
+        </p:blipFill>
+        <p:spPr>
+          <a:xfrm>
+            <a:off x="5894422" y="956918"/>
+            <a:ext cx="2958353" cy="1479177"/>
+          </a:xfrm>
+          <a:prstGeom prst="rect">
+            <a:avLst/>
+          </a:prstGeom>
+        </p:spPr>
+      </p:pic>
+      <p:pic>
+        <p:nvPicPr>
+          <p:cNvPr id="19" name="グラフィックス 18">
+            <a:extLst>
+              <a:ext uri="{FF2B5EF4-FFF2-40B4-BE49-F238E27FC236}">
+                <a16:creationId xmlns:a16="http://schemas.microsoft.com/office/drawing/2014/main" id="{0A3BE4DE-5717-1B7B-43CC-1A43B072403F}"/>
+              </a:ext>
+            </a:extLst>
+          </p:cNvPr>
+          <p:cNvPicPr>
+            <a:picLocks noChangeAspect="1"/>
+          </p:cNvPicPr>
+          <p:nvPr/>
+        </p:nvPicPr>
+        <p:blipFill>
+          <a:blip r:embed="rId5">
+            <a:extLst>
+              <a:ext uri="{96DAC541-7B7A-43D3-8B79-37D633B846F1}">
+                <asvg:svgBlip xmlns:asvg="http://schemas.microsoft.com/office/drawing/2016/SVG/main" r:embed="rId6"/>
+              </a:ext>
+            </a:extLst>
+          </a:blip>
+          <a:stretch>
+            <a:fillRect/>
+          </a:stretch>
+        </p:blipFill>
+        <p:spPr>
+          <a:xfrm>
+            <a:off x="4711210" y="3594818"/>
+            <a:ext cx="1148508" cy="1585551"/>
+          </a:xfrm>
+          <a:prstGeom prst="rect">
+            <a:avLst/>
+          </a:prstGeom>
+        </p:spPr>
+      </p:pic>
+      <p:pic>
+        <p:nvPicPr>
+          <p:cNvPr id="23" name="グラフィックス 22">
+            <a:extLst>
+              <a:ext uri="{FF2B5EF4-FFF2-40B4-BE49-F238E27FC236}">
+                <a16:creationId xmlns:a16="http://schemas.microsoft.com/office/drawing/2014/main" id="{7EBC7E7B-5FC4-5F6C-E151-1E1DC7551432}"/>
+              </a:ext>
+            </a:extLst>
+          </p:cNvPr>
+          <p:cNvPicPr>
+            <a:picLocks noChangeAspect="1"/>
+          </p:cNvPicPr>
+          <p:nvPr/>
+        </p:nvPicPr>
+        <p:blipFill>
+          <a:blip r:embed="rId7">
+            <a:extLst>
+              <a:ext uri="{96DAC541-7B7A-43D3-8B79-37D633B846F1}">
+                <asvg:svgBlip xmlns:asvg="http://schemas.microsoft.com/office/drawing/2016/SVG/main" r:embed="rId8"/>
+              </a:ext>
+            </a:extLst>
+          </a:blip>
+          <a:stretch>
+            <a:fillRect/>
+          </a:stretch>
+        </p:blipFill>
+        <p:spPr>
+          <a:xfrm>
+            <a:off x="7236849" y="3057621"/>
+            <a:ext cx="933450" cy="914400"/>
+          </a:xfrm>
+          <a:prstGeom prst="rect">
+            <a:avLst/>
+          </a:prstGeom>
+        </p:spPr>
+      </p:pic>
+      <p:pic>
+        <p:nvPicPr>
+          <p:cNvPr id="25" name="図 24" descr="テキスト が含まれている画像&#10;&#10;自動的に生成された説明">
+            <a:extLst>
+              <a:ext uri="{FF2B5EF4-FFF2-40B4-BE49-F238E27FC236}">
+                <a16:creationId xmlns:a16="http://schemas.microsoft.com/office/drawing/2014/main" id="{1F3313AE-2C24-5568-C8DE-67D9398546D2}"/>
+              </a:ext>
+            </a:extLst>
+          </p:cNvPr>
+          <p:cNvPicPr>
+            <a:picLocks noChangeAspect="1"/>
+          </p:cNvPicPr>
+          <p:nvPr/>
+        </p:nvPicPr>
+        <p:blipFill>
+          <a:blip r:embed="rId9"/>
+          <a:stretch>
+            <a:fillRect/>
+          </a:stretch>
+        </p:blipFill>
+        <p:spPr>
+          <a:xfrm>
+            <a:off x="6434835" y="3815443"/>
+            <a:ext cx="2958354" cy="1212925"/>
+          </a:xfrm>
+          <a:prstGeom prst="rect">
+            <a:avLst/>
+          </a:prstGeom>
+        </p:spPr>
+      </p:pic>
+      <p:pic>
+        <p:nvPicPr>
+          <p:cNvPr id="27" name="グラフィックス 26">
+            <a:extLst>
+              <a:ext uri="{FF2B5EF4-FFF2-40B4-BE49-F238E27FC236}">
+                <a16:creationId xmlns:a16="http://schemas.microsoft.com/office/drawing/2014/main" id="{62A954EF-4089-C4F0-4CD4-4C0989969A2C}"/>
+              </a:ext>
+            </a:extLst>
+          </p:cNvPr>
+          <p:cNvPicPr>
+            <a:picLocks noChangeAspect="1"/>
+          </p:cNvPicPr>
+          <p:nvPr/>
+        </p:nvPicPr>
+        <p:blipFill>
+          <a:blip r:embed="rId10">
+            <a:extLst>
+              <a:ext uri="{96DAC541-7B7A-43D3-8B79-37D633B846F1}">
+                <asvg:svgBlip xmlns:asvg="http://schemas.microsoft.com/office/drawing/2016/SVG/main" r:embed="rId11"/>
+              </a:ext>
+            </a:extLst>
+          </a:blip>
+          <a:stretch>
+            <a:fillRect/>
+          </a:stretch>
+        </p:blipFill>
+        <p:spPr>
+          <a:xfrm>
+            <a:off x="5334000" y="3276600"/>
+            <a:ext cx="1524000" cy="304800"/>
+          </a:xfrm>
+          <a:prstGeom prst="rect">
+            <a:avLst/>
+          </a:prstGeom>
+        </p:spPr>
+      </p:pic>
+    </p:spTree>
+    <p:extLst>
+      <p:ext uri="{BB962C8B-B14F-4D97-AF65-F5344CB8AC3E}">
+        <p14:creationId xmlns:p14="http://schemas.microsoft.com/office/powerpoint/2010/main" val="2288457545"/>
+      </p:ext>
+    </p:extLst>
+  </p:cSld>
+  <p:clrMapOvr>
+    <a:masterClrMapping/>
+  </p:clrMapOvr>
+</p:sld>
+</file>
+
 <file path=ppt/slides/slide3.xml><?xml version="1.0" encoding="utf-8"?>
+<p:sld xmlns:a="http://schemas.openxmlformats.org/drawingml/2006/main" xmlns:r="http://schemas.openxmlformats.org/officeDocument/2006/relationships" xmlns:p="http://schemas.openxmlformats.org/presentationml/2006/main">
+  <p:cSld>
+    <p:spTree>
+      <p:nvGrpSpPr>
+        <p:cNvPr id="1" name=""/>
+        <p:cNvGrpSpPr/>
+        <p:nvPr/>
+      </p:nvGrpSpPr>
+      <p:grpSpPr>
+        <a:xfrm>
+          <a:off x="0" y="0"/>
+          <a:ext cx="0" cy="0"/>
+          <a:chOff x="0" y="0"/>
+          <a:chExt cx="0" cy="0"/>
+        </a:xfrm>
+      </p:grpSpPr>
+      <p:sp>
+        <p:nvSpPr>
+          <p:cNvPr id="2" name="タイトル 1">
+            <a:extLst>
+              <a:ext uri="{FF2B5EF4-FFF2-40B4-BE49-F238E27FC236}">
+                <a16:creationId xmlns:a16="http://schemas.microsoft.com/office/drawing/2014/main" id="{17DACBDD-ABE1-2B5C-CC8D-34204093AF99}"/>
+              </a:ext>
+            </a:extLst>
+          </p:cNvPr>
+          <p:cNvSpPr>
+            <a:spLocks noGrp="1"/>
+          </p:cNvSpPr>
+          <p:nvPr>
+            <p:ph type="title"/>
+          </p:nvPr>
+        </p:nvSpPr>
+        <p:spPr/>
+        <p:txBody>
+          <a:bodyPr/>
+          <a:lstStyle/>
+          <a:p>
+            <a:r>
+              <a:rPr kumimoji="1" lang="ja-JP" altLang="en-US" dirty="0"/>
+              <a:t>目次</a:t>
+            </a:r>
+          </a:p>
+        </p:txBody>
+      </p:sp>
+      <p:sp>
+        <p:nvSpPr>
+          <p:cNvPr id="3" name="コンテンツ プレースホルダー 2">
+            <a:extLst>
+              <a:ext uri="{FF2B5EF4-FFF2-40B4-BE49-F238E27FC236}">
+                <a16:creationId xmlns:a16="http://schemas.microsoft.com/office/drawing/2014/main" id="{A91867B7-9CBF-908B-84EE-E9B4515F1C17}"/>
+              </a:ext>
+            </a:extLst>
+          </p:cNvPr>
+          <p:cNvSpPr>
+            <a:spLocks noGrp="1"/>
+          </p:cNvSpPr>
+          <p:nvPr>
+            <p:ph idx="1"/>
+          </p:nvPr>
+        </p:nvSpPr>
+        <p:spPr/>
+        <p:txBody>
+          <a:bodyPr>
+            <a:normAutofit fontScale="92500" lnSpcReduction="10000"/>
+          </a:bodyPr>
+          <a:lstStyle/>
+          <a:p>
+            <a:r>
+              <a:rPr kumimoji="1" lang="ja-JP" altLang="en-US" dirty="0">
+                <a:solidFill>
+                  <a:srgbClr val="FF0000"/>
+                </a:solidFill>
+              </a:rPr>
+              <a:t>ビジネスアイディア考案の背景</a:t>
+            </a:r>
+            <a:endParaRPr kumimoji="1" lang="en-US" altLang="ja-JP" dirty="0">
+              <a:solidFill>
+                <a:srgbClr val="FF0000"/>
+              </a:solidFill>
+            </a:endParaRPr>
+          </a:p>
+          <a:p>
+            <a:r>
+              <a:rPr kumimoji="1" lang="ja-JP" altLang="en-US" dirty="0"/>
+              <a:t>ソフトウェア開発と関連する社会的</a:t>
+            </a:r>
+            <a:r>
+              <a:rPr kumimoji="1" lang="en-US" altLang="ja-JP" dirty="0"/>
+              <a:t>MISSION</a:t>
+            </a:r>
+          </a:p>
+          <a:p>
+            <a:r>
+              <a:rPr lang="ja-JP" altLang="en-US" dirty="0"/>
+              <a:t>ビジネスアイディアの概要</a:t>
+            </a:r>
+            <a:endParaRPr lang="en-US" altLang="ja-JP" dirty="0"/>
+          </a:p>
+          <a:p>
+            <a:r>
+              <a:rPr kumimoji="1" lang="ja-JP" altLang="en-US" dirty="0"/>
+              <a:t>ターゲット市場</a:t>
+            </a:r>
+            <a:endParaRPr kumimoji="1" lang="en-US" altLang="ja-JP" dirty="0"/>
+          </a:p>
+          <a:p>
+            <a:r>
+              <a:rPr lang="ja-JP" altLang="en-US" dirty="0"/>
+              <a:t>効果</a:t>
+            </a:r>
+            <a:r>
+              <a:rPr kumimoji="1" lang="ja-JP" altLang="en-US" dirty="0"/>
+              <a:t>（顧客側のメリット）</a:t>
+            </a:r>
+            <a:endParaRPr kumimoji="1" lang="en-US" altLang="ja-JP" dirty="0"/>
+          </a:p>
+          <a:p>
+            <a:r>
+              <a:rPr lang="ja-JP" altLang="en-US" dirty="0"/>
+              <a:t>効果</a:t>
+            </a:r>
+            <a:r>
+              <a:rPr kumimoji="1" lang="ja-JP" altLang="en-US" dirty="0"/>
+              <a:t>（</a:t>
+            </a:r>
+            <a:r>
+              <a:rPr kumimoji="1" lang="en-US" altLang="ja-JP" dirty="0"/>
+              <a:t>NSCS</a:t>
+            </a:r>
+            <a:r>
+              <a:rPr kumimoji="1" lang="ja-JP" altLang="en-US" dirty="0"/>
+              <a:t>側のメリット）</a:t>
+            </a:r>
+            <a:endParaRPr lang="en-US" altLang="ja-JP" dirty="0"/>
+          </a:p>
+          <a:p>
+            <a:r>
+              <a:rPr kumimoji="1" lang="en-US" altLang="ja-JP" dirty="0"/>
+              <a:t>【</a:t>
+            </a:r>
+            <a:r>
+              <a:rPr kumimoji="1" lang="ja-JP" altLang="en-US" dirty="0"/>
+              <a:t>参考</a:t>
+            </a:r>
+            <a:r>
+              <a:rPr kumimoji="1" lang="en-US" altLang="ja-JP" dirty="0"/>
+              <a:t>】</a:t>
+            </a:r>
+            <a:r>
+              <a:rPr kumimoji="1" lang="ja-JP" altLang="en-US" dirty="0"/>
+              <a:t>他社競合サービス</a:t>
+            </a:r>
+          </a:p>
+        </p:txBody>
+      </p:sp>
+    </p:spTree>
+    <p:extLst>
+      <p:ext uri="{BB962C8B-B14F-4D97-AF65-F5344CB8AC3E}">
+        <p14:creationId xmlns:p14="http://schemas.microsoft.com/office/powerpoint/2010/main" val="1085357025"/>
+      </p:ext>
+    </p:extLst>
+  </p:cSld>
+  <p:clrMapOvr>
+    <a:masterClrMapping/>
+  </p:clrMapOvr>
+</p:sld>
+</file>
+
+<file path=ppt/slides/slide4.xml><?xml version="1.0" encoding="utf-8"?>
 <p:sld xmlns:a="http://schemas.openxmlformats.org/drawingml/2006/main" xmlns:r="http://schemas.openxmlformats.org/officeDocument/2006/relationships" xmlns:p="http://schemas.openxmlformats.org/presentationml/2006/main">
   <p:cSld>
     <p:spTree>
@@ -14117,7 +16781,7 @@
 </p:sld>
 </file>
 
-<file path=ppt/slides/slide4.xml><?xml version="1.0" encoding="utf-8"?>
+<file path=ppt/slides/slide5.xml><?xml version="1.0" encoding="utf-8"?>
 <p:sld xmlns:a="http://schemas.openxmlformats.org/drawingml/2006/main" xmlns:r="http://schemas.openxmlformats.org/officeDocument/2006/relationships" xmlns:p="http://schemas.openxmlformats.org/presentationml/2006/main">
   <p:cSld>
     <p:spTree>
@@ -14289,7 +16953,7 @@
 </p:sld>
 </file>
 
-<file path=ppt/slides/slide5.xml><?xml version="1.0" encoding="utf-8"?>
+<file path=ppt/slides/slide6.xml><?xml version="1.0" encoding="utf-8"?>
 <p:sld xmlns:a="http://schemas.openxmlformats.org/drawingml/2006/main" xmlns:r="http://schemas.openxmlformats.org/officeDocument/2006/relationships" xmlns:p="http://schemas.openxmlformats.org/presentationml/2006/main">
   <p:cSld>
     <p:spTree>
@@ -14406,7 +17070,7 @@
             </a:r>
             <a:r>
               <a:rPr kumimoji="1" lang="ja-JP" altLang="en-US" dirty="0"/>
-              <a:t>ツールを活用してトータルで効率化する仕組みが必要</a:t>
+              <a:t>ツールを活用して本来の開発に集中できる仕組みが必要</a:t>
             </a:r>
             <a:endParaRPr kumimoji="1" lang="en-US" altLang="ja-JP" dirty="0"/>
           </a:p>
@@ -14428,7 +17092,7 @@
 </p:sld>
 </file>
 
-<file path=ppt/slides/slide6.xml><?xml version="1.0" encoding="utf-8"?>
+<file path=ppt/slides/slide7.xml><?xml version="1.0" encoding="utf-8"?>
 <p:sld xmlns:a="http://schemas.openxmlformats.org/drawingml/2006/main" xmlns:r="http://schemas.openxmlformats.org/officeDocument/2006/relationships" xmlns:p="http://schemas.openxmlformats.org/presentationml/2006/main">
   <p:cSld>
     <p:spTree>
@@ -14578,7 +17242,176 @@
 </p:sld>
 </file>
 
-<file path=ppt/slides/slide7.xml><?xml version="1.0" encoding="utf-8"?>
+<file path=ppt/slides/slide8.xml><?xml version="1.0" encoding="utf-8"?>
+<p:sld xmlns:a="http://schemas.openxmlformats.org/drawingml/2006/main" xmlns:r="http://schemas.openxmlformats.org/officeDocument/2006/relationships" xmlns:p="http://schemas.openxmlformats.org/presentationml/2006/main">
+  <p:cSld>
+    <p:spTree>
+      <p:nvGrpSpPr>
+        <p:cNvPr id="1" name=""/>
+        <p:cNvGrpSpPr/>
+        <p:nvPr/>
+      </p:nvGrpSpPr>
+      <p:grpSpPr>
+        <a:xfrm>
+          <a:off x="0" y="0"/>
+          <a:ext cx="0" cy="0"/>
+          <a:chOff x="0" y="0"/>
+          <a:chExt cx="0" cy="0"/>
+        </a:xfrm>
+      </p:grpSpPr>
+      <p:sp>
+        <p:nvSpPr>
+          <p:cNvPr id="2" name="タイトル 1">
+            <a:extLst>
+              <a:ext uri="{FF2B5EF4-FFF2-40B4-BE49-F238E27FC236}">
+                <a16:creationId xmlns:a16="http://schemas.microsoft.com/office/drawing/2014/main" id="{17DACBDD-ABE1-2B5C-CC8D-34204093AF99}"/>
+              </a:ext>
+            </a:extLst>
+          </p:cNvPr>
+          <p:cNvSpPr>
+            <a:spLocks noGrp="1"/>
+          </p:cNvSpPr>
+          <p:nvPr>
+            <p:ph type="title"/>
+          </p:nvPr>
+        </p:nvSpPr>
+        <p:spPr/>
+        <p:txBody>
+          <a:bodyPr/>
+          <a:lstStyle/>
+          <a:p>
+            <a:r>
+              <a:rPr kumimoji="1" lang="ja-JP" altLang="en-US" dirty="0"/>
+              <a:t>目次</a:t>
+            </a:r>
+          </a:p>
+        </p:txBody>
+      </p:sp>
+      <p:sp>
+        <p:nvSpPr>
+          <p:cNvPr id="3" name="コンテンツ プレースホルダー 2">
+            <a:extLst>
+              <a:ext uri="{FF2B5EF4-FFF2-40B4-BE49-F238E27FC236}">
+                <a16:creationId xmlns:a16="http://schemas.microsoft.com/office/drawing/2014/main" id="{A91867B7-9CBF-908B-84EE-E9B4515F1C17}"/>
+              </a:ext>
+            </a:extLst>
+          </p:cNvPr>
+          <p:cNvSpPr>
+            <a:spLocks noGrp="1"/>
+          </p:cNvSpPr>
+          <p:nvPr>
+            <p:ph idx="1"/>
+          </p:nvPr>
+        </p:nvSpPr>
+        <p:spPr/>
+        <p:txBody>
+          <a:bodyPr>
+            <a:normAutofit fontScale="92500" lnSpcReduction="10000"/>
+          </a:bodyPr>
+          <a:lstStyle/>
+          <a:p>
+            <a:r>
+              <a:rPr kumimoji="1" lang="ja-JP" altLang="en-US" dirty="0"/>
+              <a:t>ビジネスアイディア考案の背景</a:t>
+            </a:r>
+            <a:endParaRPr kumimoji="1" lang="en-US" altLang="ja-JP" dirty="0"/>
+          </a:p>
+          <a:p>
+            <a:r>
+              <a:rPr kumimoji="1" lang="ja-JP" altLang="en-US" dirty="0">
+                <a:solidFill>
+                  <a:srgbClr val="FF0000"/>
+                </a:solidFill>
+              </a:rPr>
+              <a:t>ソフトウェア開発と関連する社会的</a:t>
+            </a:r>
+            <a:r>
+              <a:rPr kumimoji="1" lang="en-US" altLang="ja-JP" dirty="0">
+                <a:solidFill>
+                  <a:srgbClr val="FF0000"/>
+                </a:solidFill>
+              </a:rPr>
+              <a:t>MISSION</a:t>
+            </a:r>
+          </a:p>
+          <a:p>
+            <a:r>
+              <a:rPr lang="ja-JP" altLang="en-US" dirty="0"/>
+              <a:t>ビジネスアイディアの概要</a:t>
+            </a:r>
+            <a:endParaRPr lang="en-US" altLang="ja-JP" dirty="0"/>
+          </a:p>
+          <a:p>
+            <a:r>
+              <a:rPr kumimoji="1" lang="ja-JP" altLang="en-US" dirty="0"/>
+              <a:t>ターゲット市場</a:t>
+            </a:r>
+            <a:endParaRPr kumimoji="1" lang="en-US" altLang="ja-JP" dirty="0"/>
+          </a:p>
+          <a:p>
+            <a:r>
+              <a:rPr lang="ja-JP" altLang="en-US" dirty="0"/>
+              <a:t>効果</a:t>
+            </a:r>
+            <a:r>
+              <a:rPr kumimoji="1" lang="ja-JP" altLang="en-US" dirty="0"/>
+              <a:t>（顧客側のメリット）</a:t>
+            </a:r>
+            <a:endParaRPr kumimoji="1" lang="en-US" altLang="ja-JP" dirty="0"/>
+          </a:p>
+          <a:p>
+            <a:r>
+              <a:rPr lang="ja-JP" altLang="en-US" dirty="0"/>
+              <a:t>効果</a:t>
+            </a:r>
+            <a:r>
+              <a:rPr kumimoji="1" lang="ja-JP" altLang="en-US" dirty="0"/>
+              <a:t>（</a:t>
+            </a:r>
+            <a:r>
+              <a:rPr kumimoji="1" lang="en-US" altLang="ja-JP" dirty="0"/>
+              <a:t>NSCS</a:t>
+            </a:r>
+            <a:r>
+              <a:rPr kumimoji="1" lang="ja-JP" altLang="en-US" dirty="0"/>
+              <a:t>側のメリット）</a:t>
+            </a:r>
+            <a:endParaRPr lang="en-US" altLang="ja-JP" dirty="0"/>
+          </a:p>
+          <a:p>
+            <a:r>
+              <a:rPr kumimoji="1" lang="en-US" altLang="ja-JP" dirty="0"/>
+              <a:t>【</a:t>
+            </a:r>
+            <a:r>
+              <a:rPr kumimoji="1" lang="ja-JP" altLang="en-US" dirty="0"/>
+              <a:t>参考</a:t>
+            </a:r>
+            <a:r>
+              <a:rPr kumimoji="1" lang="en-US" altLang="ja-JP" dirty="0"/>
+              <a:t>】</a:t>
+            </a:r>
+            <a:r>
+              <a:rPr kumimoji="1" lang="ja-JP" altLang="en-US" dirty="0"/>
+              <a:t>他社競合サービス</a:t>
+            </a:r>
+          </a:p>
+        </p:txBody>
+      </p:sp>
+    </p:spTree>
+    <p:extLst>
+      <p:ext uri="{BB962C8B-B14F-4D97-AF65-F5344CB8AC3E}">
+        <p14:creationId xmlns:p14="http://schemas.microsoft.com/office/powerpoint/2010/main" val="1104460723"/>
+      </p:ext>
+    </p:extLst>
+  </p:cSld>
+  <p:clrMapOvr>
+    <a:masterClrMapping/>
+  </p:clrMapOvr>
+</p:sld>
+</file>
+
+<file path=ppt/slides/slide9.xml><?xml version="1.0" encoding="utf-8"?>
 <p:sld xmlns:a="http://schemas.openxmlformats.org/drawingml/2006/main" xmlns:r="http://schemas.openxmlformats.org/officeDocument/2006/relationships" xmlns:p="http://schemas.openxmlformats.org/presentationml/2006/main">
   <p:cSld>
     <p:spTree>
@@ -14695,7 +17528,7 @@
                   <a:srgbClr val="FF0000"/>
                 </a:solidFill>
               </a:rPr>
-              <a:t>業界全体の課題解決（社会貢献）による企業価値の向上</a:t>
+              <a:t>業界全体の課題解決（社会貢献）による企業ブランド価値の向上</a:t>
             </a:r>
           </a:p>
           <a:p>
@@ -14713,7 +17546,7 @@
                   <a:srgbClr val="FF0000"/>
                 </a:solidFill>
               </a:rPr>
-              <a:t>関連の新規ビジネスチャンス（優先的投資）</a:t>
+              <a:t>関連の新規ビジネスチャンス（優先的に投資を受けられる）</a:t>
             </a:r>
             <a:endParaRPr lang="en-US" altLang="ja-JP" b="1" dirty="0">
               <a:solidFill>
@@ -14761,495 +17594,6 @@
     <p:extLst>
       <p:ext uri="{BB962C8B-B14F-4D97-AF65-F5344CB8AC3E}">
         <p14:creationId xmlns:p14="http://schemas.microsoft.com/office/powerpoint/2010/main" val="136103908"/>
-      </p:ext>
-    </p:extLst>
-  </p:cSld>
-  <p:clrMapOvr>
-    <a:masterClrMapping/>
-  </p:clrMapOvr>
-</p:sld>
-</file>
-
-<file path=ppt/slides/slide8.xml><?xml version="1.0" encoding="utf-8"?>
-<p:sld xmlns:a="http://schemas.openxmlformats.org/drawingml/2006/main" xmlns:r="http://schemas.openxmlformats.org/officeDocument/2006/relationships" xmlns:p="http://schemas.openxmlformats.org/presentationml/2006/main">
-  <p:cSld>
-    <p:spTree>
-      <p:nvGrpSpPr>
-        <p:cNvPr id="1" name=""/>
-        <p:cNvGrpSpPr/>
-        <p:nvPr/>
-      </p:nvGrpSpPr>
-      <p:grpSpPr>
-        <a:xfrm>
-          <a:off x="0" y="0"/>
-          <a:ext cx="0" cy="0"/>
-          <a:chOff x="0" y="0"/>
-          <a:chExt cx="0" cy="0"/>
-        </a:xfrm>
-      </p:grpSpPr>
-      <p:sp>
-        <p:nvSpPr>
-          <p:cNvPr id="2" name="タイトル 1">
-            <a:extLst>
-              <a:ext uri="{FF2B5EF4-FFF2-40B4-BE49-F238E27FC236}">
-                <a16:creationId xmlns:a16="http://schemas.microsoft.com/office/drawing/2014/main" id="{E99C1F35-758B-08DB-8461-0A3C64FDDA57}"/>
-              </a:ext>
-            </a:extLst>
-          </p:cNvPr>
-          <p:cNvSpPr>
-            <a:spLocks noGrp="1"/>
-          </p:cNvSpPr>
-          <p:nvPr>
-            <p:ph type="title"/>
-          </p:nvPr>
-        </p:nvSpPr>
-        <p:spPr/>
-        <p:txBody>
-          <a:bodyPr>
-            <a:normAutofit/>
-          </a:bodyPr>
-          <a:lstStyle/>
-          <a:p>
-            <a:r>
-              <a:rPr lang="ja-JP" altLang="en-US" dirty="0"/>
-              <a:t>■ビジネスアイディア</a:t>
-            </a:r>
-            <a:r>
-              <a:rPr kumimoji="1" lang="ja-JP" altLang="en-US" dirty="0"/>
-              <a:t>の概要</a:t>
-            </a:r>
-            <a:br>
-              <a:rPr kumimoji="1" lang="en-US" altLang="ja-JP" dirty="0"/>
-            </a:br>
-            <a:r>
-              <a:rPr kumimoji="1" lang="ja-JP" altLang="en-US" dirty="0"/>
-              <a:t>　 クラウドソフト開発環境（</a:t>
-            </a:r>
-            <a:r>
-              <a:rPr lang="en-US" altLang="ja-JP" dirty="0"/>
-              <a:t>Dev</a:t>
-            </a:r>
-            <a:r>
-              <a:rPr kumimoji="1" lang="en-US" altLang="ja-JP" dirty="0"/>
-              <a:t> Lab</a:t>
-            </a:r>
-            <a:r>
-              <a:rPr kumimoji="1" lang="ja-JP" altLang="en-US" dirty="0"/>
-              <a:t>）提供サービス</a:t>
-            </a:r>
-          </a:p>
-        </p:txBody>
-      </p:sp>
-      <p:sp>
-        <p:nvSpPr>
-          <p:cNvPr id="3" name="コンテンツ プレースホルダー 2">
-            <a:extLst>
-              <a:ext uri="{FF2B5EF4-FFF2-40B4-BE49-F238E27FC236}">
-                <a16:creationId xmlns:a16="http://schemas.microsoft.com/office/drawing/2014/main" id="{9DB3AB62-7CFC-46AF-6E63-1AAED0C7B74B}"/>
-              </a:ext>
-            </a:extLst>
-          </p:cNvPr>
-          <p:cNvSpPr>
-            <a:spLocks noGrp="1"/>
-          </p:cNvSpPr>
-          <p:nvPr>
-            <p:ph idx="1"/>
-          </p:nvPr>
-        </p:nvSpPr>
-        <p:spPr/>
-        <p:txBody>
-          <a:bodyPr>
-            <a:normAutofit fontScale="62500" lnSpcReduction="20000"/>
-          </a:bodyPr>
-          <a:lstStyle/>
-          <a:p>
-            <a:r>
-              <a:rPr lang="ja-JP" altLang="en-US" dirty="0"/>
-              <a:t>クラウド上にソフト開発環境を構築し学習や開発のインフラ基盤として提供するサービス</a:t>
-            </a:r>
-            <a:endParaRPr lang="en-US" altLang="ja-JP" dirty="0"/>
-          </a:p>
-          <a:p>
-            <a:endParaRPr lang="en-US" altLang="ja-JP" dirty="0"/>
-          </a:p>
-          <a:p>
-            <a:r>
-              <a:rPr lang="ja-JP" altLang="en-US" dirty="0"/>
-              <a:t>①</a:t>
-            </a:r>
-            <a:r>
-              <a:rPr lang="en-US" altLang="ja-JP" dirty="0"/>
-              <a:t>IT</a:t>
-            </a:r>
-            <a:r>
-              <a:rPr lang="ja-JP" altLang="en-US" dirty="0"/>
-              <a:t>エンジニア教育サービス</a:t>
-            </a:r>
-            <a:endParaRPr lang="en-US" altLang="ja-JP" dirty="0"/>
-          </a:p>
-          <a:p>
-            <a:r>
-              <a:rPr lang="ja-JP" altLang="en-US" dirty="0"/>
-              <a:t>⇒クラウド上の学習プラットフォーム及び</a:t>
-            </a:r>
-            <a:r>
-              <a:rPr lang="en-US" altLang="ja-JP" dirty="0"/>
-              <a:t>NSCS</a:t>
-            </a:r>
-            <a:r>
-              <a:rPr lang="ja-JP" altLang="en-US" dirty="0"/>
-              <a:t>の実務に関するノウハウが詰まったコンテンツの提供</a:t>
-            </a:r>
-            <a:endParaRPr lang="en-US" altLang="ja-JP" dirty="0"/>
-          </a:p>
-          <a:p>
-            <a:r>
-              <a:rPr lang="ja-JP" altLang="en-US" dirty="0">
-                <a:effectLst/>
-              </a:rPr>
-              <a:t>　 学生向けの初心者レベルや企業研修等の実業務レベルなど受講者に合わせた幅広いカリキュラムを想定</a:t>
-            </a:r>
-            <a:endParaRPr lang="en-US" altLang="ja-JP" dirty="0">
-              <a:effectLst/>
-            </a:endParaRPr>
-          </a:p>
-          <a:p>
-            <a:endParaRPr lang="en-US" altLang="ja-JP" dirty="0">
-              <a:effectLst/>
-            </a:endParaRPr>
-          </a:p>
-          <a:p>
-            <a:r>
-              <a:rPr lang="ja-JP" altLang="en-US" dirty="0">
-                <a:effectLst/>
-              </a:rPr>
-              <a:t>②</a:t>
-            </a:r>
-            <a:r>
-              <a:rPr lang="ja-JP" altLang="en-US" dirty="0"/>
-              <a:t>ソフトウェア</a:t>
-            </a:r>
-            <a:r>
-              <a:rPr lang="ja-JP" altLang="en-US" dirty="0">
-                <a:effectLst/>
-              </a:rPr>
-              <a:t>開発基盤提供サービス</a:t>
-            </a:r>
-            <a:endParaRPr lang="en-US" altLang="ja-JP" dirty="0">
-              <a:effectLst/>
-            </a:endParaRPr>
-          </a:p>
-          <a:p>
-            <a:r>
-              <a:rPr lang="ja-JP" altLang="en-US" dirty="0">
-                <a:effectLst/>
-              </a:rPr>
-              <a:t>⇒</a:t>
-            </a:r>
-            <a:r>
-              <a:rPr lang="en-US" altLang="ja-JP" dirty="0">
-                <a:effectLst/>
-              </a:rPr>
-              <a:t>CI/CD</a:t>
-            </a:r>
-            <a:r>
-              <a:rPr lang="ja-JP" altLang="en-US" dirty="0">
-                <a:effectLst/>
-              </a:rPr>
-              <a:t>を活用したソフトウェアファーストな開発環境の提供</a:t>
-            </a:r>
-            <a:endParaRPr lang="en-US" altLang="ja-JP" dirty="0">
-              <a:effectLst/>
-            </a:endParaRPr>
-          </a:p>
-          <a:p>
-            <a:r>
-              <a:rPr lang="ja-JP" altLang="en-US" dirty="0"/>
-              <a:t>　 </a:t>
-            </a:r>
-            <a:r>
-              <a:rPr lang="en-US" altLang="ja-JP" dirty="0"/>
-              <a:t>Web</a:t>
-            </a:r>
-            <a:r>
-              <a:rPr lang="ja-JP" altLang="en-US" dirty="0"/>
-              <a:t>アプリケーション</a:t>
-            </a:r>
-            <a:r>
-              <a:rPr lang="en-US" altLang="ja-JP" dirty="0"/>
-              <a:t>/</a:t>
-            </a:r>
-            <a:r>
-              <a:rPr lang="ja-JP" altLang="en-US" dirty="0"/>
-              <a:t>組み込みソフトなど様々な製品</a:t>
-            </a:r>
-            <a:r>
-              <a:rPr lang="en-US" altLang="ja-JP" dirty="0"/>
-              <a:t>/</a:t>
-            </a:r>
-            <a:r>
-              <a:rPr lang="ja-JP" altLang="en-US" dirty="0"/>
-              <a:t>サービス開発が可能な環境を想定</a:t>
-            </a:r>
-            <a:endParaRPr lang="en-US" altLang="ja-JP" dirty="0">
-              <a:effectLst/>
-            </a:endParaRPr>
-          </a:p>
-          <a:p>
-            <a:r>
-              <a:rPr lang="ja-JP" altLang="en-US" dirty="0">
-                <a:effectLst/>
-              </a:rPr>
-              <a:t>　 </a:t>
-            </a:r>
-            <a:r>
-              <a:rPr lang="en-US" altLang="ja-JP" dirty="0">
-                <a:effectLst/>
-              </a:rPr>
-              <a:t>※</a:t>
-            </a:r>
-            <a:r>
-              <a:rPr lang="ja-JP" altLang="en-US" dirty="0">
-                <a:effectLst/>
-              </a:rPr>
-              <a:t>組み込みソフト開発特有の機材</a:t>
-            </a:r>
-            <a:r>
-              <a:rPr lang="ja-JP" altLang="en-US" dirty="0"/>
-              <a:t>等のリモート使用</a:t>
-            </a:r>
-            <a:r>
-              <a:rPr lang="en-US" altLang="ja-JP" dirty="0"/>
-              <a:t>/</a:t>
-            </a:r>
-            <a:r>
-              <a:rPr lang="ja-JP" altLang="en-US" dirty="0"/>
-              <a:t>シミュレーション環境も併せて構築</a:t>
-            </a:r>
-            <a:endParaRPr lang="en-US" altLang="ja-JP" dirty="0">
-              <a:effectLst/>
-            </a:endParaRPr>
-          </a:p>
-        </p:txBody>
-      </p:sp>
-    </p:spTree>
-    <p:extLst>
-      <p:ext uri="{BB962C8B-B14F-4D97-AF65-F5344CB8AC3E}">
-        <p14:creationId xmlns:p14="http://schemas.microsoft.com/office/powerpoint/2010/main" val="4181783743"/>
-      </p:ext>
-    </p:extLst>
-  </p:cSld>
-  <p:clrMapOvr>
-    <a:masterClrMapping/>
-  </p:clrMapOvr>
-</p:sld>
-</file>
-
-<file path=ppt/slides/slide9.xml><?xml version="1.0" encoding="utf-8"?>
-<p:sld xmlns:a="http://schemas.openxmlformats.org/drawingml/2006/main" xmlns:r="http://schemas.openxmlformats.org/officeDocument/2006/relationships" xmlns:p="http://schemas.openxmlformats.org/presentationml/2006/main">
-  <p:cSld>
-    <p:spTree>
-      <p:nvGrpSpPr>
-        <p:cNvPr id="1" name=""/>
-        <p:cNvGrpSpPr/>
-        <p:nvPr/>
-      </p:nvGrpSpPr>
-      <p:grpSpPr>
-        <a:xfrm>
-          <a:off x="0" y="0"/>
-          <a:ext cx="0" cy="0"/>
-          <a:chOff x="0" y="0"/>
-          <a:chExt cx="0" cy="0"/>
-        </a:xfrm>
-      </p:grpSpPr>
-      <p:sp>
-        <p:nvSpPr>
-          <p:cNvPr id="2" name="タイトル 1">
-            <a:extLst>
-              <a:ext uri="{FF2B5EF4-FFF2-40B4-BE49-F238E27FC236}">
-                <a16:creationId xmlns:a16="http://schemas.microsoft.com/office/drawing/2014/main" id="{A39B1CD9-C685-7DAA-9CCA-A6F4536113B8}"/>
-              </a:ext>
-            </a:extLst>
-          </p:cNvPr>
-          <p:cNvSpPr>
-            <a:spLocks noGrp="1"/>
-          </p:cNvSpPr>
-          <p:nvPr>
-            <p:ph type="title"/>
-          </p:nvPr>
-        </p:nvSpPr>
-        <p:spPr/>
-        <p:txBody>
-          <a:bodyPr/>
-          <a:lstStyle/>
-          <a:p>
-            <a:r>
-              <a:rPr lang="ja-JP" altLang="en-US" b="1" dirty="0"/>
-              <a:t>■ターゲット市場</a:t>
-            </a:r>
-            <a:endParaRPr kumimoji="1" lang="ja-JP" altLang="en-US" dirty="0"/>
-          </a:p>
-        </p:txBody>
-      </p:sp>
-      <p:sp>
-        <p:nvSpPr>
-          <p:cNvPr id="3" name="コンテンツ プレースホルダー 2">
-            <a:extLst>
-              <a:ext uri="{FF2B5EF4-FFF2-40B4-BE49-F238E27FC236}">
-                <a16:creationId xmlns:a16="http://schemas.microsoft.com/office/drawing/2014/main" id="{FAEC0AF5-A651-E2DF-4451-B40879EB2AFB}"/>
-              </a:ext>
-            </a:extLst>
-          </p:cNvPr>
-          <p:cNvSpPr>
-            <a:spLocks noGrp="1"/>
-          </p:cNvSpPr>
-          <p:nvPr>
-            <p:ph idx="1"/>
-          </p:nvPr>
-        </p:nvSpPr>
-        <p:spPr/>
-        <p:txBody>
-          <a:bodyPr/>
-          <a:lstStyle/>
-          <a:p>
-            <a:r>
-              <a:rPr lang="ja-JP" altLang="en-US" dirty="0">
-                <a:effectLst/>
-              </a:rPr>
-              <a:t>対象範囲</a:t>
-            </a:r>
-          </a:p>
-          <a:p>
-            <a:pPr>
-              <a:buFont typeface="+mj-lt"/>
-              <a:buAutoNum type="arabicPeriod"/>
-            </a:pPr>
-            <a:r>
-              <a:rPr lang="ja-JP" altLang="en-US" dirty="0">
-                <a:effectLst/>
-              </a:rPr>
-              <a:t>高等教育機関（高専</a:t>
-            </a:r>
-            <a:r>
-              <a:rPr lang="en-US" altLang="ja-JP" dirty="0">
-                <a:effectLst/>
-              </a:rPr>
-              <a:t>/</a:t>
-            </a:r>
-            <a:r>
-              <a:rPr lang="ja-JP" altLang="en-US" dirty="0">
-                <a:effectLst/>
-              </a:rPr>
-              <a:t>大学）</a:t>
-            </a:r>
-          </a:p>
-          <a:p>
-            <a:pPr>
-              <a:buFont typeface="+mj-lt"/>
-              <a:buAutoNum type="arabicPeriod"/>
-            </a:pPr>
-            <a:r>
-              <a:rPr lang="ja-JP" altLang="en-US" dirty="0">
-                <a:effectLst/>
-              </a:rPr>
-              <a:t>機械</a:t>
-            </a:r>
-            <a:r>
-              <a:rPr lang="en-US" altLang="ja-JP" dirty="0">
-                <a:effectLst/>
-              </a:rPr>
-              <a:t>/</a:t>
-            </a:r>
-            <a:r>
-              <a:rPr lang="ja-JP" altLang="en-US" dirty="0">
-                <a:effectLst/>
-              </a:rPr>
-              <a:t>電気</a:t>
-            </a:r>
-            <a:r>
-              <a:rPr lang="en-US" altLang="ja-JP" dirty="0">
-                <a:effectLst/>
-              </a:rPr>
-              <a:t>/</a:t>
-            </a:r>
-            <a:r>
-              <a:rPr lang="ja-JP" altLang="en-US" dirty="0">
-                <a:effectLst/>
-              </a:rPr>
-              <a:t>電子</a:t>
-            </a:r>
-            <a:r>
-              <a:rPr lang="en-US" altLang="ja-JP" dirty="0">
-                <a:effectLst/>
-              </a:rPr>
-              <a:t>/IT</a:t>
-            </a:r>
-            <a:r>
-              <a:rPr lang="ja-JP" altLang="en-US" dirty="0">
-                <a:effectLst/>
-              </a:rPr>
-              <a:t>分野の製品・サービス開発企業</a:t>
-            </a:r>
-          </a:p>
-          <a:p>
-            <a:pPr>
-              <a:buFont typeface="+mj-lt"/>
-              <a:buAutoNum type="arabicPeriod"/>
-            </a:pPr>
-            <a:r>
-              <a:rPr lang="en-US" altLang="ja-JP" dirty="0">
-                <a:effectLst/>
-              </a:rPr>
-              <a:t>IT</a:t>
-            </a:r>
-            <a:r>
-              <a:rPr lang="ja-JP" altLang="en-US" dirty="0">
-                <a:effectLst/>
-              </a:rPr>
-              <a:t>人材派遣サービス業の企業</a:t>
-            </a:r>
-          </a:p>
-          <a:p>
-            <a:pPr>
-              <a:buFont typeface="+mj-lt"/>
-              <a:buAutoNum type="arabicPeriod"/>
-            </a:pPr>
-            <a:r>
-              <a:rPr lang="ja-JP" altLang="en-US" dirty="0"/>
-              <a:t>社内活用（</a:t>
-            </a:r>
-            <a:r>
-              <a:rPr lang="en-US" altLang="ja-JP" dirty="0"/>
-              <a:t>NSCS</a:t>
-            </a:r>
-            <a:r>
-              <a:rPr lang="ja-JP" altLang="en-US" dirty="0">
-                <a:effectLst/>
-              </a:rPr>
-              <a:t>内の教育</a:t>
-            </a:r>
-            <a:r>
-              <a:rPr lang="en-US" altLang="ja-JP" dirty="0">
-                <a:effectLst/>
-              </a:rPr>
-              <a:t>/</a:t>
-            </a:r>
-            <a:r>
-              <a:rPr lang="ja-JP" altLang="en-US" dirty="0">
-                <a:effectLst/>
-              </a:rPr>
-              <a:t>新規事業の試作ソフト開発）</a:t>
-            </a:r>
-          </a:p>
-          <a:p>
-            <a:endParaRPr kumimoji="1" lang="ja-JP" altLang="en-US" dirty="0"/>
-          </a:p>
-        </p:txBody>
-      </p:sp>
-    </p:spTree>
-    <p:extLst>
-      <p:ext uri="{BB962C8B-B14F-4D97-AF65-F5344CB8AC3E}">
-        <p14:creationId xmlns:p14="http://schemas.microsoft.com/office/powerpoint/2010/main" val="827651240"/>
       </p:ext>
     </p:extLst>
   </p:cSld>

--- a/Temp/39期ビジネスアイディア.pptx
+++ b/Temp/39期ビジネスアイディア.pptx
@@ -2,7 +2,7 @@
 <file path=ppt/presentation.xml><?xml version="1.0" encoding="utf-8"?>
 <p:presentation xmlns:a="http://schemas.openxmlformats.org/drawingml/2006/main" xmlns:r="http://schemas.openxmlformats.org/officeDocument/2006/relationships" xmlns:p="http://schemas.openxmlformats.org/presentationml/2006/main" autoCompressPictures="0">
   <p:sldMasterIdLst>
-    <p:sldMasterId id="2147483648" r:id="rId1"/>
+    <p:sldMasterId id="2147483669" r:id="rId1"/>
   </p:sldMasterIdLst>
   <p:sldIdLst>
     <p:sldId id="256" r:id="rId2"/>
@@ -26,11 +26,11 @@
     <p:sldId id="287" r:id="rId20"/>
     <p:sldId id="267" r:id="rId21"/>
     <p:sldId id="288" r:id="rId22"/>
-    <p:sldId id="289" r:id="rId23"/>
-    <p:sldId id="290" r:id="rId24"/>
-    <p:sldId id="291" r:id="rId25"/>
-    <p:sldId id="292" r:id="rId26"/>
-    <p:sldId id="293" r:id="rId27"/>
+    <p:sldId id="293" r:id="rId23"/>
+    <p:sldId id="289" r:id="rId24"/>
+    <p:sldId id="290" r:id="rId25"/>
+    <p:sldId id="291" r:id="rId26"/>
+    <p:sldId id="292" r:id="rId27"/>
   </p:sldIdLst>
   <p:sldSz cx="12192000" cy="6858000"/>
   <p:notesSz cx="6858000" cy="9144000"/>
@@ -331,6 +331,13 @@
         <p:blipFill>
           <a:blip r:embed="rId2">
             <a:alphaModFix amt="30000"/>
+            <a:duotone>
+              <a:prstClr val="black"/>
+              <a:schemeClr val="tx2">
+                <a:tint val="45000"/>
+                <a:satMod val="400000"/>
+              </a:schemeClr>
+            </a:duotone>
             <a:extLst>
               <a:ext uri="{28A0092B-C50C-407E-A947-70E740481C1C}">
                 <a14:useLocalDpi xmlns:a14="http://schemas.microsoft.com/office/drawing/2010/main" val="0"/>
@@ -4578,7 +4585,7 @@
           <a:lstStyle/>
           <a:p>
             <a:fld id="{48A87A34-81AB-432B-8DAE-1953F412C126}" type="datetimeFigureOut">
-              <a:rPr lang="en-US" dirty="0"/>
+              <a:rPr lang="en-US" smtClean="0"/>
               <a:t>11/30/2023</a:t>
             </a:fld>
             <a:endParaRPr lang="en-US" dirty="0"/>
@@ -4630,7 +4637,7 @@
           <a:lstStyle/>
           <a:p>
             <a:fld id="{6D22F896-40B5-4ADD-8801-0D06FADFA095}" type="slidenum">
-              <a:rPr lang="en-US" dirty="0"/>
+              <a:rPr lang="en-US" smtClean="0"/>
               <a:t>‹#›</a:t>
             </a:fld>
             <a:endParaRPr lang="en-US" dirty="0"/>
@@ -4638,6 +4645,11 @@
         </p:txBody>
       </p:sp>
     </p:spTree>
+    <p:extLst>
+      <p:ext uri="{BB962C8B-B14F-4D97-AF65-F5344CB8AC3E}">
+        <p14:creationId xmlns:p14="http://schemas.microsoft.com/office/powerpoint/2010/main" val="1575923272"/>
+      </p:ext>
+    </p:extLst>
   </p:cSld>
   <p:clrMapOvr>
     <a:masterClrMapping/>
@@ -4840,7 +4852,7 @@
           <a:lstStyle/>
           <a:p>
             <a:fld id="{48A87A34-81AB-432B-8DAE-1953F412C126}" type="datetimeFigureOut">
-              <a:rPr lang="en-US" dirty="0"/>
+              <a:rPr lang="en-US" smtClean="0"/>
               <a:t>11/30/2023</a:t>
             </a:fld>
             <a:endParaRPr lang="en-US" dirty="0"/>
@@ -4882,7 +4894,7 @@
           <a:lstStyle/>
           <a:p>
             <a:fld id="{6D22F896-40B5-4ADD-8801-0D06FADFA095}" type="slidenum">
-              <a:rPr lang="en-US" dirty="0"/>
+              <a:rPr lang="en-US" smtClean="0"/>
               <a:t>‹#›</a:t>
             </a:fld>
             <a:endParaRPr lang="en-US" dirty="0"/>
@@ -4890,6 +4902,11 @@
         </p:txBody>
       </p:sp>
     </p:spTree>
+    <p:extLst>
+      <p:ext uri="{BB962C8B-B14F-4D97-AF65-F5344CB8AC3E}">
+        <p14:creationId xmlns:p14="http://schemas.microsoft.com/office/powerpoint/2010/main" val="2627468681"/>
+      </p:ext>
+    </p:extLst>
   </p:cSld>
   <p:clrMapOvr>
     <a:masterClrMapping/>
@@ -5031,7 +5048,7 @@
           <a:lstStyle/>
           <a:p>
             <a:fld id="{48A87A34-81AB-432B-8DAE-1953F412C126}" type="datetimeFigureOut">
-              <a:rPr lang="en-US" dirty="0"/>
+              <a:rPr lang="en-US" smtClean="0"/>
               <a:t>11/30/2023</a:t>
             </a:fld>
             <a:endParaRPr lang="en-US" dirty="0"/>
@@ -5073,7 +5090,7 @@
           <a:lstStyle/>
           <a:p>
             <a:fld id="{6D22F896-40B5-4ADD-8801-0D06FADFA095}" type="slidenum">
-              <a:rPr lang="en-US" dirty="0"/>
+              <a:rPr lang="en-US" smtClean="0"/>
               <a:t>‹#›</a:t>
             </a:fld>
             <a:endParaRPr lang="en-US" dirty="0"/>
@@ -5081,6 +5098,11 @@
         </p:txBody>
       </p:sp>
     </p:spTree>
+    <p:extLst>
+      <p:ext uri="{BB962C8B-B14F-4D97-AF65-F5344CB8AC3E}">
+        <p14:creationId xmlns:p14="http://schemas.microsoft.com/office/powerpoint/2010/main" val="1107821509"/>
+      </p:ext>
+    </p:extLst>
   </p:cSld>
   <p:clrMapOvr>
     <a:masterClrMapping/>
@@ -5289,7 +5311,7 @@
           <a:lstStyle/>
           <a:p>
             <a:fld id="{48A87A34-81AB-432B-8DAE-1953F412C126}" type="datetimeFigureOut">
-              <a:rPr lang="en-US" dirty="0"/>
+              <a:rPr lang="en-US" smtClean="0"/>
               <a:t>11/30/2023</a:t>
             </a:fld>
             <a:endParaRPr lang="en-US" dirty="0"/>
@@ -5331,7 +5353,7 @@
           <a:lstStyle/>
           <a:p>
             <a:fld id="{6D22F896-40B5-4ADD-8801-0D06FADFA095}" type="slidenum">
-              <a:rPr lang="en-US" dirty="0"/>
+              <a:rPr lang="en-US" smtClean="0"/>
               <a:t>‹#›</a:t>
             </a:fld>
             <a:endParaRPr lang="en-US" dirty="0"/>
@@ -5577,6 +5599,11 @@
         </p:txBody>
       </p:sp>
     </p:spTree>
+    <p:extLst>
+      <p:ext uri="{BB962C8B-B14F-4D97-AF65-F5344CB8AC3E}">
+        <p14:creationId xmlns:p14="http://schemas.microsoft.com/office/powerpoint/2010/main" val="1853194968"/>
+      </p:ext>
+    </p:extLst>
   </p:cSld>
   <p:clrMapOvr>
     <a:masterClrMapping/>
@@ -5718,7 +5745,7 @@
           <a:lstStyle/>
           <a:p>
             <a:fld id="{48A87A34-81AB-432B-8DAE-1953F412C126}" type="datetimeFigureOut">
-              <a:rPr lang="en-US" dirty="0"/>
+              <a:rPr lang="en-US" smtClean="0"/>
               <a:t>11/30/2023</a:t>
             </a:fld>
             <a:endParaRPr lang="en-US" dirty="0"/>
@@ -5760,7 +5787,7 @@
           <a:lstStyle/>
           <a:p>
             <a:fld id="{6D22F896-40B5-4ADD-8801-0D06FADFA095}" type="slidenum">
-              <a:rPr lang="en-US" dirty="0"/>
+              <a:rPr lang="en-US" smtClean="0"/>
               <a:t>‹#›</a:t>
             </a:fld>
             <a:endParaRPr lang="en-US" dirty="0"/>
@@ -5768,6 +5795,11 @@
         </p:txBody>
       </p:sp>
     </p:spTree>
+    <p:extLst>
+      <p:ext uri="{BB962C8B-B14F-4D97-AF65-F5344CB8AC3E}">
+        <p14:creationId xmlns:p14="http://schemas.microsoft.com/office/powerpoint/2010/main" val="3962704657"/>
+      </p:ext>
+    </p:extLst>
   </p:cSld>
   <p:clrMapOvr>
     <a:masterClrMapping/>
@@ -6259,7 +6291,7 @@
           <a:lstStyle/>
           <a:p>
             <a:fld id="{48A87A34-81AB-432B-8DAE-1953F412C126}" type="datetimeFigureOut">
-              <a:rPr lang="en-US" dirty="0"/>
+              <a:rPr lang="en-US" smtClean="0"/>
               <a:t>11/30/2023</a:t>
             </a:fld>
             <a:endParaRPr lang="en-US" dirty="0"/>
@@ -6301,7 +6333,7 @@
           <a:lstStyle/>
           <a:p>
             <a:fld id="{6D22F896-40B5-4ADD-8801-0D06FADFA095}" type="slidenum">
-              <a:rPr lang="en-US" dirty="0"/>
+              <a:rPr lang="en-US" smtClean="0"/>
               <a:t>‹#›</a:t>
             </a:fld>
             <a:endParaRPr lang="en-US" dirty="0"/>
@@ -6309,6 +6341,11 @@
         </p:txBody>
       </p:sp>
     </p:spTree>
+    <p:extLst>
+      <p:ext uri="{BB962C8B-B14F-4D97-AF65-F5344CB8AC3E}">
+        <p14:creationId xmlns:p14="http://schemas.microsoft.com/office/powerpoint/2010/main" val="1137029396"/>
+      </p:ext>
+    </p:extLst>
   </p:cSld>
   <p:clrMapOvr>
     <a:masterClrMapping/>
@@ -6974,7 +7011,7 @@
           <a:lstStyle/>
           <a:p>
             <a:fld id="{48A87A34-81AB-432B-8DAE-1953F412C126}" type="datetimeFigureOut">
-              <a:rPr lang="en-US" dirty="0"/>
+              <a:rPr lang="en-US" smtClean="0"/>
               <a:t>11/30/2023</a:t>
             </a:fld>
             <a:endParaRPr lang="en-US" dirty="0"/>
@@ -7016,7 +7053,7 @@
           <a:lstStyle/>
           <a:p>
             <a:fld id="{6D22F896-40B5-4ADD-8801-0D06FADFA095}" type="slidenum">
-              <a:rPr lang="en-US" dirty="0"/>
+              <a:rPr lang="en-US" smtClean="0"/>
               <a:t>‹#›</a:t>
             </a:fld>
             <a:endParaRPr lang="en-US" dirty="0"/>
@@ -7024,6 +7061,11 @@
         </p:txBody>
       </p:sp>
     </p:spTree>
+    <p:extLst>
+      <p:ext uri="{BB962C8B-B14F-4D97-AF65-F5344CB8AC3E}">
+        <p14:creationId xmlns:p14="http://schemas.microsoft.com/office/powerpoint/2010/main" val="277996609"/>
+      </p:ext>
+    </p:extLst>
   </p:cSld>
   <p:clrMapOvr>
     <a:masterClrMapping/>
@@ -7171,7 +7213,7 @@
           <a:lstStyle/>
           <a:p>
             <a:fld id="{48A87A34-81AB-432B-8DAE-1953F412C126}" type="datetimeFigureOut">
-              <a:rPr lang="en-US" dirty="0"/>
+              <a:rPr lang="en-US" smtClean="0"/>
               <a:t>11/30/2023</a:t>
             </a:fld>
             <a:endParaRPr lang="en-US" dirty="0"/>
@@ -7213,7 +7255,7 @@
           <a:lstStyle/>
           <a:p>
             <a:fld id="{6D22F896-40B5-4ADD-8801-0D06FADFA095}" type="slidenum">
-              <a:rPr lang="en-US" dirty="0"/>
+              <a:rPr lang="en-US" smtClean="0"/>
               <a:t>‹#›</a:t>
             </a:fld>
             <a:endParaRPr lang="en-US" dirty="0"/>
@@ -7221,6 +7263,11 @@
         </p:txBody>
       </p:sp>
     </p:spTree>
+    <p:extLst>
+      <p:ext uri="{BB962C8B-B14F-4D97-AF65-F5344CB8AC3E}">
+        <p14:creationId xmlns:p14="http://schemas.microsoft.com/office/powerpoint/2010/main" val="2453238427"/>
+      </p:ext>
+    </p:extLst>
   </p:cSld>
   <p:clrMapOvr>
     <a:masterClrMapping/>
@@ -7378,7 +7425,7 @@
           <a:lstStyle/>
           <a:p>
             <a:fld id="{48A87A34-81AB-432B-8DAE-1953F412C126}" type="datetimeFigureOut">
-              <a:rPr lang="en-US" dirty="0"/>
+              <a:rPr lang="en-US" smtClean="0"/>
               <a:t>11/30/2023</a:t>
             </a:fld>
             <a:endParaRPr lang="en-US" dirty="0"/>
@@ -7420,7 +7467,7 @@
           <a:lstStyle/>
           <a:p>
             <a:fld id="{6D22F896-40B5-4ADD-8801-0D06FADFA095}" type="slidenum">
-              <a:rPr lang="en-US" dirty="0"/>
+              <a:rPr lang="en-US" smtClean="0"/>
               <a:t>‹#›</a:t>
             </a:fld>
             <a:endParaRPr lang="en-US" dirty="0"/>
@@ -7428,6 +7475,11 @@
         </p:txBody>
       </p:sp>
     </p:spTree>
+    <p:extLst>
+      <p:ext uri="{BB962C8B-B14F-4D97-AF65-F5344CB8AC3E}">
+        <p14:creationId xmlns:p14="http://schemas.microsoft.com/office/powerpoint/2010/main" val="2778463797"/>
+      </p:ext>
+    </p:extLst>
   </p:cSld>
   <p:clrMapOvr>
     <a:masterClrMapping/>
@@ -7575,7 +7627,7 @@
           <a:lstStyle/>
           <a:p>
             <a:fld id="{48A87A34-81AB-432B-8DAE-1953F412C126}" type="datetimeFigureOut">
-              <a:rPr lang="en-US" dirty="0"/>
+              <a:rPr lang="en-US" smtClean="0"/>
               <a:t>11/30/2023</a:t>
             </a:fld>
             <a:endParaRPr lang="en-US" dirty="0"/>
@@ -7617,7 +7669,7 @@
           <a:lstStyle/>
           <a:p>
             <a:fld id="{6D22F896-40B5-4ADD-8801-0D06FADFA095}" type="slidenum">
-              <a:rPr lang="en-US" dirty="0"/>
+              <a:rPr lang="en-US" smtClean="0"/>
               <a:t>‹#›</a:t>
             </a:fld>
             <a:endParaRPr lang="en-US" dirty="0"/>
@@ -7625,6 +7677,11 @@
         </p:txBody>
       </p:sp>
     </p:spTree>
+    <p:extLst>
+      <p:ext uri="{BB962C8B-B14F-4D97-AF65-F5344CB8AC3E}">
+        <p14:creationId xmlns:p14="http://schemas.microsoft.com/office/powerpoint/2010/main" val="2288121883"/>
+      </p:ext>
+    </p:extLst>
   </p:cSld>
   <p:clrMapOvr>
     <a:masterClrMapping/>
@@ -7820,7 +7877,7 @@
           <a:lstStyle/>
           <a:p>
             <a:fld id="{48A87A34-81AB-432B-8DAE-1953F412C126}" type="datetimeFigureOut">
-              <a:rPr lang="en-US" dirty="0"/>
+              <a:rPr lang="en-US" smtClean="0"/>
               <a:t>11/30/2023</a:t>
             </a:fld>
             <a:endParaRPr lang="en-US" dirty="0"/>
@@ -7862,7 +7919,7 @@
           <a:lstStyle/>
           <a:p>
             <a:fld id="{6D22F896-40B5-4ADD-8801-0D06FADFA095}" type="slidenum">
-              <a:rPr lang="en-US" dirty="0"/>
+              <a:rPr lang="en-US" smtClean="0"/>
               <a:t>‹#›</a:t>
             </a:fld>
             <a:endParaRPr lang="en-US" dirty="0"/>
@@ -7870,6 +7927,11 @@
         </p:txBody>
       </p:sp>
     </p:spTree>
+    <p:extLst>
+      <p:ext uri="{BB962C8B-B14F-4D97-AF65-F5344CB8AC3E}">
+        <p14:creationId xmlns:p14="http://schemas.microsoft.com/office/powerpoint/2010/main" val="3973945253"/>
+      </p:ext>
+    </p:extLst>
   </p:cSld>
   <p:clrMapOvr>
     <a:masterClrMapping/>
@@ -8111,7 +8173,7 @@
           <a:lstStyle/>
           <a:p>
             <a:fld id="{48A87A34-81AB-432B-8DAE-1953F412C126}" type="datetimeFigureOut">
-              <a:rPr lang="en-US" dirty="0"/>
+              <a:rPr lang="en-US" smtClean="0"/>
               <a:t>11/30/2023</a:t>
             </a:fld>
             <a:endParaRPr lang="en-US" dirty="0"/>
@@ -8153,7 +8215,7 @@
           <a:lstStyle/>
           <a:p>
             <a:fld id="{6D22F896-40B5-4ADD-8801-0D06FADFA095}" type="slidenum">
-              <a:rPr lang="en-US" dirty="0"/>
+              <a:rPr lang="en-US" smtClean="0"/>
               <a:t>‹#›</a:t>
             </a:fld>
             <a:endParaRPr lang="en-US" dirty="0"/>
@@ -8161,6 +8223,11 @@
         </p:txBody>
       </p:sp>
     </p:spTree>
+    <p:extLst>
+      <p:ext uri="{BB962C8B-B14F-4D97-AF65-F5344CB8AC3E}">
+        <p14:creationId xmlns:p14="http://schemas.microsoft.com/office/powerpoint/2010/main" val="3544052976"/>
+      </p:ext>
+    </p:extLst>
   </p:cSld>
   <p:clrMapOvr>
     <a:masterClrMapping/>
@@ -8551,7 +8618,7 @@
           <a:lstStyle/>
           <a:p>
             <a:fld id="{48A87A34-81AB-432B-8DAE-1953F412C126}" type="datetimeFigureOut">
-              <a:rPr lang="en-US" dirty="0"/>
+              <a:rPr lang="en-US" smtClean="0"/>
               <a:t>11/30/2023</a:t>
             </a:fld>
             <a:endParaRPr lang="en-US" dirty="0"/>
@@ -8593,7 +8660,7 @@
           <a:lstStyle/>
           <a:p>
             <a:fld id="{6D22F896-40B5-4ADD-8801-0D06FADFA095}" type="slidenum">
-              <a:rPr lang="en-US" dirty="0"/>
+              <a:rPr lang="en-US" smtClean="0"/>
               <a:t>‹#›</a:t>
             </a:fld>
             <a:endParaRPr lang="en-US" dirty="0"/>
@@ -8601,6 +8668,11 @@
         </p:txBody>
       </p:sp>
     </p:spTree>
+    <p:extLst>
+      <p:ext uri="{BB962C8B-B14F-4D97-AF65-F5344CB8AC3E}">
+        <p14:creationId xmlns:p14="http://schemas.microsoft.com/office/powerpoint/2010/main" val="1382509396"/>
+      </p:ext>
+    </p:extLst>
   </p:cSld>
   <p:clrMapOvr>
     <a:masterClrMapping/>
@@ -8664,7 +8736,7 @@
           <a:lstStyle/>
           <a:p>
             <a:fld id="{48A87A34-81AB-432B-8DAE-1953F412C126}" type="datetimeFigureOut">
-              <a:rPr lang="en-US" dirty="0"/>
+              <a:rPr lang="en-US" smtClean="0"/>
               <a:t>11/30/2023</a:t>
             </a:fld>
             <a:endParaRPr lang="en-US" dirty="0"/>
@@ -8706,7 +8778,7 @@
           <a:lstStyle/>
           <a:p>
             <a:fld id="{6D22F896-40B5-4ADD-8801-0D06FADFA095}" type="slidenum">
-              <a:rPr lang="en-US" dirty="0"/>
+              <a:rPr lang="en-US" smtClean="0"/>
               <a:t>‹#›</a:t>
             </a:fld>
             <a:endParaRPr lang="en-US" dirty="0"/>
@@ -8714,6 +8786,11 @@
         </p:txBody>
       </p:sp>
     </p:spTree>
+    <p:extLst>
+      <p:ext uri="{BB962C8B-B14F-4D97-AF65-F5344CB8AC3E}">
+        <p14:creationId xmlns:p14="http://schemas.microsoft.com/office/powerpoint/2010/main" val="2809787912"/>
+      </p:ext>
+    </p:extLst>
   </p:cSld>
   <p:clrMapOvr>
     <a:masterClrMapping/>
@@ -8754,7 +8831,7 @@
           <a:lstStyle/>
           <a:p>
             <a:fld id="{48A87A34-81AB-432B-8DAE-1953F412C126}" type="datetimeFigureOut">
-              <a:rPr lang="en-US" dirty="0"/>
+              <a:rPr lang="en-US" smtClean="0"/>
               <a:t>11/30/2023</a:t>
             </a:fld>
             <a:endParaRPr lang="en-US" dirty="0"/>
@@ -8796,7 +8873,7 @@
           <a:lstStyle/>
           <a:p>
             <a:fld id="{6D22F896-40B5-4ADD-8801-0D06FADFA095}" type="slidenum">
-              <a:rPr lang="en-US" dirty="0"/>
+              <a:rPr lang="en-US" smtClean="0"/>
               <a:t>‹#›</a:t>
             </a:fld>
             <a:endParaRPr lang="en-US" dirty="0"/>
@@ -8804,6 +8881,11 @@
         </p:txBody>
       </p:sp>
     </p:spTree>
+    <p:extLst>
+      <p:ext uri="{BB962C8B-B14F-4D97-AF65-F5344CB8AC3E}">
+        <p14:creationId xmlns:p14="http://schemas.microsoft.com/office/powerpoint/2010/main" val="265730511"/>
+      </p:ext>
+    </p:extLst>
   </p:cSld>
   <p:clrMapOvr>
     <a:masterClrMapping/>
@@ -9030,7 +9112,7 @@
           <a:lstStyle/>
           <a:p>
             <a:fld id="{48A87A34-81AB-432B-8DAE-1953F412C126}" type="datetimeFigureOut">
-              <a:rPr lang="en-US" dirty="0"/>
+              <a:rPr lang="en-US" smtClean="0"/>
               <a:t>11/30/2023</a:t>
             </a:fld>
             <a:endParaRPr lang="en-US" dirty="0"/>
@@ -9072,7 +9154,7 @@
           <a:lstStyle/>
           <a:p>
             <a:fld id="{6D22F896-40B5-4ADD-8801-0D06FADFA095}" type="slidenum">
-              <a:rPr lang="en-US" dirty="0"/>
+              <a:rPr lang="en-US" smtClean="0"/>
               <a:t>‹#›</a:t>
             </a:fld>
             <a:endParaRPr lang="en-US" dirty="0"/>
@@ -9080,6 +9162,11 @@
         </p:txBody>
       </p:sp>
     </p:spTree>
+    <p:extLst>
+      <p:ext uri="{BB962C8B-B14F-4D97-AF65-F5344CB8AC3E}">
+        <p14:creationId xmlns:p14="http://schemas.microsoft.com/office/powerpoint/2010/main" val="1575352254"/>
+      </p:ext>
+    </p:extLst>
   </p:cSld>
   <p:clrMapOvr>
     <a:masterClrMapping/>
@@ -9305,7 +9392,7 @@
           <a:lstStyle/>
           <a:p>
             <a:fld id="{48A87A34-81AB-432B-8DAE-1953F412C126}" type="datetimeFigureOut">
-              <a:rPr lang="en-US" dirty="0"/>
+              <a:rPr lang="en-US" smtClean="0"/>
               <a:t>11/30/2023</a:t>
             </a:fld>
             <a:endParaRPr lang="en-US" dirty="0"/>
@@ -9347,7 +9434,7 @@
           <a:lstStyle/>
           <a:p>
             <a:fld id="{6D22F896-40B5-4ADD-8801-0D06FADFA095}" type="slidenum">
-              <a:rPr lang="en-US" dirty="0"/>
+              <a:rPr lang="en-US" smtClean="0"/>
               <a:t>‹#›</a:t>
             </a:fld>
             <a:endParaRPr lang="en-US" dirty="0"/>
@@ -9355,6 +9442,11 @@
         </p:txBody>
       </p:sp>
     </p:spTree>
+    <p:extLst>
+      <p:ext uri="{BB962C8B-B14F-4D97-AF65-F5344CB8AC3E}">
+        <p14:creationId xmlns:p14="http://schemas.microsoft.com/office/powerpoint/2010/main" val="2602428233"/>
+      </p:ext>
+    </p:extLst>
   </p:cSld>
   <p:clrMapOvr>
     <a:masterClrMapping/>
@@ -9395,6 +9487,13 @@
         <p:blipFill>
           <a:blip r:embed="rId19">
             <a:alphaModFix amt="30000"/>
+            <a:duotone>
+              <a:prstClr val="black"/>
+              <a:schemeClr val="tx2">
+                <a:tint val="45000"/>
+                <a:satMod val="400000"/>
+              </a:schemeClr>
+            </a:duotone>
             <a:extLst>
               <a:ext uri="{28A0092B-C50C-407E-A947-70E740481C1C}">
                 <a14:useLocalDpi xmlns:a14="http://schemas.microsoft.com/office/drawing/2010/main" val="0"/>
@@ -12409,7 +12508,7 @@
           </a:lstStyle>
           <a:p>
             <a:fld id="{48A87A34-81AB-432B-8DAE-1953F412C126}" type="datetimeFigureOut">
-              <a:rPr lang="en-US" dirty="0"/>
+              <a:rPr lang="en-US" smtClean="0"/>
               <a:pPr/>
               <a:t>11/30/2023</a:t>
             </a:fld>
@@ -12488,7 +12587,7 @@
           </a:lstStyle>
           <a:p>
             <a:fld id="{6D22F896-40B5-4ADD-8801-0D06FADFA095}" type="slidenum">
-              <a:rPr lang="en-US" dirty="0"/>
+              <a:rPr lang="en-US" smtClean="0"/>
               <a:pPr/>
               <a:t>‹#›</a:t>
             </a:fld>
@@ -12497,26 +12596,31 @@
         </p:txBody>
       </p:sp>
     </p:spTree>
+    <p:extLst>
+      <p:ext uri="{BB962C8B-B14F-4D97-AF65-F5344CB8AC3E}">
+        <p14:creationId xmlns:p14="http://schemas.microsoft.com/office/powerpoint/2010/main" val="328628072"/>
+      </p:ext>
+    </p:extLst>
   </p:cSld>
   <p:clrMap bg1="dk1" tx1="lt1" bg2="dk2" tx2="lt2" accent1="accent1" accent2="accent2" accent3="accent3" accent4="accent4" accent5="accent5" accent6="accent6" hlink="hlink" folHlink="folHlink"/>
   <p:sldLayoutIdLst>
-    <p:sldLayoutId id="2147483649" r:id="rId1"/>
-    <p:sldLayoutId id="2147483650" r:id="rId2"/>
-    <p:sldLayoutId id="2147483651" r:id="rId3"/>
-    <p:sldLayoutId id="2147483652" r:id="rId4"/>
-    <p:sldLayoutId id="2147483653" r:id="rId5"/>
-    <p:sldLayoutId id="2147483654" r:id="rId6"/>
-    <p:sldLayoutId id="2147483655" r:id="rId7"/>
-    <p:sldLayoutId id="2147483656" r:id="rId8"/>
-    <p:sldLayoutId id="2147483657" r:id="rId9"/>
-    <p:sldLayoutId id="2147483660" r:id="rId10"/>
-    <p:sldLayoutId id="2147483661" r:id="rId11"/>
-    <p:sldLayoutId id="2147483666" r:id="rId12"/>
-    <p:sldLayoutId id="2147483663" r:id="rId13"/>
-    <p:sldLayoutId id="2147483667" r:id="rId14"/>
-    <p:sldLayoutId id="2147483668" r:id="rId15"/>
-    <p:sldLayoutId id="2147483658" r:id="rId16"/>
-    <p:sldLayoutId id="2147483659" r:id="rId17"/>
+    <p:sldLayoutId id="2147483670" r:id="rId1"/>
+    <p:sldLayoutId id="2147483671" r:id="rId2"/>
+    <p:sldLayoutId id="2147483672" r:id="rId3"/>
+    <p:sldLayoutId id="2147483673" r:id="rId4"/>
+    <p:sldLayoutId id="2147483674" r:id="rId5"/>
+    <p:sldLayoutId id="2147483675" r:id="rId6"/>
+    <p:sldLayoutId id="2147483676" r:id="rId7"/>
+    <p:sldLayoutId id="2147483677" r:id="rId8"/>
+    <p:sldLayoutId id="2147483678" r:id="rId9"/>
+    <p:sldLayoutId id="2147483679" r:id="rId10"/>
+    <p:sldLayoutId id="2147483680" r:id="rId11"/>
+    <p:sldLayoutId id="2147483681" r:id="rId12"/>
+    <p:sldLayoutId id="2147483682" r:id="rId13"/>
+    <p:sldLayoutId id="2147483683" r:id="rId14"/>
+    <p:sldLayoutId id="2147483684" r:id="rId15"/>
+    <p:sldLayoutId id="2147483685" r:id="rId16"/>
+    <p:sldLayoutId id="2147483686" r:id="rId17"/>
   </p:sldLayoutIdLst>
   <p:txStyles>
     <p:titleStyle>
@@ -12532,6 +12636,13 @@
           <a:solidFill>
             <a:schemeClr val="tx1"/>
           </a:solidFill>
+          <a:effectLst>
+            <a:outerShdw blurRad="177800" dist="38100" dir="2700000" algn="tl">
+              <a:srgbClr val="000000">
+                <a:alpha val="24000"/>
+              </a:srgbClr>
+            </a:outerShdw>
+          </a:effectLst>
           <a:latin typeface="+mj-lt"/>
           <a:ea typeface="+mj-ea"/>
           <a:cs typeface="+mj-cs"/>
@@ -12553,6 +12664,13 @@
           <a:solidFill>
             <a:schemeClr val="tx1"/>
           </a:solidFill>
+          <a:effectLst>
+            <a:outerShdw blurRad="152400" dist="38100" dir="2700000" algn="tl">
+              <a:srgbClr val="000000">
+                <a:alpha val="36000"/>
+              </a:srgbClr>
+            </a:outerShdw>
+          </a:effectLst>
           <a:latin typeface="+mn-lt"/>
           <a:ea typeface="+mn-ea"/>
           <a:cs typeface="+mn-cs"/>
@@ -12572,6 +12690,13 @@
           <a:solidFill>
             <a:schemeClr val="tx1"/>
           </a:solidFill>
+          <a:effectLst>
+            <a:outerShdw blurRad="152400" dist="38100" dir="2700000" algn="tl">
+              <a:srgbClr val="000000">
+                <a:alpha val="36000"/>
+              </a:srgbClr>
+            </a:outerShdw>
+          </a:effectLst>
           <a:latin typeface="+mn-lt"/>
           <a:ea typeface="+mn-ea"/>
           <a:cs typeface="+mn-cs"/>
@@ -12591,6 +12716,13 @@
           <a:solidFill>
             <a:schemeClr val="tx1"/>
           </a:solidFill>
+          <a:effectLst>
+            <a:outerShdw blurRad="152400" dist="38100" dir="2700000" algn="tl">
+              <a:srgbClr val="000000">
+                <a:alpha val="36000"/>
+              </a:srgbClr>
+            </a:outerShdw>
+          </a:effectLst>
           <a:latin typeface="+mn-lt"/>
           <a:ea typeface="+mn-ea"/>
           <a:cs typeface="+mn-cs"/>
@@ -12610,6 +12742,13 @@
           <a:solidFill>
             <a:schemeClr val="tx1"/>
           </a:solidFill>
+          <a:effectLst>
+            <a:outerShdw blurRad="152400" dist="38100" dir="2700000" algn="tl">
+              <a:srgbClr val="000000">
+                <a:alpha val="36000"/>
+              </a:srgbClr>
+            </a:outerShdw>
+          </a:effectLst>
           <a:latin typeface="+mn-lt"/>
           <a:ea typeface="+mn-ea"/>
           <a:cs typeface="+mn-cs"/>
@@ -12629,6 +12768,13 @@
           <a:solidFill>
             <a:schemeClr val="tx1"/>
           </a:solidFill>
+          <a:effectLst>
+            <a:outerShdw blurRad="152400" dist="38100" dir="2700000" algn="tl">
+              <a:srgbClr val="000000">
+                <a:alpha val="36000"/>
+              </a:srgbClr>
+            </a:outerShdw>
+          </a:effectLst>
           <a:latin typeface="+mn-lt"/>
           <a:ea typeface="+mn-ea"/>
           <a:cs typeface="+mn-cs"/>
@@ -12998,17 +13144,23 @@
           </a:p>
           <a:p>
             <a:r>
-              <a:rPr lang="ja-JP" altLang="en-US" dirty="0">
+              <a:rPr lang="ja-JP" altLang="en-US" u="sng" dirty="0">
                 <a:solidFill>
                   <a:srgbClr val="FF0000"/>
                 </a:solidFill>
+                <a:highlight>
+                  <a:srgbClr val="FFFF00"/>
+                </a:highlight>
               </a:rPr>
               <a:t>ビジネスアイディアの概要</a:t>
             </a:r>
-            <a:endParaRPr lang="en-US" altLang="ja-JP" dirty="0">
+            <a:endParaRPr lang="en-US" altLang="ja-JP" u="sng" dirty="0">
               <a:solidFill>
                 <a:srgbClr val="FF0000"/>
               </a:solidFill>
+              <a:highlight>
+                <a:srgbClr val="FFFF00"/>
+              </a:highlight>
             </a:endParaRPr>
           </a:p>
           <a:p>
@@ -13167,7 +13319,12 @@
             <p:ph idx="1"/>
           </p:nvPr>
         </p:nvSpPr>
-        <p:spPr/>
+        <p:spPr>
+          <a:xfrm>
+            <a:off x="1141412" y="2249486"/>
+            <a:ext cx="9905999" cy="4313546"/>
+          </a:xfrm>
+        </p:spPr>
         <p:txBody>
           <a:bodyPr>
             <a:normAutofit fontScale="62500" lnSpcReduction="20000"/>
@@ -13192,6 +13349,9 @@
             <a:endParaRPr lang="en-US" altLang="ja-JP" dirty="0"/>
           </a:p>
           <a:p>
+            <a:pPr marL="0" indent="0">
+              <a:buNone/>
+            </a:pPr>
             <a:r>
               <a:rPr lang="ja-JP" altLang="en-US" dirty="0"/>
               <a:t>①</a:t>
@@ -13207,6 +13367,9 @@
             <a:endParaRPr lang="en-US" altLang="ja-JP" dirty="0"/>
           </a:p>
           <a:p>
+            <a:pPr marL="0" indent="0">
+              <a:buNone/>
+            </a:pPr>
             <a:r>
               <a:rPr lang="ja-JP" altLang="en-US" dirty="0"/>
               <a:t>⇒クラウド上の学習プラットフォーム及び</a:t>
@@ -13222,22 +13385,99 @@
             <a:endParaRPr lang="en-US" altLang="ja-JP" dirty="0"/>
           </a:p>
           <a:p>
+            <a:pPr marL="0" indent="0">
+              <a:buNone/>
+            </a:pPr>
             <a:r>
               <a:rPr lang="ja-JP" altLang="en-US" dirty="0">
                 <a:effectLst/>
               </a:rPr>
-              <a:t>　 学生向けの初心者レベルや企業研修等の実業務レベルなど受講者に合わせた幅広いカリキュラムを想定</a:t>
+              <a:t>　 高等教育機関向けの演習レベルや企業研修等の実業務レベルなど受講者に合わせた幅広いカリキュラムを想定</a:t>
             </a:r>
             <a:endParaRPr lang="en-US" altLang="ja-JP" dirty="0">
               <a:effectLst/>
             </a:endParaRPr>
           </a:p>
           <a:p>
+            <a:pPr marL="0" indent="0">
+              <a:buNone/>
+            </a:pPr>
+            <a:r>
+              <a:rPr lang="ja-JP" altLang="en-US" dirty="0">
+                <a:effectLst/>
+              </a:rPr>
+              <a:t>　 </a:t>
+            </a:r>
+            <a:r>
+              <a:rPr lang="en-US" altLang="ja-JP" dirty="0">
+                <a:solidFill>
+                  <a:srgbClr val="FF0000"/>
+                </a:solidFill>
+                <a:effectLst/>
+                <a:highlight>
+                  <a:srgbClr val="FFFF00"/>
+                </a:highlight>
+              </a:rPr>
+              <a:t>※</a:t>
+            </a:r>
+            <a:r>
+              <a:rPr lang="ja-JP" altLang="en-US" dirty="0">
+                <a:solidFill>
+                  <a:srgbClr val="FF0000"/>
+                </a:solidFill>
+                <a:effectLst/>
+                <a:highlight>
+                  <a:srgbClr val="FFFF00"/>
+                </a:highlight>
+              </a:rPr>
+              <a:t>立ち上げ当初は</a:t>
+            </a:r>
+            <a:r>
+              <a:rPr lang="en-US" altLang="ja-JP" dirty="0">
+                <a:solidFill>
+                  <a:srgbClr val="FF0000"/>
+                </a:solidFill>
+                <a:effectLst/>
+                <a:highlight>
+                  <a:srgbClr val="FFFF00"/>
+                </a:highlight>
+              </a:rPr>
+              <a:t>KIDS</a:t>
+            </a:r>
+            <a:r>
+              <a:rPr lang="ja-JP" altLang="en-US" dirty="0">
+                <a:solidFill>
+                  <a:srgbClr val="FF0000"/>
+                </a:solidFill>
+                <a:effectLst/>
+                <a:highlight>
+                  <a:srgbClr val="FFFF00"/>
+                </a:highlight>
+              </a:rPr>
+              <a:t>向けのプログラミング学習サービスとして市内の小学校を足掛かりに展開</a:t>
+            </a:r>
             <a:endParaRPr lang="en-US" altLang="ja-JP" dirty="0">
+              <a:solidFill>
+                <a:srgbClr val="FF0000"/>
+              </a:solidFill>
+              <a:effectLst/>
+              <a:highlight>
+                <a:srgbClr val="FFFF00"/>
+              </a:highlight>
+            </a:endParaRPr>
+          </a:p>
+          <a:p>
+            <a:endParaRPr lang="en-US" altLang="ja-JP" dirty="0">
+              <a:solidFill>
+                <a:srgbClr val="FF0000"/>
+              </a:solidFill>
               <a:effectLst/>
             </a:endParaRPr>
           </a:p>
           <a:p>
+            <a:pPr marL="0" indent="0">
+              <a:buNone/>
+            </a:pPr>
             <a:r>
               <a:rPr lang="ja-JP" altLang="en-US" dirty="0">
                 <a:effectLst/>
@@ -13259,6 +13499,9 @@
             </a:endParaRPr>
           </a:p>
           <a:p>
+            <a:pPr marL="0" indent="0">
+              <a:buNone/>
+            </a:pPr>
             <a:r>
               <a:rPr lang="ja-JP" altLang="en-US" dirty="0">
                 <a:effectLst/>
@@ -13282,6 +13525,9 @@
             </a:endParaRPr>
           </a:p>
           <a:p>
+            <a:pPr marL="0" indent="0">
+              <a:buNone/>
+            </a:pPr>
             <a:r>
               <a:rPr lang="ja-JP" altLang="en-US" dirty="0"/>
               <a:t>　 </a:t>
@@ -13308,13 +13554,16 @@
             </a:r>
             <a:r>
               <a:rPr lang="ja-JP" altLang="en-US" dirty="0"/>
-              <a:t>サービス開発が可能な環境を想定</a:t>
+              <a:t>サービス開発が即時可能な環境を想定</a:t>
             </a:r>
             <a:endParaRPr lang="en-US" altLang="ja-JP" dirty="0">
               <a:effectLst/>
             </a:endParaRPr>
           </a:p>
           <a:p>
+            <a:pPr marL="0" indent="0">
+              <a:buNone/>
+            </a:pPr>
             <a:r>
               <a:rPr lang="ja-JP" altLang="en-US" dirty="0">
                 <a:effectLst/>
@@ -13457,17 +13706,23 @@
           </a:p>
           <a:p>
             <a:r>
-              <a:rPr kumimoji="1" lang="ja-JP" altLang="en-US" dirty="0">
+              <a:rPr kumimoji="1" lang="ja-JP" altLang="en-US" u="sng" dirty="0">
                 <a:solidFill>
                   <a:srgbClr val="FF0000"/>
                 </a:solidFill>
+                <a:highlight>
+                  <a:srgbClr val="FFFF00"/>
+                </a:highlight>
               </a:rPr>
               <a:t>ターゲット市場</a:t>
             </a:r>
-            <a:endParaRPr kumimoji="1" lang="en-US" altLang="ja-JP" dirty="0">
+            <a:endParaRPr kumimoji="1" lang="en-US" altLang="ja-JP" u="sng" dirty="0">
               <a:solidFill>
                 <a:srgbClr val="FF0000"/>
               </a:solidFill>
+              <a:highlight>
+                <a:srgbClr val="FFFF00"/>
+              </a:highlight>
             </a:endParaRPr>
           </a:p>
           <a:p>
@@ -13601,7 +13856,7 @@
           <a:lstStyle/>
           <a:p>
             <a:r>
-              <a:rPr lang="ja-JP" altLang="en-US" dirty="0">
+              <a:rPr lang="ja-JP" altLang="en-US" u="sng" dirty="0">
                 <a:effectLst/>
               </a:rPr>
               <a:t>対象範囲</a:t>
@@ -13616,7 +13871,7 @@
               <a:rPr lang="ja-JP" altLang="en-US" dirty="0">
                 <a:effectLst/>
               </a:rPr>
-              <a:t>高等教育機関（高専</a:t>
+              <a:t>教育機関（小学校～高校</a:t>
             </a:r>
             <a:r>
               <a:rPr lang="en-US" altLang="ja-JP" dirty="0">
@@ -13628,7 +13883,7 @@
               <a:rPr lang="ja-JP" altLang="en-US" dirty="0">
                 <a:effectLst/>
               </a:rPr>
-              <a:t>大学）</a:t>
+              <a:t>高専～大学）</a:t>
             </a:r>
           </a:p>
           <a:p>
@@ -13698,13 +13953,16 @@
             </a:r>
           </a:p>
           <a:p>
-            <a:pPr>
-              <a:buFont typeface="+mj-lt"/>
-              <a:buAutoNum type="arabicPeriod"/>
+            <a:pPr marL="0" indent="0">
+              <a:buNone/>
             </a:pPr>
             <a:r>
+              <a:rPr lang="en-US" altLang="ja-JP" dirty="0"/>
+              <a:t>※</a:t>
+            </a:r>
+            <a:r>
               <a:rPr lang="ja-JP" altLang="en-US" dirty="0"/>
-              <a:t>社内活用（</a:t>
+              <a:t>社内活動にも応用可能（</a:t>
             </a:r>
             <a:r>
               <a:rPr lang="en-US" altLang="ja-JP" dirty="0"/>
@@ -13847,25 +14105,34 @@
           </a:p>
           <a:p>
             <a:r>
-              <a:rPr lang="ja-JP" altLang="en-US" dirty="0">
+              <a:rPr lang="ja-JP" altLang="en-US" u="sng" dirty="0">
                 <a:solidFill>
                   <a:srgbClr val="FF0000"/>
                 </a:solidFill>
+                <a:highlight>
+                  <a:srgbClr val="FFFF00"/>
+                </a:highlight>
               </a:rPr>
               <a:t>効果</a:t>
             </a:r>
             <a:r>
-              <a:rPr kumimoji="1" lang="ja-JP" altLang="en-US" dirty="0">
+              <a:rPr kumimoji="1" lang="ja-JP" altLang="en-US" u="sng" dirty="0">
                 <a:solidFill>
                   <a:srgbClr val="FF0000"/>
                 </a:solidFill>
+                <a:highlight>
+                  <a:srgbClr val="FFFF00"/>
+                </a:highlight>
               </a:rPr>
               <a:t>（顧客側のメリット）</a:t>
             </a:r>
-            <a:endParaRPr lang="en-US" altLang="ja-JP" dirty="0">
+            <a:endParaRPr lang="en-US" altLang="ja-JP" u="sng" dirty="0">
               <a:solidFill>
                 <a:srgbClr val="FF0000"/>
               </a:solidFill>
+              <a:highlight>
+                <a:srgbClr val="FFFF00"/>
+              </a:highlight>
             </a:endParaRPr>
           </a:p>
           <a:p>
@@ -13999,22 +14266,52 @@
             <p:ph idx="1"/>
           </p:nvPr>
         </p:nvSpPr>
-        <p:spPr/>
+        <p:spPr>
+          <a:xfrm>
+            <a:off x="1141412" y="2249486"/>
+            <a:ext cx="9905999" cy="4284049"/>
+          </a:xfrm>
+        </p:spPr>
         <p:txBody>
           <a:bodyPr>
-            <a:normAutofit fontScale="62500" lnSpcReduction="20000"/>
+            <a:normAutofit fontScale="85000" lnSpcReduction="20000"/>
           </a:bodyPr>
           <a:lstStyle/>
           <a:p>
             <a:r>
-              <a:rPr kumimoji="1" lang="en-US" altLang="ja-JP" dirty="0"/>
+              <a:rPr kumimoji="1" lang="ja-JP" altLang="en-US" u="sng" dirty="0"/>
+              <a:t>次世代の</a:t>
+            </a:r>
+            <a:r>
+              <a:rPr kumimoji="1" lang="en-US" altLang="ja-JP" u="sng" dirty="0"/>
               <a:t>IT</a:t>
             </a:r>
             <a:r>
+              <a:rPr kumimoji="1" lang="ja-JP" altLang="en-US" u="sng" dirty="0"/>
+              <a:t>人材育成の足がかり</a:t>
+            </a:r>
+            <a:endParaRPr kumimoji="1" lang="en-US" altLang="ja-JP" u="sng" dirty="0"/>
+          </a:p>
+          <a:p>
+            <a:pPr marL="0" indent="0">
+              <a:buNone/>
+            </a:pPr>
+            <a:r>
               <a:rPr kumimoji="1" lang="ja-JP" altLang="en-US" dirty="0"/>
+              <a:t>⇒プログラミング教育のハードルが下がり学校教育のカリキュラムとして適用できる</a:t>
+            </a:r>
+            <a:endParaRPr kumimoji="1" lang="en-US" altLang="ja-JP" dirty="0"/>
+          </a:p>
+          <a:p>
+            <a:r>
+              <a:rPr kumimoji="1" lang="en-US" altLang="ja-JP" u="sng" dirty="0"/>
+              <a:t>IT</a:t>
+            </a:r>
+            <a:r>
+              <a:rPr kumimoji="1" lang="ja-JP" altLang="en-US" u="sng" dirty="0"/>
               <a:t>人材の教育・育成コストの削減</a:t>
             </a:r>
-            <a:endParaRPr kumimoji="1" lang="en-US" altLang="ja-JP" dirty="0"/>
+            <a:endParaRPr kumimoji="1" lang="en-US" altLang="ja-JP" u="sng" dirty="0"/>
           </a:p>
           <a:p>
             <a:pPr marL="0" indent="0">
@@ -14027,14 +14324,11 @@
             <a:endParaRPr lang="en-US" altLang="ja-JP" dirty="0"/>
           </a:p>
           <a:p>
-            <a:endParaRPr lang="en-US" altLang="ja-JP" dirty="0"/>
-          </a:p>
-          <a:p>
-            <a:r>
-              <a:rPr lang="ja-JP" altLang="en-US" dirty="0"/>
-              <a:t>学習時間を選ばずに受講可能なクラウドプラットフォーム</a:t>
-            </a:r>
-            <a:endParaRPr lang="en-US" altLang="ja-JP" dirty="0"/>
+            <a:r>
+              <a:rPr lang="ja-JP" altLang="en-US" u="sng" dirty="0"/>
+              <a:t>クラウドプラットフォームによりいつでもどこでも受講可能</a:t>
+            </a:r>
+            <a:endParaRPr lang="en-US" altLang="ja-JP" u="sng" dirty="0"/>
           </a:p>
           <a:p>
             <a:pPr marL="0" indent="0">
@@ -14055,14 +14349,11 @@
             <a:endParaRPr lang="en-US" altLang="ja-JP" dirty="0"/>
           </a:p>
           <a:p>
-            <a:endParaRPr lang="en-US" altLang="ja-JP" dirty="0"/>
-          </a:p>
-          <a:p>
-            <a:r>
-              <a:rPr lang="ja-JP" altLang="en-US" dirty="0"/>
-              <a:t>実際のソフト開発境を模擬した実践的な開発環境</a:t>
-            </a:r>
-            <a:endParaRPr lang="en-US" altLang="ja-JP" dirty="0"/>
+            <a:r>
+              <a:rPr lang="ja-JP" altLang="en-US" u="sng" dirty="0"/>
+              <a:t>実際のソフト開発環境を模擬した実践的な開発環境</a:t>
+            </a:r>
+            <a:endParaRPr lang="en-US" altLang="ja-JP" u="sng" dirty="0"/>
           </a:p>
           <a:p>
             <a:pPr marL="0" indent="0">
@@ -14244,7 +14535,12 @@
             <p:ph idx="1"/>
           </p:nvPr>
         </p:nvSpPr>
-        <p:spPr/>
+        <p:spPr>
+          <a:xfrm>
+            <a:off x="1141412" y="2249486"/>
+            <a:ext cx="9905999" cy="3989995"/>
+          </a:xfrm>
+        </p:spPr>
         <p:txBody>
           <a:bodyPr>
             <a:normAutofit fontScale="85000" lnSpcReduction="20000"/>
@@ -14252,8 +14548,26 @@
           <a:lstStyle/>
           <a:p>
             <a:r>
+              <a:rPr kumimoji="1" lang="ja-JP" altLang="en-US" u="sng" dirty="0"/>
+              <a:t>新規</a:t>
+            </a:r>
+            <a:r>
+              <a:rPr kumimoji="1" lang="en-US" altLang="ja-JP" u="sng" dirty="0"/>
+              <a:t>IT</a:t>
+            </a:r>
+            <a:r>
+              <a:rPr kumimoji="1" lang="ja-JP" altLang="en-US" u="sng" dirty="0"/>
+              <a:t>サービス創出の活性化</a:t>
+            </a:r>
+            <a:endParaRPr kumimoji="1" lang="en-US" altLang="ja-JP" u="sng" dirty="0"/>
+          </a:p>
+          <a:p>
+            <a:pPr marL="0" indent="0">
+              <a:buNone/>
+            </a:pPr>
+            <a:r>
               <a:rPr kumimoji="1" lang="ja-JP" altLang="en-US" dirty="0"/>
-              <a:t>新規</a:t>
+              <a:t>⇒開発環境が整っているため新規</a:t>
             </a:r>
             <a:r>
               <a:rPr kumimoji="1" lang="en-US" altLang="ja-JP" dirty="0"/>
@@ -14261,45 +14575,27 @@
             </a:r>
             <a:r>
               <a:rPr kumimoji="1" lang="ja-JP" altLang="en-US" dirty="0"/>
-              <a:t>サービス創出の活性化</a:t>
+              <a:t>サービスのトライアル開発が容易になる</a:t>
             </a:r>
             <a:endParaRPr kumimoji="1" lang="en-US" altLang="ja-JP" dirty="0"/>
           </a:p>
           <a:p>
-            <a:pPr marL="0" indent="0">
-              <a:buNone/>
-            </a:pPr>
-            <a:r>
-              <a:rPr kumimoji="1" lang="ja-JP" altLang="en-US" dirty="0"/>
-              <a:t>⇒開発環境が整っているため新規</a:t>
-            </a:r>
-            <a:r>
-              <a:rPr kumimoji="1" lang="en-US" altLang="ja-JP" dirty="0"/>
-              <a:t>IT</a:t>
-            </a:r>
-            <a:r>
-              <a:rPr kumimoji="1" lang="ja-JP" altLang="en-US" dirty="0"/>
-              <a:t>サービスのトライアル開発が容易になる</a:t>
-            </a:r>
-            <a:endParaRPr kumimoji="1" lang="en-US" altLang="ja-JP" dirty="0"/>
-          </a:p>
-          <a:p>
             <a:endParaRPr kumimoji="1" lang="ja-JP" altLang="en-US" dirty="0"/>
           </a:p>
           <a:p>
             <a:r>
-              <a:rPr kumimoji="1" lang="en-US" altLang="ja-JP" dirty="0"/>
+              <a:rPr kumimoji="1" lang="en-US" altLang="ja-JP" u="sng" dirty="0"/>
               <a:t>CI/CD</a:t>
             </a:r>
             <a:r>
-              <a:rPr kumimoji="1" lang="ja-JP" altLang="en-US" dirty="0"/>
+              <a:rPr kumimoji="1" lang="ja-JP" altLang="en-US" u="sng" dirty="0"/>
               <a:t>環境による</a:t>
             </a:r>
             <a:r>
-              <a:rPr lang="ja-JP" altLang="en-US" dirty="0"/>
+              <a:rPr lang="ja-JP" altLang="en-US" u="sng" dirty="0"/>
               <a:t>ソフト開発効率化</a:t>
             </a:r>
-            <a:endParaRPr lang="en-US" altLang="ja-JP" dirty="0"/>
+            <a:endParaRPr lang="en-US" altLang="ja-JP" u="sng" dirty="0"/>
           </a:p>
           <a:p>
             <a:pPr marL="0" indent="0">
@@ -14332,16 +14628,34 @@
           </a:p>
           <a:p>
             <a:r>
+              <a:rPr kumimoji="1" lang="ja-JP" altLang="en-US" u="sng" dirty="0"/>
+              <a:t>組み込みソフト開発向けとして各種マイコンに対応した</a:t>
+            </a:r>
+            <a:r>
+              <a:rPr kumimoji="1" lang="en-US" altLang="ja-JP" u="sng" dirty="0"/>
+              <a:t>HW</a:t>
+            </a:r>
+            <a:r>
+              <a:rPr kumimoji="1" lang="ja-JP" altLang="en-US" u="sng" dirty="0"/>
+              <a:t>デバッグの支援</a:t>
+            </a:r>
+            <a:endParaRPr kumimoji="1" lang="en-US" altLang="ja-JP" u="sng" dirty="0"/>
+          </a:p>
+          <a:p>
+            <a:pPr marL="0" indent="0">
+              <a:buNone/>
+            </a:pPr>
+            <a:r>
               <a:rPr kumimoji="1" lang="ja-JP" altLang="en-US" dirty="0"/>
-              <a:t>組み込みソフト開発向けとして各種マイコンに対応した</a:t>
+              <a:t>⇒多種多様なマイコン</a:t>
             </a:r>
             <a:r>
               <a:rPr kumimoji="1" lang="en-US" altLang="ja-JP" dirty="0"/>
-              <a:t>HW</a:t>
+              <a:t>/</a:t>
             </a:r>
             <a:r>
               <a:rPr kumimoji="1" lang="ja-JP" altLang="en-US" dirty="0"/>
-              <a:t>デバッグの支援</a:t>
+              <a:t>コンパイラに対応</a:t>
             </a:r>
             <a:endParaRPr kumimoji="1" lang="en-US" altLang="ja-JP" dirty="0"/>
           </a:p>
@@ -14351,7 +14665,7 @@
             </a:pPr>
             <a:r>
               <a:rPr kumimoji="1" lang="ja-JP" altLang="en-US" dirty="0"/>
-              <a:t>⇒実機</a:t>
+              <a:t>　 実機</a:t>
             </a:r>
             <a:r>
               <a:rPr kumimoji="1" lang="en-US" altLang="ja-JP" dirty="0"/>
@@ -14359,7 +14673,7 @@
             </a:r>
             <a:r>
               <a:rPr kumimoji="1" lang="ja-JP" altLang="en-US" dirty="0"/>
-              <a:t>専用機材での評価をリモート</a:t>
+              <a:t>専用機材の操作をリモート化</a:t>
             </a:r>
             <a:r>
               <a:rPr kumimoji="1" lang="en-US" altLang="ja-JP" dirty="0"/>
@@ -14500,41 +14814,56 @@
           </a:p>
           <a:p>
             <a:r>
-              <a:rPr lang="ja-JP" altLang="en-US" dirty="0">
+              <a:rPr lang="ja-JP" altLang="en-US" u="sng" dirty="0">
                 <a:solidFill>
                   <a:srgbClr val="FF0000"/>
                 </a:solidFill>
+                <a:highlight>
+                  <a:srgbClr val="FFFF00"/>
+                </a:highlight>
               </a:rPr>
               <a:t>効果</a:t>
             </a:r>
             <a:r>
-              <a:rPr kumimoji="1" lang="ja-JP" altLang="en-US" dirty="0">
+              <a:rPr kumimoji="1" lang="ja-JP" altLang="en-US" u="sng" dirty="0">
                 <a:solidFill>
                   <a:srgbClr val="FF0000"/>
                 </a:solidFill>
+                <a:highlight>
+                  <a:srgbClr val="FFFF00"/>
+                </a:highlight>
               </a:rPr>
               <a:t>（</a:t>
             </a:r>
             <a:r>
-              <a:rPr kumimoji="1" lang="en-US" altLang="ja-JP" dirty="0">
+              <a:rPr kumimoji="1" lang="en-US" altLang="ja-JP" u="sng" dirty="0">
                 <a:solidFill>
                   <a:srgbClr val="FF0000"/>
                 </a:solidFill>
+                <a:highlight>
+                  <a:srgbClr val="FFFF00"/>
+                </a:highlight>
               </a:rPr>
               <a:t>NSCS</a:t>
             </a:r>
             <a:r>
-              <a:rPr kumimoji="1" lang="ja-JP" altLang="en-US" dirty="0">
+              <a:rPr kumimoji="1" lang="ja-JP" altLang="en-US" u="sng" dirty="0">
                 <a:solidFill>
                   <a:srgbClr val="FF0000"/>
                 </a:solidFill>
+                <a:highlight>
+                  <a:srgbClr val="FFFF00"/>
+                </a:highlight>
               </a:rPr>
               <a:t>側のメリット）</a:t>
             </a:r>
-            <a:endParaRPr lang="en-US" altLang="ja-JP" dirty="0">
+            <a:endParaRPr lang="en-US" altLang="ja-JP" u="sng" dirty="0">
               <a:solidFill>
                 <a:srgbClr val="FF0000"/>
               </a:solidFill>
+              <a:highlight>
+                <a:srgbClr val="FFFF00"/>
+              </a:highlight>
             </a:endParaRPr>
           </a:p>
           <a:p>
@@ -14647,7 +14976,7 @@
           <a:lstStyle/>
           <a:p>
             <a:r>
-              <a:rPr kumimoji="1" lang="ja-JP" altLang="en-US" dirty="0"/>
+              <a:rPr kumimoji="1" lang="ja-JP" altLang="en-US" u="sng" dirty="0"/>
               <a:t>新たな収益源の確保</a:t>
             </a:r>
           </a:p>
@@ -14683,7 +15012,7 @@
           </a:p>
           <a:p>
             <a:r>
-              <a:rPr kumimoji="1" lang="ja-JP" altLang="en-US" dirty="0"/>
+              <a:rPr kumimoji="1" lang="ja-JP" altLang="en-US" u="sng" dirty="0"/>
               <a:t>幅広いキャリア形成およびモチベーションの向上</a:t>
             </a:r>
           </a:p>
@@ -14851,34 +15180,46 @@
           </a:p>
           <a:p>
             <a:r>
-              <a:rPr kumimoji="1" lang="en-US" altLang="ja-JP" dirty="0">
+              <a:rPr kumimoji="1" lang="en-US" altLang="ja-JP" u="sng" dirty="0">
                 <a:solidFill>
                   <a:srgbClr val="FF0000"/>
                 </a:solidFill>
+                <a:highlight>
+                  <a:srgbClr val="FFFF00"/>
+                </a:highlight>
               </a:rPr>
               <a:t>【</a:t>
             </a:r>
             <a:r>
-              <a:rPr kumimoji="1" lang="ja-JP" altLang="en-US" dirty="0">
+              <a:rPr kumimoji="1" lang="ja-JP" altLang="en-US" u="sng" dirty="0">
                 <a:solidFill>
                   <a:srgbClr val="FF0000"/>
                 </a:solidFill>
+                <a:highlight>
+                  <a:srgbClr val="FFFF00"/>
+                </a:highlight>
               </a:rPr>
               <a:t>参考</a:t>
             </a:r>
             <a:r>
-              <a:rPr kumimoji="1" lang="en-US" altLang="ja-JP" dirty="0">
+              <a:rPr kumimoji="1" lang="en-US" altLang="ja-JP" u="sng" dirty="0">
                 <a:solidFill>
                   <a:srgbClr val="FF0000"/>
                 </a:solidFill>
+                <a:highlight>
+                  <a:srgbClr val="FFFF00"/>
+                </a:highlight>
               </a:rPr>
               <a:t>】</a:t>
             </a:r>
             <a:r>
-              <a:rPr kumimoji="1" lang="ja-JP" altLang="en-US" dirty="0">
+              <a:rPr kumimoji="1" lang="ja-JP" altLang="en-US" u="sng" dirty="0">
                 <a:solidFill>
                   <a:srgbClr val="FF0000"/>
                 </a:solidFill>
+                <a:highlight>
+                  <a:srgbClr val="FFFF00"/>
+                </a:highlight>
               </a:rPr>
               <a:t>他社競合サービス</a:t>
             </a:r>
@@ -15136,10 +15477,15 @@
             <p:ph idx="1"/>
           </p:nvPr>
         </p:nvSpPr>
-        <p:spPr/>
+        <p:spPr>
+          <a:xfrm>
+            <a:off x="1141412" y="2249486"/>
+            <a:ext cx="9905999" cy="4239804"/>
+          </a:xfrm>
+        </p:spPr>
         <p:txBody>
           <a:bodyPr>
-            <a:normAutofit fontScale="55000" lnSpcReduction="20000"/>
+            <a:normAutofit fontScale="70000" lnSpcReduction="20000"/>
           </a:bodyPr>
           <a:lstStyle/>
           <a:p>
@@ -15491,7 +15837,7 @@
           <p:cNvPr id="2" name="タイトル 1">
             <a:extLst>
               <a:ext uri="{FF2B5EF4-FFF2-40B4-BE49-F238E27FC236}">
-                <a16:creationId xmlns:a16="http://schemas.microsoft.com/office/drawing/2014/main" id="{2FBA4CEF-5BDD-7F2A-C3D4-F640FD17C430}"/>
+                <a16:creationId xmlns:a16="http://schemas.microsoft.com/office/drawing/2014/main" id="{7E43A377-1997-E908-8E34-0FA889D9EA07}"/>
               </a:ext>
             </a:extLst>
           </p:cNvPr>
@@ -15504,9 +15850,7 @@
         </p:nvSpPr>
         <p:spPr/>
         <p:txBody>
-          <a:bodyPr>
-            <a:normAutofit/>
-          </a:bodyPr>
+          <a:bodyPr/>
           <a:lstStyle/>
           <a:p>
             <a:r>
@@ -15530,17 +15874,3204 @@
             </a:br>
             <a:r>
               <a:rPr kumimoji="1" lang="ja-JP" altLang="en-US" dirty="0"/>
-              <a:t>クラウドプラットフォーム構想</a:t>
+              <a:t>システム構成イメージ</a:t>
             </a:r>
           </a:p>
         </p:txBody>
       </p:sp>
+      <p:pic>
+        <p:nvPicPr>
+          <p:cNvPr id="23" name="グラフィックス 22">
+            <a:extLst>
+              <a:ext uri="{FF2B5EF4-FFF2-40B4-BE49-F238E27FC236}">
+                <a16:creationId xmlns:a16="http://schemas.microsoft.com/office/drawing/2014/main" id="{7EBC7E7B-5FC4-5F6C-E151-1E1DC7551432}"/>
+              </a:ext>
+            </a:extLst>
+          </p:cNvPr>
+          <p:cNvPicPr>
+            <a:picLocks noChangeAspect="1"/>
+          </p:cNvPicPr>
+          <p:nvPr/>
+        </p:nvPicPr>
+        <p:blipFill>
+          <a:blip r:embed="rId2">
+            <a:extLst>
+              <a:ext uri="{96DAC541-7B7A-43D3-8B79-37D633B846F1}">
+                <asvg:svgBlip xmlns:asvg="http://schemas.microsoft.com/office/drawing/2016/SVG/main" r:embed="rId3"/>
+              </a:ext>
+            </a:extLst>
+          </a:blip>
+          <a:stretch>
+            <a:fillRect/>
+          </a:stretch>
+        </p:blipFill>
+        <p:spPr>
+          <a:xfrm>
+            <a:off x="7236849" y="3057621"/>
+            <a:ext cx="933450" cy="914400"/>
+          </a:xfrm>
+          <a:prstGeom prst="rect">
+            <a:avLst/>
+          </a:prstGeom>
+        </p:spPr>
+      </p:pic>
+      <p:pic>
+        <p:nvPicPr>
+          <p:cNvPr id="25" name="図 24" descr="テキスト が含まれている画像&#10;&#10;自動的に生成された説明">
+            <a:extLst>
+              <a:ext uri="{FF2B5EF4-FFF2-40B4-BE49-F238E27FC236}">
+                <a16:creationId xmlns:a16="http://schemas.microsoft.com/office/drawing/2014/main" id="{1F3313AE-2C24-5568-C8DE-67D9398546D2}"/>
+              </a:ext>
+            </a:extLst>
+          </p:cNvPr>
+          <p:cNvPicPr>
+            <a:picLocks noChangeAspect="1"/>
+          </p:cNvPicPr>
+          <p:nvPr/>
+        </p:nvPicPr>
+        <p:blipFill>
+          <a:blip r:embed="rId4"/>
+          <a:stretch>
+            <a:fillRect/>
+          </a:stretch>
+        </p:blipFill>
+        <p:spPr>
+          <a:xfrm>
+            <a:off x="6434835" y="3815443"/>
+            <a:ext cx="2958354" cy="1212925"/>
+          </a:xfrm>
+          <a:prstGeom prst="rect">
+            <a:avLst/>
+          </a:prstGeom>
+        </p:spPr>
+      </p:pic>
+      <p:grpSp>
+        <p:nvGrpSpPr>
+          <p:cNvPr id="5" name="グループ化 4">
+            <a:extLst>
+              <a:ext uri="{FF2B5EF4-FFF2-40B4-BE49-F238E27FC236}">
+                <a16:creationId xmlns:a16="http://schemas.microsoft.com/office/drawing/2014/main" id="{1151E8B7-3E57-78B8-E697-7E9CBE77C347}"/>
+              </a:ext>
+            </a:extLst>
+          </p:cNvPr>
+          <p:cNvGrpSpPr/>
+          <p:nvPr/>
+        </p:nvGrpSpPr>
+        <p:grpSpPr>
+          <a:xfrm>
+            <a:off x="191724" y="2097088"/>
+            <a:ext cx="11743529" cy="4638220"/>
+            <a:chOff x="0" y="0"/>
+            <a:chExt cx="12687300" cy="5427110"/>
+          </a:xfrm>
+        </p:grpSpPr>
+        <p:sp>
+          <p:nvSpPr>
+            <p:cNvPr id="6" name="テキスト ボックス 50">
+              <a:extLst>
+                <a:ext uri="{FF2B5EF4-FFF2-40B4-BE49-F238E27FC236}">
+                  <a16:creationId xmlns:a16="http://schemas.microsoft.com/office/drawing/2014/main" id="{254F0735-F215-D164-69E7-3E59F324CB08}"/>
+                </a:ext>
+              </a:extLst>
+            </p:cNvPr>
+            <p:cNvSpPr txBox="1"/>
+            <p:nvPr/>
+          </p:nvSpPr>
+          <p:spPr>
+            <a:xfrm>
+              <a:off x="0" y="0"/>
+              <a:ext cx="12687300" cy="4676775"/>
+            </a:xfrm>
+            <a:prstGeom prst="rect">
+              <a:avLst/>
+            </a:prstGeom>
+            <a:solidFill>
+              <a:schemeClr val="lt1"/>
+            </a:solidFill>
+            <a:ln w="9525" cmpd="sng">
+              <a:solidFill>
+                <a:schemeClr val="lt1">
+                  <a:shade val="50000"/>
+                </a:schemeClr>
+              </a:solidFill>
+            </a:ln>
+          </p:spPr>
+          <p:style>
+            <a:lnRef idx="0">
+              <a:scrgbClr r="0" g="0" b="0"/>
+            </a:lnRef>
+            <a:fillRef idx="0">
+              <a:scrgbClr r="0" g="0" b="0"/>
+            </a:fillRef>
+            <a:effectRef idx="0">
+              <a:scrgbClr r="0" g="0" b="0"/>
+            </a:effectRef>
+            <a:fontRef idx="minor">
+              <a:schemeClr val="dk1"/>
+            </a:fontRef>
+          </p:style>
+          <p:txBody>
+            <a:bodyPr wrap="square" rtlCol="0" anchor="t"/>
+            <a:lstStyle>
+              <a:lvl1pPr marL="0" indent="0">
+                <a:defRPr sz="1100">
+                  <a:solidFill>
+                    <a:schemeClr val="dk1"/>
+                  </a:solidFill>
+                  <a:latin typeface="+mn-lt"/>
+                  <a:ea typeface="+mn-ea"/>
+                  <a:cs typeface="+mn-cs"/>
+                </a:defRPr>
+              </a:lvl1pPr>
+              <a:lvl2pPr marL="457200" indent="0">
+                <a:defRPr sz="1100">
+                  <a:solidFill>
+                    <a:schemeClr val="dk1"/>
+                  </a:solidFill>
+                  <a:latin typeface="+mn-lt"/>
+                  <a:ea typeface="+mn-ea"/>
+                  <a:cs typeface="+mn-cs"/>
+                </a:defRPr>
+              </a:lvl2pPr>
+              <a:lvl3pPr marL="914400" indent="0">
+                <a:defRPr sz="1100">
+                  <a:solidFill>
+                    <a:schemeClr val="dk1"/>
+                  </a:solidFill>
+                  <a:latin typeface="+mn-lt"/>
+                  <a:ea typeface="+mn-ea"/>
+                  <a:cs typeface="+mn-cs"/>
+                </a:defRPr>
+              </a:lvl3pPr>
+              <a:lvl4pPr marL="1371600" indent="0">
+                <a:defRPr sz="1100">
+                  <a:solidFill>
+                    <a:schemeClr val="dk1"/>
+                  </a:solidFill>
+                  <a:latin typeface="+mn-lt"/>
+                  <a:ea typeface="+mn-ea"/>
+                  <a:cs typeface="+mn-cs"/>
+                </a:defRPr>
+              </a:lvl4pPr>
+              <a:lvl5pPr marL="1828800" indent="0">
+                <a:defRPr sz="1100">
+                  <a:solidFill>
+                    <a:schemeClr val="dk1"/>
+                  </a:solidFill>
+                  <a:latin typeface="+mn-lt"/>
+                  <a:ea typeface="+mn-ea"/>
+                  <a:cs typeface="+mn-cs"/>
+                </a:defRPr>
+              </a:lvl5pPr>
+              <a:lvl6pPr marL="2286000" indent="0">
+                <a:defRPr sz="1100">
+                  <a:solidFill>
+                    <a:schemeClr val="dk1"/>
+                  </a:solidFill>
+                  <a:latin typeface="+mn-lt"/>
+                  <a:ea typeface="+mn-ea"/>
+                  <a:cs typeface="+mn-cs"/>
+                </a:defRPr>
+              </a:lvl6pPr>
+              <a:lvl7pPr marL="2743200" indent="0">
+                <a:defRPr sz="1100">
+                  <a:solidFill>
+                    <a:schemeClr val="dk1"/>
+                  </a:solidFill>
+                  <a:latin typeface="+mn-lt"/>
+                  <a:ea typeface="+mn-ea"/>
+                  <a:cs typeface="+mn-cs"/>
+                </a:defRPr>
+              </a:lvl7pPr>
+              <a:lvl8pPr marL="3200400" indent="0">
+                <a:defRPr sz="1100">
+                  <a:solidFill>
+                    <a:schemeClr val="dk1"/>
+                  </a:solidFill>
+                  <a:latin typeface="+mn-lt"/>
+                  <a:ea typeface="+mn-ea"/>
+                  <a:cs typeface="+mn-cs"/>
+                </a:defRPr>
+              </a:lvl8pPr>
+              <a:lvl9pPr marL="3657600" indent="0">
+                <a:defRPr sz="1100">
+                  <a:solidFill>
+                    <a:schemeClr val="dk1"/>
+                  </a:solidFill>
+                  <a:latin typeface="+mn-lt"/>
+                  <a:ea typeface="+mn-ea"/>
+                  <a:cs typeface="+mn-cs"/>
+                </a:defRPr>
+              </a:lvl9pPr>
+            </a:lstStyle>
+            <a:p>
+              <a:endParaRPr kumimoji="1" lang="ja-JP" altLang="en-US" sz="1100"/>
+            </a:p>
+          </p:txBody>
+        </p:sp>
+        <p:sp>
+          <p:nvSpPr>
+            <p:cNvPr id="7" name="テキスト ボックス 9">
+              <a:extLst>
+                <a:ext uri="{FF2B5EF4-FFF2-40B4-BE49-F238E27FC236}">
+                  <a16:creationId xmlns:a16="http://schemas.microsoft.com/office/drawing/2014/main" id="{FB4CD11C-9F1B-44D1-A758-6B943906C03B}"/>
+                </a:ext>
+              </a:extLst>
+            </p:cNvPr>
+            <p:cNvSpPr txBox="1"/>
+            <p:nvPr/>
+          </p:nvSpPr>
+          <p:spPr>
+            <a:xfrm>
+              <a:off x="2124075" y="457200"/>
+              <a:ext cx="7886700" cy="3895726"/>
+            </a:xfrm>
+            <a:prstGeom prst="rect">
+              <a:avLst/>
+            </a:prstGeom>
+            <a:solidFill>
+              <a:schemeClr val="lt1"/>
+            </a:solidFill>
+            <a:ln w="9525" cmpd="sng">
+              <a:solidFill>
+                <a:schemeClr val="lt1">
+                  <a:shade val="50000"/>
+                </a:schemeClr>
+              </a:solidFill>
+            </a:ln>
+          </p:spPr>
+          <p:style>
+            <a:lnRef idx="0">
+              <a:scrgbClr r="0" g="0" b="0"/>
+            </a:lnRef>
+            <a:fillRef idx="0">
+              <a:scrgbClr r="0" g="0" b="0"/>
+            </a:fillRef>
+            <a:effectRef idx="0">
+              <a:scrgbClr r="0" g="0" b="0"/>
+            </a:effectRef>
+            <a:fontRef idx="minor">
+              <a:schemeClr val="dk1"/>
+            </a:fontRef>
+          </p:style>
+          <p:txBody>
+            <a:bodyPr wrap="square" rtlCol="0" anchor="t"/>
+            <a:lstStyle>
+              <a:lvl1pPr marL="0" indent="0">
+                <a:defRPr sz="1100">
+                  <a:solidFill>
+                    <a:schemeClr val="dk1"/>
+                  </a:solidFill>
+                  <a:latin typeface="+mn-lt"/>
+                  <a:ea typeface="+mn-ea"/>
+                  <a:cs typeface="+mn-cs"/>
+                </a:defRPr>
+              </a:lvl1pPr>
+              <a:lvl2pPr marL="457200" indent="0">
+                <a:defRPr sz="1100">
+                  <a:solidFill>
+                    <a:schemeClr val="dk1"/>
+                  </a:solidFill>
+                  <a:latin typeface="+mn-lt"/>
+                  <a:ea typeface="+mn-ea"/>
+                  <a:cs typeface="+mn-cs"/>
+                </a:defRPr>
+              </a:lvl2pPr>
+              <a:lvl3pPr marL="914400" indent="0">
+                <a:defRPr sz="1100">
+                  <a:solidFill>
+                    <a:schemeClr val="dk1"/>
+                  </a:solidFill>
+                  <a:latin typeface="+mn-lt"/>
+                  <a:ea typeface="+mn-ea"/>
+                  <a:cs typeface="+mn-cs"/>
+                </a:defRPr>
+              </a:lvl3pPr>
+              <a:lvl4pPr marL="1371600" indent="0">
+                <a:defRPr sz="1100">
+                  <a:solidFill>
+                    <a:schemeClr val="dk1"/>
+                  </a:solidFill>
+                  <a:latin typeface="+mn-lt"/>
+                  <a:ea typeface="+mn-ea"/>
+                  <a:cs typeface="+mn-cs"/>
+                </a:defRPr>
+              </a:lvl4pPr>
+              <a:lvl5pPr marL="1828800" indent="0">
+                <a:defRPr sz="1100">
+                  <a:solidFill>
+                    <a:schemeClr val="dk1"/>
+                  </a:solidFill>
+                  <a:latin typeface="+mn-lt"/>
+                  <a:ea typeface="+mn-ea"/>
+                  <a:cs typeface="+mn-cs"/>
+                </a:defRPr>
+              </a:lvl5pPr>
+              <a:lvl6pPr marL="2286000" indent="0">
+                <a:defRPr sz="1100">
+                  <a:solidFill>
+                    <a:schemeClr val="dk1"/>
+                  </a:solidFill>
+                  <a:latin typeface="+mn-lt"/>
+                  <a:ea typeface="+mn-ea"/>
+                  <a:cs typeface="+mn-cs"/>
+                </a:defRPr>
+              </a:lvl6pPr>
+              <a:lvl7pPr marL="2743200" indent="0">
+                <a:defRPr sz="1100">
+                  <a:solidFill>
+                    <a:schemeClr val="dk1"/>
+                  </a:solidFill>
+                  <a:latin typeface="+mn-lt"/>
+                  <a:ea typeface="+mn-ea"/>
+                  <a:cs typeface="+mn-cs"/>
+                </a:defRPr>
+              </a:lvl7pPr>
+              <a:lvl8pPr marL="3200400" indent="0">
+                <a:defRPr sz="1100">
+                  <a:solidFill>
+                    <a:schemeClr val="dk1"/>
+                  </a:solidFill>
+                  <a:latin typeface="+mn-lt"/>
+                  <a:ea typeface="+mn-ea"/>
+                  <a:cs typeface="+mn-cs"/>
+                </a:defRPr>
+              </a:lvl8pPr>
+              <a:lvl9pPr marL="3657600" indent="0">
+                <a:defRPr sz="1100">
+                  <a:solidFill>
+                    <a:schemeClr val="dk1"/>
+                  </a:solidFill>
+                  <a:latin typeface="+mn-lt"/>
+                  <a:ea typeface="+mn-ea"/>
+                  <a:cs typeface="+mn-cs"/>
+                </a:defRPr>
+              </a:lvl9pPr>
+            </a:lstStyle>
+            <a:p>
+              <a:r>
+                <a:rPr kumimoji="1" lang="en-US" altLang="ja-JP" sz="1100"/>
+                <a:t>Cloud PlatForm</a:t>
+              </a:r>
+              <a:endParaRPr kumimoji="1" lang="ja-JP" altLang="en-US" sz="1100"/>
+            </a:p>
+          </p:txBody>
+        </p:sp>
+        <p:sp>
+          <p:nvSpPr>
+            <p:cNvPr id="8" name="テキスト ボックス 2">
+              <a:extLst>
+                <a:ext uri="{FF2B5EF4-FFF2-40B4-BE49-F238E27FC236}">
+                  <a16:creationId xmlns:a16="http://schemas.microsoft.com/office/drawing/2014/main" id="{FF427BEF-09B8-97B8-2209-A7A6A1D0A0AA}"/>
+                </a:ext>
+              </a:extLst>
+            </p:cNvPr>
+            <p:cNvSpPr txBox="1"/>
+            <p:nvPr/>
+          </p:nvSpPr>
+          <p:spPr>
+            <a:xfrm>
+              <a:off x="1457325" y="1209675"/>
+              <a:ext cx="942975" cy="314325"/>
+            </a:xfrm>
+            <a:prstGeom prst="rect">
+              <a:avLst/>
+            </a:prstGeom>
+            <a:solidFill>
+              <a:srgbClr val="FFFF00"/>
+            </a:solidFill>
+            <a:ln w="9525" cmpd="sng">
+              <a:solidFill>
+                <a:schemeClr val="lt1">
+                  <a:shade val="50000"/>
+                </a:schemeClr>
+              </a:solidFill>
+            </a:ln>
+          </p:spPr>
+          <p:style>
+            <a:lnRef idx="0">
+              <a:scrgbClr r="0" g="0" b="0"/>
+            </a:lnRef>
+            <a:fillRef idx="0">
+              <a:scrgbClr r="0" g="0" b="0"/>
+            </a:fillRef>
+            <a:effectRef idx="0">
+              <a:scrgbClr r="0" g="0" b="0"/>
+            </a:effectRef>
+            <a:fontRef idx="minor">
+              <a:schemeClr val="dk1"/>
+            </a:fontRef>
+          </p:style>
+          <p:txBody>
+            <a:bodyPr wrap="square" rtlCol="0" anchor="t"/>
+            <a:lstStyle>
+              <a:lvl1pPr marL="0" indent="0">
+                <a:defRPr sz="1100">
+                  <a:solidFill>
+                    <a:schemeClr val="dk1"/>
+                  </a:solidFill>
+                  <a:latin typeface="+mn-lt"/>
+                  <a:ea typeface="+mn-ea"/>
+                  <a:cs typeface="+mn-cs"/>
+                </a:defRPr>
+              </a:lvl1pPr>
+              <a:lvl2pPr marL="457200" indent="0">
+                <a:defRPr sz="1100">
+                  <a:solidFill>
+                    <a:schemeClr val="dk1"/>
+                  </a:solidFill>
+                  <a:latin typeface="+mn-lt"/>
+                  <a:ea typeface="+mn-ea"/>
+                  <a:cs typeface="+mn-cs"/>
+                </a:defRPr>
+              </a:lvl2pPr>
+              <a:lvl3pPr marL="914400" indent="0">
+                <a:defRPr sz="1100">
+                  <a:solidFill>
+                    <a:schemeClr val="dk1"/>
+                  </a:solidFill>
+                  <a:latin typeface="+mn-lt"/>
+                  <a:ea typeface="+mn-ea"/>
+                  <a:cs typeface="+mn-cs"/>
+                </a:defRPr>
+              </a:lvl3pPr>
+              <a:lvl4pPr marL="1371600" indent="0">
+                <a:defRPr sz="1100">
+                  <a:solidFill>
+                    <a:schemeClr val="dk1"/>
+                  </a:solidFill>
+                  <a:latin typeface="+mn-lt"/>
+                  <a:ea typeface="+mn-ea"/>
+                  <a:cs typeface="+mn-cs"/>
+                </a:defRPr>
+              </a:lvl4pPr>
+              <a:lvl5pPr marL="1828800" indent="0">
+                <a:defRPr sz="1100">
+                  <a:solidFill>
+                    <a:schemeClr val="dk1"/>
+                  </a:solidFill>
+                  <a:latin typeface="+mn-lt"/>
+                  <a:ea typeface="+mn-ea"/>
+                  <a:cs typeface="+mn-cs"/>
+                </a:defRPr>
+              </a:lvl5pPr>
+              <a:lvl6pPr marL="2286000" indent="0">
+                <a:defRPr sz="1100">
+                  <a:solidFill>
+                    <a:schemeClr val="dk1"/>
+                  </a:solidFill>
+                  <a:latin typeface="+mn-lt"/>
+                  <a:ea typeface="+mn-ea"/>
+                  <a:cs typeface="+mn-cs"/>
+                </a:defRPr>
+              </a:lvl6pPr>
+              <a:lvl7pPr marL="2743200" indent="0">
+                <a:defRPr sz="1100">
+                  <a:solidFill>
+                    <a:schemeClr val="dk1"/>
+                  </a:solidFill>
+                  <a:latin typeface="+mn-lt"/>
+                  <a:ea typeface="+mn-ea"/>
+                  <a:cs typeface="+mn-cs"/>
+                </a:defRPr>
+              </a:lvl7pPr>
+              <a:lvl8pPr marL="3200400" indent="0">
+                <a:defRPr sz="1100">
+                  <a:solidFill>
+                    <a:schemeClr val="dk1"/>
+                  </a:solidFill>
+                  <a:latin typeface="+mn-lt"/>
+                  <a:ea typeface="+mn-ea"/>
+                  <a:cs typeface="+mn-cs"/>
+                </a:defRPr>
+              </a:lvl8pPr>
+              <a:lvl9pPr marL="3657600" indent="0">
+                <a:defRPr sz="1100">
+                  <a:solidFill>
+                    <a:schemeClr val="dk1"/>
+                  </a:solidFill>
+                  <a:latin typeface="+mn-lt"/>
+                  <a:ea typeface="+mn-ea"/>
+                  <a:cs typeface="+mn-cs"/>
+                </a:defRPr>
+              </a:lvl9pPr>
+            </a:lstStyle>
+            <a:p>
+              <a:r>
+                <a:rPr kumimoji="1" lang="ja-JP" altLang="en-US" sz="1100"/>
+                <a:t>ソフト変更</a:t>
+              </a:r>
+            </a:p>
+          </p:txBody>
+        </p:sp>
+        <p:grpSp>
+          <p:nvGrpSpPr>
+            <p:cNvPr id="9" name="グループ化 8">
+              <a:extLst>
+                <a:ext uri="{FF2B5EF4-FFF2-40B4-BE49-F238E27FC236}">
+                  <a16:creationId xmlns:a16="http://schemas.microsoft.com/office/drawing/2014/main" id="{89A54BFC-C95E-5626-5F75-33496C64E602}"/>
+                </a:ext>
+              </a:extLst>
+            </p:cNvPr>
+            <p:cNvGrpSpPr/>
+            <p:nvPr/>
+          </p:nvGrpSpPr>
+          <p:grpSpPr>
+            <a:xfrm>
+              <a:off x="161925" y="1581150"/>
+              <a:ext cx="1200149" cy="1171575"/>
+              <a:chOff x="161925" y="1581150"/>
+              <a:chExt cx="1200149" cy="1171575"/>
+            </a:xfrm>
+          </p:grpSpPr>
+          <p:sp>
+            <p:nvSpPr>
+              <p:cNvPr id="47" name="テキスト ボックス 6">
+                <a:extLst>
+                  <a:ext uri="{FF2B5EF4-FFF2-40B4-BE49-F238E27FC236}">
+                    <a16:creationId xmlns:a16="http://schemas.microsoft.com/office/drawing/2014/main" id="{96802EF1-E4ED-47E6-B619-50AD2B95B469}"/>
+                  </a:ext>
+                </a:extLst>
+              </p:cNvPr>
+              <p:cNvSpPr txBox="1"/>
+              <p:nvPr/>
+            </p:nvSpPr>
+            <p:spPr>
+              <a:xfrm>
+                <a:off x="161925" y="1581150"/>
+                <a:ext cx="1200149" cy="1162050"/>
+              </a:xfrm>
+              <a:prstGeom prst="rect">
+                <a:avLst/>
+              </a:prstGeom>
+              <a:solidFill>
+                <a:schemeClr val="lt1"/>
+              </a:solidFill>
+              <a:ln w="9525" cmpd="sng">
+                <a:solidFill>
+                  <a:schemeClr val="lt1">
+                    <a:shade val="50000"/>
+                  </a:schemeClr>
+                </a:solidFill>
+              </a:ln>
+            </p:spPr>
+            <p:style>
+              <a:lnRef idx="0">
+                <a:scrgbClr r="0" g="0" b="0"/>
+              </a:lnRef>
+              <a:fillRef idx="0">
+                <a:scrgbClr r="0" g="0" b="0"/>
+              </a:fillRef>
+              <a:effectRef idx="0">
+                <a:scrgbClr r="0" g="0" b="0"/>
+              </a:effectRef>
+              <a:fontRef idx="minor">
+                <a:schemeClr val="dk1"/>
+              </a:fontRef>
+            </p:style>
+            <p:txBody>
+              <a:bodyPr wrap="square" rtlCol="0" anchor="t"/>
+              <a:lstStyle>
+                <a:lvl1pPr marL="0" indent="0">
+                  <a:defRPr sz="1100">
+                    <a:solidFill>
+                      <a:schemeClr val="dk1"/>
+                    </a:solidFill>
+                    <a:latin typeface="+mn-lt"/>
+                    <a:ea typeface="+mn-ea"/>
+                    <a:cs typeface="+mn-cs"/>
+                  </a:defRPr>
+                </a:lvl1pPr>
+                <a:lvl2pPr marL="457200" indent="0">
+                  <a:defRPr sz="1100">
+                    <a:solidFill>
+                      <a:schemeClr val="dk1"/>
+                    </a:solidFill>
+                    <a:latin typeface="+mn-lt"/>
+                    <a:ea typeface="+mn-ea"/>
+                    <a:cs typeface="+mn-cs"/>
+                  </a:defRPr>
+                </a:lvl2pPr>
+                <a:lvl3pPr marL="914400" indent="0">
+                  <a:defRPr sz="1100">
+                    <a:solidFill>
+                      <a:schemeClr val="dk1"/>
+                    </a:solidFill>
+                    <a:latin typeface="+mn-lt"/>
+                    <a:ea typeface="+mn-ea"/>
+                    <a:cs typeface="+mn-cs"/>
+                  </a:defRPr>
+                </a:lvl3pPr>
+                <a:lvl4pPr marL="1371600" indent="0">
+                  <a:defRPr sz="1100">
+                    <a:solidFill>
+                      <a:schemeClr val="dk1"/>
+                    </a:solidFill>
+                    <a:latin typeface="+mn-lt"/>
+                    <a:ea typeface="+mn-ea"/>
+                    <a:cs typeface="+mn-cs"/>
+                  </a:defRPr>
+                </a:lvl4pPr>
+                <a:lvl5pPr marL="1828800" indent="0">
+                  <a:defRPr sz="1100">
+                    <a:solidFill>
+                      <a:schemeClr val="dk1"/>
+                    </a:solidFill>
+                    <a:latin typeface="+mn-lt"/>
+                    <a:ea typeface="+mn-ea"/>
+                    <a:cs typeface="+mn-cs"/>
+                  </a:defRPr>
+                </a:lvl5pPr>
+                <a:lvl6pPr marL="2286000" indent="0">
+                  <a:defRPr sz="1100">
+                    <a:solidFill>
+                      <a:schemeClr val="dk1"/>
+                    </a:solidFill>
+                    <a:latin typeface="+mn-lt"/>
+                    <a:ea typeface="+mn-ea"/>
+                    <a:cs typeface="+mn-cs"/>
+                  </a:defRPr>
+                </a:lvl6pPr>
+                <a:lvl7pPr marL="2743200" indent="0">
+                  <a:defRPr sz="1100">
+                    <a:solidFill>
+                      <a:schemeClr val="dk1"/>
+                    </a:solidFill>
+                    <a:latin typeface="+mn-lt"/>
+                    <a:ea typeface="+mn-ea"/>
+                    <a:cs typeface="+mn-cs"/>
+                  </a:defRPr>
+                </a:lvl7pPr>
+                <a:lvl8pPr marL="3200400" indent="0">
+                  <a:defRPr sz="1100">
+                    <a:solidFill>
+                      <a:schemeClr val="dk1"/>
+                    </a:solidFill>
+                    <a:latin typeface="+mn-lt"/>
+                    <a:ea typeface="+mn-ea"/>
+                    <a:cs typeface="+mn-cs"/>
+                  </a:defRPr>
+                </a:lvl8pPr>
+                <a:lvl9pPr marL="3657600" indent="0">
+                  <a:defRPr sz="1100">
+                    <a:solidFill>
+                      <a:schemeClr val="dk1"/>
+                    </a:solidFill>
+                    <a:latin typeface="+mn-lt"/>
+                    <a:ea typeface="+mn-ea"/>
+                    <a:cs typeface="+mn-cs"/>
+                  </a:defRPr>
+                </a:lvl9pPr>
+              </a:lstStyle>
+              <a:p>
+                <a:r>
+                  <a:rPr kumimoji="1" lang="ja-JP" altLang="en-US" sz="1100"/>
+                  <a:t>　ユーザー</a:t>
+                </a:r>
+                <a:r>
+                  <a:rPr kumimoji="1" lang="en-US" altLang="ja-JP" sz="1100"/>
+                  <a:t>PC</a:t>
+                </a:r>
+                <a:endParaRPr kumimoji="1" lang="ja-JP" altLang="en-US" sz="1100"/>
+              </a:p>
+            </p:txBody>
+          </p:sp>
+          <p:pic>
+            <p:nvPicPr>
+              <p:cNvPr id="48" name="グラフィックス 8" descr="インターネット 単色塗りつぶし">
+                <a:extLst>
+                  <a:ext uri="{FF2B5EF4-FFF2-40B4-BE49-F238E27FC236}">
+                    <a16:creationId xmlns:a16="http://schemas.microsoft.com/office/drawing/2014/main" id="{075DB51F-CE2E-737A-6AFB-21812518641A}"/>
+                  </a:ext>
+                </a:extLst>
+              </p:cNvPr>
+              <p:cNvPicPr>
+                <a:picLocks noChangeAspect="1"/>
+              </p:cNvPicPr>
+              <p:nvPr/>
+            </p:nvPicPr>
+            <p:blipFill>
+              <a:blip r:embed="rId5">
+                <a:extLst>
+                  <a:ext uri="{28A0092B-C50C-407E-A947-70E740481C1C}">
+                    <a14:useLocalDpi xmlns:a14="http://schemas.microsoft.com/office/drawing/2010/main" val="0"/>
+                  </a:ext>
+                  <a:ext uri="{96DAC541-7B7A-43D3-8B79-37D633B846F1}">
+                    <asvg:svgBlip xmlns:asvg="http://schemas.microsoft.com/office/drawing/2016/SVG/main" r:embed="rId6"/>
+                  </a:ext>
+                </a:extLst>
+              </a:blip>
+              <a:stretch>
+                <a:fillRect/>
+              </a:stretch>
+            </p:blipFill>
+            <p:spPr>
+              <a:xfrm>
+                <a:off x="295275" y="1838325"/>
+                <a:ext cx="914400" cy="914400"/>
+              </a:xfrm>
+              <a:prstGeom prst="rect">
+                <a:avLst/>
+              </a:prstGeom>
+            </p:spPr>
+          </p:pic>
+        </p:grpSp>
+        <p:grpSp>
+          <p:nvGrpSpPr>
+            <p:cNvPr id="10" name="グループ化 9">
+              <a:extLst>
+                <a:ext uri="{FF2B5EF4-FFF2-40B4-BE49-F238E27FC236}">
+                  <a16:creationId xmlns:a16="http://schemas.microsoft.com/office/drawing/2014/main" id="{53D60F42-CFD7-0CD8-C1B2-1982ADF98128}"/>
+                </a:ext>
+              </a:extLst>
+            </p:cNvPr>
+            <p:cNvGrpSpPr/>
+            <p:nvPr/>
+          </p:nvGrpSpPr>
+          <p:grpSpPr>
+            <a:xfrm>
+              <a:off x="7153275" y="1114425"/>
+              <a:ext cx="2400300" cy="1485900"/>
+              <a:chOff x="7153275" y="1114425"/>
+              <a:chExt cx="2400300" cy="1485900"/>
+            </a:xfrm>
+          </p:grpSpPr>
+          <p:sp>
+            <p:nvSpPr>
+              <p:cNvPr id="44" name="テキスト ボックス 3">
+                <a:extLst>
+                  <a:ext uri="{FF2B5EF4-FFF2-40B4-BE49-F238E27FC236}">
+                    <a16:creationId xmlns:a16="http://schemas.microsoft.com/office/drawing/2014/main" id="{6736AE6A-A338-4C79-91DE-CF7B4BD47E69}"/>
+                  </a:ext>
+                </a:extLst>
+              </p:cNvPr>
+              <p:cNvSpPr txBox="1"/>
+              <p:nvPr/>
+            </p:nvSpPr>
+            <p:spPr>
+              <a:xfrm>
+                <a:off x="7153275" y="1114425"/>
+                <a:ext cx="2400300" cy="1485900"/>
+              </a:xfrm>
+              <a:prstGeom prst="rect">
+                <a:avLst/>
+              </a:prstGeom>
+              <a:solidFill>
+                <a:schemeClr val="lt1"/>
+              </a:solidFill>
+              <a:ln w="9525" cmpd="sng">
+                <a:solidFill>
+                  <a:schemeClr val="lt1">
+                    <a:shade val="50000"/>
+                  </a:schemeClr>
+                </a:solidFill>
+              </a:ln>
+            </p:spPr>
+            <p:style>
+              <a:lnRef idx="0">
+                <a:scrgbClr r="0" g="0" b="0"/>
+              </a:lnRef>
+              <a:fillRef idx="0">
+                <a:scrgbClr r="0" g="0" b="0"/>
+              </a:fillRef>
+              <a:effectRef idx="0">
+                <a:scrgbClr r="0" g="0" b="0"/>
+              </a:effectRef>
+              <a:fontRef idx="minor">
+                <a:schemeClr val="dk1"/>
+              </a:fontRef>
+            </p:style>
+            <p:txBody>
+              <a:bodyPr wrap="square" rtlCol="0" anchor="t"/>
+              <a:lstStyle>
+                <a:lvl1pPr marL="0" indent="0">
+                  <a:defRPr sz="1100">
+                    <a:solidFill>
+                      <a:schemeClr val="dk1"/>
+                    </a:solidFill>
+                    <a:latin typeface="+mn-lt"/>
+                    <a:ea typeface="+mn-ea"/>
+                    <a:cs typeface="+mn-cs"/>
+                  </a:defRPr>
+                </a:lvl1pPr>
+                <a:lvl2pPr marL="457200" indent="0">
+                  <a:defRPr sz="1100">
+                    <a:solidFill>
+                      <a:schemeClr val="dk1"/>
+                    </a:solidFill>
+                    <a:latin typeface="+mn-lt"/>
+                    <a:ea typeface="+mn-ea"/>
+                    <a:cs typeface="+mn-cs"/>
+                  </a:defRPr>
+                </a:lvl2pPr>
+                <a:lvl3pPr marL="914400" indent="0">
+                  <a:defRPr sz="1100">
+                    <a:solidFill>
+                      <a:schemeClr val="dk1"/>
+                    </a:solidFill>
+                    <a:latin typeface="+mn-lt"/>
+                    <a:ea typeface="+mn-ea"/>
+                    <a:cs typeface="+mn-cs"/>
+                  </a:defRPr>
+                </a:lvl3pPr>
+                <a:lvl4pPr marL="1371600" indent="0">
+                  <a:defRPr sz="1100">
+                    <a:solidFill>
+                      <a:schemeClr val="dk1"/>
+                    </a:solidFill>
+                    <a:latin typeface="+mn-lt"/>
+                    <a:ea typeface="+mn-ea"/>
+                    <a:cs typeface="+mn-cs"/>
+                  </a:defRPr>
+                </a:lvl4pPr>
+                <a:lvl5pPr marL="1828800" indent="0">
+                  <a:defRPr sz="1100">
+                    <a:solidFill>
+                      <a:schemeClr val="dk1"/>
+                    </a:solidFill>
+                    <a:latin typeface="+mn-lt"/>
+                    <a:ea typeface="+mn-ea"/>
+                    <a:cs typeface="+mn-cs"/>
+                  </a:defRPr>
+                </a:lvl5pPr>
+                <a:lvl6pPr marL="2286000" indent="0">
+                  <a:defRPr sz="1100">
+                    <a:solidFill>
+                      <a:schemeClr val="dk1"/>
+                    </a:solidFill>
+                    <a:latin typeface="+mn-lt"/>
+                    <a:ea typeface="+mn-ea"/>
+                    <a:cs typeface="+mn-cs"/>
+                  </a:defRPr>
+                </a:lvl6pPr>
+                <a:lvl7pPr marL="2743200" indent="0">
+                  <a:defRPr sz="1100">
+                    <a:solidFill>
+                      <a:schemeClr val="dk1"/>
+                    </a:solidFill>
+                    <a:latin typeface="+mn-lt"/>
+                    <a:ea typeface="+mn-ea"/>
+                    <a:cs typeface="+mn-cs"/>
+                  </a:defRPr>
+                </a:lvl7pPr>
+                <a:lvl8pPr marL="3200400" indent="0">
+                  <a:defRPr sz="1100">
+                    <a:solidFill>
+                      <a:schemeClr val="dk1"/>
+                    </a:solidFill>
+                    <a:latin typeface="+mn-lt"/>
+                    <a:ea typeface="+mn-ea"/>
+                    <a:cs typeface="+mn-cs"/>
+                  </a:defRPr>
+                </a:lvl8pPr>
+                <a:lvl9pPr marL="3657600" indent="0">
+                  <a:defRPr sz="1100">
+                    <a:solidFill>
+                      <a:schemeClr val="dk1"/>
+                    </a:solidFill>
+                    <a:latin typeface="+mn-lt"/>
+                    <a:ea typeface="+mn-ea"/>
+                    <a:cs typeface="+mn-cs"/>
+                  </a:defRPr>
+                </a:lvl9pPr>
+              </a:lstStyle>
+              <a:p>
+                <a:r>
+                  <a:rPr kumimoji="1" lang="en-US" altLang="ja-JP" sz="1100"/>
+                  <a:t>                   CI/CD</a:t>
+                </a:r>
+                <a:r>
+                  <a:rPr kumimoji="1" lang="ja-JP" altLang="en-US" sz="1100"/>
+                  <a:t>ツール</a:t>
+                </a:r>
+              </a:p>
+            </p:txBody>
+          </p:sp>
+          <p:pic>
+            <p:nvPicPr>
+              <p:cNvPr id="45" name="図 44" descr="ロゴ&#10;&#10;自動的に生成された説明">
+                <a:extLst>
+                  <a:ext uri="{FF2B5EF4-FFF2-40B4-BE49-F238E27FC236}">
+                    <a16:creationId xmlns:a16="http://schemas.microsoft.com/office/drawing/2014/main" id="{38CDAFB7-8D10-82E7-5B39-040523AB6577}"/>
+                  </a:ext>
+                </a:extLst>
+              </p:cNvPr>
+              <p:cNvPicPr>
+                <a:picLocks noChangeAspect="1"/>
+              </p:cNvPicPr>
+              <p:nvPr/>
+            </p:nvPicPr>
+            <p:blipFill>
+              <a:blip r:embed="rId7"/>
+              <a:stretch>
+                <a:fillRect/>
+              </a:stretch>
+            </p:blipFill>
+            <p:spPr>
+              <a:xfrm>
+                <a:off x="8229599" y="1704975"/>
+                <a:ext cx="1186704" cy="593352"/>
+              </a:xfrm>
+              <a:prstGeom prst="rect">
+                <a:avLst/>
+              </a:prstGeom>
+            </p:spPr>
+          </p:pic>
+          <p:pic>
+            <p:nvPicPr>
+              <p:cNvPr id="46" name="グラフィックス 18">
+                <a:extLst>
+                  <a:ext uri="{FF2B5EF4-FFF2-40B4-BE49-F238E27FC236}">
+                    <a16:creationId xmlns:a16="http://schemas.microsoft.com/office/drawing/2014/main" id="{0A3BE4DE-5717-1B7B-43CC-1A43B072403F}"/>
+                  </a:ext>
+                </a:extLst>
+              </p:cNvPr>
+              <p:cNvPicPr>
+                <a:picLocks noChangeAspect="1"/>
+              </p:cNvPicPr>
+              <p:nvPr/>
+            </p:nvPicPr>
+            <p:blipFill>
+              <a:blip r:embed="rId8">
+                <a:extLst>
+                  <a:ext uri="{96DAC541-7B7A-43D3-8B79-37D633B846F1}">
+                    <asvg:svgBlip xmlns:asvg="http://schemas.microsoft.com/office/drawing/2016/SVG/main" r:embed="rId9"/>
+                  </a:ext>
+                </a:extLst>
+              </a:blip>
+              <a:stretch>
+                <a:fillRect/>
+              </a:stretch>
+            </p:blipFill>
+            <p:spPr>
+              <a:xfrm>
+                <a:off x="7354764" y="1581150"/>
+                <a:ext cx="651743" cy="899751"/>
+              </a:xfrm>
+              <a:prstGeom prst="rect">
+                <a:avLst/>
+              </a:prstGeom>
+            </p:spPr>
+          </p:pic>
+        </p:grpSp>
+        <p:grpSp>
+          <p:nvGrpSpPr>
+            <p:cNvPr id="12" name="グループ化 11">
+              <a:extLst>
+                <a:ext uri="{FF2B5EF4-FFF2-40B4-BE49-F238E27FC236}">
+                  <a16:creationId xmlns:a16="http://schemas.microsoft.com/office/drawing/2014/main" id="{CA123A85-FA29-FBE0-0A45-6CB2848CDA6F}"/>
+                </a:ext>
+              </a:extLst>
+            </p:cNvPr>
+            <p:cNvGrpSpPr/>
+            <p:nvPr/>
+          </p:nvGrpSpPr>
+          <p:grpSpPr>
+            <a:xfrm>
+              <a:off x="2581275" y="1095375"/>
+              <a:ext cx="3371850" cy="1428750"/>
+              <a:chOff x="2581275" y="1095375"/>
+              <a:chExt cx="3371850" cy="1428750"/>
+            </a:xfrm>
+          </p:grpSpPr>
+          <p:sp>
+            <p:nvSpPr>
+              <p:cNvPr id="39" name="テキスト ボックス 5">
+                <a:extLst>
+                  <a:ext uri="{FF2B5EF4-FFF2-40B4-BE49-F238E27FC236}">
+                    <a16:creationId xmlns:a16="http://schemas.microsoft.com/office/drawing/2014/main" id="{5E8D6B54-71A2-4211-A73A-F56040EF3ADA}"/>
+                  </a:ext>
+                </a:extLst>
+              </p:cNvPr>
+              <p:cNvSpPr txBox="1"/>
+              <p:nvPr/>
+            </p:nvSpPr>
+            <p:spPr>
+              <a:xfrm>
+                <a:off x="2581275" y="1095375"/>
+                <a:ext cx="3371850" cy="1428750"/>
+              </a:xfrm>
+              <a:prstGeom prst="rect">
+                <a:avLst/>
+              </a:prstGeom>
+              <a:solidFill>
+                <a:schemeClr val="lt1"/>
+              </a:solidFill>
+              <a:ln w="9525" cmpd="sng">
+                <a:solidFill>
+                  <a:schemeClr val="lt1">
+                    <a:shade val="50000"/>
+                  </a:schemeClr>
+                </a:solidFill>
+              </a:ln>
+            </p:spPr>
+            <p:style>
+              <a:lnRef idx="0">
+                <a:scrgbClr r="0" g="0" b="0"/>
+              </a:lnRef>
+              <a:fillRef idx="0">
+                <a:scrgbClr r="0" g="0" b="0"/>
+              </a:fillRef>
+              <a:effectRef idx="0">
+                <a:scrgbClr r="0" g="0" b="0"/>
+              </a:effectRef>
+              <a:fontRef idx="minor">
+                <a:schemeClr val="dk1"/>
+              </a:fontRef>
+            </p:style>
+            <p:txBody>
+              <a:bodyPr wrap="square" rtlCol="0" anchor="t"/>
+              <a:lstStyle>
+                <a:lvl1pPr marL="0" indent="0">
+                  <a:defRPr sz="1100">
+                    <a:solidFill>
+                      <a:schemeClr val="dk1"/>
+                    </a:solidFill>
+                    <a:latin typeface="+mn-lt"/>
+                    <a:ea typeface="+mn-ea"/>
+                    <a:cs typeface="+mn-cs"/>
+                  </a:defRPr>
+                </a:lvl1pPr>
+                <a:lvl2pPr marL="457200" indent="0">
+                  <a:defRPr sz="1100">
+                    <a:solidFill>
+                      <a:schemeClr val="dk1"/>
+                    </a:solidFill>
+                    <a:latin typeface="+mn-lt"/>
+                    <a:ea typeface="+mn-ea"/>
+                    <a:cs typeface="+mn-cs"/>
+                  </a:defRPr>
+                </a:lvl2pPr>
+                <a:lvl3pPr marL="914400" indent="0">
+                  <a:defRPr sz="1100">
+                    <a:solidFill>
+                      <a:schemeClr val="dk1"/>
+                    </a:solidFill>
+                    <a:latin typeface="+mn-lt"/>
+                    <a:ea typeface="+mn-ea"/>
+                    <a:cs typeface="+mn-cs"/>
+                  </a:defRPr>
+                </a:lvl3pPr>
+                <a:lvl4pPr marL="1371600" indent="0">
+                  <a:defRPr sz="1100">
+                    <a:solidFill>
+                      <a:schemeClr val="dk1"/>
+                    </a:solidFill>
+                    <a:latin typeface="+mn-lt"/>
+                    <a:ea typeface="+mn-ea"/>
+                    <a:cs typeface="+mn-cs"/>
+                  </a:defRPr>
+                </a:lvl4pPr>
+                <a:lvl5pPr marL="1828800" indent="0">
+                  <a:defRPr sz="1100">
+                    <a:solidFill>
+                      <a:schemeClr val="dk1"/>
+                    </a:solidFill>
+                    <a:latin typeface="+mn-lt"/>
+                    <a:ea typeface="+mn-ea"/>
+                    <a:cs typeface="+mn-cs"/>
+                  </a:defRPr>
+                </a:lvl5pPr>
+                <a:lvl6pPr marL="2286000" indent="0">
+                  <a:defRPr sz="1100">
+                    <a:solidFill>
+                      <a:schemeClr val="dk1"/>
+                    </a:solidFill>
+                    <a:latin typeface="+mn-lt"/>
+                    <a:ea typeface="+mn-ea"/>
+                    <a:cs typeface="+mn-cs"/>
+                  </a:defRPr>
+                </a:lvl6pPr>
+                <a:lvl7pPr marL="2743200" indent="0">
+                  <a:defRPr sz="1100">
+                    <a:solidFill>
+                      <a:schemeClr val="dk1"/>
+                    </a:solidFill>
+                    <a:latin typeface="+mn-lt"/>
+                    <a:ea typeface="+mn-ea"/>
+                    <a:cs typeface="+mn-cs"/>
+                  </a:defRPr>
+                </a:lvl7pPr>
+                <a:lvl8pPr marL="3200400" indent="0">
+                  <a:defRPr sz="1100">
+                    <a:solidFill>
+                      <a:schemeClr val="dk1"/>
+                    </a:solidFill>
+                    <a:latin typeface="+mn-lt"/>
+                    <a:ea typeface="+mn-ea"/>
+                    <a:cs typeface="+mn-cs"/>
+                  </a:defRPr>
+                </a:lvl8pPr>
+                <a:lvl9pPr marL="3657600" indent="0">
+                  <a:defRPr sz="1100">
+                    <a:solidFill>
+                      <a:schemeClr val="dk1"/>
+                    </a:solidFill>
+                    <a:latin typeface="+mn-lt"/>
+                    <a:ea typeface="+mn-ea"/>
+                    <a:cs typeface="+mn-cs"/>
+                  </a:defRPr>
+                </a:lvl9pPr>
+              </a:lstStyle>
+              <a:p>
+                <a:r>
+                  <a:rPr kumimoji="1" lang="en-US" altLang="ja-JP" sz="1100"/>
+                  <a:t>                      Git</a:t>
+                </a:r>
+                <a:r>
+                  <a:rPr kumimoji="1" lang="ja-JP" altLang="en-US" sz="1100"/>
+                  <a:t>ホスティングサービス</a:t>
+                </a:r>
+              </a:p>
+            </p:txBody>
+          </p:sp>
+          <p:pic>
+            <p:nvPicPr>
+              <p:cNvPr id="40" name="グラフィックス 26">
+                <a:extLst>
+                  <a:ext uri="{FF2B5EF4-FFF2-40B4-BE49-F238E27FC236}">
+                    <a16:creationId xmlns:a16="http://schemas.microsoft.com/office/drawing/2014/main" id="{62A954EF-4089-C4F0-4CD4-4C0989969A2C}"/>
+                  </a:ext>
+                </a:extLst>
+              </p:cNvPr>
+              <p:cNvPicPr>
+                <a:picLocks noChangeAspect="1"/>
+              </p:cNvPicPr>
+              <p:nvPr/>
+            </p:nvPicPr>
+            <p:blipFill>
+              <a:blip r:embed="rId10">
+                <a:extLst>
+                  <a:ext uri="{96DAC541-7B7A-43D3-8B79-37D633B846F1}">
+                    <asvg:svgBlip xmlns:asvg="http://schemas.microsoft.com/office/drawing/2016/SVG/main" r:embed="rId11"/>
+                  </a:ext>
+                </a:extLst>
+              </a:blip>
+              <a:stretch>
+                <a:fillRect/>
+              </a:stretch>
+            </p:blipFill>
+            <p:spPr>
+              <a:xfrm>
+                <a:off x="4114800" y="1981200"/>
+                <a:ext cx="1524000" cy="304800"/>
+              </a:xfrm>
+              <a:prstGeom prst="rect">
+                <a:avLst/>
+              </a:prstGeom>
+            </p:spPr>
+          </p:pic>
+          <p:grpSp>
+            <p:nvGrpSpPr>
+              <p:cNvPr id="41" name="グループ化 40">
+                <a:extLst>
+                  <a:ext uri="{FF2B5EF4-FFF2-40B4-BE49-F238E27FC236}">
+                    <a16:creationId xmlns:a16="http://schemas.microsoft.com/office/drawing/2014/main" id="{7BDA024E-2ECD-B49C-8085-BD92A2B07A72}"/>
+                  </a:ext>
+                </a:extLst>
+              </p:cNvPr>
+              <p:cNvGrpSpPr/>
+              <p:nvPr/>
+            </p:nvGrpSpPr>
+            <p:grpSpPr>
+              <a:xfrm>
+                <a:off x="2628898" y="1609724"/>
+                <a:ext cx="1348628" cy="722971"/>
+                <a:chOff x="2628899" y="1609725"/>
+                <a:chExt cx="2958354" cy="1951697"/>
+              </a:xfrm>
+            </p:grpSpPr>
+            <p:pic>
+              <p:nvPicPr>
+                <p:cNvPr id="42" name="グラフィックス 22">
+                  <a:extLst>
+                    <a:ext uri="{FF2B5EF4-FFF2-40B4-BE49-F238E27FC236}">
+                      <a16:creationId xmlns:a16="http://schemas.microsoft.com/office/drawing/2014/main" id="{7EBC7E7B-5FC4-5F6C-E151-1E1DC7551432}"/>
+                    </a:ext>
+                  </a:extLst>
+                </p:cNvPr>
+                <p:cNvPicPr>
+                  <a:picLocks noChangeAspect="1"/>
+                </p:cNvPicPr>
+                <p:nvPr/>
+              </p:nvPicPr>
+              <p:blipFill>
+                <a:blip r:embed="rId2">
+                  <a:extLst>
+                    <a:ext uri="{96DAC541-7B7A-43D3-8B79-37D633B846F1}">
+                      <asvg:svgBlip xmlns:asvg="http://schemas.microsoft.com/office/drawing/2016/SVG/main" r:embed="rId3"/>
+                    </a:ext>
+                  </a:extLst>
+                </a:blip>
+                <a:stretch>
+                  <a:fillRect/>
+                </a:stretch>
+              </p:blipFill>
+              <p:spPr>
+                <a:xfrm>
+                  <a:off x="3640463" y="1609725"/>
+                  <a:ext cx="933450" cy="914400"/>
+                </a:xfrm>
+                <a:prstGeom prst="rect">
+                  <a:avLst/>
+                </a:prstGeom>
+              </p:spPr>
+            </p:pic>
+            <p:pic>
+              <p:nvPicPr>
+                <p:cNvPr id="43" name="図 42" descr="テキスト が含まれている画像&#10;&#10;自動的に生成された説明">
+                  <a:extLst>
+                    <a:ext uri="{FF2B5EF4-FFF2-40B4-BE49-F238E27FC236}">
+                      <a16:creationId xmlns:a16="http://schemas.microsoft.com/office/drawing/2014/main" id="{1F3313AE-2C24-5568-C8DE-67D9398546D2}"/>
+                    </a:ext>
+                  </a:extLst>
+                </p:cNvPr>
+                <p:cNvPicPr>
+                  <a:picLocks noChangeAspect="1"/>
+                </p:cNvPicPr>
+                <p:nvPr/>
+              </p:nvPicPr>
+              <p:blipFill>
+                <a:blip r:embed="rId4"/>
+                <a:stretch>
+                  <a:fillRect/>
+                </a:stretch>
+              </p:blipFill>
+              <p:spPr>
+                <a:xfrm>
+                  <a:off x="2628899" y="2348497"/>
+                  <a:ext cx="2958354" cy="1212925"/>
+                </a:xfrm>
+                <a:prstGeom prst="rect">
+                  <a:avLst/>
+                </a:prstGeom>
+              </p:spPr>
+            </p:pic>
+          </p:grpSp>
+        </p:grpSp>
+        <p:grpSp>
+          <p:nvGrpSpPr>
+            <p:cNvPr id="13" name="グループ化 12">
+              <a:extLst>
+                <a:ext uri="{FF2B5EF4-FFF2-40B4-BE49-F238E27FC236}">
+                  <a16:creationId xmlns:a16="http://schemas.microsoft.com/office/drawing/2014/main" id="{D3F98550-5954-73EE-7442-DA92DCA64C39}"/>
+                </a:ext>
+              </a:extLst>
+            </p:cNvPr>
+            <p:cNvGrpSpPr/>
+            <p:nvPr/>
+          </p:nvGrpSpPr>
+          <p:grpSpPr>
+            <a:xfrm>
+              <a:off x="11068050" y="1581150"/>
+              <a:ext cx="1362075" cy="1266825"/>
+              <a:chOff x="11068050" y="1581150"/>
+              <a:chExt cx="1362075" cy="1266825"/>
+            </a:xfrm>
+          </p:grpSpPr>
+          <p:sp>
+            <p:nvSpPr>
+              <p:cNvPr id="37" name="テキスト ボックス 4">
+                <a:extLst>
+                  <a:ext uri="{FF2B5EF4-FFF2-40B4-BE49-F238E27FC236}">
+                    <a16:creationId xmlns:a16="http://schemas.microsoft.com/office/drawing/2014/main" id="{8D9D21A7-E79E-4BC0-A9AA-DCB1B69D05DC}"/>
+                  </a:ext>
+                </a:extLst>
+              </p:cNvPr>
+              <p:cNvSpPr txBox="1"/>
+              <p:nvPr/>
+            </p:nvSpPr>
+            <p:spPr>
+              <a:xfrm>
+                <a:off x="11068050" y="1581150"/>
+                <a:ext cx="1362075" cy="1266825"/>
+              </a:xfrm>
+              <a:prstGeom prst="rect">
+                <a:avLst/>
+              </a:prstGeom>
+              <a:solidFill>
+                <a:schemeClr val="lt1"/>
+              </a:solidFill>
+              <a:ln w="9525" cmpd="sng">
+                <a:solidFill>
+                  <a:schemeClr val="lt1">
+                    <a:shade val="50000"/>
+                  </a:schemeClr>
+                </a:solidFill>
+              </a:ln>
+            </p:spPr>
+            <p:style>
+              <a:lnRef idx="0">
+                <a:scrgbClr r="0" g="0" b="0"/>
+              </a:lnRef>
+              <a:fillRef idx="0">
+                <a:scrgbClr r="0" g="0" b="0"/>
+              </a:fillRef>
+              <a:effectRef idx="0">
+                <a:scrgbClr r="0" g="0" b="0"/>
+              </a:effectRef>
+              <a:fontRef idx="minor">
+                <a:schemeClr val="dk1"/>
+              </a:fontRef>
+            </p:style>
+            <p:txBody>
+              <a:bodyPr wrap="square" rtlCol="0" anchor="t"/>
+              <a:lstStyle>
+                <a:lvl1pPr marL="0" indent="0">
+                  <a:defRPr sz="1100">
+                    <a:solidFill>
+                      <a:schemeClr val="dk1"/>
+                    </a:solidFill>
+                    <a:latin typeface="+mn-lt"/>
+                    <a:ea typeface="+mn-ea"/>
+                    <a:cs typeface="+mn-cs"/>
+                  </a:defRPr>
+                </a:lvl1pPr>
+                <a:lvl2pPr marL="457200" indent="0">
+                  <a:defRPr sz="1100">
+                    <a:solidFill>
+                      <a:schemeClr val="dk1"/>
+                    </a:solidFill>
+                    <a:latin typeface="+mn-lt"/>
+                    <a:ea typeface="+mn-ea"/>
+                    <a:cs typeface="+mn-cs"/>
+                  </a:defRPr>
+                </a:lvl2pPr>
+                <a:lvl3pPr marL="914400" indent="0">
+                  <a:defRPr sz="1100">
+                    <a:solidFill>
+                      <a:schemeClr val="dk1"/>
+                    </a:solidFill>
+                    <a:latin typeface="+mn-lt"/>
+                    <a:ea typeface="+mn-ea"/>
+                    <a:cs typeface="+mn-cs"/>
+                  </a:defRPr>
+                </a:lvl3pPr>
+                <a:lvl4pPr marL="1371600" indent="0">
+                  <a:defRPr sz="1100">
+                    <a:solidFill>
+                      <a:schemeClr val="dk1"/>
+                    </a:solidFill>
+                    <a:latin typeface="+mn-lt"/>
+                    <a:ea typeface="+mn-ea"/>
+                    <a:cs typeface="+mn-cs"/>
+                  </a:defRPr>
+                </a:lvl4pPr>
+                <a:lvl5pPr marL="1828800" indent="0">
+                  <a:defRPr sz="1100">
+                    <a:solidFill>
+                      <a:schemeClr val="dk1"/>
+                    </a:solidFill>
+                    <a:latin typeface="+mn-lt"/>
+                    <a:ea typeface="+mn-ea"/>
+                    <a:cs typeface="+mn-cs"/>
+                  </a:defRPr>
+                </a:lvl5pPr>
+                <a:lvl6pPr marL="2286000" indent="0">
+                  <a:defRPr sz="1100">
+                    <a:solidFill>
+                      <a:schemeClr val="dk1"/>
+                    </a:solidFill>
+                    <a:latin typeface="+mn-lt"/>
+                    <a:ea typeface="+mn-ea"/>
+                    <a:cs typeface="+mn-cs"/>
+                  </a:defRPr>
+                </a:lvl6pPr>
+                <a:lvl7pPr marL="2743200" indent="0">
+                  <a:defRPr sz="1100">
+                    <a:solidFill>
+                      <a:schemeClr val="dk1"/>
+                    </a:solidFill>
+                    <a:latin typeface="+mn-lt"/>
+                    <a:ea typeface="+mn-ea"/>
+                    <a:cs typeface="+mn-cs"/>
+                  </a:defRPr>
+                </a:lvl7pPr>
+                <a:lvl8pPr marL="3200400" indent="0">
+                  <a:defRPr sz="1100">
+                    <a:solidFill>
+                      <a:schemeClr val="dk1"/>
+                    </a:solidFill>
+                    <a:latin typeface="+mn-lt"/>
+                    <a:ea typeface="+mn-ea"/>
+                    <a:cs typeface="+mn-cs"/>
+                  </a:defRPr>
+                </a:lvl8pPr>
+                <a:lvl9pPr marL="3657600" indent="0">
+                  <a:defRPr sz="1100">
+                    <a:solidFill>
+                      <a:schemeClr val="dk1"/>
+                    </a:solidFill>
+                    <a:latin typeface="+mn-lt"/>
+                    <a:ea typeface="+mn-ea"/>
+                    <a:cs typeface="+mn-cs"/>
+                  </a:defRPr>
+                </a:lvl9pPr>
+              </a:lstStyle>
+              <a:p>
+                <a:r>
+                  <a:rPr kumimoji="1" lang="ja-JP" altLang="en-US" sz="1100"/>
+                  <a:t>ターゲットボード</a:t>
+                </a:r>
+              </a:p>
+            </p:txBody>
+          </p:sp>
+          <p:pic>
+            <p:nvPicPr>
+              <p:cNvPr id="38" name="グラフィックス 18" descr="プロセッサ 単色塗りつぶし">
+                <a:extLst>
+                  <a:ext uri="{FF2B5EF4-FFF2-40B4-BE49-F238E27FC236}">
+                    <a16:creationId xmlns:a16="http://schemas.microsoft.com/office/drawing/2014/main" id="{64707BC8-49F9-CCBB-A6CB-2577D153255A}"/>
+                  </a:ext>
+                </a:extLst>
+              </p:cNvPr>
+              <p:cNvPicPr>
+                <a:picLocks noChangeAspect="1"/>
+              </p:cNvPicPr>
+              <p:nvPr/>
+            </p:nvPicPr>
+            <p:blipFill>
+              <a:blip r:embed="rId12">
+                <a:extLst>
+                  <a:ext uri="{28A0092B-C50C-407E-A947-70E740481C1C}">
+                    <a14:useLocalDpi xmlns:a14="http://schemas.microsoft.com/office/drawing/2010/main" val="0"/>
+                  </a:ext>
+                  <a:ext uri="{96DAC541-7B7A-43D3-8B79-37D633B846F1}">
+                    <asvg:svgBlip xmlns:asvg="http://schemas.microsoft.com/office/drawing/2016/SVG/main" r:embed="rId13"/>
+                  </a:ext>
+                </a:extLst>
+              </a:blip>
+              <a:stretch>
+                <a:fillRect/>
+              </a:stretch>
+            </p:blipFill>
+            <p:spPr>
+              <a:xfrm>
+                <a:off x="11268075" y="1838325"/>
+                <a:ext cx="914400" cy="914400"/>
+              </a:xfrm>
+              <a:prstGeom prst="rect">
+                <a:avLst/>
+              </a:prstGeom>
+            </p:spPr>
+          </p:pic>
+        </p:grpSp>
+        <p:grpSp>
+          <p:nvGrpSpPr>
+            <p:cNvPr id="14" name="グループ化 13">
+              <a:extLst>
+                <a:ext uri="{FF2B5EF4-FFF2-40B4-BE49-F238E27FC236}">
+                  <a16:creationId xmlns:a16="http://schemas.microsoft.com/office/drawing/2014/main" id="{4D6D0982-74CE-2D65-E6E0-029E69C3627B}"/>
+                </a:ext>
+              </a:extLst>
+            </p:cNvPr>
+            <p:cNvGrpSpPr/>
+            <p:nvPr/>
+          </p:nvGrpSpPr>
+          <p:grpSpPr>
+            <a:xfrm>
+              <a:off x="2905125" y="2667000"/>
+              <a:ext cx="1104900" cy="1247775"/>
+              <a:chOff x="2905125" y="2667000"/>
+              <a:chExt cx="1104900" cy="1247775"/>
+            </a:xfrm>
+          </p:grpSpPr>
+          <p:sp>
+            <p:nvSpPr>
+              <p:cNvPr id="35" name="テキスト ボックス 25">
+                <a:extLst>
+                  <a:ext uri="{FF2B5EF4-FFF2-40B4-BE49-F238E27FC236}">
+                    <a16:creationId xmlns:a16="http://schemas.microsoft.com/office/drawing/2014/main" id="{B057481D-FD0C-8339-1969-826403546702}"/>
+                  </a:ext>
+                </a:extLst>
+              </p:cNvPr>
+              <p:cNvSpPr txBox="1"/>
+              <p:nvPr/>
+            </p:nvSpPr>
+            <p:spPr>
+              <a:xfrm>
+                <a:off x="2905125" y="2667000"/>
+                <a:ext cx="1104900" cy="1247775"/>
+              </a:xfrm>
+              <a:prstGeom prst="rect">
+                <a:avLst/>
+              </a:prstGeom>
+              <a:solidFill>
+                <a:schemeClr val="lt1"/>
+              </a:solidFill>
+              <a:ln w="9525" cmpd="sng">
+                <a:solidFill>
+                  <a:schemeClr val="lt1">
+                    <a:shade val="50000"/>
+                  </a:schemeClr>
+                </a:solidFill>
+              </a:ln>
+            </p:spPr>
+            <p:style>
+              <a:lnRef idx="0">
+                <a:scrgbClr r="0" g="0" b="0"/>
+              </a:lnRef>
+              <a:fillRef idx="0">
+                <a:scrgbClr r="0" g="0" b="0"/>
+              </a:fillRef>
+              <a:effectRef idx="0">
+                <a:scrgbClr r="0" g="0" b="0"/>
+              </a:effectRef>
+              <a:fontRef idx="minor">
+                <a:schemeClr val="dk1"/>
+              </a:fontRef>
+            </p:style>
+            <p:txBody>
+              <a:bodyPr wrap="square" rtlCol="0" anchor="t"/>
+              <a:lstStyle>
+                <a:lvl1pPr marL="0" indent="0">
+                  <a:defRPr sz="1100">
+                    <a:solidFill>
+                      <a:schemeClr val="dk1"/>
+                    </a:solidFill>
+                    <a:latin typeface="+mn-lt"/>
+                    <a:ea typeface="+mn-ea"/>
+                    <a:cs typeface="+mn-cs"/>
+                  </a:defRPr>
+                </a:lvl1pPr>
+                <a:lvl2pPr marL="457200" indent="0">
+                  <a:defRPr sz="1100">
+                    <a:solidFill>
+                      <a:schemeClr val="dk1"/>
+                    </a:solidFill>
+                    <a:latin typeface="+mn-lt"/>
+                    <a:ea typeface="+mn-ea"/>
+                    <a:cs typeface="+mn-cs"/>
+                  </a:defRPr>
+                </a:lvl2pPr>
+                <a:lvl3pPr marL="914400" indent="0">
+                  <a:defRPr sz="1100">
+                    <a:solidFill>
+                      <a:schemeClr val="dk1"/>
+                    </a:solidFill>
+                    <a:latin typeface="+mn-lt"/>
+                    <a:ea typeface="+mn-ea"/>
+                    <a:cs typeface="+mn-cs"/>
+                  </a:defRPr>
+                </a:lvl3pPr>
+                <a:lvl4pPr marL="1371600" indent="0">
+                  <a:defRPr sz="1100">
+                    <a:solidFill>
+                      <a:schemeClr val="dk1"/>
+                    </a:solidFill>
+                    <a:latin typeface="+mn-lt"/>
+                    <a:ea typeface="+mn-ea"/>
+                    <a:cs typeface="+mn-cs"/>
+                  </a:defRPr>
+                </a:lvl4pPr>
+                <a:lvl5pPr marL="1828800" indent="0">
+                  <a:defRPr sz="1100">
+                    <a:solidFill>
+                      <a:schemeClr val="dk1"/>
+                    </a:solidFill>
+                    <a:latin typeface="+mn-lt"/>
+                    <a:ea typeface="+mn-ea"/>
+                    <a:cs typeface="+mn-cs"/>
+                  </a:defRPr>
+                </a:lvl5pPr>
+                <a:lvl6pPr marL="2286000" indent="0">
+                  <a:defRPr sz="1100">
+                    <a:solidFill>
+                      <a:schemeClr val="dk1"/>
+                    </a:solidFill>
+                    <a:latin typeface="+mn-lt"/>
+                    <a:ea typeface="+mn-ea"/>
+                    <a:cs typeface="+mn-cs"/>
+                  </a:defRPr>
+                </a:lvl6pPr>
+                <a:lvl7pPr marL="2743200" indent="0">
+                  <a:defRPr sz="1100">
+                    <a:solidFill>
+                      <a:schemeClr val="dk1"/>
+                    </a:solidFill>
+                    <a:latin typeface="+mn-lt"/>
+                    <a:ea typeface="+mn-ea"/>
+                    <a:cs typeface="+mn-cs"/>
+                  </a:defRPr>
+                </a:lvl7pPr>
+                <a:lvl8pPr marL="3200400" indent="0">
+                  <a:defRPr sz="1100">
+                    <a:solidFill>
+                      <a:schemeClr val="dk1"/>
+                    </a:solidFill>
+                    <a:latin typeface="+mn-lt"/>
+                    <a:ea typeface="+mn-ea"/>
+                    <a:cs typeface="+mn-cs"/>
+                  </a:defRPr>
+                </a:lvl8pPr>
+                <a:lvl9pPr marL="3657600" indent="0">
+                  <a:defRPr sz="1100">
+                    <a:solidFill>
+                      <a:schemeClr val="dk1"/>
+                    </a:solidFill>
+                    <a:latin typeface="+mn-lt"/>
+                    <a:ea typeface="+mn-ea"/>
+                    <a:cs typeface="+mn-cs"/>
+                  </a:defRPr>
+                </a:lvl9pPr>
+              </a:lstStyle>
+              <a:p>
+                <a:r>
+                  <a:rPr kumimoji="1" lang="en-US" altLang="ja-JP" sz="1100"/>
+                  <a:t>   Web</a:t>
+                </a:r>
+                <a:r>
+                  <a:rPr kumimoji="1" lang="ja-JP" altLang="en-US" sz="1100"/>
+                  <a:t>サーバ</a:t>
+                </a:r>
+              </a:p>
+            </p:txBody>
+          </p:sp>
+          <p:pic>
+            <p:nvPicPr>
+              <p:cNvPr id="36" name="グラフィックス 24" descr="サーバー 単色塗りつぶし">
+                <a:extLst>
+                  <a:ext uri="{FF2B5EF4-FFF2-40B4-BE49-F238E27FC236}">
+                    <a16:creationId xmlns:a16="http://schemas.microsoft.com/office/drawing/2014/main" id="{0D5B950A-047A-DF19-9B1F-C7BB6C0FC9D2}"/>
+                  </a:ext>
+                </a:extLst>
+              </p:cNvPr>
+              <p:cNvPicPr>
+                <a:picLocks noChangeAspect="1"/>
+              </p:cNvPicPr>
+              <p:nvPr/>
+            </p:nvPicPr>
+            <p:blipFill>
+              <a:blip r:embed="rId14">
+                <a:extLst>
+                  <a:ext uri="{28A0092B-C50C-407E-A947-70E740481C1C}">
+                    <a14:useLocalDpi xmlns:a14="http://schemas.microsoft.com/office/drawing/2010/main" val="0"/>
+                  </a:ext>
+                  <a:ext uri="{96DAC541-7B7A-43D3-8B79-37D633B846F1}">
+                    <asvg:svgBlip xmlns:asvg="http://schemas.microsoft.com/office/drawing/2016/SVG/main" r:embed="rId15"/>
+                  </a:ext>
+                </a:extLst>
+              </a:blip>
+              <a:stretch>
+                <a:fillRect/>
+              </a:stretch>
+            </p:blipFill>
+            <p:spPr>
+              <a:xfrm>
+                <a:off x="3009900" y="2952750"/>
+                <a:ext cx="914400" cy="914400"/>
+              </a:xfrm>
+              <a:prstGeom prst="rect">
+                <a:avLst/>
+              </a:prstGeom>
+            </p:spPr>
+          </p:pic>
+        </p:grpSp>
+        <p:grpSp>
+          <p:nvGrpSpPr>
+            <p:cNvPr id="16" name="グループ化 15">
+              <a:extLst>
+                <a:ext uri="{FF2B5EF4-FFF2-40B4-BE49-F238E27FC236}">
+                  <a16:creationId xmlns:a16="http://schemas.microsoft.com/office/drawing/2014/main" id="{88D189F7-B6D9-41F6-BB73-25A3147F0FA1}"/>
+                </a:ext>
+              </a:extLst>
+            </p:cNvPr>
+            <p:cNvGrpSpPr/>
+            <p:nvPr/>
+          </p:nvGrpSpPr>
+          <p:grpSpPr>
+            <a:xfrm>
+              <a:off x="4476750" y="2667000"/>
+              <a:ext cx="1104900" cy="1247775"/>
+              <a:chOff x="4476750" y="2667000"/>
+              <a:chExt cx="1104900" cy="1247775"/>
+            </a:xfrm>
+          </p:grpSpPr>
+          <p:sp>
+            <p:nvSpPr>
+              <p:cNvPr id="33" name="テキスト ボックス 28">
+                <a:extLst>
+                  <a:ext uri="{FF2B5EF4-FFF2-40B4-BE49-F238E27FC236}">
+                    <a16:creationId xmlns:a16="http://schemas.microsoft.com/office/drawing/2014/main" id="{23244201-E5CB-F308-ACA4-7C69530ECD6D}"/>
+                  </a:ext>
+                </a:extLst>
+              </p:cNvPr>
+              <p:cNvSpPr txBox="1"/>
+              <p:nvPr/>
+            </p:nvSpPr>
+            <p:spPr>
+              <a:xfrm>
+                <a:off x="4476750" y="2667000"/>
+                <a:ext cx="1104900" cy="1247775"/>
+              </a:xfrm>
+              <a:prstGeom prst="rect">
+                <a:avLst/>
+              </a:prstGeom>
+              <a:solidFill>
+                <a:schemeClr val="lt1"/>
+              </a:solidFill>
+              <a:ln w="9525" cmpd="sng">
+                <a:solidFill>
+                  <a:schemeClr val="lt1">
+                    <a:shade val="50000"/>
+                  </a:schemeClr>
+                </a:solidFill>
+              </a:ln>
+            </p:spPr>
+            <p:style>
+              <a:lnRef idx="0">
+                <a:scrgbClr r="0" g="0" b="0"/>
+              </a:lnRef>
+              <a:fillRef idx="0">
+                <a:scrgbClr r="0" g="0" b="0"/>
+              </a:fillRef>
+              <a:effectRef idx="0">
+                <a:scrgbClr r="0" g="0" b="0"/>
+              </a:effectRef>
+              <a:fontRef idx="minor">
+                <a:schemeClr val="dk1"/>
+              </a:fontRef>
+            </p:style>
+            <p:txBody>
+              <a:bodyPr wrap="square" rtlCol="0" anchor="t"/>
+              <a:lstStyle>
+                <a:lvl1pPr marL="0" indent="0">
+                  <a:defRPr sz="1100">
+                    <a:solidFill>
+                      <a:schemeClr val="dk1"/>
+                    </a:solidFill>
+                    <a:latin typeface="+mn-lt"/>
+                    <a:ea typeface="+mn-ea"/>
+                    <a:cs typeface="+mn-cs"/>
+                  </a:defRPr>
+                </a:lvl1pPr>
+                <a:lvl2pPr marL="457200" indent="0">
+                  <a:defRPr sz="1100">
+                    <a:solidFill>
+                      <a:schemeClr val="dk1"/>
+                    </a:solidFill>
+                    <a:latin typeface="+mn-lt"/>
+                    <a:ea typeface="+mn-ea"/>
+                    <a:cs typeface="+mn-cs"/>
+                  </a:defRPr>
+                </a:lvl2pPr>
+                <a:lvl3pPr marL="914400" indent="0">
+                  <a:defRPr sz="1100">
+                    <a:solidFill>
+                      <a:schemeClr val="dk1"/>
+                    </a:solidFill>
+                    <a:latin typeface="+mn-lt"/>
+                    <a:ea typeface="+mn-ea"/>
+                    <a:cs typeface="+mn-cs"/>
+                  </a:defRPr>
+                </a:lvl3pPr>
+                <a:lvl4pPr marL="1371600" indent="0">
+                  <a:defRPr sz="1100">
+                    <a:solidFill>
+                      <a:schemeClr val="dk1"/>
+                    </a:solidFill>
+                    <a:latin typeface="+mn-lt"/>
+                    <a:ea typeface="+mn-ea"/>
+                    <a:cs typeface="+mn-cs"/>
+                  </a:defRPr>
+                </a:lvl4pPr>
+                <a:lvl5pPr marL="1828800" indent="0">
+                  <a:defRPr sz="1100">
+                    <a:solidFill>
+                      <a:schemeClr val="dk1"/>
+                    </a:solidFill>
+                    <a:latin typeface="+mn-lt"/>
+                    <a:ea typeface="+mn-ea"/>
+                    <a:cs typeface="+mn-cs"/>
+                  </a:defRPr>
+                </a:lvl5pPr>
+                <a:lvl6pPr marL="2286000" indent="0">
+                  <a:defRPr sz="1100">
+                    <a:solidFill>
+                      <a:schemeClr val="dk1"/>
+                    </a:solidFill>
+                    <a:latin typeface="+mn-lt"/>
+                    <a:ea typeface="+mn-ea"/>
+                    <a:cs typeface="+mn-cs"/>
+                  </a:defRPr>
+                </a:lvl6pPr>
+                <a:lvl7pPr marL="2743200" indent="0">
+                  <a:defRPr sz="1100">
+                    <a:solidFill>
+                      <a:schemeClr val="dk1"/>
+                    </a:solidFill>
+                    <a:latin typeface="+mn-lt"/>
+                    <a:ea typeface="+mn-ea"/>
+                    <a:cs typeface="+mn-cs"/>
+                  </a:defRPr>
+                </a:lvl7pPr>
+                <a:lvl8pPr marL="3200400" indent="0">
+                  <a:defRPr sz="1100">
+                    <a:solidFill>
+                      <a:schemeClr val="dk1"/>
+                    </a:solidFill>
+                    <a:latin typeface="+mn-lt"/>
+                    <a:ea typeface="+mn-ea"/>
+                    <a:cs typeface="+mn-cs"/>
+                  </a:defRPr>
+                </a:lvl8pPr>
+                <a:lvl9pPr marL="3657600" indent="0">
+                  <a:defRPr sz="1100">
+                    <a:solidFill>
+                      <a:schemeClr val="dk1"/>
+                    </a:solidFill>
+                    <a:latin typeface="+mn-lt"/>
+                    <a:ea typeface="+mn-ea"/>
+                    <a:cs typeface="+mn-cs"/>
+                  </a:defRPr>
+                </a:lvl9pPr>
+              </a:lstStyle>
+              <a:p>
+                <a:r>
+                  <a:rPr kumimoji="1" lang="en-US" altLang="ja-JP" sz="1100"/>
+                  <a:t>   Web</a:t>
+                </a:r>
+                <a:r>
+                  <a:rPr kumimoji="1" lang="ja-JP" altLang="en-US" sz="1100"/>
+                  <a:t>サーバ</a:t>
+                </a:r>
+              </a:p>
+            </p:txBody>
+          </p:sp>
+          <p:pic>
+            <p:nvPicPr>
+              <p:cNvPr id="34" name="グラフィックス 29" descr="サーバー 単色塗りつぶし">
+                <a:extLst>
+                  <a:ext uri="{FF2B5EF4-FFF2-40B4-BE49-F238E27FC236}">
+                    <a16:creationId xmlns:a16="http://schemas.microsoft.com/office/drawing/2014/main" id="{7DEC2C31-81D6-48DD-FE58-2D5576D8D7D0}"/>
+                  </a:ext>
+                </a:extLst>
+              </p:cNvPr>
+              <p:cNvPicPr>
+                <a:picLocks noChangeAspect="1"/>
+              </p:cNvPicPr>
+              <p:nvPr/>
+            </p:nvPicPr>
+            <p:blipFill>
+              <a:blip r:embed="rId14">
+                <a:extLst>
+                  <a:ext uri="{28A0092B-C50C-407E-A947-70E740481C1C}">
+                    <a14:useLocalDpi xmlns:a14="http://schemas.microsoft.com/office/drawing/2010/main" val="0"/>
+                  </a:ext>
+                  <a:ext uri="{96DAC541-7B7A-43D3-8B79-37D633B846F1}">
+                    <asvg:svgBlip xmlns:asvg="http://schemas.microsoft.com/office/drawing/2016/SVG/main" r:embed="rId15"/>
+                  </a:ext>
+                </a:extLst>
+              </a:blip>
+              <a:stretch>
+                <a:fillRect/>
+              </a:stretch>
+            </p:blipFill>
+            <p:spPr>
+              <a:xfrm>
+                <a:off x="4581525" y="2952750"/>
+                <a:ext cx="914400" cy="914400"/>
+              </a:xfrm>
+              <a:prstGeom prst="rect">
+                <a:avLst/>
+              </a:prstGeom>
+            </p:spPr>
+          </p:pic>
+        </p:grpSp>
+        <p:grpSp>
+          <p:nvGrpSpPr>
+            <p:cNvPr id="17" name="グループ化 16">
+              <a:extLst>
+                <a:ext uri="{FF2B5EF4-FFF2-40B4-BE49-F238E27FC236}">
+                  <a16:creationId xmlns:a16="http://schemas.microsoft.com/office/drawing/2014/main" id="{93F99485-3700-4543-9712-7FF41F37B1CA}"/>
+                </a:ext>
+              </a:extLst>
+            </p:cNvPr>
+            <p:cNvGrpSpPr/>
+            <p:nvPr/>
+          </p:nvGrpSpPr>
+          <p:grpSpPr>
+            <a:xfrm>
+              <a:off x="7248525" y="2733675"/>
+              <a:ext cx="1104900" cy="1247775"/>
+              <a:chOff x="7248525" y="2733675"/>
+              <a:chExt cx="1104900" cy="1247775"/>
+            </a:xfrm>
+          </p:grpSpPr>
+          <p:sp>
+            <p:nvSpPr>
+              <p:cNvPr id="31" name="テキスト ボックス 38">
+                <a:extLst>
+                  <a:ext uri="{FF2B5EF4-FFF2-40B4-BE49-F238E27FC236}">
+                    <a16:creationId xmlns:a16="http://schemas.microsoft.com/office/drawing/2014/main" id="{53E96D97-924E-195E-A6A5-ACECF6891F94}"/>
+                  </a:ext>
+                </a:extLst>
+              </p:cNvPr>
+              <p:cNvSpPr txBox="1"/>
+              <p:nvPr/>
+            </p:nvSpPr>
+            <p:spPr>
+              <a:xfrm>
+                <a:off x="7248525" y="2733675"/>
+                <a:ext cx="1104900" cy="1247775"/>
+              </a:xfrm>
+              <a:prstGeom prst="rect">
+                <a:avLst/>
+              </a:prstGeom>
+              <a:solidFill>
+                <a:schemeClr val="lt1"/>
+              </a:solidFill>
+              <a:ln w="9525" cmpd="sng">
+                <a:solidFill>
+                  <a:schemeClr val="lt1">
+                    <a:shade val="50000"/>
+                  </a:schemeClr>
+                </a:solidFill>
+              </a:ln>
+            </p:spPr>
+            <p:style>
+              <a:lnRef idx="0">
+                <a:scrgbClr r="0" g="0" b="0"/>
+              </a:lnRef>
+              <a:fillRef idx="0">
+                <a:scrgbClr r="0" g="0" b="0"/>
+              </a:fillRef>
+              <a:effectRef idx="0">
+                <a:scrgbClr r="0" g="0" b="0"/>
+              </a:effectRef>
+              <a:fontRef idx="minor">
+                <a:schemeClr val="dk1"/>
+              </a:fontRef>
+            </p:style>
+            <p:txBody>
+              <a:bodyPr wrap="square" rtlCol="0" anchor="t"/>
+              <a:lstStyle>
+                <a:lvl1pPr marL="0" indent="0">
+                  <a:defRPr sz="1100">
+                    <a:solidFill>
+                      <a:schemeClr val="dk1"/>
+                    </a:solidFill>
+                    <a:latin typeface="+mn-lt"/>
+                    <a:ea typeface="+mn-ea"/>
+                    <a:cs typeface="+mn-cs"/>
+                  </a:defRPr>
+                </a:lvl1pPr>
+                <a:lvl2pPr marL="457200" indent="0">
+                  <a:defRPr sz="1100">
+                    <a:solidFill>
+                      <a:schemeClr val="dk1"/>
+                    </a:solidFill>
+                    <a:latin typeface="+mn-lt"/>
+                    <a:ea typeface="+mn-ea"/>
+                    <a:cs typeface="+mn-cs"/>
+                  </a:defRPr>
+                </a:lvl2pPr>
+                <a:lvl3pPr marL="914400" indent="0">
+                  <a:defRPr sz="1100">
+                    <a:solidFill>
+                      <a:schemeClr val="dk1"/>
+                    </a:solidFill>
+                    <a:latin typeface="+mn-lt"/>
+                    <a:ea typeface="+mn-ea"/>
+                    <a:cs typeface="+mn-cs"/>
+                  </a:defRPr>
+                </a:lvl3pPr>
+                <a:lvl4pPr marL="1371600" indent="0">
+                  <a:defRPr sz="1100">
+                    <a:solidFill>
+                      <a:schemeClr val="dk1"/>
+                    </a:solidFill>
+                    <a:latin typeface="+mn-lt"/>
+                    <a:ea typeface="+mn-ea"/>
+                    <a:cs typeface="+mn-cs"/>
+                  </a:defRPr>
+                </a:lvl4pPr>
+                <a:lvl5pPr marL="1828800" indent="0">
+                  <a:defRPr sz="1100">
+                    <a:solidFill>
+                      <a:schemeClr val="dk1"/>
+                    </a:solidFill>
+                    <a:latin typeface="+mn-lt"/>
+                    <a:ea typeface="+mn-ea"/>
+                    <a:cs typeface="+mn-cs"/>
+                  </a:defRPr>
+                </a:lvl5pPr>
+                <a:lvl6pPr marL="2286000" indent="0">
+                  <a:defRPr sz="1100">
+                    <a:solidFill>
+                      <a:schemeClr val="dk1"/>
+                    </a:solidFill>
+                    <a:latin typeface="+mn-lt"/>
+                    <a:ea typeface="+mn-ea"/>
+                    <a:cs typeface="+mn-cs"/>
+                  </a:defRPr>
+                </a:lvl6pPr>
+                <a:lvl7pPr marL="2743200" indent="0">
+                  <a:defRPr sz="1100">
+                    <a:solidFill>
+                      <a:schemeClr val="dk1"/>
+                    </a:solidFill>
+                    <a:latin typeface="+mn-lt"/>
+                    <a:ea typeface="+mn-ea"/>
+                    <a:cs typeface="+mn-cs"/>
+                  </a:defRPr>
+                </a:lvl7pPr>
+                <a:lvl8pPr marL="3200400" indent="0">
+                  <a:defRPr sz="1100">
+                    <a:solidFill>
+                      <a:schemeClr val="dk1"/>
+                    </a:solidFill>
+                    <a:latin typeface="+mn-lt"/>
+                    <a:ea typeface="+mn-ea"/>
+                    <a:cs typeface="+mn-cs"/>
+                  </a:defRPr>
+                </a:lvl8pPr>
+                <a:lvl9pPr marL="3657600" indent="0">
+                  <a:defRPr sz="1100">
+                    <a:solidFill>
+                      <a:schemeClr val="dk1"/>
+                    </a:solidFill>
+                    <a:latin typeface="+mn-lt"/>
+                    <a:ea typeface="+mn-ea"/>
+                    <a:cs typeface="+mn-cs"/>
+                  </a:defRPr>
+                </a:lvl9pPr>
+              </a:lstStyle>
+              <a:p>
+                <a:r>
+                  <a:rPr kumimoji="1" lang="en-US" altLang="ja-JP" sz="1100"/>
+                  <a:t>   Web</a:t>
+                </a:r>
+                <a:r>
+                  <a:rPr kumimoji="1" lang="ja-JP" altLang="en-US" sz="1100"/>
+                  <a:t>サーバ</a:t>
+                </a:r>
+              </a:p>
+            </p:txBody>
+          </p:sp>
+          <p:pic>
+            <p:nvPicPr>
+              <p:cNvPr id="32" name="グラフィックス 39" descr="サーバー 単色塗りつぶし">
+                <a:extLst>
+                  <a:ext uri="{FF2B5EF4-FFF2-40B4-BE49-F238E27FC236}">
+                    <a16:creationId xmlns:a16="http://schemas.microsoft.com/office/drawing/2014/main" id="{5D8A77B9-9912-1E00-F8A6-05B8ED96D1B6}"/>
+                  </a:ext>
+                </a:extLst>
+              </p:cNvPr>
+              <p:cNvPicPr>
+                <a:picLocks noChangeAspect="1"/>
+              </p:cNvPicPr>
+              <p:nvPr/>
+            </p:nvPicPr>
+            <p:blipFill>
+              <a:blip r:embed="rId14">
+                <a:extLst>
+                  <a:ext uri="{28A0092B-C50C-407E-A947-70E740481C1C}">
+                    <a14:useLocalDpi xmlns:a14="http://schemas.microsoft.com/office/drawing/2010/main" val="0"/>
+                  </a:ext>
+                  <a:ext uri="{96DAC541-7B7A-43D3-8B79-37D633B846F1}">
+                    <asvg:svgBlip xmlns:asvg="http://schemas.microsoft.com/office/drawing/2016/SVG/main" r:embed="rId15"/>
+                  </a:ext>
+                </a:extLst>
+              </a:blip>
+              <a:stretch>
+                <a:fillRect/>
+              </a:stretch>
+            </p:blipFill>
+            <p:spPr>
+              <a:xfrm>
+                <a:off x="7353300" y="3019425"/>
+                <a:ext cx="914400" cy="914400"/>
+              </a:xfrm>
+              <a:prstGeom prst="rect">
+                <a:avLst/>
+              </a:prstGeom>
+            </p:spPr>
+          </p:pic>
+        </p:grpSp>
+        <p:grpSp>
+          <p:nvGrpSpPr>
+            <p:cNvPr id="18" name="グループ化 17">
+              <a:extLst>
+                <a:ext uri="{FF2B5EF4-FFF2-40B4-BE49-F238E27FC236}">
+                  <a16:creationId xmlns:a16="http://schemas.microsoft.com/office/drawing/2014/main" id="{FBBF44F7-5F8F-47D7-9900-950B3EF98241}"/>
+                </a:ext>
+              </a:extLst>
+            </p:cNvPr>
+            <p:cNvGrpSpPr/>
+            <p:nvPr/>
+          </p:nvGrpSpPr>
+          <p:grpSpPr>
+            <a:xfrm>
+              <a:off x="8467725" y="2743200"/>
+              <a:ext cx="1104900" cy="1247775"/>
+              <a:chOff x="8467725" y="2743200"/>
+              <a:chExt cx="1104900" cy="1247775"/>
+            </a:xfrm>
+          </p:grpSpPr>
+          <p:sp>
+            <p:nvSpPr>
+              <p:cNvPr id="29" name="テキスト ボックス 41">
+                <a:extLst>
+                  <a:ext uri="{FF2B5EF4-FFF2-40B4-BE49-F238E27FC236}">
+                    <a16:creationId xmlns:a16="http://schemas.microsoft.com/office/drawing/2014/main" id="{DE206353-A4FE-1474-E7CC-7CE58C7BFF11}"/>
+                  </a:ext>
+                </a:extLst>
+              </p:cNvPr>
+              <p:cNvSpPr txBox="1"/>
+              <p:nvPr/>
+            </p:nvSpPr>
+            <p:spPr>
+              <a:xfrm>
+                <a:off x="8467725" y="2743200"/>
+                <a:ext cx="1104900" cy="1247775"/>
+              </a:xfrm>
+              <a:prstGeom prst="rect">
+                <a:avLst/>
+              </a:prstGeom>
+              <a:solidFill>
+                <a:schemeClr val="lt1"/>
+              </a:solidFill>
+              <a:ln w="9525" cmpd="sng">
+                <a:solidFill>
+                  <a:schemeClr val="lt1">
+                    <a:shade val="50000"/>
+                  </a:schemeClr>
+                </a:solidFill>
+              </a:ln>
+            </p:spPr>
+            <p:style>
+              <a:lnRef idx="0">
+                <a:scrgbClr r="0" g="0" b="0"/>
+              </a:lnRef>
+              <a:fillRef idx="0">
+                <a:scrgbClr r="0" g="0" b="0"/>
+              </a:fillRef>
+              <a:effectRef idx="0">
+                <a:scrgbClr r="0" g="0" b="0"/>
+              </a:effectRef>
+              <a:fontRef idx="minor">
+                <a:schemeClr val="dk1"/>
+              </a:fontRef>
+            </p:style>
+            <p:txBody>
+              <a:bodyPr wrap="square" rtlCol="0" anchor="t"/>
+              <a:lstStyle>
+                <a:lvl1pPr marL="0" indent="0">
+                  <a:defRPr sz="1100">
+                    <a:solidFill>
+                      <a:schemeClr val="dk1"/>
+                    </a:solidFill>
+                    <a:latin typeface="+mn-lt"/>
+                    <a:ea typeface="+mn-ea"/>
+                    <a:cs typeface="+mn-cs"/>
+                  </a:defRPr>
+                </a:lvl1pPr>
+                <a:lvl2pPr marL="457200" indent="0">
+                  <a:defRPr sz="1100">
+                    <a:solidFill>
+                      <a:schemeClr val="dk1"/>
+                    </a:solidFill>
+                    <a:latin typeface="+mn-lt"/>
+                    <a:ea typeface="+mn-ea"/>
+                    <a:cs typeface="+mn-cs"/>
+                  </a:defRPr>
+                </a:lvl2pPr>
+                <a:lvl3pPr marL="914400" indent="0">
+                  <a:defRPr sz="1100">
+                    <a:solidFill>
+                      <a:schemeClr val="dk1"/>
+                    </a:solidFill>
+                    <a:latin typeface="+mn-lt"/>
+                    <a:ea typeface="+mn-ea"/>
+                    <a:cs typeface="+mn-cs"/>
+                  </a:defRPr>
+                </a:lvl3pPr>
+                <a:lvl4pPr marL="1371600" indent="0">
+                  <a:defRPr sz="1100">
+                    <a:solidFill>
+                      <a:schemeClr val="dk1"/>
+                    </a:solidFill>
+                    <a:latin typeface="+mn-lt"/>
+                    <a:ea typeface="+mn-ea"/>
+                    <a:cs typeface="+mn-cs"/>
+                  </a:defRPr>
+                </a:lvl4pPr>
+                <a:lvl5pPr marL="1828800" indent="0">
+                  <a:defRPr sz="1100">
+                    <a:solidFill>
+                      <a:schemeClr val="dk1"/>
+                    </a:solidFill>
+                    <a:latin typeface="+mn-lt"/>
+                    <a:ea typeface="+mn-ea"/>
+                    <a:cs typeface="+mn-cs"/>
+                  </a:defRPr>
+                </a:lvl5pPr>
+                <a:lvl6pPr marL="2286000" indent="0">
+                  <a:defRPr sz="1100">
+                    <a:solidFill>
+                      <a:schemeClr val="dk1"/>
+                    </a:solidFill>
+                    <a:latin typeface="+mn-lt"/>
+                    <a:ea typeface="+mn-ea"/>
+                    <a:cs typeface="+mn-cs"/>
+                  </a:defRPr>
+                </a:lvl6pPr>
+                <a:lvl7pPr marL="2743200" indent="0">
+                  <a:defRPr sz="1100">
+                    <a:solidFill>
+                      <a:schemeClr val="dk1"/>
+                    </a:solidFill>
+                    <a:latin typeface="+mn-lt"/>
+                    <a:ea typeface="+mn-ea"/>
+                    <a:cs typeface="+mn-cs"/>
+                  </a:defRPr>
+                </a:lvl7pPr>
+                <a:lvl8pPr marL="3200400" indent="0">
+                  <a:defRPr sz="1100">
+                    <a:solidFill>
+                      <a:schemeClr val="dk1"/>
+                    </a:solidFill>
+                    <a:latin typeface="+mn-lt"/>
+                    <a:ea typeface="+mn-ea"/>
+                    <a:cs typeface="+mn-cs"/>
+                  </a:defRPr>
+                </a:lvl8pPr>
+                <a:lvl9pPr marL="3657600" indent="0">
+                  <a:defRPr sz="1100">
+                    <a:solidFill>
+                      <a:schemeClr val="dk1"/>
+                    </a:solidFill>
+                    <a:latin typeface="+mn-lt"/>
+                    <a:ea typeface="+mn-ea"/>
+                    <a:cs typeface="+mn-cs"/>
+                  </a:defRPr>
+                </a:lvl9pPr>
+              </a:lstStyle>
+              <a:p>
+                <a:r>
+                  <a:rPr kumimoji="1" lang="en-US" altLang="ja-JP" sz="1100"/>
+                  <a:t>   Web</a:t>
+                </a:r>
+                <a:r>
+                  <a:rPr kumimoji="1" lang="ja-JP" altLang="en-US" sz="1100"/>
+                  <a:t>サーバ</a:t>
+                </a:r>
+              </a:p>
+            </p:txBody>
+          </p:sp>
+          <p:pic>
+            <p:nvPicPr>
+              <p:cNvPr id="30" name="グラフィックス 42" descr="サーバー 単色塗りつぶし">
+                <a:extLst>
+                  <a:ext uri="{FF2B5EF4-FFF2-40B4-BE49-F238E27FC236}">
+                    <a16:creationId xmlns:a16="http://schemas.microsoft.com/office/drawing/2014/main" id="{EBDEB3CF-95F2-3F88-E868-F021945B3122}"/>
+                  </a:ext>
+                </a:extLst>
+              </p:cNvPr>
+              <p:cNvPicPr>
+                <a:picLocks noChangeAspect="1"/>
+              </p:cNvPicPr>
+              <p:nvPr/>
+            </p:nvPicPr>
+            <p:blipFill>
+              <a:blip r:embed="rId14">
+                <a:extLst>
+                  <a:ext uri="{28A0092B-C50C-407E-A947-70E740481C1C}">
+                    <a14:useLocalDpi xmlns:a14="http://schemas.microsoft.com/office/drawing/2010/main" val="0"/>
+                  </a:ext>
+                  <a:ext uri="{96DAC541-7B7A-43D3-8B79-37D633B846F1}">
+                    <asvg:svgBlip xmlns:asvg="http://schemas.microsoft.com/office/drawing/2016/SVG/main" r:embed="rId15"/>
+                  </a:ext>
+                </a:extLst>
+              </a:blip>
+              <a:stretch>
+                <a:fillRect/>
+              </a:stretch>
+            </p:blipFill>
+            <p:spPr>
+              <a:xfrm>
+                <a:off x="8572500" y="3028950"/>
+                <a:ext cx="914400" cy="914400"/>
+              </a:xfrm>
+              <a:prstGeom prst="rect">
+                <a:avLst/>
+              </a:prstGeom>
+            </p:spPr>
+          </p:pic>
+        </p:grpSp>
+        <p:sp>
+          <p:nvSpPr>
+            <p:cNvPr id="20" name="テキスト ボックス 44">
+              <a:extLst>
+                <a:ext uri="{FF2B5EF4-FFF2-40B4-BE49-F238E27FC236}">
+                  <a16:creationId xmlns:a16="http://schemas.microsoft.com/office/drawing/2014/main" id="{E40B14CF-5EDC-3A8F-2E74-46949D9D6515}"/>
+                </a:ext>
+              </a:extLst>
+            </p:cNvPr>
+            <p:cNvSpPr txBox="1"/>
+            <p:nvPr/>
+          </p:nvSpPr>
+          <p:spPr>
+            <a:xfrm>
+              <a:off x="3429000" y="5162550"/>
+              <a:ext cx="184731" cy="264560"/>
+            </a:xfrm>
+            <a:prstGeom prst="rect">
+              <a:avLst/>
+            </a:prstGeom>
+            <a:noFill/>
+          </p:spPr>
+          <p:style>
+            <a:lnRef idx="0">
+              <a:scrgbClr r="0" g="0" b="0"/>
+            </a:lnRef>
+            <a:fillRef idx="0">
+              <a:scrgbClr r="0" g="0" b="0"/>
+            </a:fillRef>
+            <a:effectRef idx="0">
+              <a:scrgbClr r="0" g="0" b="0"/>
+            </a:effectRef>
+            <a:fontRef idx="minor">
+              <a:schemeClr val="tx1"/>
+            </a:fontRef>
+          </p:style>
+          <p:txBody>
+            <a:bodyPr wrap="none" rtlCol="0" anchor="t">
+              <a:spAutoFit/>
+            </a:bodyPr>
+            <a:lstStyle>
+              <a:lvl1pPr marL="0" indent="0">
+                <a:defRPr sz="1100">
+                  <a:solidFill>
+                    <a:schemeClr val="tx1"/>
+                  </a:solidFill>
+                  <a:latin typeface="+mn-lt"/>
+                  <a:ea typeface="+mn-ea"/>
+                  <a:cs typeface="+mn-cs"/>
+                </a:defRPr>
+              </a:lvl1pPr>
+              <a:lvl2pPr marL="457200" indent="0">
+                <a:defRPr sz="1100">
+                  <a:solidFill>
+                    <a:schemeClr val="tx1"/>
+                  </a:solidFill>
+                  <a:latin typeface="+mn-lt"/>
+                  <a:ea typeface="+mn-ea"/>
+                  <a:cs typeface="+mn-cs"/>
+                </a:defRPr>
+              </a:lvl2pPr>
+              <a:lvl3pPr marL="914400" indent="0">
+                <a:defRPr sz="1100">
+                  <a:solidFill>
+                    <a:schemeClr val="tx1"/>
+                  </a:solidFill>
+                  <a:latin typeface="+mn-lt"/>
+                  <a:ea typeface="+mn-ea"/>
+                  <a:cs typeface="+mn-cs"/>
+                </a:defRPr>
+              </a:lvl3pPr>
+              <a:lvl4pPr marL="1371600" indent="0">
+                <a:defRPr sz="1100">
+                  <a:solidFill>
+                    <a:schemeClr val="tx1"/>
+                  </a:solidFill>
+                  <a:latin typeface="+mn-lt"/>
+                  <a:ea typeface="+mn-ea"/>
+                  <a:cs typeface="+mn-cs"/>
+                </a:defRPr>
+              </a:lvl4pPr>
+              <a:lvl5pPr marL="1828800" indent="0">
+                <a:defRPr sz="1100">
+                  <a:solidFill>
+                    <a:schemeClr val="tx1"/>
+                  </a:solidFill>
+                  <a:latin typeface="+mn-lt"/>
+                  <a:ea typeface="+mn-ea"/>
+                  <a:cs typeface="+mn-cs"/>
+                </a:defRPr>
+              </a:lvl5pPr>
+              <a:lvl6pPr marL="2286000" indent="0">
+                <a:defRPr sz="1100">
+                  <a:solidFill>
+                    <a:schemeClr val="tx1"/>
+                  </a:solidFill>
+                  <a:latin typeface="+mn-lt"/>
+                  <a:ea typeface="+mn-ea"/>
+                  <a:cs typeface="+mn-cs"/>
+                </a:defRPr>
+              </a:lvl6pPr>
+              <a:lvl7pPr marL="2743200" indent="0">
+                <a:defRPr sz="1100">
+                  <a:solidFill>
+                    <a:schemeClr val="tx1"/>
+                  </a:solidFill>
+                  <a:latin typeface="+mn-lt"/>
+                  <a:ea typeface="+mn-ea"/>
+                  <a:cs typeface="+mn-cs"/>
+                </a:defRPr>
+              </a:lvl7pPr>
+              <a:lvl8pPr marL="3200400" indent="0">
+                <a:defRPr sz="1100">
+                  <a:solidFill>
+                    <a:schemeClr val="tx1"/>
+                  </a:solidFill>
+                  <a:latin typeface="+mn-lt"/>
+                  <a:ea typeface="+mn-ea"/>
+                  <a:cs typeface="+mn-cs"/>
+                </a:defRPr>
+              </a:lvl8pPr>
+              <a:lvl9pPr marL="3657600" indent="0">
+                <a:defRPr sz="1100">
+                  <a:solidFill>
+                    <a:schemeClr val="tx1"/>
+                  </a:solidFill>
+                  <a:latin typeface="+mn-lt"/>
+                  <a:ea typeface="+mn-ea"/>
+                  <a:cs typeface="+mn-cs"/>
+                </a:defRPr>
+              </a:lvl9pPr>
+            </a:lstStyle>
+            <a:p>
+              <a:endParaRPr kumimoji="1" lang="ja-JP" altLang="en-US" sz="1100"/>
+            </a:p>
+          </p:txBody>
+        </p:sp>
+        <p:sp>
+          <p:nvSpPr>
+            <p:cNvPr id="21" name="矢印: 左右 20">
+              <a:extLst>
+                <a:ext uri="{FF2B5EF4-FFF2-40B4-BE49-F238E27FC236}">
+                  <a16:creationId xmlns:a16="http://schemas.microsoft.com/office/drawing/2014/main" id="{6F6FCEC3-EC5B-5F09-A833-F6B31A24A64C}"/>
+                </a:ext>
+              </a:extLst>
+            </p:cNvPr>
+            <p:cNvSpPr/>
+            <p:nvPr/>
+          </p:nvSpPr>
+          <p:spPr>
+            <a:xfrm>
+              <a:off x="1419225" y="1905000"/>
+              <a:ext cx="676275" cy="371475"/>
+            </a:xfrm>
+            <a:prstGeom prst="leftRightArrow">
+              <a:avLst/>
+            </a:prstGeom>
+          </p:spPr>
+          <p:style>
+            <a:lnRef idx="2">
+              <a:schemeClr val="accent1">
+                <a:shade val="50000"/>
+              </a:schemeClr>
+            </a:lnRef>
+            <a:fillRef idx="1">
+              <a:schemeClr val="accent1"/>
+            </a:fillRef>
+            <a:effectRef idx="0">
+              <a:schemeClr val="accent1"/>
+            </a:effectRef>
+            <a:fontRef idx="minor">
+              <a:schemeClr val="lt1"/>
+            </a:fontRef>
+          </p:style>
+          <p:txBody>
+            <a:bodyPr rot="0" spcFirstLastPara="0" vert="horz" wrap="square" lIns="91440" tIns="45720" rIns="91440" bIns="45720" numCol="1" spcCol="0" rtlCol="0" fromWordArt="0" anchor="t" anchorCtr="0" forceAA="0" compatLnSpc="1">
+              <a:prstTxWarp prst="textNoShape">
+                <a:avLst/>
+              </a:prstTxWarp>
+              <a:noAutofit/>
+            </a:bodyPr>
+            <a:lstStyle>
+              <a:lvl1pPr marL="0" indent="0">
+                <a:defRPr sz="1100">
+                  <a:solidFill>
+                    <a:schemeClr val="lt1"/>
+                  </a:solidFill>
+                  <a:latin typeface="+mn-lt"/>
+                  <a:ea typeface="+mn-ea"/>
+                  <a:cs typeface="+mn-cs"/>
+                </a:defRPr>
+              </a:lvl1pPr>
+              <a:lvl2pPr marL="457200" indent="0">
+                <a:defRPr sz="1100">
+                  <a:solidFill>
+                    <a:schemeClr val="lt1"/>
+                  </a:solidFill>
+                  <a:latin typeface="+mn-lt"/>
+                  <a:ea typeface="+mn-ea"/>
+                  <a:cs typeface="+mn-cs"/>
+                </a:defRPr>
+              </a:lvl2pPr>
+              <a:lvl3pPr marL="914400" indent="0">
+                <a:defRPr sz="1100">
+                  <a:solidFill>
+                    <a:schemeClr val="lt1"/>
+                  </a:solidFill>
+                  <a:latin typeface="+mn-lt"/>
+                  <a:ea typeface="+mn-ea"/>
+                  <a:cs typeface="+mn-cs"/>
+                </a:defRPr>
+              </a:lvl3pPr>
+              <a:lvl4pPr marL="1371600" indent="0">
+                <a:defRPr sz="1100">
+                  <a:solidFill>
+                    <a:schemeClr val="lt1"/>
+                  </a:solidFill>
+                  <a:latin typeface="+mn-lt"/>
+                  <a:ea typeface="+mn-ea"/>
+                  <a:cs typeface="+mn-cs"/>
+                </a:defRPr>
+              </a:lvl4pPr>
+              <a:lvl5pPr marL="1828800" indent="0">
+                <a:defRPr sz="1100">
+                  <a:solidFill>
+                    <a:schemeClr val="lt1"/>
+                  </a:solidFill>
+                  <a:latin typeface="+mn-lt"/>
+                  <a:ea typeface="+mn-ea"/>
+                  <a:cs typeface="+mn-cs"/>
+                </a:defRPr>
+              </a:lvl5pPr>
+              <a:lvl6pPr marL="2286000" indent="0">
+                <a:defRPr sz="1100">
+                  <a:solidFill>
+                    <a:schemeClr val="lt1"/>
+                  </a:solidFill>
+                  <a:latin typeface="+mn-lt"/>
+                  <a:ea typeface="+mn-ea"/>
+                  <a:cs typeface="+mn-cs"/>
+                </a:defRPr>
+              </a:lvl6pPr>
+              <a:lvl7pPr marL="2743200" indent="0">
+                <a:defRPr sz="1100">
+                  <a:solidFill>
+                    <a:schemeClr val="lt1"/>
+                  </a:solidFill>
+                  <a:latin typeface="+mn-lt"/>
+                  <a:ea typeface="+mn-ea"/>
+                  <a:cs typeface="+mn-cs"/>
+                </a:defRPr>
+              </a:lvl7pPr>
+              <a:lvl8pPr marL="3200400" indent="0">
+                <a:defRPr sz="1100">
+                  <a:solidFill>
+                    <a:schemeClr val="lt1"/>
+                  </a:solidFill>
+                  <a:latin typeface="+mn-lt"/>
+                  <a:ea typeface="+mn-ea"/>
+                  <a:cs typeface="+mn-cs"/>
+                </a:defRPr>
+              </a:lvl8pPr>
+              <a:lvl9pPr marL="3657600" indent="0">
+                <a:defRPr sz="1100">
+                  <a:solidFill>
+                    <a:schemeClr val="lt1"/>
+                  </a:solidFill>
+                  <a:latin typeface="+mn-lt"/>
+                  <a:ea typeface="+mn-ea"/>
+                  <a:cs typeface="+mn-cs"/>
+                </a:defRPr>
+              </a:lvl9pPr>
+            </a:lstStyle>
+            <a:p>
+              <a:pPr algn="l"/>
+              <a:endParaRPr kumimoji="1" lang="ja-JP" altLang="en-US" sz="1100"/>
+            </a:p>
+          </p:txBody>
+        </p:sp>
+        <p:sp>
+          <p:nvSpPr>
+            <p:cNvPr id="22" name="矢印: 左右 21">
+              <a:extLst>
+                <a:ext uri="{FF2B5EF4-FFF2-40B4-BE49-F238E27FC236}">
+                  <a16:creationId xmlns:a16="http://schemas.microsoft.com/office/drawing/2014/main" id="{82560BD7-F036-401F-B707-D7FF2F9B2612}"/>
+                </a:ext>
+              </a:extLst>
+            </p:cNvPr>
+            <p:cNvSpPr/>
+            <p:nvPr/>
+          </p:nvSpPr>
+          <p:spPr>
+            <a:xfrm>
+              <a:off x="6172200" y="1876425"/>
+              <a:ext cx="676275" cy="371475"/>
+            </a:xfrm>
+            <a:prstGeom prst="leftRightArrow">
+              <a:avLst/>
+            </a:prstGeom>
+          </p:spPr>
+          <p:style>
+            <a:lnRef idx="2">
+              <a:schemeClr val="accent1">
+                <a:shade val="50000"/>
+              </a:schemeClr>
+            </a:lnRef>
+            <a:fillRef idx="1">
+              <a:schemeClr val="accent1"/>
+            </a:fillRef>
+            <a:effectRef idx="0">
+              <a:schemeClr val="accent1"/>
+            </a:effectRef>
+            <a:fontRef idx="minor">
+              <a:schemeClr val="lt1"/>
+            </a:fontRef>
+          </p:style>
+          <p:txBody>
+            <a:bodyPr rot="0" spcFirstLastPara="0" vert="horz" wrap="square" lIns="91440" tIns="45720" rIns="91440" bIns="45720" numCol="1" spcCol="0" rtlCol="0" fromWordArt="0" anchor="t" anchorCtr="0" forceAA="0" compatLnSpc="1">
+              <a:prstTxWarp prst="textNoShape">
+                <a:avLst/>
+              </a:prstTxWarp>
+              <a:noAutofit/>
+            </a:bodyPr>
+            <a:lstStyle>
+              <a:lvl1pPr marL="0" indent="0">
+                <a:defRPr sz="1100">
+                  <a:solidFill>
+                    <a:schemeClr val="lt1"/>
+                  </a:solidFill>
+                  <a:latin typeface="+mn-lt"/>
+                  <a:ea typeface="+mn-ea"/>
+                  <a:cs typeface="+mn-cs"/>
+                </a:defRPr>
+              </a:lvl1pPr>
+              <a:lvl2pPr marL="457200" indent="0">
+                <a:defRPr sz="1100">
+                  <a:solidFill>
+                    <a:schemeClr val="lt1"/>
+                  </a:solidFill>
+                  <a:latin typeface="+mn-lt"/>
+                  <a:ea typeface="+mn-ea"/>
+                  <a:cs typeface="+mn-cs"/>
+                </a:defRPr>
+              </a:lvl2pPr>
+              <a:lvl3pPr marL="914400" indent="0">
+                <a:defRPr sz="1100">
+                  <a:solidFill>
+                    <a:schemeClr val="lt1"/>
+                  </a:solidFill>
+                  <a:latin typeface="+mn-lt"/>
+                  <a:ea typeface="+mn-ea"/>
+                  <a:cs typeface="+mn-cs"/>
+                </a:defRPr>
+              </a:lvl3pPr>
+              <a:lvl4pPr marL="1371600" indent="0">
+                <a:defRPr sz="1100">
+                  <a:solidFill>
+                    <a:schemeClr val="lt1"/>
+                  </a:solidFill>
+                  <a:latin typeface="+mn-lt"/>
+                  <a:ea typeface="+mn-ea"/>
+                  <a:cs typeface="+mn-cs"/>
+                </a:defRPr>
+              </a:lvl4pPr>
+              <a:lvl5pPr marL="1828800" indent="0">
+                <a:defRPr sz="1100">
+                  <a:solidFill>
+                    <a:schemeClr val="lt1"/>
+                  </a:solidFill>
+                  <a:latin typeface="+mn-lt"/>
+                  <a:ea typeface="+mn-ea"/>
+                  <a:cs typeface="+mn-cs"/>
+                </a:defRPr>
+              </a:lvl5pPr>
+              <a:lvl6pPr marL="2286000" indent="0">
+                <a:defRPr sz="1100">
+                  <a:solidFill>
+                    <a:schemeClr val="lt1"/>
+                  </a:solidFill>
+                  <a:latin typeface="+mn-lt"/>
+                  <a:ea typeface="+mn-ea"/>
+                  <a:cs typeface="+mn-cs"/>
+                </a:defRPr>
+              </a:lvl6pPr>
+              <a:lvl7pPr marL="2743200" indent="0">
+                <a:defRPr sz="1100">
+                  <a:solidFill>
+                    <a:schemeClr val="lt1"/>
+                  </a:solidFill>
+                  <a:latin typeface="+mn-lt"/>
+                  <a:ea typeface="+mn-ea"/>
+                  <a:cs typeface="+mn-cs"/>
+                </a:defRPr>
+              </a:lvl7pPr>
+              <a:lvl8pPr marL="3200400" indent="0">
+                <a:defRPr sz="1100">
+                  <a:solidFill>
+                    <a:schemeClr val="lt1"/>
+                  </a:solidFill>
+                  <a:latin typeface="+mn-lt"/>
+                  <a:ea typeface="+mn-ea"/>
+                  <a:cs typeface="+mn-cs"/>
+                </a:defRPr>
+              </a:lvl8pPr>
+              <a:lvl9pPr marL="3657600" indent="0">
+                <a:defRPr sz="1100">
+                  <a:solidFill>
+                    <a:schemeClr val="lt1"/>
+                  </a:solidFill>
+                  <a:latin typeface="+mn-lt"/>
+                  <a:ea typeface="+mn-ea"/>
+                  <a:cs typeface="+mn-cs"/>
+                </a:defRPr>
+              </a:lvl9pPr>
+            </a:lstStyle>
+            <a:p>
+              <a:pPr algn="l"/>
+              <a:endParaRPr kumimoji="1" lang="ja-JP" altLang="en-US" sz="1100"/>
+            </a:p>
+          </p:txBody>
+        </p:sp>
+        <p:sp>
+          <p:nvSpPr>
+            <p:cNvPr id="24" name="矢印: 左右 23">
+              <a:extLst>
+                <a:ext uri="{FF2B5EF4-FFF2-40B4-BE49-F238E27FC236}">
+                  <a16:creationId xmlns:a16="http://schemas.microsoft.com/office/drawing/2014/main" id="{F67A6F22-C7FC-4B3E-8AEB-5291D18E7264}"/>
+                </a:ext>
+              </a:extLst>
+            </p:cNvPr>
+            <p:cNvSpPr/>
+            <p:nvPr/>
+          </p:nvSpPr>
+          <p:spPr>
+            <a:xfrm>
+              <a:off x="10153650" y="1895475"/>
+              <a:ext cx="676275" cy="371475"/>
+            </a:xfrm>
+            <a:prstGeom prst="leftRightArrow">
+              <a:avLst/>
+            </a:prstGeom>
+          </p:spPr>
+          <p:style>
+            <a:lnRef idx="2">
+              <a:schemeClr val="accent1">
+                <a:shade val="50000"/>
+              </a:schemeClr>
+            </a:lnRef>
+            <a:fillRef idx="1">
+              <a:schemeClr val="accent1"/>
+            </a:fillRef>
+            <a:effectRef idx="0">
+              <a:schemeClr val="accent1"/>
+            </a:effectRef>
+            <a:fontRef idx="minor">
+              <a:schemeClr val="lt1"/>
+            </a:fontRef>
+          </p:style>
+          <p:txBody>
+            <a:bodyPr rot="0" spcFirstLastPara="0" vert="horz" wrap="square" lIns="91440" tIns="45720" rIns="91440" bIns="45720" numCol="1" spcCol="0" rtlCol="0" fromWordArt="0" anchor="t" anchorCtr="0" forceAA="0" compatLnSpc="1">
+              <a:prstTxWarp prst="textNoShape">
+                <a:avLst/>
+              </a:prstTxWarp>
+              <a:noAutofit/>
+            </a:bodyPr>
+            <a:lstStyle>
+              <a:lvl1pPr marL="0" indent="0">
+                <a:defRPr sz="1100">
+                  <a:solidFill>
+                    <a:schemeClr val="lt1"/>
+                  </a:solidFill>
+                  <a:latin typeface="+mn-lt"/>
+                  <a:ea typeface="+mn-ea"/>
+                  <a:cs typeface="+mn-cs"/>
+                </a:defRPr>
+              </a:lvl1pPr>
+              <a:lvl2pPr marL="457200" indent="0">
+                <a:defRPr sz="1100">
+                  <a:solidFill>
+                    <a:schemeClr val="lt1"/>
+                  </a:solidFill>
+                  <a:latin typeface="+mn-lt"/>
+                  <a:ea typeface="+mn-ea"/>
+                  <a:cs typeface="+mn-cs"/>
+                </a:defRPr>
+              </a:lvl2pPr>
+              <a:lvl3pPr marL="914400" indent="0">
+                <a:defRPr sz="1100">
+                  <a:solidFill>
+                    <a:schemeClr val="lt1"/>
+                  </a:solidFill>
+                  <a:latin typeface="+mn-lt"/>
+                  <a:ea typeface="+mn-ea"/>
+                  <a:cs typeface="+mn-cs"/>
+                </a:defRPr>
+              </a:lvl3pPr>
+              <a:lvl4pPr marL="1371600" indent="0">
+                <a:defRPr sz="1100">
+                  <a:solidFill>
+                    <a:schemeClr val="lt1"/>
+                  </a:solidFill>
+                  <a:latin typeface="+mn-lt"/>
+                  <a:ea typeface="+mn-ea"/>
+                  <a:cs typeface="+mn-cs"/>
+                </a:defRPr>
+              </a:lvl4pPr>
+              <a:lvl5pPr marL="1828800" indent="0">
+                <a:defRPr sz="1100">
+                  <a:solidFill>
+                    <a:schemeClr val="lt1"/>
+                  </a:solidFill>
+                  <a:latin typeface="+mn-lt"/>
+                  <a:ea typeface="+mn-ea"/>
+                  <a:cs typeface="+mn-cs"/>
+                </a:defRPr>
+              </a:lvl5pPr>
+              <a:lvl6pPr marL="2286000" indent="0">
+                <a:defRPr sz="1100">
+                  <a:solidFill>
+                    <a:schemeClr val="lt1"/>
+                  </a:solidFill>
+                  <a:latin typeface="+mn-lt"/>
+                  <a:ea typeface="+mn-ea"/>
+                  <a:cs typeface="+mn-cs"/>
+                </a:defRPr>
+              </a:lvl6pPr>
+              <a:lvl7pPr marL="2743200" indent="0">
+                <a:defRPr sz="1100">
+                  <a:solidFill>
+                    <a:schemeClr val="lt1"/>
+                  </a:solidFill>
+                  <a:latin typeface="+mn-lt"/>
+                  <a:ea typeface="+mn-ea"/>
+                  <a:cs typeface="+mn-cs"/>
+                </a:defRPr>
+              </a:lvl7pPr>
+              <a:lvl8pPr marL="3200400" indent="0">
+                <a:defRPr sz="1100">
+                  <a:solidFill>
+                    <a:schemeClr val="lt1"/>
+                  </a:solidFill>
+                  <a:latin typeface="+mn-lt"/>
+                  <a:ea typeface="+mn-ea"/>
+                  <a:cs typeface="+mn-cs"/>
+                </a:defRPr>
+              </a:lvl8pPr>
+              <a:lvl9pPr marL="3657600" indent="0">
+                <a:defRPr sz="1100">
+                  <a:solidFill>
+                    <a:schemeClr val="lt1"/>
+                  </a:solidFill>
+                  <a:latin typeface="+mn-lt"/>
+                  <a:ea typeface="+mn-ea"/>
+                  <a:cs typeface="+mn-cs"/>
+                </a:defRPr>
+              </a:lvl9pPr>
+            </a:lstStyle>
+            <a:p>
+              <a:pPr algn="l"/>
+              <a:endParaRPr kumimoji="1" lang="ja-JP" altLang="en-US" sz="1100"/>
+            </a:p>
+          </p:txBody>
+        </p:sp>
+        <p:sp>
+          <p:nvSpPr>
+            <p:cNvPr id="26" name="テキスト ボックス 48">
+              <a:extLst>
+                <a:ext uri="{FF2B5EF4-FFF2-40B4-BE49-F238E27FC236}">
+                  <a16:creationId xmlns:a16="http://schemas.microsoft.com/office/drawing/2014/main" id="{46456CB6-6E0B-49A3-8FFE-B44B53361E02}"/>
+                </a:ext>
+              </a:extLst>
+            </p:cNvPr>
+            <p:cNvSpPr txBox="1"/>
+            <p:nvPr/>
+          </p:nvSpPr>
+          <p:spPr>
+            <a:xfrm>
+              <a:off x="5924550" y="1209675"/>
+              <a:ext cx="1266825" cy="314325"/>
+            </a:xfrm>
+            <a:prstGeom prst="rect">
+              <a:avLst/>
+            </a:prstGeom>
+            <a:solidFill>
+              <a:srgbClr val="FFFF00"/>
+            </a:solidFill>
+            <a:ln w="9525" cmpd="sng">
+              <a:solidFill>
+                <a:schemeClr val="lt1">
+                  <a:shade val="50000"/>
+                </a:schemeClr>
+              </a:solidFill>
+            </a:ln>
+          </p:spPr>
+          <p:style>
+            <a:lnRef idx="0">
+              <a:scrgbClr r="0" g="0" b="0"/>
+            </a:lnRef>
+            <a:fillRef idx="0">
+              <a:scrgbClr r="0" g="0" b="0"/>
+            </a:fillRef>
+            <a:effectRef idx="0">
+              <a:scrgbClr r="0" g="0" b="0"/>
+            </a:effectRef>
+            <a:fontRef idx="minor">
+              <a:schemeClr val="dk1"/>
+            </a:fontRef>
+          </p:style>
+          <p:txBody>
+            <a:bodyPr wrap="square" rtlCol="0" anchor="t"/>
+            <a:lstStyle>
+              <a:lvl1pPr marL="0" indent="0">
+                <a:defRPr sz="1100">
+                  <a:solidFill>
+                    <a:schemeClr val="dk1"/>
+                  </a:solidFill>
+                  <a:latin typeface="+mn-lt"/>
+                  <a:ea typeface="+mn-ea"/>
+                  <a:cs typeface="+mn-cs"/>
+                </a:defRPr>
+              </a:lvl1pPr>
+              <a:lvl2pPr marL="457200" indent="0">
+                <a:defRPr sz="1100">
+                  <a:solidFill>
+                    <a:schemeClr val="dk1"/>
+                  </a:solidFill>
+                  <a:latin typeface="+mn-lt"/>
+                  <a:ea typeface="+mn-ea"/>
+                  <a:cs typeface="+mn-cs"/>
+                </a:defRPr>
+              </a:lvl2pPr>
+              <a:lvl3pPr marL="914400" indent="0">
+                <a:defRPr sz="1100">
+                  <a:solidFill>
+                    <a:schemeClr val="dk1"/>
+                  </a:solidFill>
+                  <a:latin typeface="+mn-lt"/>
+                  <a:ea typeface="+mn-ea"/>
+                  <a:cs typeface="+mn-cs"/>
+                </a:defRPr>
+              </a:lvl3pPr>
+              <a:lvl4pPr marL="1371600" indent="0">
+                <a:defRPr sz="1100">
+                  <a:solidFill>
+                    <a:schemeClr val="dk1"/>
+                  </a:solidFill>
+                  <a:latin typeface="+mn-lt"/>
+                  <a:ea typeface="+mn-ea"/>
+                  <a:cs typeface="+mn-cs"/>
+                </a:defRPr>
+              </a:lvl4pPr>
+              <a:lvl5pPr marL="1828800" indent="0">
+                <a:defRPr sz="1100">
+                  <a:solidFill>
+                    <a:schemeClr val="dk1"/>
+                  </a:solidFill>
+                  <a:latin typeface="+mn-lt"/>
+                  <a:ea typeface="+mn-ea"/>
+                  <a:cs typeface="+mn-cs"/>
+                </a:defRPr>
+              </a:lvl5pPr>
+              <a:lvl6pPr marL="2286000" indent="0">
+                <a:defRPr sz="1100">
+                  <a:solidFill>
+                    <a:schemeClr val="dk1"/>
+                  </a:solidFill>
+                  <a:latin typeface="+mn-lt"/>
+                  <a:ea typeface="+mn-ea"/>
+                  <a:cs typeface="+mn-cs"/>
+                </a:defRPr>
+              </a:lvl6pPr>
+              <a:lvl7pPr marL="2743200" indent="0">
+                <a:defRPr sz="1100">
+                  <a:solidFill>
+                    <a:schemeClr val="dk1"/>
+                  </a:solidFill>
+                  <a:latin typeface="+mn-lt"/>
+                  <a:ea typeface="+mn-ea"/>
+                  <a:cs typeface="+mn-cs"/>
+                </a:defRPr>
+              </a:lvl7pPr>
+              <a:lvl8pPr marL="3200400" indent="0">
+                <a:defRPr sz="1100">
+                  <a:solidFill>
+                    <a:schemeClr val="dk1"/>
+                  </a:solidFill>
+                  <a:latin typeface="+mn-lt"/>
+                  <a:ea typeface="+mn-ea"/>
+                  <a:cs typeface="+mn-cs"/>
+                </a:defRPr>
+              </a:lvl8pPr>
+              <a:lvl9pPr marL="3657600" indent="0">
+                <a:defRPr sz="1100">
+                  <a:solidFill>
+                    <a:schemeClr val="dk1"/>
+                  </a:solidFill>
+                  <a:latin typeface="+mn-lt"/>
+                  <a:ea typeface="+mn-ea"/>
+                  <a:cs typeface="+mn-cs"/>
+                </a:defRPr>
+              </a:lvl9pPr>
+            </a:lstStyle>
+            <a:p>
+              <a:r>
+                <a:rPr kumimoji="1" lang="ja-JP" altLang="en-US" sz="1100"/>
+                <a:t>ビルド</a:t>
+              </a:r>
+              <a:r>
+                <a:rPr kumimoji="1" lang="en-US" altLang="ja-JP" sz="1100"/>
+                <a:t>/</a:t>
+              </a:r>
+              <a:r>
+                <a:rPr kumimoji="1" lang="ja-JP" altLang="en-US" sz="1100"/>
+                <a:t>静的解析</a:t>
+              </a:r>
+            </a:p>
+          </p:txBody>
+        </p:sp>
+        <p:sp>
+          <p:nvSpPr>
+            <p:cNvPr id="28" name="テキスト ボックス 49">
+              <a:extLst>
+                <a:ext uri="{FF2B5EF4-FFF2-40B4-BE49-F238E27FC236}">
+                  <a16:creationId xmlns:a16="http://schemas.microsoft.com/office/drawing/2014/main" id="{499D3A78-BEA8-4EAA-BEF2-DFC0B091872A}"/>
+                </a:ext>
+              </a:extLst>
+            </p:cNvPr>
+            <p:cNvSpPr txBox="1"/>
+            <p:nvPr/>
+          </p:nvSpPr>
+          <p:spPr>
+            <a:xfrm>
+              <a:off x="9763125" y="1209675"/>
+              <a:ext cx="1685925" cy="314325"/>
+            </a:xfrm>
+            <a:prstGeom prst="rect">
+              <a:avLst/>
+            </a:prstGeom>
+            <a:solidFill>
+              <a:srgbClr val="FFFF00"/>
+            </a:solidFill>
+            <a:ln w="9525" cmpd="sng">
+              <a:solidFill>
+                <a:schemeClr val="lt1">
+                  <a:shade val="50000"/>
+                </a:schemeClr>
+              </a:solidFill>
+            </a:ln>
+          </p:spPr>
+          <p:style>
+            <a:lnRef idx="0">
+              <a:scrgbClr r="0" g="0" b="0"/>
+            </a:lnRef>
+            <a:fillRef idx="0">
+              <a:scrgbClr r="0" g="0" b="0"/>
+            </a:fillRef>
+            <a:effectRef idx="0">
+              <a:scrgbClr r="0" g="0" b="0"/>
+            </a:effectRef>
+            <a:fontRef idx="minor">
+              <a:schemeClr val="dk1"/>
+            </a:fontRef>
+          </p:style>
+          <p:txBody>
+            <a:bodyPr wrap="square" rtlCol="0" anchor="t"/>
+            <a:lstStyle>
+              <a:lvl1pPr marL="0" indent="0">
+                <a:defRPr sz="1100">
+                  <a:solidFill>
+                    <a:schemeClr val="dk1"/>
+                  </a:solidFill>
+                  <a:latin typeface="+mn-lt"/>
+                  <a:ea typeface="+mn-ea"/>
+                  <a:cs typeface="+mn-cs"/>
+                </a:defRPr>
+              </a:lvl1pPr>
+              <a:lvl2pPr marL="457200" indent="0">
+                <a:defRPr sz="1100">
+                  <a:solidFill>
+                    <a:schemeClr val="dk1"/>
+                  </a:solidFill>
+                  <a:latin typeface="+mn-lt"/>
+                  <a:ea typeface="+mn-ea"/>
+                  <a:cs typeface="+mn-cs"/>
+                </a:defRPr>
+              </a:lvl2pPr>
+              <a:lvl3pPr marL="914400" indent="0">
+                <a:defRPr sz="1100">
+                  <a:solidFill>
+                    <a:schemeClr val="dk1"/>
+                  </a:solidFill>
+                  <a:latin typeface="+mn-lt"/>
+                  <a:ea typeface="+mn-ea"/>
+                  <a:cs typeface="+mn-cs"/>
+                </a:defRPr>
+              </a:lvl3pPr>
+              <a:lvl4pPr marL="1371600" indent="0">
+                <a:defRPr sz="1100">
+                  <a:solidFill>
+                    <a:schemeClr val="dk1"/>
+                  </a:solidFill>
+                  <a:latin typeface="+mn-lt"/>
+                  <a:ea typeface="+mn-ea"/>
+                  <a:cs typeface="+mn-cs"/>
+                </a:defRPr>
+              </a:lvl4pPr>
+              <a:lvl5pPr marL="1828800" indent="0">
+                <a:defRPr sz="1100">
+                  <a:solidFill>
+                    <a:schemeClr val="dk1"/>
+                  </a:solidFill>
+                  <a:latin typeface="+mn-lt"/>
+                  <a:ea typeface="+mn-ea"/>
+                  <a:cs typeface="+mn-cs"/>
+                </a:defRPr>
+              </a:lvl5pPr>
+              <a:lvl6pPr marL="2286000" indent="0">
+                <a:defRPr sz="1100">
+                  <a:solidFill>
+                    <a:schemeClr val="dk1"/>
+                  </a:solidFill>
+                  <a:latin typeface="+mn-lt"/>
+                  <a:ea typeface="+mn-ea"/>
+                  <a:cs typeface="+mn-cs"/>
+                </a:defRPr>
+              </a:lvl6pPr>
+              <a:lvl7pPr marL="2743200" indent="0">
+                <a:defRPr sz="1100">
+                  <a:solidFill>
+                    <a:schemeClr val="dk1"/>
+                  </a:solidFill>
+                  <a:latin typeface="+mn-lt"/>
+                  <a:ea typeface="+mn-ea"/>
+                  <a:cs typeface="+mn-cs"/>
+                </a:defRPr>
+              </a:lvl7pPr>
+              <a:lvl8pPr marL="3200400" indent="0">
+                <a:defRPr sz="1100">
+                  <a:solidFill>
+                    <a:schemeClr val="dk1"/>
+                  </a:solidFill>
+                  <a:latin typeface="+mn-lt"/>
+                  <a:ea typeface="+mn-ea"/>
+                  <a:cs typeface="+mn-cs"/>
+                </a:defRPr>
+              </a:lvl8pPr>
+              <a:lvl9pPr marL="3657600" indent="0">
+                <a:defRPr sz="1100">
+                  <a:solidFill>
+                    <a:schemeClr val="dk1"/>
+                  </a:solidFill>
+                  <a:latin typeface="+mn-lt"/>
+                  <a:ea typeface="+mn-ea"/>
+                  <a:cs typeface="+mn-cs"/>
+                </a:defRPr>
+              </a:lvl9pPr>
+            </a:lstStyle>
+            <a:p>
+              <a:r>
+                <a:rPr kumimoji="1" lang="ja-JP" altLang="en-US" sz="1100"/>
+                <a:t>ソフト書き込み・評価</a:t>
+              </a:r>
+            </a:p>
+          </p:txBody>
+        </p:sp>
+      </p:grpSp>
       <p:sp>
         <p:nvSpPr>
-          <p:cNvPr id="3" name="コンテンツ プレースホルダー 2">
+          <p:cNvPr id="50" name="コンテンツ プレースホルダー 49">
             <a:extLst>
               <a:ext uri="{FF2B5EF4-FFF2-40B4-BE49-F238E27FC236}">
-                <a16:creationId xmlns:a16="http://schemas.microsoft.com/office/drawing/2014/main" id="{537415A1-151B-6881-89F5-640D3B597FA4}"/>
+                <a16:creationId xmlns:a16="http://schemas.microsoft.com/office/drawing/2014/main" id="{5AA9011B-3CC9-470E-348B-8908B7754C2F}"/>
               </a:ext>
             </a:extLst>
           </p:cNvPr>
@@ -15553,76 +19084,17 @@
         </p:nvSpPr>
         <p:spPr/>
         <p:txBody>
-          <a:bodyPr>
-            <a:normAutofit fontScale="92500" lnSpcReduction="10000"/>
-          </a:bodyPr>
+          <a:bodyPr/>
           <a:lstStyle/>
           <a:p>
-            <a:r>
-              <a:rPr kumimoji="1" lang="ja-JP" altLang="en-US" dirty="0"/>
-              <a:t>大手のクラウドプラットフォーム（</a:t>
-            </a:r>
-            <a:r>
-              <a:rPr kumimoji="1" lang="en-US" altLang="ja-JP" dirty="0"/>
-              <a:t>AWS/GCP/Azure</a:t>
-            </a:r>
-            <a:r>
-              <a:rPr kumimoji="1" lang="ja-JP" altLang="en-US" dirty="0"/>
-              <a:t>）をベースにするか？</a:t>
-            </a:r>
-            <a:endParaRPr kumimoji="1" lang="en-US" altLang="ja-JP" dirty="0"/>
-          </a:p>
-          <a:p>
-            <a:r>
-              <a:rPr lang="en-US" altLang="ja-JP" dirty="0"/>
-              <a:t>NSCS</a:t>
-            </a:r>
-            <a:r>
-              <a:rPr lang="ja-JP" altLang="en-US" dirty="0"/>
-              <a:t>データセンターに新規で構築するか？</a:t>
-            </a:r>
-            <a:endParaRPr lang="en-US" altLang="ja-JP" dirty="0"/>
-          </a:p>
-          <a:p>
-            <a:endParaRPr kumimoji="1" lang="en-US" altLang="ja-JP" dirty="0"/>
-          </a:p>
-          <a:p>
-            <a:r>
-              <a:rPr lang="ja-JP" altLang="en-US" dirty="0"/>
-              <a:t>構築・運用に伴うコスト比較が必要</a:t>
-            </a:r>
-            <a:endParaRPr lang="en-US" altLang="ja-JP" dirty="0"/>
-          </a:p>
-          <a:p>
-            <a:r>
-              <a:rPr kumimoji="1" lang="ja-JP" altLang="en-US" dirty="0"/>
-              <a:t>外部プラットフォーム利用の場合下記のリスクあり</a:t>
-            </a:r>
-            <a:endParaRPr kumimoji="1" lang="en-US" altLang="ja-JP" dirty="0"/>
-          </a:p>
-          <a:p>
-            <a:r>
-              <a:rPr kumimoji="1" lang="ja-JP" altLang="en-US" dirty="0"/>
-              <a:t>コスト変動</a:t>
-            </a:r>
-            <a:endParaRPr kumimoji="1" lang="en-US" altLang="ja-JP" dirty="0"/>
-          </a:p>
-          <a:p>
-            <a:r>
-              <a:rPr kumimoji="1" lang="ja-JP" altLang="en-US" dirty="0"/>
-              <a:t>ベンダーロックイン</a:t>
-            </a:r>
-            <a:endParaRPr kumimoji="1" lang="en-US" altLang="ja-JP" dirty="0"/>
-          </a:p>
-          <a:p>
-            <a:endParaRPr kumimoji="1" lang="ja-JP" altLang="en-US" dirty="0"/>
+            <a:endParaRPr lang="ja-JP" altLang="en-US" dirty="0"/>
           </a:p>
         </p:txBody>
       </p:sp>
     </p:spTree>
     <p:extLst>
       <p:ext uri="{BB962C8B-B14F-4D97-AF65-F5344CB8AC3E}">
-        <p14:creationId xmlns:p14="http://schemas.microsoft.com/office/powerpoint/2010/main" val="3970417287"/>
+        <p14:creationId xmlns:p14="http://schemas.microsoft.com/office/powerpoint/2010/main" val="2288457545"/>
       </p:ext>
     </p:extLst>
   </p:cSld>
@@ -15654,7 +19126,7 @@
           <p:cNvPr id="2" name="タイトル 1">
             <a:extLst>
               <a:ext uri="{FF2B5EF4-FFF2-40B4-BE49-F238E27FC236}">
-                <a16:creationId xmlns:a16="http://schemas.microsoft.com/office/drawing/2014/main" id="{835F9F06-F497-195D-618B-B910B5781373}"/>
+                <a16:creationId xmlns:a16="http://schemas.microsoft.com/office/drawing/2014/main" id="{2FBA4CEF-5BDD-7F2A-C3D4-F640FD17C430}"/>
               </a:ext>
             </a:extLst>
           </p:cNvPr>
@@ -15692,12 +19164,8 @@
               <a:rPr kumimoji="1" lang="en-US" altLang="ja-JP" dirty="0"/>
             </a:br>
             <a:r>
-              <a:rPr kumimoji="1" lang="en-US" altLang="ja-JP" dirty="0"/>
-              <a:t>CI/CD</a:t>
-            </a:r>
-            <a:r>
               <a:rPr kumimoji="1" lang="ja-JP" altLang="en-US" dirty="0"/>
-              <a:t>ツール</a:t>
+              <a:t>クラウドプラットフォーム構想</a:t>
             </a:r>
           </a:p>
         </p:txBody>
@@ -15707,7 +19175,7 @@
           <p:cNvPr id="3" name="コンテンツ プレースホルダー 2">
             <a:extLst>
               <a:ext uri="{FF2B5EF4-FFF2-40B4-BE49-F238E27FC236}">
-                <a16:creationId xmlns:a16="http://schemas.microsoft.com/office/drawing/2014/main" id="{280E3F11-1485-ABA9-683D-1181E388E9E8}"/>
+                <a16:creationId xmlns:a16="http://schemas.microsoft.com/office/drawing/2014/main" id="{537415A1-151B-6881-89F5-640D3B597FA4}"/>
               </a:ext>
             </a:extLst>
           </p:cNvPr>
@@ -15720,105 +19188,76 @@
         </p:nvSpPr>
         <p:spPr/>
         <p:txBody>
-          <a:bodyPr/>
+          <a:bodyPr>
+            <a:normAutofit fontScale="92500" lnSpcReduction="10000"/>
+          </a:bodyPr>
           <a:lstStyle/>
           <a:p>
             <a:r>
+              <a:rPr kumimoji="1" lang="ja-JP" altLang="en-US" dirty="0"/>
+              <a:t>大手のクラウドプラットフォーム（</a:t>
+            </a:r>
+            <a:r>
+              <a:rPr kumimoji="1" lang="en-US" altLang="ja-JP" dirty="0"/>
+              <a:t>AWS/GCP/Azure</a:t>
+            </a:r>
+            <a:r>
+              <a:rPr kumimoji="1" lang="ja-JP" altLang="en-US" dirty="0"/>
+              <a:t>）をベースにするか？</a:t>
+            </a:r>
+            <a:endParaRPr kumimoji="1" lang="en-US" altLang="ja-JP" dirty="0"/>
+          </a:p>
+          <a:p>
+            <a:r>
               <a:rPr lang="en-US" altLang="ja-JP" dirty="0"/>
-              <a:t>CI/CD</a:t>
+              <a:t>NSCS</a:t>
             </a:r>
             <a:r>
               <a:rPr lang="ja-JP" altLang="en-US" dirty="0"/>
-              <a:t>ツール選定</a:t>
-            </a:r>
-            <a:r>
-              <a:rPr lang="en-US" altLang="ja-JP" dirty="0"/>
-              <a:t>+</a:t>
-            </a:r>
+              <a:t>データセンターに新規で構築するか？</a:t>
+            </a:r>
+            <a:endParaRPr lang="en-US" altLang="ja-JP" dirty="0"/>
+          </a:p>
+          <a:p>
+            <a:endParaRPr kumimoji="1" lang="en-US" altLang="ja-JP" dirty="0"/>
+          </a:p>
+          <a:p>
             <a:r>
               <a:rPr lang="ja-JP" altLang="en-US" dirty="0"/>
-              <a:t>組み合わせ</a:t>
+              <a:t>構築・運用に伴うコスト比較が必要</a:t>
             </a:r>
             <a:endParaRPr lang="en-US" altLang="ja-JP" dirty="0"/>
           </a:p>
           <a:p>
             <a:r>
-              <a:rPr lang="en-US" altLang="ja-JP" dirty="0"/>
-              <a:t>SCM/</a:t>
-            </a:r>
-            <a:r>
-              <a:rPr lang="ja-JP" altLang="en-US" dirty="0"/>
-              <a:t>ビルド</a:t>
-            </a:r>
-            <a:r>
-              <a:rPr lang="en-US" altLang="ja-JP" dirty="0"/>
-              <a:t>/</a:t>
-            </a:r>
-            <a:r>
-              <a:rPr lang="ja-JP" altLang="en-US" dirty="0"/>
-              <a:t>静的解析</a:t>
-            </a:r>
-            <a:r>
-              <a:rPr lang="en-US" altLang="ja-JP" dirty="0"/>
-              <a:t>/</a:t>
-            </a:r>
-            <a:r>
-              <a:rPr lang="ja-JP" altLang="en-US" dirty="0"/>
-              <a:t>リリース</a:t>
-            </a:r>
-            <a:endParaRPr lang="en-US" altLang="ja-JP" dirty="0"/>
-          </a:p>
-          <a:p>
-            <a:r>
-              <a:rPr lang="en-US" altLang="ja-JP" dirty="0"/>
-              <a:t>G</a:t>
-            </a:r>
-            <a:r>
-              <a:rPr kumimoji="1" lang="en-US" altLang="ja-JP" dirty="0"/>
-              <a:t>it</a:t>
-            </a:r>
-            <a:r>
               <a:rPr kumimoji="1" lang="ja-JP" altLang="en-US" dirty="0"/>
-              <a:t>ホスティングサービス（</a:t>
-            </a:r>
-            <a:r>
-              <a:rPr kumimoji="1" lang="en-US" altLang="ja-JP" dirty="0"/>
-              <a:t>GitHub/Bitbucket</a:t>
-            </a:r>
+              <a:t>外部プラットフォーム利用の場合下記のリスクあり</a:t>
+            </a:r>
+            <a:endParaRPr kumimoji="1" lang="en-US" altLang="ja-JP" dirty="0"/>
+          </a:p>
+          <a:p>
             <a:r>
               <a:rPr kumimoji="1" lang="ja-JP" altLang="en-US" dirty="0"/>
-              <a:t>）</a:t>
+              <a:t>プラットフォーム提供側の一方的なコストつり上げ</a:t>
             </a:r>
             <a:endParaRPr kumimoji="1" lang="en-US" altLang="ja-JP" dirty="0"/>
           </a:p>
           <a:p>
             <a:r>
-              <a:rPr kumimoji="1" lang="en-US" altLang="ja-JP" dirty="0"/>
-              <a:t>CI/CD</a:t>
-            </a:r>
-            <a:r>
               <a:rPr kumimoji="1" lang="ja-JP" altLang="en-US" dirty="0"/>
-              <a:t>ツール（</a:t>
-            </a:r>
-            <a:r>
-              <a:rPr kumimoji="1" lang="en-US" altLang="ja-JP" dirty="0" err="1"/>
-              <a:t>CircleCI</a:t>
-            </a:r>
-            <a:r>
-              <a:rPr kumimoji="1" lang="en-US" altLang="ja-JP" dirty="0"/>
-              <a:t>/Jenkins</a:t>
-            </a:r>
-            <a:r>
-              <a:rPr kumimoji="1" lang="ja-JP" altLang="en-US" dirty="0"/>
-              <a:t>）</a:t>
-            </a:r>
+              <a:t>ベンダーロックインによる依存</a:t>
+            </a:r>
+            <a:endParaRPr kumimoji="1" lang="en-US" altLang="ja-JP" dirty="0"/>
+          </a:p>
+          <a:p>
+            <a:endParaRPr kumimoji="1" lang="ja-JP" altLang="en-US" dirty="0"/>
           </a:p>
         </p:txBody>
       </p:sp>
     </p:spTree>
     <p:extLst>
       <p:ext uri="{BB962C8B-B14F-4D97-AF65-F5344CB8AC3E}">
-        <p14:creationId xmlns:p14="http://schemas.microsoft.com/office/powerpoint/2010/main" val="268986680"/>
+        <p14:creationId xmlns:p14="http://schemas.microsoft.com/office/powerpoint/2010/main" val="3970417287"/>
       </p:ext>
     </p:extLst>
   </p:cSld>
@@ -15888,18 +19327,13 @@
               <a:rPr kumimoji="1" lang="en-US" altLang="ja-JP" dirty="0"/>
             </a:br>
             <a:r>
-              <a:rPr lang="ja-JP" altLang="en-US" dirty="0"/>
-              <a:t>組み込みソフト向けの</a:t>
-            </a:r>
-            <a:r>
-              <a:rPr lang="en-US" altLang="ja-JP" dirty="0"/>
-              <a:t>HW</a:t>
-            </a:r>
-            <a:r>
-              <a:rPr lang="ja-JP" altLang="en-US" dirty="0"/>
-              <a:t>デバッグ支援</a:t>
-            </a:r>
-            <a:endParaRPr kumimoji="1" lang="ja-JP" altLang="en-US" dirty="0"/>
+              <a:rPr kumimoji="1" lang="en-US" altLang="ja-JP" dirty="0"/>
+              <a:t>CI/CD</a:t>
+            </a:r>
+            <a:r>
+              <a:rPr kumimoji="1" lang="ja-JP" altLang="en-US" dirty="0"/>
+              <a:t>ツール</a:t>
+            </a:r>
           </a:p>
         </p:txBody>
       </p:sp>
@@ -15925,64 +19359,101 @@
           <a:lstStyle/>
           <a:p>
             <a:r>
+              <a:rPr lang="en-US" altLang="ja-JP" dirty="0"/>
+              <a:t>CI/CD</a:t>
+            </a:r>
+            <a:r>
+              <a:rPr lang="ja-JP" altLang="en-US" dirty="0"/>
+              <a:t>ツール選定</a:t>
+            </a:r>
+            <a:r>
+              <a:rPr lang="en-US" altLang="ja-JP" dirty="0"/>
+              <a:t>+</a:t>
+            </a:r>
+            <a:r>
+              <a:rPr lang="ja-JP" altLang="en-US" dirty="0"/>
+              <a:t>組み合わせ</a:t>
+            </a:r>
+            <a:endParaRPr lang="en-US" altLang="ja-JP" dirty="0"/>
+          </a:p>
+          <a:p>
+            <a:r>
+              <a:rPr lang="en-US" altLang="ja-JP" dirty="0"/>
+              <a:t>SCM/</a:t>
+            </a:r>
+            <a:r>
+              <a:rPr lang="ja-JP" altLang="en-US" dirty="0"/>
+              <a:t>ビルド</a:t>
+            </a:r>
+            <a:r>
+              <a:rPr lang="en-US" altLang="ja-JP" dirty="0"/>
+              <a:t>/</a:t>
+            </a:r>
+            <a:r>
+              <a:rPr lang="ja-JP" altLang="en-US" dirty="0"/>
+              <a:t>静的解析</a:t>
+            </a:r>
+            <a:r>
+              <a:rPr lang="en-US" altLang="ja-JP" dirty="0"/>
+              <a:t>/</a:t>
+            </a:r>
+            <a:r>
+              <a:rPr lang="ja-JP" altLang="en-US" dirty="0"/>
+              <a:t>リリース</a:t>
+            </a:r>
+            <a:endParaRPr lang="en-US" altLang="ja-JP" dirty="0"/>
+          </a:p>
+          <a:p>
+            <a:r>
+              <a:rPr lang="en-US" altLang="ja-JP" dirty="0"/>
+              <a:t>G</a:t>
+            </a:r>
+            <a:r>
               <a:rPr kumimoji="1" lang="en-US" altLang="ja-JP" dirty="0"/>
-              <a:t>HW</a:t>
+              <a:t>it</a:t>
             </a:r>
             <a:r>
               <a:rPr kumimoji="1" lang="ja-JP" altLang="en-US" dirty="0"/>
-              <a:t>デバッグツールのリモート操作</a:t>
+              <a:t>ホスティングサービス（</a:t>
+            </a:r>
+            <a:r>
+              <a:rPr kumimoji="1" lang="en-US" altLang="ja-JP" dirty="0"/>
+              <a:t>GitHub/Bitbucket</a:t>
+            </a:r>
+            <a:r>
+              <a:rPr kumimoji="1" lang="ja-JP" altLang="en-US" dirty="0"/>
+              <a:t>）</a:t>
             </a:r>
             <a:endParaRPr kumimoji="1" lang="en-US" altLang="ja-JP" dirty="0"/>
           </a:p>
           <a:p>
             <a:r>
-              <a:rPr lang="ja-JP" altLang="en-US" dirty="0"/>
-              <a:t>安定化電源</a:t>
-            </a:r>
-            <a:endParaRPr kumimoji="1" lang="en-US" altLang="ja-JP" dirty="0"/>
-          </a:p>
-          <a:p>
-            <a:r>
-              <a:rPr lang="en-US" altLang="ja-JP" dirty="0"/>
-              <a:t>ROM</a:t>
-            </a:r>
-            <a:r>
-              <a:rPr lang="ja-JP" altLang="en-US" dirty="0"/>
-              <a:t>書き込みツール</a:t>
-            </a:r>
-            <a:endParaRPr kumimoji="1" lang="en-US" altLang="ja-JP" dirty="0"/>
-          </a:p>
-          <a:p>
+              <a:rPr kumimoji="1" lang="en-US" altLang="ja-JP" dirty="0"/>
+              <a:t>CI/CD</a:t>
+            </a:r>
             <a:r>
               <a:rPr kumimoji="1" lang="ja-JP" altLang="en-US" dirty="0"/>
-              <a:t>実機（デバッグボード）</a:t>
-            </a:r>
-            <a:endParaRPr kumimoji="1" lang="en-US" altLang="ja-JP" dirty="0"/>
-          </a:p>
-          <a:p>
+              <a:t>ツール（</a:t>
+            </a:r>
+            <a:r>
+              <a:rPr kumimoji="1" lang="en-US" altLang="ja-JP" dirty="0" err="1"/>
+              <a:t>CircleCI</a:t>
+            </a:r>
             <a:r>
               <a:rPr kumimoji="1" lang="en-US" altLang="ja-JP" dirty="0"/>
-              <a:t>CANalyzer/</a:t>
-            </a:r>
-            <a:r>
-              <a:rPr kumimoji="1" lang="en-US" altLang="ja-JP" dirty="0" err="1"/>
-              <a:t>RAMScope</a:t>
+              <a:t>/Jenkins</a:t>
             </a:r>
             <a:r>
               <a:rPr kumimoji="1" lang="ja-JP" altLang="en-US" dirty="0"/>
-              <a:t>等の通信計測機材</a:t>
-            </a:r>
-            <a:endParaRPr kumimoji="1" lang="en-US" altLang="ja-JP" dirty="0"/>
-          </a:p>
-          <a:p>
-            <a:endParaRPr kumimoji="1" lang="ja-JP" altLang="en-US" dirty="0"/>
+              <a:t>）</a:t>
+            </a:r>
           </a:p>
         </p:txBody>
       </p:sp>
     </p:spTree>
     <p:extLst>
       <p:ext uri="{BB962C8B-B14F-4D97-AF65-F5344CB8AC3E}">
-        <p14:creationId xmlns:p14="http://schemas.microsoft.com/office/powerpoint/2010/main" val="3793182398"/>
+        <p14:creationId xmlns:p14="http://schemas.microsoft.com/office/powerpoint/2010/main" val="268986680"/>
       </p:ext>
     </p:extLst>
   </p:cSld>
@@ -16028,7 +19499,7 @@
         <p:spPr/>
         <p:txBody>
           <a:bodyPr>
-            <a:normAutofit fontScale="90000"/>
+            <a:normAutofit/>
           </a:bodyPr>
           <a:lstStyle/>
           <a:p>
@@ -16053,11 +19524,16 @@
             </a:br>
             <a:r>
               <a:rPr lang="ja-JP" altLang="en-US" dirty="0"/>
-              <a:t>求められる人材（スキル）</a:t>
-            </a:r>
-            <a:br>
+              <a:t>組み込みソフト向けの</a:t>
+            </a:r>
+            <a:r>
               <a:rPr lang="en-US" altLang="ja-JP" dirty="0"/>
-            </a:br>
+              <a:t>HW</a:t>
+            </a:r>
+            <a:r>
+              <a:rPr lang="ja-JP" altLang="en-US" dirty="0"/>
+              <a:t>デバッグ支援</a:t>
+            </a:r>
             <a:endParaRPr kumimoji="1" lang="ja-JP" altLang="en-US" dirty="0"/>
           </a:p>
         </p:txBody>
@@ -16080,39 +19556,33 @@
         </p:nvSpPr>
         <p:spPr/>
         <p:txBody>
-          <a:bodyPr>
-            <a:normAutofit/>
-          </a:bodyPr>
+          <a:bodyPr/>
           <a:lstStyle/>
           <a:p>
             <a:r>
               <a:rPr kumimoji="1" lang="en-US" altLang="ja-JP" dirty="0"/>
-              <a:t>Web</a:t>
+              <a:t>HW</a:t>
             </a:r>
             <a:r>
               <a:rPr kumimoji="1" lang="ja-JP" altLang="en-US" dirty="0"/>
-              <a:t>サーバ</a:t>
+              <a:t>デバッグツールのリモート操作</a:t>
+            </a:r>
+            <a:endParaRPr kumimoji="1" lang="en-US" altLang="ja-JP" dirty="0"/>
+          </a:p>
+          <a:p>
+            <a:r>
+              <a:rPr lang="ja-JP" altLang="en-US" dirty="0"/>
+              <a:t>安定化電源</a:t>
             </a:r>
             <a:endParaRPr lang="en-US" altLang="ja-JP" dirty="0"/>
           </a:p>
           <a:p>
             <a:r>
+              <a:rPr kumimoji="1" lang="ja-JP" altLang="en-US" dirty="0"/>
+              <a:t>マイコン</a:t>
+            </a:r>
+            <a:r>
               <a:rPr kumimoji="1" lang="en-US" altLang="ja-JP" dirty="0"/>
-              <a:t>CI/CD</a:t>
-            </a:r>
-            <a:r>
-              <a:rPr kumimoji="1" lang="ja-JP" altLang="en-US" dirty="0"/>
-              <a:t>ツール</a:t>
-            </a:r>
-            <a:endParaRPr kumimoji="1" lang="en-US" altLang="ja-JP" dirty="0"/>
-          </a:p>
-          <a:p>
-            <a:r>
-              <a:rPr lang="ja-JP" altLang="en-US" dirty="0"/>
-              <a:t>マイコン</a:t>
-            </a:r>
-            <a:r>
-              <a:rPr lang="en-US" altLang="ja-JP" dirty="0"/>
               <a:t>/</a:t>
             </a:r>
             <a:r>
@@ -16121,49 +19591,59 @@
             </a:r>
             <a:r>
               <a:rPr kumimoji="1" lang="en-US" altLang="ja-JP" dirty="0"/>
-              <a:t>/</a:t>
-            </a:r>
+              <a:t>/IDE</a:t>
+            </a:r>
+          </a:p>
+          <a:p>
             <a:r>
               <a:rPr lang="en-US" altLang="ja-JP" dirty="0"/>
-              <a:t>HW</a:t>
+              <a:t>ROM</a:t>
             </a:r>
             <a:r>
               <a:rPr lang="ja-JP" altLang="en-US" dirty="0"/>
-              <a:t>デバッグツール</a:t>
+              <a:t>書き込みツール</a:t>
             </a:r>
             <a:endParaRPr kumimoji="1" lang="en-US" altLang="ja-JP" dirty="0"/>
           </a:p>
           <a:p>
             <a:r>
-              <a:rPr lang="en-US" altLang="ja-JP" dirty="0"/>
-              <a:t>IDE</a:t>
+              <a:rPr kumimoji="1" lang="ja-JP" altLang="en-US" dirty="0"/>
+              <a:t>実機（</a:t>
+            </a:r>
+            <a:r>
+              <a:rPr lang="ja-JP" altLang="en-US" dirty="0"/>
+              <a:t>ターゲット</a:t>
+            </a:r>
+            <a:r>
+              <a:rPr kumimoji="1" lang="ja-JP" altLang="en-US" dirty="0"/>
+              <a:t>ボード）</a:t>
             </a:r>
             <a:endParaRPr kumimoji="1" lang="en-US" altLang="ja-JP" dirty="0"/>
           </a:p>
           <a:p>
             <a:r>
               <a:rPr kumimoji="1" lang="en-US" altLang="ja-JP" dirty="0"/>
-              <a:t>Web</a:t>
+              <a:t>CANalyzer/</a:t>
+            </a:r>
+            <a:r>
+              <a:rPr kumimoji="1" lang="en-US" altLang="ja-JP" dirty="0" err="1"/>
+              <a:t>RAMScope</a:t>
             </a:r>
             <a:r>
               <a:rPr kumimoji="1" lang="ja-JP" altLang="en-US" dirty="0"/>
-              <a:t>アプリ（リモート操作</a:t>
-            </a:r>
-            <a:r>
-              <a:rPr kumimoji="1" lang="en-US" altLang="ja-JP" dirty="0"/>
-              <a:t>/</a:t>
-            </a:r>
-            <a:r>
-              <a:rPr kumimoji="1" lang="ja-JP" altLang="en-US" dirty="0"/>
-              <a:t>シミュレータ）</a:t>
-            </a:r>
+              <a:t>等の通信計測機材</a:t>
+            </a:r>
+            <a:endParaRPr kumimoji="1" lang="en-US" altLang="ja-JP" dirty="0"/>
+          </a:p>
+          <a:p>
+            <a:endParaRPr kumimoji="1" lang="ja-JP" altLang="en-US" dirty="0"/>
           </a:p>
         </p:txBody>
       </p:sp>
     </p:spTree>
     <p:extLst>
       <p:ext uri="{BB962C8B-B14F-4D97-AF65-F5344CB8AC3E}">
-        <p14:creationId xmlns:p14="http://schemas.microsoft.com/office/powerpoint/2010/main" val="2891226258"/>
+        <p14:creationId xmlns:p14="http://schemas.microsoft.com/office/powerpoint/2010/main" val="3793182398"/>
       </p:ext>
     </p:extLst>
   </p:cSld>
@@ -16195,7 +19675,7 @@
           <p:cNvPr id="2" name="タイトル 1">
             <a:extLst>
               <a:ext uri="{FF2B5EF4-FFF2-40B4-BE49-F238E27FC236}">
-                <a16:creationId xmlns:a16="http://schemas.microsoft.com/office/drawing/2014/main" id="{7E43A377-1997-E908-8E34-0FA889D9EA07}"/>
+                <a16:creationId xmlns:a16="http://schemas.microsoft.com/office/drawing/2014/main" id="{835F9F06-F497-195D-618B-B910B5781373}"/>
               </a:ext>
             </a:extLst>
           </p:cNvPr>
@@ -16208,223 +19688,167 @@
         </p:nvSpPr>
         <p:spPr/>
         <p:txBody>
-          <a:bodyPr/>
+          <a:bodyPr>
+            <a:normAutofit fontScale="90000"/>
+          </a:bodyPr>
           <a:lstStyle/>
           <a:p>
             <a:r>
+              <a:rPr lang="en-US" altLang="ja-JP" dirty="0"/>
+              <a:t>【</a:t>
+            </a:r>
+            <a:r>
+              <a:rPr lang="ja-JP" altLang="en-US" dirty="0"/>
+              <a:t>補足</a:t>
+            </a:r>
+            <a:r>
+              <a:rPr lang="en-US" altLang="ja-JP" dirty="0"/>
+              <a:t>】</a:t>
+            </a:r>
+            <a:r>
               <a:rPr kumimoji="1" lang="ja-JP" altLang="en-US" dirty="0"/>
-              <a:t>イメージ</a:t>
-            </a:r>
+              <a:t>検討中の課題</a:t>
+            </a:r>
+            <a:br>
+              <a:rPr kumimoji="1" lang="en-US" altLang="ja-JP" dirty="0"/>
+            </a:br>
+            <a:r>
+              <a:rPr lang="ja-JP" altLang="en-US" dirty="0"/>
+              <a:t>求められる人材（スキル）</a:t>
+            </a:r>
+            <a:br>
+              <a:rPr lang="en-US" altLang="ja-JP" dirty="0"/>
+            </a:br>
+            <a:endParaRPr kumimoji="1" lang="ja-JP" altLang="en-US" dirty="0"/>
           </a:p>
         </p:txBody>
       </p:sp>
-      <p:pic>
-        <p:nvPicPr>
-          <p:cNvPr id="11" name="コンテンツ プレースホルダー 10">
+      <p:sp>
+        <p:nvSpPr>
+          <p:cNvPr id="3" name="コンテンツ プレースホルダー 2">
             <a:extLst>
               <a:ext uri="{FF2B5EF4-FFF2-40B4-BE49-F238E27FC236}">
-                <a16:creationId xmlns:a16="http://schemas.microsoft.com/office/drawing/2014/main" id="{BCD7B1A1-9307-F6B6-6E74-22D2D2BE4F44}"/>
+                <a16:creationId xmlns:a16="http://schemas.microsoft.com/office/drawing/2014/main" id="{280E3F11-1485-ABA9-683D-1181E388E9E8}"/>
               </a:ext>
             </a:extLst>
           </p:cNvPr>
-          <p:cNvPicPr>
-            <a:picLocks noGrp="1" noChangeAspect="1"/>
-          </p:cNvPicPr>
+          <p:cNvSpPr>
+            <a:spLocks noGrp="1"/>
+          </p:cNvSpPr>
           <p:nvPr>
             <p:ph idx="1"/>
           </p:nvPr>
-        </p:nvPicPr>
-        <p:blipFill>
-          <a:blip r:embed="rId2">
-            <a:extLst>
-              <a:ext uri="{96DAC541-7B7A-43D3-8B79-37D633B846F1}">
-                <asvg:svgBlip xmlns:asvg="http://schemas.microsoft.com/office/drawing/2016/SVG/main" r:embed="rId3"/>
-              </a:ext>
-            </a:extLst>
-          </a:blip>
-          <a:stretch>
-            <a:fillRect/>
-          </a:stretch>
-        </p:blipFill>
-        <p:spPr>
-          <a:xfrm>
-            <a:off x="2743200" y="2237906"/>
-            <a:ext cx="4754188" cy="678897"/>
-          </a:xfrm>
-        </p:spPr>
-      </p:pic>
-      <p:pic>
-        <p:nvPicPr>
-          <p:cNvPr id="15" name="図 14" descr="ロゴ&#10;&#10;自動的に生成された説明">
-            <a:extLst>
-              <a:ext uri="{FF2B5EF4-FFF2-40B4-BE49-F238E27FC236}">
-                <a16:creationId xmlns:a16="http://schemas.microsoft.com/office/drawing/2014/main" id="{38CDAFB7-8D10-82E7-5B39-040523AB6577}"/>
-              </a:ext>
-            </a:extLst>
-          </p:cNvPr>
-          <p:cNvPicPr>
-            <a:picLocks noChangeAspect="1"/>
-          </p:cNvPicPr>
-          <p:nvPr/>
-        </p:nvPicPr>
-        <p:blipFill>
-          <a:blip r:embed="rId4"/>
-          <a:stretch>
-            <a:fillRect/>
-          </a:stretch>
-        </p:blipFill>
-        <p:spPr>
-          <a:xfrm>
-            <a:off x="5894422" y="956918"/>
-            <a:ext cx="2958353" cy="1479177"/>
-          </a:xfrm>
-          <a:prstGeom prst="rect">
-            <a:avLst/>
-          </a:prstGeom>
-        </p:spPr>
-      </p:pic>
-      <p:pic>
-        <p:nvPicPr>
-          <p:cNvPr id="19" name="グラフィックス 18">
-            <a:extLst>
-              <a:ext uri="{FF2B5EF4-FFF2-40B4-BE49-F238E27FC236}">
-                <a16:creationId xmlns:a16="http://schemas.microsoft.com/office/drawing/2014/main" id="{0A3BE4DE-5717-1B7B-43CC-1A43B072403F}"/>
-              </a:ext>
-            </a:extLst>
-          </p:cNvPr>
-          <p:cNvPicPr>
-            <a:picLocks noChangeAspect="1"/>
-          </p:cNvPicPr>
-          <p:nvPr/>
-        </p:nvPicPr>
-        <p:blipFill>
-          <a:blip r:embed="rId5">
-            <a:extLst>
-              <a:ext uri="{96DAC541-7B7A-43D3-8B79-37D633B846F1}">
-                <asvg:svgBlip xmlns:asvg="http://schemas.microsoft.com/office/drawing/2016/SVG/main" r:embed="rId6"/>
-              </a:ext>
-            </a:extLst>
-          </a:blip>
-          <a:stretch>
-            <a:fillRect/>
-          </a:stretch>
-        </p:blipFill>
-        <p:spPr>
-          <a:xfrm>
-            <a:off x="4711210" y="3594818"/>
-            <a:ext cx="1148508" cy="1585551"/>
-          </a:xfrm>
-          <a:prstGeom prst="rect">
-            <a:avLst/>
-          </a:prstGeom>
-        </p:spPr>
-      </p:pic>
-      <p:pic>
-        <p:nvPicPr>
-          <p:cNvPr id="23" name="グラフィックス 22">
-            <a:extLst>
-              <a:ext uri="{FF2B5EF4-FFF2-40B4-BE49-F238E27FC236}">
-                <a16:creationId xmlns:a16="http://schemas.microsoft.com/office/drawing/2014/main" id="{7EBC7E7B-5FC4-5F6C-E151-1E1DC7551432}"/>
-              </a:ext>
-            </a:extLst>
-          </p:cNvPr>
-          <p:cNvPicPr>
-            <a:picLocks noChangeAspect="1"/>
-          </p:cNvPicPr>
-          <p:nvPr/>
-        </p:nvPicPr>
-        <p:blipFill>
-          <a:blip r:embed="rId7">
-            <a:extLst>
-              <a:ext uri="{96DAC541-7B7A-43D3-8B79-37D633B846F1}">
-                <asvg:svgBlip xmlns:asvg="http://schemas.microsoft.com/office/drawing/2016/SVG/main" r:embed="rId8"/>
-              </a:ext>
-            </a:extLst>
-          </a:blip>
-          <a:stretch>
-            <a:fillRect/>
-          </a:stretch>
-        </p:blipFill>
-        <p:spPr>
-          <a:xfrm>
-            <a:off x="7236849" y="3057621"/>
-            <a:ext cx="933450" cy="914400"/>
-          </a:xfrm>
-          <a:prstGeom prst="rect">
-            <a:avLst/>
-          </a:prstGeom>
-        </p:spPr>
-      </p:pic>
-      <p:pic>
-        <p:nvPicPr>
-          <p:cNvPr id="25" name="図 24" descr="テキスト が含まれている画像&#10;&#10;自動的に生成された説明">
-            <a:extLst>
-              <a:ext uri="{FF2B5EF4-FFF2-40B4-BE49-F238E27FC236}">
-                <a16:creationId xmlns:a16="http://schemas.microsoft.com/office/drawing/2014/main" id="{1F3313AE-2C24-5568-C8DE-67D9398546D2}"/>
-              </a:ext>
-            </a:extLst>
-          </p:cNvPr>
-          <p:cNvPicPr>
-            <a:picLocks noChangeAspect="1"/>
-          </p:cNvPicPr>
-          <p:nvPr/>
-        </p:nvPicPr>
-        <p:blipFill>
-          <a:blip r:embed="rId9"/>
-          <a:stretch>
-            <a:fillRect/>
-          </a:stretch>
-        </p:blipFill>
-        <p:spPr>
-          <a:xfrm>
-            <a:off x="6434835" y="3815443"/>
-            <a:ext cx="2958354" cy="1212925"/>
-          </a:xfrm>
-          <a:prstGeom prst="rect">
-            <a:avLst/>
-          </a:prstGeom>
-        </p:spPr>
-      </p:pic>
-      <p:pic>
-        <p:nvPicPr>
-          <p:cNvPr id="27" name="グラフィックス 26">
-            <a:extLst>
-              <a:ext uri="{FF2B5EF4-FFF2-40B4-BE49-F238E27FC236}">
-                <a16:creationId xmlns:a16="http://schemas.microsoft.com/office/drawing/2014/main" id="{62A954EF-4089-C4F0-4CD4-4C0989969A2C}"/>
-              </a:ext>
-            </a:extLst>
-          </p:cNvPr>
-          <p:cNvPicPr>
-            <a:picLocks noChangeAspect="1"/>
-          </p:cNvPicPr>
-          <p:nvPr/>
-        </p:nvPicPr>
-        <p:blipFill>
-          <a:blip r:embed="rId10">
-            <a:extLst>
-              <a:ext uri="{96DAC541-7B7A-43D3-8B79-37D633B846F1}">
-                <asvg:svgBlip xmlns:asvg="http://schemas.microsoft.com/office/drawing/2016/SVG/main" r:embed="rId11"/>
-              </a:ext>
-            </a:extLst>
-          </a:blip>
-          <a:stretch>
-            <a:fillRect/>
-          </a:stretch>
-        </p:blipFill>
-        <p:spPr>
-          <a:xfrm>
-            <a:off x="5334000" y="3276600"/>
-            <a:ext cx="1524000" cy="304800"/>
-          </a:xfrm>
-          <a:prstGeom prst="rect">
-            <a:avLst/>
-          </a:prstGeom>
-        </p:spPr>
-      </p:pic>
+        </p:nvSpPr>
+        <p:spPr/>
+        <p:txBody>
+          <a:bodyPr>
+            <a:normAutofit fontScale="85000" lnSpcReduction="20000"/>
+          </a:bodyPr>
+          <a:lstStyle/>
+          <a:p>
+            <a:r>
+              <a:rPr kumimoji="1" lang="en-US" altLang="ja-JP" dirty="0"/>
+              <a:t>DevOps</a:t>
+            </a:r>
+          </a:p>
+          <a:p>
+            <a:r>
+              <a:rPr kumimoji="1" lang="en-US" altLang="ja-JP" dirty="0"/>
+              <a:t>IT</a:t>
+            </a:r>
+            <a:r>
+              <a:rPr kumimoji="1" lang="ja-JP" altLang="en-US" dirty="0"/>
+              <a:t>インフラ</a:t>
+            </a:r>
+            <a:endParaRPr kumimoji="1" lang="en-US" altLang="ja-JP" dirty="0"/>
+          </a:p>
+          <a:p>
+            <a:r>
+              <a:rPr kumimoji="1" lang="en-US" altLang="ja-JP" dirty="0"/>
+              <a:t>Web</a:t>
+            </a:r>
+            <a:r>
+              <a:rPr kumimoji="1" lang="ja-JP" altLang="en-US" dirty="0"/>
+              <a:t>サーバ</a:t>
+            </a:r>
+            <a:endParaRPr lang="en-US" altLang="ja-JP" dirty="0"/>
+          </a:p>
+          <a:p>
+            <a:r>
+              <a:rPr kumimoji="1" lang="en-US" altLang="ja-JP" dirty="0"/>
+              <a:t>CI/CD</a:t>
+            </a:r>
+            <a:r>
+              <a:rPr kumimoji="1" lang="ja-JP" altLang="en-US" dirty="0"/>
+              <a:t>ツール</a:t>
+            </a:r>
+            <a:endParaRPr kumimoji="1" lang="en-US" altLang="ja-JP" dirty="0"/>
+          </a:p>
+          <a:p>
+            <a:r>
+              <a:rPr lang="ja-JP" altLang="en-US" dirty="0"/>
+              <a:t>組み込み</a:t>
+            </a:r>
+            <a:endParaRPr kumimoji="1" lang="en-US" altLang="ja-JP" dirty="0"/>
+          </a:p>
+          <a:p>
+            <a:r>
+              <a:rPr lang="ja-JP" altLang="en-US" dirty="0"/>
+              <a:t>マイコン</a:t>
+            </a:r>
+            <a:r>
+              <a:rPr lang="en-US" altLang="ja-JP" dirty="0"/>
+              <a:t>/</a:t>
+            </a:r>
+            <a:r>
+              <a:rPr kumimoji="1" lang="ja-JP" altLang="en-US" dirty="0"/>
+              <a:t>コンパイラ</a:t>
+            </a:r>
+            <a:r>
+              <a:rPr kumimoji="1" lang="en-US" altLang="ja-JP" dirty="0"/>
+              <a:t>/</a:t>
+            </a:r>
+            <a:r>
+              <a:rPr lang="en-US" altLang="ja-JP" dirty="0"/>
+              <a:t>HW</a:t>
+            </a:r>
+            <a:r>
+              <a:rPr lang="ja-JP" altLang="en-US" dirty="0"/>
+              <a:t>デバッグツール</a:t>
+            </a:r>
+            <a:endParaRPr kumimoji="1" lang="en-US" altLang="ja-JP" dirty="0"/>
+          </a:p>
+          <a:p>
+            <a:r>
+              <a:rPr lang="en-US" altLang="ja-JP" dirty="0"/>
+              <a:t>IDE</a:t>
+            </a:r>
+            <a:endParaRPr kumimoji="1" lang="en-US" altLang="ja-JP" dirty="0"/>
+          </a:p>
+          <a:p>
+            <a:r>
+              <a:rPr kumimoji="1" lang="en-US" altLang="ja-JP" dirty="0"/>
+              <a:t>Web</a:t>
+            </a:r>
+            <a:r>
+              <a:rPr kumimoji="1" lang="ja-JP" altLang="en-US" dirty="0"/>
+              <a:t>アプリ（リモート操作</a:t>
+            </a:r>
+            <a:r>
+              <a:rPr kumimoji="1" lang="en-US" altLang="ja-JP" dirty="0"/>
+              <a:t>/</a:t>
+            </a:r>
+            <a:r>
+              <a:rPr kumimoji="1" lang="ja-JP" altLang="en-US" dirty="0"/>
+              <a:t>シミュレータ）</a:t>
+            </a:r>
+          </a:p>
+        </p:txBody>
+      </p:sp>
     </p:spTree>
     <p:extLst>
       <p:ext uri="{BB962C8B-B14F-4D97-AF65-F5344CB8AC3E}">
-        <p14:creationId xmlns:p14="http://schemas.microsoft.com/office/powerpoint/2010/main" val="2288457545"/>
+        <p14:creationId xmlns:p14="http://schemas.microsoft.com/office/powerpoint/2010/main" val="2891226258"/>
       </p:ext>
     </p:extLst>
   </p:cSld>
@@ -16503,17 +19927,37 @@
           <a:lstStyle/>
           <a:p>
             <a:r>
-              <a:rPr kumimoji="1" lang="ja-JP" altLang="en-US" dirty="0">
+              <a:rPr kumimoji="1" lang="ja-JP" altLang="en-US" u="sng" dirty="0">
                 <a:solidFill>
                   <a:srgbClr val="FF0000"/>
                 </a:solidFill>
+                <a:effectLst>
+                  <a:outerShdw blurRad="38100" dist="38100" dir="2700000" algn="tl">
+                    <a:srgbClr val="000000">
+                      <a:alpha val="43137"/>
+                    </a:srgbClr>
+                  </a:outerShdw>
+                </a:effectLst>
+                <a:highlight>
+                  <a:srgbClr val="FFFF00"/>
+                </a:highlight>
               </a:rPr>
               <a:t>ビジネスアイディア考案の背景</a:t>
             </a:r>
-            <a:endParaRPr kumimoji="1" lang="en-US" altLang="ja-JP" dirty="0">
+            <a:endParaRPr kumimoji="1" lang="en-US" altLang="ja-JP" u="sng" dirty="0">
               <a:solidFill>
                 <a:srgbClr val="FF0000"/>
               </a:solidFill>
+              <a:effectLst>
+                <a:outerShdw blurRad="38100" dist="38100" dir="2700000" algn="tl">
+                  <a:srgbClr val="000000">
+                    <a:alpha val="43137"/>
+                  </a:srgbClr>
+                </a:outerShdw>
+              </a:effectLst>
+              <a:highlight>
+                <a:srgbClr val="FFFF00"/>
+              </a:highlight>
             </a:endParaRPr>
           </a:p>
           <a:p>
@@ -16682,6 +20126,9 @@
             <a:endParaRPr kumimoji="1" lang="en-US" altLang="ja-JP" b="1" u="sng" dirty="0"/>
           </a:p>
           <a:p>
+            <a:pPr marL="0" indent="0">
+              <a:buNone/>
+            </a:pPr>
             <a:r>
               <a:rPr kumimoji="1" lang="ja-JP" altLang="en-US" dirty="0"/>
               <a:t>①即戦力レベルの</a:t>
@@ -16697,6 +20144,9 @@
             <a:endParaRPr kumimoji="1" lang="en-US" altLang="ja-JP" dirty="0"/>
           </a:p>
           <a:p>
+            <a:pPr marL="0" indent="0">
+              <a:buNone/>
+            </a:pPr>
             <a:r>
               <a:rPr lang="ja-JP" altLang="en-US" dirty="0"/>
               <a:t>②ソフト開発効率化（競争力</a:t>
@@ -16712,6 +20162,9 @@
             <a:endParaRPr lang="en-US" altLang="ja-JP" dirty="0"/>
           </a:p>
           <a:p>
+            <a:pPr marL="0" indent="0">
+              <a:buNone/>
+            </a:pPr>
             <a:r>
               <a:rPr kumimoji="1" lang="ja-JP" altLang="en-US" dirty="0"/>
               <a:t>③ビジネスモデル転換（新規収益源確保）の必要性</a:t>
@@ -16757,6 +20210,16 @@
                 <a:solidFill>
                   <a:srgbClr val="FF0000"/>
                 </a:solidFill>
+                <a:effectLst>
+                  <a:outerShdw blurRad="38100" dist="38100" dir="2700000" algn="tl">
+                    <a:srgbClr val="000000">
+                      <a:alpha val="43137"/>
+                    </a:srgbClr>
+                  </a:outerShdw>
+                </a:effectLst>
+                <a:highlight>
+                  <a:srgbClr val="FFFF00"/>
+                </a:highlight>
               </a:rPr>
               <a:t>市場価値の高いビジネスチャンス領域</a:t>
             </a:r>
@@ -16764,6 +20227,16 @@
               <a:solidFill>
                 <a:srgbClr val="FF0000"/>
               </a:solidFill>
+              <a:effectLst>
+                <a:outerShdw blurRad="38100" dist="38100" dir="2700000" algn="tl">
+                  <a:srgbClr val="000000">
+                    <a:alpha val="43137"/>
+                  </a:srgbClr>
+                </a:outerShdw>
+              </a:effectLst>
+              <a:highlight>
+                <a:srgbClr val="FFFF00"/>
+              </a:highlight>
             </a:endParaRPr>
           </a:p>
         </p:txBody>
@@ -16933,7 +20406,31 @@
               <a:rPr lang="ja-JP" altLang="en-US" dirty="0"/>
               <a:t>では不足する経験を十分にカバーしきれず若手人材が成長しにくい</a:t>
             </a:r>
-            <a:endParaRPr kumimoji="1" lang="en-US" altLang="ja-JP" dirty="0"/>
+            <a:endParaRPr lang="en-US" altLang="ja-JP" dirty="0"/>
+          </a:p>
+          <a:p>
+            <a:pPr marL="0" indent="0">
+              <a:buNone/>
+            </a:pPr>
+            <a:r>
+              <a:rPr kumimoji="1" lang="ja-JP" altLang="en-US" dirty="0">
+                <a:solidFill>
+                  <a:srgbClr val="FF0000"/>
+                </a:solidFill>
+                <a:highlight>
+                  <a:srgbClr val="FFFF00"/>
+                </a:highlight>
+              </a:rPr>
+              <a:t>⇒即戦力レベルへの教育が必須</a:t>
+            </a:r>
+            <a:endParaRPr kumimoji="1" lang="en-US" altLang="ja-JP" dirty="0">
+              <a:solidFill>
+                <a:srgbClr val="FF0000"/>
+              </a:solidFill>
+              <a:highlight>
+                <a:srgbClr val="FFFF00"/>
+              </a:highlight>
+            </a:endParaRPr>
           </a:p>
           <a:p>
             <a:endParaRPr kumimoji="1" lang="ja-JP" altLang="en-US" dirty="0"/>
@@ -17061,18 +20558,46 @@
               <a:buNone/>
             </a:pPr>
             <a:r>
-              <a:rPr kumimoji="1" lang="ja-JP" altLang="en-US" dirty="0"/>
+              <a:rPr kumimoji="1" lang="ja-JP" altLang="en-US" dirty="0">
+                <a:solidFill>
+                  <a:srgbClr val="FF0000"/>
+                </a:solidFill>
+                <a:highlight>
+                  <a:srgbClr val="FFFF00"/>
+                </a:highlight>
+              </a:rPr>
               <a:t>⇒</a:t>
             </a:r>
             <a:r>
-              <a:rPr kumimoji="1" lang="en-US" altLang="ja-JP" dirty="0"/>
+              <a:rPr kumimoji="1" lang="en-US" altLang="ja-JP" dirty="0">
+                <a:solidFill>
+                  <a:srgbClr val="FF0000"/>
+                </a:solidFill>
+                <a:highlight>
+                  <a:srgbClr val="FFFF00"/>
+                </a:highlight>
+              </a:rPr>
               <a:t>CI/CD</a:t>
             </a:r>
             <a:r>
-              <a:rPr kumimoji="1" lang="ja-JP" altLang="en-US" dirty="0"/>
+              <a:rPr kumimoji="1" lang="ja-JP" altLang="en-US" dirty="0">
+                <a:solidFill>
+                  <a:srgbClr val="FF0000"/>
+                </a:solidFill>
+                <a:highlight>
+                  <a:srgbClr val="FFFF00"/>
+                </a:highlight>
+              </a:rPr>
               <a:t>ツールを活用して本来の開発に集中できる仕組みが必要</a:t>
             </a:r>
-            <a:endParaRPr kumimoji="1" lang="en-US" altLang="ja-JP" dirty="0"/>
+            <a:endParaRPr kumimoji="1" lang="en-US" altLang="ja-JP" dirty="0">
+              <a:solidFill>
+                <a:srgbClr val="FF0000"/>
+              </a:solidFill>
+              <a:highlight>
+                <a:srgbClr val="FFFF00"/>
+              </a:highlight>
+            </a:endParaRPr>
           </a:p>
           <a:p>
             <a:endParaRPr kumimoji="1" lang="ja-JP" altLang="en-US" dirty="0"/>
@@ -17153,13 +20678,21 @@
             <p:ph idx="1"/>
           </p:nvPr>
         </p:nvSpPr>
-        <p:spPr/>
+        <p:spPr>
+          <a:xfrm>
+            <a:off x="1141412" y="2249486"/>
+            <a:ext cx="9905999" cy="3989995"/>
+          </a:xfrm>
+        </p:spPr>
         <p:txBody>
           <a:bodyPr>
             <a:normAutofit/>
           </a:bodyPr>
           <a:lstStyle/>
           <a:p>
+            <a:pPr marL="0" indent="0">
+              <a:buNone/>
+            </a:pPr>
             <a:r>
               <a:rPr kumimoji="1" lang="ja-JP" altLang="en-US" b="1" u="sng" dirty="0"/>
               <a:t>リソースビジネスモデルの課題</a:t>
@@ -17216,7 +20749,7 @@
             </a:r>
             <a:r>
               <a:rPr kumimoji="1" lang="ja-JP" altLang="en-US" dirty="0"/>
-              <a:t>投入人数のため顧客の経営（開発）状況など外的要因に依存</a:t>
+              <a:t>投入人数の図式となり売り上げ拡大アクションが難しい</a:t>
             </a:r>
             <a:endParaRPr kumimoji="1" lang="en-US" altLang="ja-JP" dirty="0"/>
           </a:p>
@@ -17225,7 +20758,31 @@
               <a:rPr lang="ja-JP" altLang="en-US" dirty="0"/>
               <a:t>指示型定型業務が多くなりモチベーションが下がり離職傾向が高まる</a:t>
             </a:r>
-            <a:endParaRPr kumimoji="1" lang="ja-JP" altLang="en-US" dirty="0"/>
+            <a:endParaRPr lang="en-US" altLang="ja-JP" dirty="0"/>
+          </a:p>
+          <a:p>
+            <a:pPr marL="0" indent="0">
+              <a:buNone/>
+            </a:pPr>
+            <a:r>
+              <a:rPr lang="ja-JP" altLang="en-US" dirty="0">
+                <a:solidFill>
+                  <a:srgbClr val="FF0000"/>
+                </a:solidFill>
+                <a:highlight>
+                  <a:srgbClr val="FFFF00"/>
+                </a:highlight>
+              </a:rPr>
+              <a:t>⇒自社サービスを提供し利益を上げるビジネスモデルが必要</a:t>
+            </a:r>
+            <a:endParaRPr kumimoji="1" lang="ja-JP" altLang="en-US" dirty="0">
+              <a:solidFill>
+                <a:srgbClr val="FF0000"/>
+              </a:solidFill>
+              <a:highlight>
+                <a:srgbClr val="FFFF00"/>
+              </a:highlight>
+            </a:endParaRPr>
           </a:p>
         </p:txBody>
       </p:sp>
@@ -17318,18 +20875,24 @@
           </a:p>
           <a:p>
             <a:r>
-              <a:rPr kumimoji="1" lang="ja-JP" altLang="en-US" dirty="0">
+              <a:rPr kumimoji="1" lang="ja-JP" altLang="en-US" u="sng" dirty="0">
                 <a:solidFill>
                   <a:srgbClr val="FF0000"/>
                 </a:solidFill>
+                <a:highlight>
+                  <a:srgbClr val="FFFF00"/>
+                </a:highlight>
               </a:rPr>
               <a:t>ソフトウェア開発と関連する社会的</a:t>
             </a:r>
             <a:r>
-              <a:rPr kumimoji="1" lang="en-US" altLang="ja-JP" dirty="0">
+              <a:rPr kumimoji="1" lang="en-US" altLang="ja-JP" u="sng" dirty="0">
                 <a:solidFill>
                   <a:srgbClr val="FF0000"/>
                 </a:solidFill>
+                <a:highlight>
+                  <a:srgbClr val="FFFF00"/>
+                </a:highlight>
               </a:rPr>
               <a:t>MISSION</a:t>
             </a:r>
@@ -17494,13 +21057,16 @@
             </a:r>
           </a:p>
           <a:p>
-            <a:r>
-              <a:rPr kumimoji="1" lang="ja-JP" altLang="en-US" sz="1800" dirty="0"/>
-              <a:t>「強靱なインフラ構築、包摂的かつ持続可能な産業化の促進及び技術革新の推進を図る」</a:t>
-            </a:r>
-          </a:p>
-          <a:p>
-            <a:endParaRPr kumimoji="1" lang="en-US" altLang="ja-JP" dirty="0"/>
+            <a:pPr marL="0" indent="0">
+              <a:buNone/>
+            </a:pPr>
+            <a:r>
+              <a:rPr kumimoji="1" lang="ja-JP" altLang="en-US" sz="2200" dirty="0"/>
+              <a:t>　「強靱なインフラ構築、包摂的かつ持続可能な産業化の促進及び技術革新の推進を図る」</a:t>
+            </a:r>
+          </a:p>
+          <a:p>
+            <a:endParaRPr kumimoji="1" lang="en-US" altLang="ja-JP" sz="3000" dirty="0"/>
           </a:p>
           <a:p>
             <a:r>
@@ -17514,76 +21080,121 @@
             <a:endParaRPr kumimoji="1" lang="ja-JP" altLang="en-US" dirty="0"/>
           </a:p>
           <a:p>
-            <a:r>
-              <a:rPr kumimoji="1" lang="en-US" altLang="ja-JP" b="1" dirty="0">
+            <a:pPr marL="0" indent="0">
+              <a:buNone/>
+            </a:pPr>
+            <a:r>
+              <a:rPr kumimoji="1" lang="en-US" altLang="ja-JP" dirty="0">
                 <a:solidFill>
                   <a:srgbClr val="FF0000"/>
                 </a:solidFill>
+                <a:effectLst/>
+                <a:highlight>
+                  <a:srgbClr val="FFFF00"/>
+                </a:highlight>
               </a:rPr>
               <a:t>IT</a:t>
             </a:r>
             <a:r>
-              <a:rPr kumimoji="1" lang="ja-JP" altLang="en-US" b="1" dirty="0">
+              <a:rPr kumimoji="1" lang="ja-JP" altLang="en-US" dirty="0">
                 <a:solidFill>
                   <a:srgbClr val="FF0000"/>
                 </a:solidFill>
+                <a:effectLst/>
+                <a:highlight>
+                  <a:srgbClr val="FFFF00"/>
+                </a:highlight>
               </a:rPr>
               <a:t>業界全体の課題解決（社会貢献）による企業ブランド価値の向上</a:t>
             </a:r>
           </a:p>
           <a:p>
-            <a:r>
-              <a:rPr lang="en-US" altLang="ja-JP" b="1" dirty="0">
+            <a:pPr marL="0" indent="0">
+              <a:buNone/>
+            </a:pPr>
+            <a:r>
+              <a:rPr lang="en-US" altLang="ja-JP" dirty="0">
                 <a:solidFill>
                   <a:srgbClr val="FF0000"/>
                 </a:solidFill>
+                <a:effectLst/>
+                <a:highlight>
+                  <a:srgbClr val="FFFF00"/>
+                </a:highlight>
               </a:rPr>
               <a:t>SDGs</a:t>
             </a:r>
             <a:r>
-              <a:rPr lang="ja-JP" altLang="en-US" b="1" dirty="0">
+              <a:rPr lang="ja-JP" altLang="en-US" dirty="0">
                 <a:solidFill>
                   <a:srgbClr val="FF0000"/>
                 </a:solidFill>
+                <a:effectLst/>
+                <a:highlight>
+                  <a:srgbClr val="FFFF00"/>
+                </a:highlight>
               </a:rPr>
               <a:t>関連の新規ビジネスチャンス（優先的に投資を受けられる）</a:t>
             </a:r>
-            <a:endParaRPr lang="en-US" altLang="ja-JP" b="1" dirty="0">
+            <a:endParaRPr lang="en-US" altLang="ja-JP" dirty="0">
               <a:solidFill>
                 <a:srgbClr val="FF0000"/>
               </a:solidFill>
+              <a:effectLst/>
+              <a:highlight>
+                <a:srgbClr val="FFFF00"/>
+              </a:highlight>
             </a:endParaRPr>
           </a:p>
           <a:p>
-            <a:r>
-              <a:rPr lang="ja-JP" altLang="en-US" b="1" dirty="0">
+            <a:pPr marL="0" indent="0">
+              <a:buNone/>
+            </a:pPr>
+            <a:r>
+              <a:rPr lang="ja-JP" altLang="en-US" dirty="0">
                 <a:solidFill>
                   <a:srgbClr val="FF0000"/>
                 </a:solidFill>
+                <a:effectLst/>
+                <a:highlight>
+                  <a:srgbClr val="FFFF00"/>
+                </a:highlight>
               </a:rPr>
               <a:t>新規ビジネスに伴う</a:t>
             </a:r>
             <a:r>
-              <a:rPr kumimoji="1" lang="ja-JP" altLang="en-US" b="1" dirty="0">
+              <a:rPr kumimoji="1" lang="ja-JP" altLang="en-US" dirty="0">
                 <a:solidFill>
                   <a:srgbClr val="FF0000"/>
                 </a:solidFill>
+                <a:effectLst/>
+                <a:highlight>
+                  <a:srgbClr val="FFFF00"/>
+                </a:highlight>
               </a:rPr>
               <a:t>幅広いキャリア形成</a:t>
             </a:r>
             <a:r>
-              <a:rPr kumimoji="1" lang="en-US" altLang="ja-JP" b="1" dirty="0">
+              <a:rPr kumimoji="1" lang="en-US" altLang="ja-JP" dirty="0">
                 <a:solidFill>
                   <a:srgbClr val="FF0000"/>
                 </a:solidFill>
+                <a:effectLst/>
+                <a:highlight>
+                  <a:srgbClr val="FFFF00"/>
+                </a:highlight>
               </a:rPr>
               <a:t>/</a:t>
             </a:r>
             <a:r>
-              <a:rPr kumimoji="1" lang="ja-JP" altLang="en-US" b="1" dirty="0">
+              <a:rPr kumimoji="1" lang="ja-JP" altLang="en-US" dirty="0">
                 <a:solidFill>
                   <a:srgbClr val="FF0000"/>
                 </a:solidFill>
+                <a:effectLst/>
+                <a:highlight>
+                  <a:srgbClr val="FFFF00"/>
+                </a:highlight>
               </a:rPr>
               <a:t>社会貢献によるモチベーションの向上</a:t>
             </a:r>
@@ -17606,7 +21217,7 @@
 <file path=ppt/theme/theme1.xml><?xml version="1.0" encoding="utf-8"?>
 <a:theme xmlns:a="http://schemas.openxmlformats.org/drawingml/2006/main" name="回路">
   <a:themeElements>
-    <a:clrScheme name="Circuit">
+    <a:clrScheme name="回路">
       <a:dk1>
         <a:sysClr val="windowText" lastClr="000000"/>
       </a:dk1>
@@ -17614,37 +21225,37 @@
         <a:sysClr val="window" lastClr="FFFFFF"/>
       </a:lt1>
       <a:dk2>
-        <a:srgbClr val="134770"/>
+        <a:srgbClr val="2B5F27"/>
       </a:dk2>
       <a:lt2>
-        <a:srgbClr val="82FFFF"/>
+        <a:srgbClr val="D8FC68"/>
       </a:lt2>
       <a:accent1>
-        <a:srgbClr val="9ACD4C"/>
+        <a:srgbClr val="DDC855"/>
       </a:accent1>
       <a:accent2>
-        <a:srgbClr val="FAA93A"/>
+        <a:srgbClr val="FCA03D"/>
       </a:accent2>
       <a:accent3>
-        <a:srgbClr val="D35940"/>
+        <a:srgbClr val="E36439"/>
       </a:accent3>
       <a:accent4>
-        <a:srgbClr val="B258D3"/>
+        <a:srgbClr val="C2935B"/>
       </a:accent4>
       <a:accent5>
-        <a:srgbClr val="63A0CC"/>
+        <a:srgbClr val="88C25C"/>
       </a:accent5>
       <a:accent6>
-        <a:srgbClr val="8AC4A7"/>
+        <a:srgbClr val="BFCC86"/>
       </a:accent6>
       <a:hlink>
-        <a:srgbClr val="B8FA56"/>
+        <a:srgbClr val="FFCE23"/>
       </a:hlink>
       <a:folHlink>
-        <a:srgbClr val="7AF8CC"/>
+        <a:srgbClr val="FDEB86"/>
       </a:folHlink>
     </a:clrScheme>
-    <a:fontScheme name="Circuit">
+    <a:fontScheme name="回路">
       <a:majorFont>
         <a:latin typeface="Tw Cen MT" panose="020B0602020104020603"/>
         <a:ea typeface=""/>
@@ -17716,7 +21327,7 @@
         <a:font script="Geor" typeface="Sylfaen"/>
       </a:minorFont>
     </a:fontScheme>
-    <a:fmtScheme name="Circuit">
+    <a:fmtScheme name="回路">
       <a:fillStyleLst>
         <a:solidFill>
           <a:schemeClr val="phClr"/>
@@ -17806,7 +21417,7 @@
             <a:gs pos="0">
               <a:schemeClr val="phClr">
                 <a:tint val="98000"/>
-                <a:hueMod val="94000"/>
+                <a:hueMod val="88000"/>
                 <a:satMod val="148000"/>
                 <a:lumMod val="150000"/>
               </a:schemeClr>
@@ -17833,7 +21444,7 @@
               </a:schemeClr>
               <a:schemeClr val="phClr">
                 <a:tint val="98000"/>
-                <a:hueMod val="90000"/>
+                <a:hueMod val="82000"/>
                 <a:satMod val="150000"/>
                 <a:lumMod val="160000"/>
               </a:schemeClr>
@@ -17848,7 +21459,7 @@
   <a:extraClrSchemeLst/>
   <a:extLst>
     <a:ext uri="{05A4C25C-085E-4340-85A3-A5531E510DB2}">
-      <thm15:themeFamily xmlns:thm15="http://schemas.microsoft.com/office/thememl/2012/main" name="Circuit" id="{0AC2F7E7-15F5-431C-B2A2-456FE929F56C}" vid="{0911B802-464C-4241-8DD9-B60FF88E379F}"/>
+      <thm15:themeFamily xmlns:thm15="http://schemas.microsoft.com/office/thememl/2012/main" name="Circuit" id="{0AC2F7E7-15F5-431C-B2A2-456FE929F56C}" vid="{97ECCC31-8429-4523-BE8D-8F09B7A4D46D}"/>
     </a:ext>
   </a:extLst>
 </a:theme>

--- a/Temp/39期ビジネスアイディア.pptx
+++ b/Temp/39期ビジネスアイディア.pptx
@@ -25,12 +25,14 @@
     <p:sldId id="277" r:id="rId19"/>
     <p:sldId id="287" r:id="rId20"/>
     <p:sldId id="267" r:id="rId21"/>
-    <p:sldId id="288" r:id="rId22"/>
-    <p:sldId id="293" r:id="rId23"/>
-    <p:sldId id="289" r:id="rId24"/>
-    <p:sldId id="290" r:id="rId25"/>
-    <p:sldId id="291" r:id="rId26"/>
-    <p:sldId id="292" r:id="rId27"/>
+    <p:sldId id="294" r:id="rId22"/>
+    <p:sldId id="295" r:id="rId23"/>
+    <p:sldId id="288" r:id="rId24"/>
+    <p:sldId id="293" r:id="rId25"/>
+    <p:sldId id="289" r:id="rId26"/>
+    <p:sldId id="290" r:id="rId27"/>
+    <p:sldId id="291" r:id="rId28"/>
+    <p:sldId id="292" r:id="rId29"/>
   </p:sldIdLst>
   <p:sldSz cx="12192000" cy="6858000"/>
   <p:notesSz cx="6858000" cy="9144000"/>
@@ -13036,7 +13038,11 @@
             </a:r>
             <a:r>
               <a:rPr kumimoji="1" lang="en-US" altLang="ja-JP" dirty="0"/>
-              <a:t> Lab</a:t>
+              <a:t> L</a:t>
+            </a:r>
+            <a:r>
+              <a:rPr lang="en-US" altLang="ja-JP" dirty="0"/>
+              <a:t>ab</a:t>
             </a:r>
             <a:r>
               <a:rPr kumimoji="1" lang="ja-JP" altLang="en-US" dirty="0"/>
@@ -14274,7 +14280,7 @@
         </p:spPr>
         <p:txBody>
           <a:bodyPr>
-            <a:normAutofit fontScale="85000" lnSpcReduction="20000"/>
+            <a:normAutofit fontScale="47500" lnSpcReduction="20000"/>
           </a:bodyPr>
           <a:lstStyle/>
           <a:p>
@@ -14303,6 +14309,33 @@
             <a:endParaRPr kumimoji="1" lang="en-US" altLang="ja-JP" dirty="0"/>
           </a:p>
           <a:p>
+            <a:pPr marL="0" indent="0">
+              <a:buNone/>
+            </a:pPr>
+            <a:r>
+              <a:rPr kumimoji="1" lang="ja-JP" altLang="en-US" dirty="0"/>
+              <a:t>（</a:t>
+            </a:r>
+            <a:r>
+              <a:rPr kumimoji="1" lang="en-US" altLang="ja-JP" dirty="0" err="1"/>
+              <a:t>RaspberryPi</a:t>
+            </a:r>
+            <a:r>
+              <a:rPr kumimoji="1" lang="en-US" altLang="ja-JP" dirty="0"/>
+              <a:t>/Arduino</a:t>
+            </a:r>
+            <a:r>
+              <a:rPr kumimoji="1" lang="ja-JP" altLang="en-US" dirty="0"/>
+              <a:t>を用いた電子工作教室と連携も可能）</a:t>
+            </a:r>
+          </a:p>
+          <a:p>
+            <a:pPr marL="0" indent="0">
+              <a:buNone/>
+            </a:pPr>
+            <a:endParaRPr kumimoji="1" lang="en-US" altLang="ja-JP" dirty="0"/>
+          </a:p>
+          <a:p>
             <a:r>
               <a:rPr kumimoji="1" lang="en-US" altLang="ja-JP" u="sng" dirty="0"/>
               <a:t>IT</a:t>
@@ -14324,6 +14357,12 @@
             <a:endParaRPr lang="en-US" altLang="ja-JP" dirty="0"/>
           </a:p>
           <a:p>
+            <a:pPr marL="0" indent="0">
+              <a:buNone/>
+            </a:pPr>
+            <a:endParaRPr lang="en-US" altLang="ja-JP" dirty="0"/>
+          </a:p>
+          <a:p>
             <a:r>
               <a:rPr lang="ja-JP" altLang="en-US" u="sng" dirty="0"/>
               <a:t>クラウドプラットフォームによりいつでもどこでも受講可能</a:t>
@@ -14346,6 +14385,12 @@
               <a:rPr lang="ja-JP" altLang="en-US" dirty="0"/>
               <a:t>場所を選ばずタイムリーに受講が可能</a:t>
             </a:r>
+            <a:endParaRPr lang="en-US" altLang="ja-JP" dirty="0"/>
+          </a:p>
+          <a:p>
+            <a:pPr marL="0" indent="0">
+              <a:buNone/>
+            </a:pPr>
             <a:endParaRPr lang="en-US" altLang="ja-JP" dirty="0"/>
           </a:p>
           <a:p>
@@ -14543,7 +14588,7 @@
         </p:spPr>
         <p:txBody>
           <a:bodyPr>
-            <a:normAutofit fontScale="85000" lnSpcReduction="20000"/>
+            <a:normAutofit fontScale="70000" lnSpcReduction="20000"/>
           </a:bodyPr>
           <a:lstStyle/>
           <a:p>
@@ -14682,6 +14727,32 @@
             <a:r>
               <a:rPr kumimoji="1" lang="ja-JP" altLang="en-US" dirty="0"/>
               <a:t>シミュレータ化し遠隔評価に対応</a:t>
+            </a:r>
+            <a:endParaRPr kumimoji="1" lang="en-US" altLang="ja-JP" dirty="0"/>
+          </a:p>
+          <a:p>
+            <a:pPr marL="0" indent="0">
+              <a:buNone/>
+            </a:pPr>
+            <a:r>
+              <a:rPr kumimoji="1" lang="ja-JP" altLang="en-US" dirty="0"/>
+              <a:t>　 </a:t>
+            </a:r>
+            <a:r>
+              <a:rPr kumimoji="1" lang="en-US" altLang="ja-JP" dirty="0"/>
+              <a:t>※HW</a:t>
+            </a:r>
+            <a:r>
+              <a:rPr kumimoji="1" lang="ja-JP" altLang="en-US" dirty="0"/>
+              <a:t>や高価な機材の準備といった導入コストの削減</a:t>
+            </a:r>
+            <a:r>
+              <a:rPr kumimoji="1" lang="en-US" altLang="ja-JP" dirty="0"/>
+              <a:t>/</a:t>
+            </a:r>
+            <a:r>
+              <a:rPr kumimoji="1" lang="ja-JP" altLang="en-US" dirty="0"/>
+              <a:t>実機評価時間の短縮</a:t>
             </a:r>
             <a:endParaRPr kumimoji="1" lang="en-US" altLang="ja-JP" dirty="0"/>
           </a:p>
@@ -15705,6 +15776,226 @@
           <p:cNvPr id="2" name="タイトル 1">
             <a:extLst>
               <a:ext uri="{FF2B5EF4-FFF2-40B4-BE49-F238E27FC236}">
+                <a16:creationId xmlns:a16="http://schemas.microsoft.com/office/drawing/2014/main" id="{F75682C6-528A-5FF2-8575-2A982DA7B1CA}"/>
+              </a:ext>
+            </a:extLst>
+          </p:cNvPr>
+          <p:cNvSpPr>
+            <a:spLocks noGrp="1"/>
+          </p:cNvSpPr>
+          <p:nvPr>
+            <p:ph type="title"/>
+          </p:nvPr>
+        </p:nvSpPr>
+        <p:spPr/>
+        <p:txBody>
+          <a:bodyPr>
+            <a:normAutofit/>
+          </a:bodyPr>
+          <a:lstStyle/>
+          <a:p>
+            <a:r>
+              <a:rPr kumimoji="1" lang="en-US" altLang="ja-JP" dirty="0"/>
+              <a:t>RENESAS</a:t>
+            </a:r>
+            <a:r>
+              <a:rPr kumimoji="1" lang="ja-JP" altLang="en-US" dirty="0"/>
+              <a:t>製「クイックコネクトスタジオ」</a:t>
+            </a:r>
+          </a:p>
+        </p:txBody>
+      </p:sp>
+      <p:sp>
+        <p:nvSpPr>
+          <p:cNvPr id="9" name="コンテンツ プレースホルダー 8">
+            <a:extLst>
+              <a:ext uri="{FF2B5EF4-FFF2-40B4-BE49-F238E27FC236}">
+                <a16:creationId xmlns:a16="http://schemas.microsoft.com/office/drawing/2014/main" id="{F3AAF4A5-8414-1CE8-39B0-1E948A3BF597}"/>
+              </a:ext>
+            </a:extLst>
+          </p:cNvPr>
+          <p:cNvSpPr>
+            <a:spLocks noGrp="1"/>
+          </p:cNvSpPr>
+          <p:nvPr>
+            <p:ph idx="1"/>
+          </p:nvPr>
+        </p:nvSpPr>
+        <p:spPr/>
+        <p:txBody>
+          <a:bodyPr/>
+          <a:lstStyle/>
+          <a:p>
+            <a:endParaRPr lang="ja-JP" altLang="en-US" dirty="0"/>
+          </a:p>
+        </p:txBody>
+      </p:sp>
+      <p:pic>
+        <p:nvPicPr>
+          <p:cNvPr id="7" name="図 6">
+            <a:extLst>
+              <a:ext uri="{FF2B5EF4-FFF2-40B4-BE49-F238E27FC236}">
+                <a16:creationId xmlns:a16="http://schemas.microsoft.com/office/drawing/2014/main" id="{AAB69611-EFD6-6559-7CBD-7EF11B7ED353}"/>
+              </a:ext>
+            </a:extLst>
+          </p:cNvPr>
+          <p:cNvPicPr>
+            <a:picLocks noChangeAspect="1"/>
+          </p:cNvPicPr>
+          <p:nvPr/>
+        </p:nvPicPr>
+        <p:blipFill>
+          <a:blip r:embed="rId2"/>
+          <a:stretch>
+            <a:fillRect/>
+          </a:stretch>
+        </p:blipFill>
+        <p:spPr>
+          <a:xfrm>
+            <a:off x="1278082" y="1690025"/>
+            <a:ext cx="8941862" cy="4660638"/>
+          </a:xfrm>
+          <a:prstGeom prst="rect">
+            <a:avLst/>
+          </a:prstGeom>
+        </p:spPr>
+      </p:pic>
+    </p:spTree>
+    <p:extLst>
+      <p:ext uri="{BB962C8B-B14F-4D97-AF65-F5344CB8AC3E}">
+        <p14:creationId xmlns:p14="http://schemas.microsoft.com/office/powerpoint/2010/main" val="110769471"/>
+      </p:ext>
+    </p:extLst>
+  </p:cSld>
+  <p:clrMapOvr>
+    <a:masterClrMapping/>
+  </p:clrMapOvr>
+</p:sld>
+</file>
+
+<file path=ppt/slides/slide22.xml><?xml version="1.0" encoding="utf-8"?>
+<p:sld xmlns:a="http://schemas.openxmlformats.org/drawingml/2006/main" xmlns:r="http://schemas.openxmlformats.org/officeDocument/2006/relationships" xmlns:p="http://schemas.openxmlformats.org/presentationml/2006/main">
+  <p:cSld>
+    <p:spTree>
+      <p:nvGrpSpPr>
+        <p:cNvPr id="1" name=""/>
+        <p:cNvGrpSpPr/>
+        <p:nvPr/>
+      </p:nvGrpSpPr>
+      <p:grpSpPr>
+        <a:xfrm>
+          <a:off x="0" y="0"/>
+          <a:ext cx="0" cy="0"/>
+          <a:chOff x="0" y="0"/>
+          <a:chExt cx="0" cy="0"/>
+        </a:xfrm>
+      </p:grpSpPr>
+      <p:sp>
+        <p:nvSpPr>
+          <p:cNvPr id="2" name="タイトル 1">
+            <a:extLst>
+              <a:ext uri="{FF2B5EF4-FFF2-40B4-BE49-F238E27FC236}">
+                <a16:creationId xmlns:a16="http://schemas.microsoft.com/office/drawing/2014/main" id="{F75682C6-528A-5FF2-8575-2A982DA7B1CA}"/>
+              </a:ext>
+            </a:extLst>
+          </p:cNvPr>
+          <p:cNvSpPr>
+            <a:spLocks noGrp="1"/>
+          </p:cNvSpPr>
+          <p:nvPr>
+            <p:ph type="title"/>
+          </p:nvPr>
+        </p:nvSpPr>
+        <p:spPr/>
+        <p:txBody>
+          <a:bodyPr>
+            <a:normAutofit/>
+          </a:bodyPr>
+          <a:lstStyle/>
+          <a:p>
+            <a:r>
+              <a:rPr kumimoji="1" lang="en-US" altLang="ja-JP" dirty="0"/>
+              <a:t>RENESAS</a:t>
+            </a:r>
+            <a:r>
+              <a:rPr kumimoji="1" lang="ja-JP" altLang="en-US" dirty="0"/>
+              <a:t>製「</a:t>
+            </a:r>
+            <a:r>
+              <a:rPr kumimoji="1" lang="en-US" altLang="ja-JP" dirty="0"/>
+              <a:t>LAB ON THE CLOUD</a:t>
+            </a:r>
+            <a:r>
+              <a:rPr kumimoji="1" lang="ja-JP" altLang="en-US" dirty="0"/>
+              <a:t>」</a:t>
+            </a:r>
+          </a:p>
+        </p:txBody>
+      </p:sp>
+      <p:pic>
+        <p:nvPicPr>
+          <p:cNvPr id="5" name="コンテンツ プレースホルダー 4">
+            <a:extLst>
+              <a:ext uri="{FF2B5EF4-FFF2-40B4-BE49-F238E27FC236}">
+                <a16:creationId xmlns:a16="http://schemas.microsoft.com/office/drawing/2014/main" id="{57C45B90-AE6B-E9E1-135E-64A534AD7D81}"/>
+              </a:ext>
+            </a:extLst>
+          </p:cNvPr>
+          <p:cNvPicPr>
+            <a:picLocks noGrp="1" noChangeAspect="1"/>
+          </p:cNvPicPr>
+          <p:nvPr>
+            <p:ph idx="1"/>
+          </p:nvPr>
+        </p:nvPicPr>
+        <p:blipFill>
+          <a:blip r:embed="rId2"/>
+          <a:stretch>
+            <a:fillRect/>
+          </a:stretch>
+        </p:blipFill>
+        <p:spPr>
+          <a:xfrm>
+            <a:off x="1309655" y="1781369"/>
+            <a:ext cx="9351646" cy="4874224"/>
+          </a:xfrm>
+        </p:spPr>
+      </p:pic>
+    </p:spTree>
+    <p:extLst>
+      <p:ext uri="{BB962C8B-B14F-4D97-AF65-F5344CB8AC3E}">
+        <p14:creationId xmlns:p14="http://schemas.microsoft.com/office/powerpoint/2010/main" val="1289877113"/>
+      </p:ext>
+    </p:extLst>
+  </p:cSld>
+  <p:clrMapOvr>
+    <a:masterClrMapping/>
+  </p:clrMapOvr>
+</p:sld>
+</file>
+
+<file path=ppt/slides/slide23.xml><?xml version="1.0" encoding="utf-8"?>
+<p:sld xmlns:a="http://schemas.openxmlformats.org/drawingml/2006/main" xmlns:r="http://schemas.openxmlformats.org/officeDocument/2006/relationships" xmlns:p="http://schemas.openxmlformats.org/presentationml/2006/main">
+  <p:cSld>
+    <p:spTree>
+      <p:nvGrpSpPr>
+        <p:cNvPr id="1" name=""/>
+        <p:cNvGrpSpPr/>
+        <p:nvPr/>
+      </p:nvGrpSpPr>
+      <p:grpSpPr>
+        <a:xfrm>
+          <a:off x="0" y="0"/>
+          <a:ext cx="0" cy="0"/>
+          <a:chOff x="0" y="0"/>
+          <a:chExt cx="0" cy="0"/>
+        </a:xfrm>
+      </p:grpSpPr>
+      <p:sp>
+        <p:nvSpPr>
+          <p:cNvPr id="2" name="タイトル 1">
+            <a:extLst>
+              <a:ext uri="{FF2B5EF4-FFF2-40B4-BE49-F238E27FC236}">
                 <a16:creationId xmlns:a16="http://schemas.microsoft.com/office/drawing/2014/main" id="{FC5EC01A-F3C8-8874-2E46-B152FC32C821}"/>
               </a:ext>
             </a:extLst>
@@ -15815,7 +16106,7 @@
 </p:sld>
 </file>
 
-<file path=ppt/slides/slide22.xml><?xml version="1.0" encoding="utf-8"?>
+<file path=ppt/slides/slide24.xml><?xml version="1.0" encoding="utf-8"?>
 <p:sld xmlns:a="http://schemas.openxmlformats.org/drawingml/2006/main" xmlns:r="http://schemas.openxmlformats.org/officeDocument/2006/relationships" xmlns:p="http://schemas.openxmlformats.org/presentationml/2006/main">
   <p:cSld>
     <p:spTree>
@@ -19104,7 +19395,7 @@
 </p:sld>
 </file>
 
-<file path=ppt/slides/slide23.xml><?xml version="1.0" encoding="utf-8"?>
+<file path=ppt/slides/slide25.xml><?xml version="1.0" encoding="utf-8"?>
 <p:sld xmlns:a="http://schemas.openxmlformats.org/drawingml/2006/main" xmlns:r="http://schemas.openxmlformats.org/officeDocument/2006/relationships" xmlns:p="http://schemas.openxmlformats.org/presentationml/2006/main">
   <p:cSld>
     <p:spTree>
@@ -19267,7 +19558,7 @@
 </p:sld>
 </file>
 
-<file path=ppt/slides/slide24.xml><?xml version="1.0" encoding="utf-8"?>
+<file path=ppt/slides/slide26.xml><?xml version="1.0" encoding="utf-8"?>
 <p:sld xmlns:a="http://schemas.openxmlformats.org/drawingml/2006/main" xmlns:r="http://schemas.openxmlformats.org/officeDocument/2006/relationships" xmlns:p="http://schemas.openxmlformats.org/presentationml/2006/main">
   <p:cSld>
     <p:spTree>
@@ -19463,7 +19754,7 @@
 </p:sld>
 </file>
 
-<file path=ppt/slides/slide25.xml><?xml version="1.0" encoding="utf-8"?>
+<file path=ppt/slides/slide27.xml><?xml version="1.0" encoding="utf-8"?>
 <p:sld xmlns:a="http://schemas.openxmlformats.org/drawingml/2006/main" xmlns:r="http://schemas.openxmlformats.org/officeDocument/2006/relationships" xmlns:p="http://schemas.openxmlformats.org/presentationml/2006/main">
   <p:cSld>
     <p:spTree>
@@ -19653,7 +19944,7 @@
 </p:sld>
 </file>
 
-<file path=ppt/slides/slide26.xml><?xml version="1.0" encoding="utf-8"?>
+<file path=ppt/slides/slide28.xml><?xml version="1.0" encoding="utf-8"?>
 <p:sld xmlns:a="http://schemas.openxmlformats.org/drawingml/2006/main" xmlns:r="http://schemas.openxmlformats.org/officeDocument/2006/relationships" xmlns:p="http://schemas.openxmlformats.org/presentationml/2006/main">
   <p:cSld>
     <p:spTree>
